--- a/.lessons (az)/60 HTTP/1 http.pptx
+++ b/.lessons (az)/60 HTTP/1 http.pptx
@@ -5,22 +5,34 @@
     <p:sldMasterId id="2147483648" r:id="rId1"/>
   </p:sldMasterIdLst>
   <p:notesMasterIdLst>
-    <p:notesMasterId r:id="rId15"/>
+    <p:notesMasterId r:id="rId27"/>
   </p:notesMasterIdLst>
   <p:sldIdLst>
     <p:sldId id="535" r:id="rId2"/>
     <p:sldId id="536" r:id="rId3"/>
     <p:sldId id="537" r:id="rId4"/>
-    <p:sldId id="538" r:id="rId5"/>
-    <p:sldId id="539" r:id="rId6"/>
-    <p:sldId id="540" r:id="rId7"/>
-    <p:sldId id="541" r:id="rId8"/>
-    <p:sldId id="542" r:id="rId9"/>
-    <p:sldId id="543" r:id="rId10"/>
-    <p:sldId id="544" r:id="rId11"/>
-    <p:sldId id="545" r:id="rId12"/>
-    <p:sldId id="546" r:id="rId13"/>
-    <p:sldId id="547" r:id="rId14"/>
+    <p:sldId id="547" r:id="rId5"/>
+    <p:sldId id="553" r:id="rId6"/>
+    <p:sldId id="538" r:id="rId7"/>
+    <p:sldId id="539" r:id="rId8"/>
+    <p:sldId id="540" r:id="rId9"/>
+    <p:sldId id="541" r:id="rId10"/>
+    <p:sldId id="542" r:id="rId11"/>
+    <p:sldId id="543" r:id="rId12"/>
+    <p:sldId id="548" r:id="rId13"/>
+    <p:sldId id="549" r:id="rId14"/>
+    <p:sldId id="550" r:id="rId15"/>
+    <p:sldId id="551" r:id="rId16"/>
+    <p:sldId id="552" r:id="rId17"/>
+    <p:sldId id="544" r:id="rId18"/>
+    <p:sldId id="545" r:id="rId19"/>
+    <p:sldId id="546" r:id="rId20"/>
+    <p:sldId id="554" r:id="rId21"/>
+    <p:sldId id="555" r:id="rId22"/>
+    <p:sldId id="556" r:id="rId23"/>
+    <p:sldId id="557" r:id="rId24"/>
+    <p:sldId id="558" r:id="rId25"/>
+    <p:sldId id="559" r:id="rId26"/>
   </p:sldIdLst>
   <p:sldSz cx="12192000" cy="6858000"/>
   <p:notesSz cx="6858000" cy="9144000"/>
@@ -592,6 +604,762 @@
         <p:cNvPr id="1" name="">
           <a:extLst>
             <a:ext uri="{FF2B5EF4-FFF2-40B4-BE49-F238E27FC236}">
+              <a16:creationId xmlns:a16="http://schemas.microsoft.com/office/drawing/2014/main" id="{7DE1DC33-E650-53AB-9871-50A930A54990}"/>
+            </a:ext>
+          </a:extLst>
+        </p:cNvPr>
+        <p:cNvGrpSpPr/>
+        <p:nvPr/>
+      </p:nvGrpSpPr>
+      <p:grpSpPr>
+        <a:xfrm>
+          <a:off x="0" y="0"/>
+          <a:ext cx="0" cy="0"/>
+          <a:chOff x="0" y="0"/>
+          <a:chExt cx="0" cy="0"/>
+        </a:xfrm>
+      </p:grpSpPr>
+      <p:sp>
+        <p:nvSpPr>
+          <p:cNvPr id="2" name="Slide Image Placeholder 1">
+            <a:extLst>
+              <a:ext uri="{FF2B5EF4-FFF2-40B4-BE49-F238E27FC236}">
+                <a16:creationId xmlns:a16="http://schemas.microsoft.com/office/drawing/2014/main" id="{B4CBF455-D858-1456-C35B-3FBDA160DCEC}"/>
+              </a:ext>
+            </a:extLst>
+          </p:cNvPr>
+          <p:cNvSpPr>
+            <a:spLocks noGrp="1" noRot="1" noChangeAspect="1"/>
+          </p:cNvSpPr>
+          <p:nvPr>
+            <p:ph type="sldImg"/>
+          </p:nvPr>
+        </p:nvSpPr>
+        <p:spPr/>
+      </p:sp>
+      <p:sp>
+        <p:nvSpPr>
+          <p:cNvPr id="3" name="Notes Placeholder 2">
+            <a:extLst>
+              <a:ext uri="{FF2B5EF4-FFF2-40B4-BE49-F238E27FC236}">
+                <a16:creationId xmlns:a16="http://schemas.microsoft.com/office/drawing/2014/main" id="{41B6FDF0-2D71-C87B-F6B3-0CA71A0FFE2B}"/>
+              </a:ext>
+            </a:extLst>
+          </p:cNvPr>
+          <p:cNvSpPr>
+            <a:spLocks noGrp="1"/>
+          </p:cNvSpPr>
+          <p:nvPr>
+            <p:ph type="body" idx="1"/>
+          </p:nvPr>
+        </p:nvSpPr>
+        <p:spPr/>
+        <p:txBody>
+          <a:bodyPr/>
+          <a:lstStyle/>
+          <a:p>
+            <a:endParaRPr lang="en-US"/>
+          </a:p>
+        </p:txBody>
+      </p:sp>
+      <p:sp>
+        <p:nvSpPr>
+          <p:cNvPr id="4" name="Slide Number Placeholder 3">
+            <a:extLst>
+              <a:ext uri="{FF2B5EF4-FFF2-40B4-BE49-F238E27FC236}">
+                <a16:creationId xmlns:a16="http://schemas.microsoft.com/office/drawing/2014/main" id="{F490EA1B-FD0E-A90D-8756-CFB2C697C451}"/>
+              </a:ext>
+            </a:extLst>
+          </p:cNvPr>
+          <p:cNvSpPr>
+            <a:spLocks noGrp="1"/>
+          </p:cNvSpPr>
+          <p:nvPr>
+            <p:ph type="sldNum" sz="quarter" idx="5"/>
+          </p:nvPr>
+        </p:nvSpPr>
+        <p:spPr/>
+        <p:txBody>
+          <a:bodyPr/>
+          <a:lstStyle/>
+          <a:p>
+            <a:fld id="{659E7695-2856-4E04-B435-7203877CB9AD}" type="slidenum">
+              <a:rPr lang="en-US" smtClean="0"/>
+              <a:t>10</a:t>
+            </a:fld>
+            <a:endParaRPr lang="en-US"/>
+          </a:p>
+        </p:txBody>
+      </p:sp>
+    </p:spTree>
+    <p:extLst>
+      <p:ext uri="{BB962C8B-B14F-4D97-AF65-F5344CB8AC3E}">
+        <p14:creationId xmlns:p14="http://schemas.microsoft.com/office/powerpoint/2010/main" val="2610867565"/>
+      </p:ext>
+    </p:extLst>
+  </p:cSld>
+  <p:clrMapOvr>
+    <a:masterClrMapping/>
+  </p:clrMapOvr>
+</p:notes>
+</file>
+
+<file path=ppt/notesSlides/notesSlide11.xml><?xml version="1.0" encoding="utf-8"?>
+<p:notes xmlns:a="http://schemas.openxmlformats.org/drawingml/2006/main" xmlns:r="http://schemas.openxmlformats.org/officeDocument/2006/relationships" xmlns:p="http://schemas.openxmlformats.org/presentationml/2006/main">
+  <p:cSld>
+    <p:spTree>
+      <p:nvGrpSpPr>
+        <p:cNvPr id="1" name="">
+          <a:extLst>
+            <a:ext uri="{FF2B5EF4-FFF2-40B4-BE49-F238E27FC236}">
+              <a16:creationId xmlns:a16="http://schemas.microsoft.com/office/drawing/2014/main" id="{97862F6A-993A-4856-2663-286AB7813BC1}"/>
+            </a:ext>
+          </a:extLst>
+        </p:cNvPr>
+        <p:cNvGrpSpPr/>
+        <p:nvPr/>
+      </p:nvGrpSpPr>
+      <p:grpSpPr>
+        <a:xfrm>
+          <a:off x="0" y="0"/>
+          <a:ext cx="0" cy="0"/>
+          <a:chOff x="0" y="0"/>
+          <a:chExt cx="0" cy="0"/>
+        </a:xfrm>
+      </p:grpSpPr>
+      <p:sp>
+        <p:nvSpPr>
+          <p:cNvPr id="2" name="Slide Image Placeholder 1">
+            <a:extLst>
+              <a:ext uri="{FF2B5EF4-FFF2-40B4-BE49-F238E27FC236}">
+                <a16:creationId xmlns:a16="http://schemas.microsoft.com/office/drawing/2014/main" id="{4314D4DC-EA6E-405A-D6AD-60A6618CF8BA}"/>
+              </a:ext>
+            </a:extLst>
+          </p:cNvPr>
+          <p:cNvSpPr>
+            <a:spLocks noGrp="1" noRot="1" noChangeAspect="1"/>
+          </p:cNvSpPr>
+          <p:nvPr>
+            <p:ph type="sldImg"/>
+          </p:nvPr>
+        </p:nvSpPr>
+        <p:spPr/>
+      </p:sp>
+      <p:sp>
+        <p:nvSpPr>
+          <p:cNvPr id="3" name="Notes Placeholder 2">
+            <a:extLst>
+              <a:ext uri="{FF2B5EF4-FFF2-40B4-BE49-F238E27FC236}">
+                <a16:creationId xmlns:a16="http://schemas.microsoft.com/office/drawing/2014/main" id="{A8487AC9-8142-C07A-18EC-818AC6361BB5}"/>
+              </a:ext>
+            </a:extLst>
+          </p:cNvPr>
+          <p:cNvSpPr>
+            <a:spLocks noGrp="1"/>
+          </p:cNvSpPr>
+          <p:nvPr>
+            <p:ph type="body" idx="1"/>
+          </p:nvPr>
+        </p:nvSpPr>
+        <p:spPr/>
+        <p:txBody>
+          <a:bodyPr/>
+          <a:lstStyle/>
+          <a:p>
+            <a:endParaRPr lang="en-US"/>
+          </a:p>
+        </p:txBody>
+      </p:sp>
+      <p:sp>
+        <p:nvSpPr>
+          <p:cNvPr id="4" name="Slide Number Placeholder 3">
+            <a:extLst>
+              <a:ext uri="{FF2B5EF4-FFF2-40B4-BE49-F238E27FC236}">
+                <a16:creationId xmlns:a16="http://schemas.microsoft.com/office/drawing/2014/main" id="{273E1065-1E3C-54B9-5531-B7E667B2D3BE}"/>
+              </a:ext>
+            </a:extLst>
+          </p:cNvPr>
+          <p:cNvSpPr>
+            <a:spLocks noGrp="1"/>
+          </p:cNvSpPr>
+          <p:nvPr>
+            <p:ph type="sldNum" sz="quarter" idx="5"/>
+          </p:nvPr>
+        </p:nvSpPr>
+        <p:spPr/>
+        <p:txBody>
+          <a:bodyPr/>
+          <a:lstStyle/>
+          <a:p>
+            <a:fld id="{659E7695-2856-4E04-B435-7203877CB9AD}" type="slidenum">
+              <a:rPr lang="en-US" smtClean="0"/>
+              <a:t>11</a:t>
+            </a:fld>
+            <a:endParaRPr lang="en-US"/>
+          </a:p>
+        </p:txBody>
+      </p:sp>
+    </p:spTree>
+    <p:extLst>
+      <p:ext uri="{BB962C8B-B14F-4D97-AF65-F5344CB8AC3E}">
+        <p14:creationId xmlns:p14="http://schemas.microsoft.com/office/powerpoint/2010/main" val="1552227852"/>
+      </p:ext>
+    </p:extLst>
+  </p:cSld>
+  <p:clrMapOvr>
+    <a:masterClrMapping/>
+  </p:clrMapOvr>
+</p:notes>
+</file>
+
+<file path=ppt/notesSlides/notesSlide12.xml><?xml version="1.0" encoding="utf-8"?>
+<p:notes xmlns:a="http://schemas.openxmlformats.org/drawingml/2006/main" xmlns:r="http://schemas.openxmlformats.org/officeDocument/2006/relationships" xmlns:p="http://schemas.openxmlformats.org/presentationml/2006/main">
+  <p:cSld>
+    <p:spTree>
+      <p:nvGrpSpPr>
+        <p:cNvPr id="1" name="">
+          <a:extLst>
+            <a:ext uri="{FF2B5EF4-FFF2-40B4-BE49-F238E27FC236}">
+              <a16:creationId xmlns:a16="http://schemas.microsoft.com/office/drawing/2014/main" id="{7C98362E-0653-E0EE-9911-14FDAF7F3B76}"/>
+            </a:ext>
+          </a:extLst>
+        </p:cNvPr>
+        <p:cNvGrpSpPr/>
+        <p:nvPr/>
+      </p:nvGrpSpPr>
+      <p:grpSpPr>
+        <a:xfrm>
+          <a:off x="0" y="0"/>
+          <a:ext cx="0" cy="0"/>
+          <a:chOff x="0" y="0"/>
+          <a:chExt cx="0" cy="0"/>
+        </a:xfrm>
+      </p:grpSpPr>
+      <p:sp>
+        <p:nvSpPr>
+          <p:cNvPr id="2" name="Slide Image Placeholder 1">
+            <a:extLst>
+              <a:ext uri="{FF2B5EF4-FFF2-40B4-BE49-F238E27FC236}">
+                <a16:creationId xmlns:a16="http://schemas.microsoft.com/office/drawing/2014/main" id="{F784ACD3-D1E2-FB3B-0E64-3CD8E2E65021}"/>
+              </a:ext>
+            </a:extLst>
+          </p:cNvPr>
+          <p:cNvSpPr>
+            <a:spLocks noGrp="1" noRot="1" noChangeAspect="1"/>
+          </p:cNvSpPr>
+          <p:nvPr>
+            <p:ph type="sldImg"/>
+          </p:nvPr>
+        </p:nvSpPr>
+        <p:spPr/>
+      </p:sp>
+      <p:sp>
+        <p:nvSpPr>
+          <p:cNvPr id="3" name="Notes Placeholder 2">
+            <a:extLst>
+              <a:ext uri="{FF2B5EF4-FFF2-40B4-BE49-F238E27FC236}">
+                <a16:creationId xmlns:a16="http://schemas.microsoft.com/office/drawing/2014/main" id="{30036F7E-92FF-2C65-93AA-65ADDF2539A2}"/>
+              </a:ext>
+            </a:extLst>
+          </p:cNvPr>
+          <p:cNvSpPr>
+            <a:spLocks noGrp="1"/>
+          </p:cNvSpPr>
+          <p:nvPr>
+            <p:ph type="body" idx="1"/>
+          </p:nvPr>
+        </p:nvSpPr>
+        <p:spPr/>
+        <p:txBody>
+          <a:bodyPr/>
+          <a:lstStyle/>
+          <a:p>
+            <a:endParaRPr lang="en-US"/>
+          </a:p>
+        </p:txBody>
+      </p:sp>
+      <p:sp>
+        <p:nvSpPr>
+          <p:cNvPr id="4" name="Slide Number Placeholder 3">
+            <a:extLst>
+              <a:ext uri="{FF2B5EF4-FFF2-40B4-BE49-F238E27FC236}">
+                <a16:creationId xmlns:a16="http://schemas.microsoft.com/office/drawing/2014/main" id="{F277B85A-71E7-D851-36A4-4F15FD8729D2}"/>
+              </a:ext>
+            </a:extLst>
+          </p:cNvPr>
+          <p:cNvSpPr>
+            <a:spLocks noGrp="1"/>
+          </p:cNvSpPr>
+          <p:nvPr>
+            <p:ph type="sldNum" sz="quarter" idx="5"/>
+          </p:nvPr>
+        </p:nvSpPr>
+        <p:spPr/>
+        <p:txBody>
+          <a:bodyPr/>
+          <a:lstStyle/>
+          <a:p>
+            <a:fld id="{659E7695-2856-4E04-B435-7203877CB9AD}" type="slidenum">
+              <a:rPr lang="en-US" smtClean="0"/>
+              <a:t>12</a:t>
+            </a:fld>
+            <a:endParaRPr lang="en-US"/>
+          </a:p>
+        </p:txBody>
+      </p:sp>
+    </p:spTree>
+    <p:extLst>
+      <p:ext uri="{BB962C8B-B14F-4D97-AF65-F5344CB8AC3E}">
+        <p14:creationId xmlns:p14="http://schemas.microsoft.com/office/powerpoint/2010/main" val="310959994"/>
+      </p:ext>
+    </p:extLst>
+  </p:cSld>
+  <p:clrMapOvr>
+    <a:masterClrMapping/>
+  </p:clrMapOvr>
+</p:notes>
+</file>
+
+<file path=ppt/notesSlides/notesSlide13.xml><?xml version="1.0" encoding="utf-8"?>
+<p:notes xmlns:a="http://schemas.openxmlformats.org/drawingml/2006/main" xmlns:r="http://schemas.openxmlformats.org/officeDocument/2006/relationships" xmlns:p="http://schemas.openxmlformats.org/presentationml/2006/main">
+  <p:cSld>
+    <p:spTree>
+      <p:nvGrpSpPr>
+        <p:cNvPr id="1" name="">
+          <a:extLst>
+            <a:ext uri="{FF2B5EF4-FFF2-40B4-BE49-F238E27FC236}">
+              <a16:creationId xmlns:a16="http://schemas.microsoft.com/office/drawing/2014/main" id="{E616D0E8-F3D9-2233-EAAB-D325170AD2B1}"/>
+            </a:ext>
+          </a:extLst>
+        </p:cNvPr>
+        <p:cNvGrpSpPr/>
+        <p:nvPr/>
+      </p:nvGrpSpPr>
+      <p:grpSpPr>
+        <a:xfrm>
+          <a:off x="0" y="0"/>
+          <a:ext cx="0" cy="0"/>
+          <a:chOff x="0" y="0"/>
+          <a:chExt cx="0" cy="0"/>
+        </a:xfrm>
+      </p:grpSpPr>
+      <p:sp>
+        <p:nvSpPr>
+          <p:cNvPr id="2" name="Slide Image Placeholder 1">
+            <a:extLst>
+              <a:ext uri="{FF2B5EF4-FFF2-40B4-BE49-F238E27FC236}">
+                <a16:creationId xmlns:a16="http://schemas.microsoft.com/office/drawing/2014/main" id="{BC64E2A6-0073-9CEA-0246-33F215DC6D0A}"/>
+              </a:ext>
+            </a:extLst>
+          </p:cNvPr>
+          <p:cNvSpPr>
+            <a:spLocks noGrp="1" noRot="1" noChangeAspect="1"/>
+          </p:cNvSpPr>
+          <p:nvPr>
+            <p:ph type="sldImg"/>
+          </p:nvPr>
+        </p:nvSpPr>
+        <p:spPr/>
+      </p:sp>
+      <p:sp>
+        <p:nvSpPr>
+          <p:cNvPr id="3" name="Notes Placeholder 2">
+            <a:extLst>
+              <a:ext uri="{FF2B5EF4-FFF2-40B4-BE49-F238E27FC236}">
+                <a16:creationId xmlns:a16="http://schemas.microsoft.com/office/drawing/2014/main" id="{A92C04DA-19FE-81EC-F8F3-69E1142CEC09}"/>
+              </a:ext>
+            </a:extLst>
+          </p:cNvPr>
+          <p:cNvSpPr>
+            <a:spLocks noGrp="1"/>
+          </p:cNvSpPr>
+          <p:nvPr>
+            <p:ph type="body" idx="1"/>
+          </p:nvPr>
+        </p:nvSpPr>
+        <p:spPr/>
+        <p:txBody>
+          <a:bodyPr/>
+          <a:lstStyle/>
+          <a:p>
+            <a:endParaRPr lang="en-US"/>
+          </a:p>
+        </p:txBody>
+      </p:sp>
+      <p:sp>
+        <p:nvSpPr>
+          <p:cNvPr id="4" name="Slide Number Placeholder 3">
+            <a:extLst>
+              <a:ext uri="{FF2B5EF4-FFF2-40B4-BE49-F238E27FC236}">
+                <a16:creationId xmlns:a16="http://schemas.microsoft.com/office/drawing/2014/main" id="{DD1DDB78-7CC4-FDAD-5CC1-91F9B90E3F2F}"/>
+              </a:ext>
+            </a:extLst>
+          </p:cNvPr>
+          <p:cNvSpPr>
+            <a:spLocks noGrp="1"/>
+          </p:cNvSpPr>
+          <p:nvPr>
+            <p:ph type="sldNum" sz="quarter" idx="5"/>
+          </p:nvPr>
+        </p:nvSpPr>
+        <p:spPr/>
+        <p:txBody>
+          <a:bodyPr/>
+          <a:lstStyle/>
+          <a:p>
+            <a:fld id="{659E7695-2856-4E04-B435-7203877CB9AD}" type="slidenum">
+              <a:rPr lang="en-US" smtClean="0"/>
+              <a:t>13</a:t>
+            </a:fld>
+            <a:endParaRPr lang="en-US"/>
+          </a:p>
+        </p:txBody>
+      </p:sp>
+    </p:spTree>
+    <p:extLst>
+      <p:ext uri="{BB962C8B-B14F-4D97-AF65-F5344CB8AC3E}">
+        <p14:creationId xmlns:p14="http://schemas.microsoft.com/office/powerpoint/2010/main" val="605820851"/>
+      </p:ext>
+    </p:extLst>
+  </p:cSld>
+  <p:clrMapOvr>
+    <a:masterClrMapping/>
+  </p:clrMapOvr>
+</p:notes>
+</file>
+
+<file path=ppt/notesSlides/notesSlide14.xml><?xml version="1.0" encoding="utf-8"?>
+<p:notes xmlns:a="http://schemas.openxmlformats.org/drawingml/2006/main" xmlns:r="http://schemas.openxmlformats.org/officeDocument/2006/relationships" xmlns:p="http://schemas.openxmlformats.org/presentationml/2006/main">
+  <p:cSld>
+    <p:spTree>
+      <p:nvGrpSpPr>
+        <p:cNvPr id="1" name="">
+          <a:extLst>
+            <a:ext uri="{FF2B5EF4-FFF2-40B4-BE49-F238E27FC236}">
+              <a16:creationId xmlns:a16="http://schemas.microsoft.com/office/drawing/2014/main" id="{DFBED69A-CA22-9FE4-C5B4-2C8EF00C9EFA}"/>
+            </a:ext>
+          </a:extLst>
+        </p:cNvPr>
+        <p:cNvGrpSpPr/>
+        <p:nvPr/>
+      </p:nvGrpSpPr>
+      <p:grpSpPr>
+        <a:xfrm>
+          <a:off x="0" y="0"/>
+          <a:ext cx="0" cy="0"/>
+          <a:chOff x="0" y="0"/>
+          <a:chExt cx="0" cy="0"/>
+        </a:xfrm>
+      </p:grpSpPr>
+      <p:sp>
+        <p:nvSpPr>
+          <p:cNvPr id="2" name="Slide Image Placeholder 1">
+            <a:extLst>
+              <a:ext uri="{FF2B5EF4-FFF2-40B4-BE49-F238E27FC236}">
+                <a16:creationId xmlns:a16="http://schemas.microsoft.com/office/drawing/2014/main" id="{5D64BD76-E6F4-C508-2D0E-DFEB8A6425A1}"/>
+              </a:ext>
+            </a:extLst>
+          </p:cNvPr>
+          <p:cNvSpPr>
+            <a:spLocks noGrp="1" noRot="1" noChangeAspect="1"/>
+          </p:cNvSpPr>
+          <p:nvPr>
+            <p:ph type="sldImg"/>
+          </p:nvPr>
+        </p:nvSpPr>
+        <p:spPr/>
+      </p:sp>
+      <p:sp>
+        <p:nvSpPr>
+          <p:cNvPr id="3" name="Notes Placeholder 2">
+            <a:extLst>
+              <a:ext uri="{FF2B5EF4-FFF2-40B4-BE49-F238E27FC236}">
+                <a16:creationId xmlns:a16="http://schemas.microsoft.com/office/drawing/2014/main" id="{838B92B8-578C-EBD9-B564-6AB1F460B438}"/>
+              </a:ext>
+            </a:extLst>
+          </p:cNvPr>
+          <p:cNvSpPr>
+            <a:spLocks noGrp="1"/>
+          </p:cNvSpPr>
+          <p:nvPr>
+            <p:ph type="body" idx="1"/>
+          </p:nvPr>
+        </p:nvSpPr>
+        <p:spPr/>
+        <p:txBody>
+          <a:bodyPr/>
+          <a:lstStyle/>
+          <a:p>
+            <a:endParaRPr lang="en-US"/>
+          </a:p>
+        </p:txBody>
+      </p:sp>
+      <p:sp>
+        <p:nvSpPr>
+          <p:cNvPr id="4" name="Slide Number Placeholder 3">
+            <a:extLst>
+              <a:ext uri="{FF2B5EF4-FFF2-40B4-BE49-F238E27FC236}">
+                <a16:creationId xmlns:a16="http://schemas.microsoft.com/office/drawing/2014/main" id="{738D3827-AAB1-0BB5-D917-0BE0270B78D6}"/>
+              </a:ext>
+            </a:extLst>
+          </p:cNvPr>
+          <p:cNvSpPr>
+            <a:spLocks noGrp="1"/>
+          </p:cNvSpPr>
+          <p:nvPr>
+            <p:ph type="sldNum" sz="quarter" idx="5"/>
+          </p:nvPr>
+        </p:nvSpPr>
+        <p:spPr/>
+        <p:txBody>
+          <a:bodyPr/>
+          <a:lstStyle/>
+          <a:p>
+            <a:fld id="{659E7695-2856-4E04-B435-7203877CB9AD}" type="slidenum">
+              <a:rPr lang="en-US" smtClean="0"/>
+              <a:t>14</a:t>
+            </a:fld>
+            <a:endParaRPr lang="en-US"/>
+          </a:p>
+        </p:txBody>
+      </p:sp>
+    </p:spTree>
+    <p:extLst>
+      <p:ext uri="{BB962C8B-B14F-4D97-AF65-F5344CB8AC3E}">
+        <p14:creationId xmlns:p14="http://schemas.microsoft.com/office/powerpoint/2010/main" val="938991724"/>
+      </p:ext>
+    </p:extLst>
+  </p:cSld>
+  <p:clrMapOvr>
+    <a:masterClrMapping/>
+  </p:clrMapOvr>
+</p:notes>
+</file>
+
+<file path=ppt/notesSlides/notesSlide15.xml><?xml version="1.0" encoding="utf-8"?>
+<p:notes xmlns:a="http://schemas.openxmlformats.org/drawingml/2006/main" xmlns:r="http://schemas.openxmlformats.org/officeDocument/2006/relationships" xmlns:p="http://schemas.openxmlformats.org/presentationml/2006/main">
+  <p:cSld>
+    <p:spTree>
+      <p:nvGrpSpPr>
+        <p:cNvPr id="1" name="">
+          <a:extLst>
+            <a:ext uri="{FF2B5EF4-FFF2-40B4-BE49-F238E27FC236}">
+              <a16:creationId xmlns:a16="http://schemas.microsoft.com/office/drawing/2014/main" id="{F974C9A1-9545-CD56-5108-774F14581B5E}"/>
+            </a:ext>
+          </a:extLst>
+        </p:cNvPr>
+        <p:cNvGrpSpPr/>
+        <p:nvPr/>
+      </p:nvGrpSpPr>
+      <p:grpSpPr>
+        <a:xfrm>
+          <a:off x="0" y="0"/>
+          <a:ext cx="0" cy="0"/>
+          <a:chOff x="0" y="0"/>
+          <a:chExt cx="0" cy="0"/>
+        </a:xfrm>
+      </p:grpSpPr>
+      <p:sp>
+        <p:nvSpPr>
+          <p:cNvPr id="2" name="Slide Image Placeholder 1">
+            <a:extLst>
+              <a:ext uri="{FF2B5EF4-FFF2-40B4-BE49-F238E27FC236}">
+                <a16:creationId xmlns:a16="http://schemas.microsoft.com/office/drawing/2014/main" id="{52466712-8046-F0BE-961B-A28E0BC7D5C1}"/>
+              </a:ext>
+            </a:extLst>
+          </p:cNvPr>
+          <p:cNvSpPr>
+            <a:spLocks noGrp="1" noRot="1" noChangeAspect="1"/>
+          </p:cNvSpPr>
+          <p:nvPr>
+            <p:ph type="sldImg"/>
+          </p:nvPr>
+        </p:nvSpPr>
+        <p:spPr/>
+      </p:sp>
+      <p:sp>
+        <p:nvSpPr>
+          <p:cNvPr id="3" name="Notes Placeholder 2">
+            <a:extLst>
+              <a:ext uri="{FF2B5EF4-FFF2-40B4-BE49-F238E27FC236}">
+                <a16:creationId xmlns:a16="http://schemas.microsoft.com/office/drawing/2014/main" id="{39BD34EF-35F4-25A9-6B3F-09040BC3AADC}"/>
+              </a:ext>
+            </a:extLst>
+          </p:cNvPr>
+          <p:cNvSpPr>
+            <a:spLocks noGrp="1"/>
+          </p:cNvSpPr>
+          <p:nvPr>
+            <p:ph type="body" idx="1"/>
+          </p:nvPr>
+        </p:nvSpPr>
+        <p:spPr/>
+        <p:txBody>
+          <a:bodyPr/>
+          <a:lstStyle/>
+          <a:p>
+            <a:endParaRPr lang="en-US"/>
+          </a:p>
+        </p:txBody>
+      </p:sp>
+      <p:sp>
+        <p:nvSpPr>
+          <p:cNvPr id="4" name="Slide Number Placeholder 3">
+            <a:extLst>
+              <a:ext uri="{FF2B5EF4-FFF2-40B4-BE49-F238E27FC236}">
+                <a16:creationId xmlns:a16="http://schemas.microsoft.com/office/drawing/2014/main" id="{BED14E58-BC7C-4B96-521C-AFD91DB49D36}"/>
+              </a:ext>
+            </a:extLst>
+          </p:cNvPr>
+          <p:cNvSpPr>
+            <a:spLocks noGrp="1"/>
+          </p:cNvSpPr>
+          <p:nvPr>
+            <p:ph type="sldNum" sz="quarter" idx="5"/>
+          </p:nvPr>
+        </p:nvSpPr>
+        <p:spPr/>
+        <p:txBody>
+          <a:bodyPr/>
+          <a:lstStyle/>
+          <a:p>
+            <a:fld id="{659E7695-2856-4E04-B435-7203877CB9AD}" type="slidenum">
+              <a:rPr lang="en-US" smtClean="0"/>
+              <a:t>15</a:t>
+            </a:fld>
+            <a:endParaRPr lang="en-US"/>
+          </a:p>
+        </p:txBody>
+      </p:sp>
+    </p:spTree>
+    <p:extLst>
+      <p:ext uri="{BB962C8B-B14F-4D97-AF65-F5344CB8AC3E}">
+        <p14:creationId xmlns:p14="http://schemas.microsoft.com/office/powerpoint/2010/main" val="480749164"/>
+      </p:ext>
+    </p:extLst>
+  </p:cSld>
+  <p:clrMapOvr>
+    <a:masterClrMapping/>
+  </p:clrMapOvr>
+</p:notes>
+</file>
+
+<file path=ppt/notesSlides/notesSlide16.xml><?xml version="1.0" encoding="utf-8"?>
+<p:notes xmlns:a="http://schemas.openxmlformats.org/drawingml/2006/main" xmlns:r="http://schemas.openxmlformats.org/officeDocument/2006/relationships" xmlns:p="http://schemas.openxmlformats.org/presentationml/2006/main">
+  <p:cSld>
+    <p:spTree>
+      <p:nvGrpSpPr>
+        <p:cNvPr id="1" name="">
+          <a:extLst>
+            <a:ext uri="{FF2B5EF4-FFF2-40B4-BE49-F238E27FC236}">
+              <a16:creationId xmlns:a16="http://schemas.microsoft.com/office/drawing/2014/main" id="{BCBB436A-F012-4C0A-1B84-969A8BD804F3}"/>
+            </a:ext>
+          </a:extLst>
+        </p:cNvPr>
+        <p:cNvGrpSpPr/>
+        <p:nvPr/>
+      </p:nvGrpSpPr>
+      <p:grpSpPr>
+        <a:xfrm>
+          <a:off x="0" y="0"/>
+          <a:ext cx="0" cy="0"/>
+          <a:chOff x="0" y="0"/>
+          <a:chExt cx="0" cy="0"/>
+        </a:xfrm>
+      </p:grpSpPr>
+      <p:sp>
+        <p:nvSpPr>
+          <p:cNvPr id="2" name="Slide Image Placeholder 1">
+            <a:extLst>
+              <a:ext uri="{FF2B5EF4-FFF2-40B4-BE49-F238E27FC236}">
+                <a16:creationId xmlns:a16="http://schemas.microsoft.com/office/drawing/2014/main" id="{23B77EC9-C652-9855-DAA4-48311296D1F5}"/>
+              </a:ext>
+            </a:extLst>
+          </p:cNvPr>
+          <p:cNvSpPr>
+            <a:spLocks noGrp="1" noRot="1" noChangeAspect="1"/>
+          </p:cNvSpPr>
+          <p:nvPr>
+            <p:ph type="sldImg"/>
+          </p:nvPr>
+        </p:nvSpPr>
+        <p:spPr/>
+      </p:sp>
+      <p:sp>
+        <p:nvSpPr>
+          <p:cNvPr id="3" name="Notes Placeholder 2">
+            <a:extLst>
+              <a:ext uri="{FF2B5EF4-FFF2-40B4-BE49-F238E27FC236}">
+                <a16:creationId xmlns:a16="http://schemas.microsoft.com/office/drawing/2014/main" id="{AE5A4F76-42D6-B5CD-3FE8-211963DC4BE1}"/>
+              </a:ext>
+            </a:extLst>
+          </p:cNvPr>
+          <p:cNvSpPr>
+            <a:spLocks noGrp="1"/>
+          </p:cNvSpPr>
+          <p:nvPr>
+            <p:ph type="body" idx="1"/>
+          </p:nvPr>
+        </p:nvSpPr>
+        <p:spPr/>
+        <p:txBody>
+          <a:bodyPr/>
+          <a:lstStyle/>
+          <a:p>
+            <a:endParaRPr lang="en-US"/>
+          </a:p>
+        </p:txBody>
+      </p:sp>
+      <p:sp>
+        <p:nvSpPr>
+          <p:cNvPr id="4" name="Slide Number Placeholder 3">
+            <a:extLst>
+              <a:ext uri="{FF2B5EF4-FFF2-40B4-BE49-F238E27FC236}">
+                <a16:creationId xmlns:a16="http://schemas.microsoft.com/office/drawing/2014/main" id="{F8DC1818-6C6E-3C21-F108-9B68E122486A}"/>
+              </a:ext>
+            </a:extLst>
+          </p:cNvPr>
+          <p:cNvSpPr>
+            <a:spLocks noGrp="1"/>
+          </p:cNvSpPr>
+          <p:nvPr>
+            <p:ph type="sldNum" sz="quarter" idx="5"/>
+          </p:nvPr>
+        </p:nvSpPr>
+        <p:spPr/>
+        <p:txBody>
+          <a:bodyPr/>
+          <a:lstStyle/>
+          <a:p>
+            <a:fld id="{659E7695-2856-4E04-B435-7203877CB9AD}" type="slidenum">
+              <a:rPr lang="en-US" smtClean="0"/>
+              <a:t>16</a:t>
+            </a:fld>
+            <a:endParaRPr lang="en-US"/>
+          </a:p>
+        </p:txBody>
+      </p:sp>
+    </p:spTree>
+    <p:extLst>
+      <p:ext uri="{BB962C8B-B14F-4D97-AF65-F5344CB8AC3E}">
+        <p14:creationId xmlns:p14="http://schemas.microsoft.com/office/powerpoint/2010/main" val="2281817024"/>
+      </p:ext>
+    </p:extLst>
+  </p:cSld>
+  <p:clrMapOvr>
+    <a:masterClrMapping/>
+  </p:clrMapOvr>
+</p:notes>
+</file>
+
+<file path=ppt/notesSlides/notesSlide17.xml><?xml version="1.0" encoding="utf-8"?>
+<p:notes xmlns:a="http://schemas.openxmlformats.org/drawingml/2006/main" xmlns:r="http://schemas.openxmlformats.org/officeDocument/2006/relationships" xmlns:p="http://schemas.openxmlformats.org/presentationml/2006/main">
+  <p:cSld>
+    <p:spTree>
+      <p:nvGrpSpPr>
+        <p:cNvPr id="1" name="">
+          <a:extLst>
+            <a:ext uri="{FF2B5EF4-FFF2-40B4-BE49-F238E27FC236}">
               <a16:creationId xmlns:a16="http://schemas.microsoft.com/office/drawing/2014/main" id="{F9FCA4B5-B4B6-4DD1-FB36-C1D29E7E7A43}"/>
             </a:ext>
           </a:extLst>
@@ -673,7 +1441,7 @@
           <a:p>
             <a:fld id="{659E7695-2856-4E04-B435-7203877CB9AD}" type="slidenum">
               <a:rPr lang="en-US" smtClean="0"/>
-              <a:t>10</a:t>
+              <a:t>17</a:t>
             </a:fld>
             <a:endParaRPr lang="en-US"/>
           </a:p>
@@ -692,7 +1460,7 @@
 </p:notes>
 </file>
 
-<file path=ppt/notesSlides/notesSlide11.xml><?xml version="1.0" encoding="utf-8"?>
+<file path=ppt/notesSlides/notesSlide18.xml><?xml version="1.0" encoding="utf-8"?>
 <p:notes xmlns:a="http://schemas.openxmlformats.org/drawingml/2006/main" xmlns:r="http://schemas.openxmlformats.org/officeDocument/2006/relationships" xmlns:p="http://schemas.openxmlformats.org/presentationml/2006/main">
   <p:cSld>
     <p:spTree>
@@ -781,7 +1549,7 @@
           <a:p>
             <a:fld id="{659E7695-2856-4E04-B435-7203877CB9AD}" type="slidenum">
               <a:rPr lang="en-US" smtClean="0"/>
-              <a:t>11</a:t>
+              <a:t>18</a:t>
             </a:fld>
             <a:endParaRPr lang="en-US"/>
           </a:p>
@@ -800,7 +1568,7 @@
 </p:notes>
 </file>
 
-<file path=ppt/notesSlides/notesSlide12.xml><?xml version="1.0" encoding="utf-8"?>
+<file path=ppt/notesSlides/notesSlide19.xml><?xml version="1.0" encoding="utf-8"?>
 <p:notes xmlns:a="http://schemas.openxmlformats.org/drawingml/2006/main" xmlns:r="http://schemas.openxmlformats.org/officeDocument/2006/relationships" xmlns:p="http://schemas.openxmlformats.org/presentationml/2006/main">
   <p:cSld>
     <p:spTree>
@@ -889,7 +1657,7 @@
           <a:p>
             <a:fld id="{659E7695-2856-4E04-B435-7203877CB9AD}" type="slidenum">
               <a:rPr lang="en-US" smtClean="0"/>
-              <a:t>12</a:t>
+              <a:t>19</a:t>
             </a:fld>
             <a:endParaRPr lang="en-US"/>
           </a:p>
@@ -899,114 +1667,6 @@
     <p:extLst>
       <p:ext uri="{BB962C8B-B14F-4D97-AF65-F5344CB8AC3E}">
         <p14:creationId xmlns:p14="http://schemas.microsoft.com/office/powerpoint/2010/main" val="1203467961"/>
-      </p:ext>
-    </p:extLst>
-  </p:cSld>
-  <p:clrMapOvr>
-    <a:masterClrMapping/>
-  </p:clrMapOvr>
-</p:notes>
-</file>
-
-<file path=ppt/notesSlides/notesSlide13.xml><?xml version="1.0" encoding="utf-8"?>
-<p:notes xmlns:a="http://schemas.openxmlformats.org/drawingml/2006/main" xmlns:r="http://schemas.openxmlformats.org/officeDocument/2006/relationships" xmlns:p="http://schemas.openxmlformats.org/presentationml/2006/main">
-  <p:cSld>
-    <p:spTree>
-      <p:nvGrpSpPr>
-        <p:cNvPr id="1" name="">
-          <a:extLst>
-            <a:ext uri="{FF2B5EF4-FFF2-40B4-BE49-F238E27FC236}">
-              <a16:creationId xmlns:a16="http://schemas.microsoft.com/office/drawing/2014/main" id="{CB21A238-C788-1DB1-9A6F-E54655FE049F}"/>
-            </a:ext>
-          </a:extLst>
-        </p:cNvPr>
-        <p:cNvGrpSpPr/>
-        <p:nvPr/>
-      </p:nvGrpSpPr>
-      <p:grpSpPr>
-        <a:xfrm>
-          <a:off x="0" y="0"/>
-          <a:ext cx="0" cy="0"/>
-          <a:chOff x="0" y="0"/>
-          <a:chExt cx="0" cy="0"/>
-        </a:xfrm>
-      </p:grpSpPr>
-      <p:sp>
-        <p:nvSpPr>
-          <p:cNvPr id="2" name="Slide Image Placeholder 1">
-            <a:extLst>
-              <a:ext uri="{FF2B5EF4-FFF2-40B4-BE49-F238E27FC236}">
-                <a16:creationId xmlns:a16="http://schemas.microsoft.com/office/drawing/2014/main" id="{66E0536D-3AC9-9F62-86FD-475A248D28F0}"/>
-              </a:ext>
-            </a:extLst>
-          </p:cNvPr>
-          <p:cNvSpPr>
-            <a:spLocks noGrp="1" noRot="1" noChangeAspect="1"/>
-          </p:cNvSpPr>
-          <p:nvPr>
-            <p:ph type="sldImg"/>
-          </p:nvPr>
-        </p:nvSpPr>
-        <p:spPr/>
-      </p:sp>
-      <p:sp>
-        <p:nvSpPr>
-          <p:cNvPr id="3" name="Notes Placeholder 2">
-            <a:extLst>
-              <a:ext uri="{FF2B5EF4-FFF2-40B4-BE49-F238E27FC236}">
-                <a16:creationId xmlns:a16="http://schemas.microsoft.com/office/drawing/2014/main" id="{2734E584-0544-68BD-1937-2D3ACAE446DC}"/>
-              </a:ext>
-            </a:extLst>
-          </p:cNvPr>
-          <p:cNvSpPr>
-            <a:spLocks noGrp="1"/>
-          </p:cNvSpPr>
-          <p:nvPr>
-            <p:ph type="body" idx="1"/>
-          </p:nvPr>
-        </p:nvSpPr>
-        <p:spPr/>
-        <p:txBody>
-          <a:bodyPr/>
-          <a:lstStyle/>
-          <a:p>
-            <a:endParaRPr lang="en-US"/>
-          </a:p>
-        </p:txBody>
-      </p:sp>
-      <p:sp>
-        <p:nvSpPr>
-          <p:cNvPr id="4" name="Slide Number Placeholder 3">
-            <a:extLst>
-              <a:ext uri="{FF2B5EF4-FFF2-40B4-BE49-F238E27FC236}">
-                <a16:creationId xmlns:a16="http://schemas.microsoft.com/office/drawing/2014/main" id="{A5ACCAD0-ABDF-C125-1772-48358726F1F7}"/>
-              </a:ext>
-            </a:extLst>
-          </p:cNvPr>
-          <p:cNvSpPr>
-            <a:spLocks noGrp="1"/>
-          </p:cNvSpPr>
-          <p:nvPr>
-            <p:ph type="sldNum" sz="quarter" idx="5"/>
-          </p:nvPr>
-        </p:nvSpPr>
-        <p:spPr/>
-        <p:txBody>
-          <a:bodyPr/>
-          <a:lstStyle/>
-          <a:p>
-            <a:fld id="{659E7695-2856-4E04-B435-7203877CB9AD}" type="slidenum">
-              <a:rPr lang="en-US" smtClean="0"/>
-              <a:t>13</a:t>
-            </a:fld>
-            <a:endParaRPr lang="en-US"/>
-          </a:p>
-        </p:txBody>
-      </p:sp>
-    </p:spTree>
-    <p:extLst>
-      <p:ext uri="{BB962C8B-B14F-4D97-AF65-F5344CB8AC3E}">
-        <p14:creationId xmlns:p14="http://schemas.microsoft.com/office/powerpoint/2010/main" val="3872227554"/>
       </p:ext>
     </p:extLst>
   </p:cSld>
@@ -1124,6 +1784,654 @@
 </p:notes>
 </file>
 
+<file path=ppt/notesSlides/notesSlide20.xml><?xml version="1.0" encoding="utf-8"?>
+<p:notes xmlns:a="http://schemas.openxmlformats.org/drawingml/2006/main" xmlns:r="http://schemas.openxmlformats.org/officeDocument/2006/relationships" xmlns:p="http://schemas.openxmlformats.org/presentationml/2006/main">
+  <p:cSld>
+    <p:spTree>
+      <p:nvGrpSpPr>
+        <p:cNvPr id="1" name="">
+          <a:extLst>
+            <a:ext uri="{FF2B5EF4-FFF2-40B4-BE49-F238E27FC236}">
+              <a16:creationId xmlns:a16="http://schemas.microsoft.com/office/drawing/2014/main" id="{17E184B5-FE2B-C01A-B2C1-DD65FD598457}"/>
+            </a:ext>
+          </a:extLst>
+        </p:cNvPr>
+        <p:cNvGrpSpPr/>
+        <p:nvPr/>
+      </p:nvGrpSpPr>
+      <p:grpSpPr>
+        <a:xfrm>
+          <a:off x="0" y="0"/>
+          <a:ext cx="0" cy="0"/>
+          <a:chOff x="0" y="0"/>
+          <a:chExt cx="0" cy="0"/>
+        </a:xfrm>
+      </p:grpSpPr>
+      <p:sp>
+        <p:nvSpPr>
+          <p:cNvPr id="2" name="Slide Image Placeholder 1">
+            <a:extLst>
+              <a:ext uri="{FF2B5EF4-FFF2-40B4-BE49-F238E27FC236}">
+                <a16:creationId xmlns:a16="http://schemas.microsoft.com/office/drawing/2014/main" id="{AC3755B9-8A1D-11A8-447C-AEF00B17B574}"/>
+              </a:ext>
+            </a:extLst>
+          </p:cNvPr>
+          <p:cNvSpPr>
+            <a:spLocks noGrp="1" noRot="1" noChangeAspect="1"/>
+          </p:cNvSpPr>
+          <p:nvPr>
+            <p:ph type="sldImg"/>
+          </p:nvPr>
+        </p:nvSpPr>
+        <p:spPr/>
+      </p:sp>
+      <p:sp>
+        <p:nvSpPr>
+          <p:cNvPr id="3" name="Notes Placeholder 2">
+            <a:extLst>
+              <a:ext uri="{FF2B5EF4-FFF2-40B4-BE49-F238E27FC236}">
+                <a16:creationId xmlns:a16="http://schemas.microsoft.com/office/drawing/2014/main" id="{5A2A02B0-54B9-2E7A-3254-41B5733108C9}"/>
+              </a:ext>
+            </a:extLst>
+          </p:cNvPr>
+          <p:cNvSpPr>
+            <a:spLocks noGrp="1"/>
+          </p:cNvSpPr>
+          <p:nvPr>
+            <p:ph type="body" idx="1"/>
+          </p:nvPr>
+        </p:nvSpPr>
+        <p:spPr/>
+        <p:txBody>
+          <a:bodyPr/>
+          <a:lstStyle/>
+          <a:p>
+            <a:endParaRPr lang="en-US"/>
+          </a:p>
+        </p:txBody>
+      </p:sp>
+      <p:sp>
+        <p:nvSpPr>
+          <p:cNvPr id="4" name="Slide Number Placeholder 3">
+            <a:extLst>
+              <a:ext uri="{FF2B5EF4-FFF2-40B4-BE49-F238E27FC236}">
+                <a16:creationId xmlns:a16="http://schemas.microsoft.com/office/drawing/2014/main" id="{04B255FA-CB13-6C4B-D70A-B9379C301AF4}"/>
+              </a:ext>
+            </a:extLst>
+          </p:cNvPr>
+          <p:cNvSpPr>
+            <a:spLocks noGrp="1"/>
+          </p:cNvSpPr>
+          <p:nvPr>
+            <p:ph type="sldNum" sz="quarter" idx="5"/>
+          </p:nvPr>
+        </p:nvSpPr>
+        <p:spPr/>
+        <p:txBody>
+          <a:bodyPr/>
+          <a:lstStyle/>
+          <a:p>
+            <a:fld id="{659E7695-2856-4E04-B435-7203877CB9AD}" type="slidenum">
+              <a:rPr lang="en-US" smtClean="0"/>
+              <a:t>20</a:t>
+            </a:fld>
+            <a:endParaRPr lang="en-US"/>
+          </a:p>
+        </p:txBody>
+      </p:sp>
+    </p:spTree>
+    <p:extLst>
+      <p:ext uri="{BB962C8B-B14F-4D97-AF65-F5344CB8AC3E}">
+        <p14:creationId xmlns:p14="http://schemas.microsoft.com/office/powerpoint/2010/main" val="1490782506"/>
+      </p:ext>
+    </p:extLst>
+  </p:cSld>
+  <p:clrMapOvr>
+    <a:masterClrMapping/>
+  </p:clrMapOvr>
+</p:notes>
+</file>
+
+<file path=ppt/notesSlides/notesSlide21.xml><?xml version="1.0" encoding="utf-8"?>
+<p:notes xmlns:a="http://schemas.openxmlformats.org/drawingml/2006/main" xmlns:r="http://schemas.openxmlformats.org/officeDocument/2006/relationships" xmlns:p="http://schemas.openxmlformats.org/presentationml/2006/main">
+  <p:cSld>
+    <p:spTree>
+      <p:nvGrpSpPr>
+        <p:cNvPr id="1" name="">
+          <a:extLst>
+            <a:ext uri="{FF2B5EF4-FFF2-40B4-BE49-F238E27FC236}">
+              <a16:creationId xmlns:a16="http://schemas.microsoft.com/office/drawing/2014/main" id="{0D246BA7-52AB-5CCA-9493-753CA7A0BDAF}"/>
+            </a:ext>
+          </a:extLst>
+        </p:cNvPr>
+        <p:cNvGrpSpPr/>
+        <p:nvPr/>
+      </p:nvGrpSpPr>
+      <p:grpSpPr>
+        <a:xfrm>
+          <a:off x="0" y="0"/>
+          <a:ext cx="0" cy="0"/>
+          <a:chOff x="0" y="0"/>
+          <a:chExt cx="0" cy="0"/>
+        </a:xfrm>
+      </p:grpSpPr>
+      <p:sp>
+        <p:nvSpPr>
+          <p:cNvPr id="2" name="Slide Image Placeholder 1">
+            <a:extLst>
+              <a:ext uri="{FF2B5EF4-FFF2-40B4-BE49-F238E27FC236}">
+                <a16:creationId xmlns:a16="http://schemas.microsoft.com/office/drawing/2014/main" id="{8EDC01AA-29DA-85F8-6415-AA5AF7C696E0}"/>
+              </a:ext>
+            </a:extLst>
+          </p:cNvPr>
+          <p:cNvSpPr>
+            <a:spLocks noGrp="1" noRot="1" noChangeAspect="1"/>
+          </p:cNvSpPr>
+          <p:nvPr>
+            <p:ph type="sldImg"/>
+          </p:nvPr>
+        </p:nvSpPr>
+        <p:spPr/>
+      </p:sp>
+      <p:sp>
+        <p:nvSpPr>
+          <p:cNvPr id="3" name="Notes Placeholder 2">
+            <a:extLst>
+              <a:ext uri="{FF2B5EF4-FFF2-40B4-BE49-F238E27FC236}">
+                <a16:creationId xmlns:a16="http://schemas.microsoft.com/office/drawing/2014/main" id="{EA87742D-5437-CE95-F25E-F93BFF8C369B}"/>
+              </a:ext>
+            </a:extLst>
+          </p:cNvPr>
+          <p:cNvSpPr>
+            <a:spLocks noGrp="1"/>
+          </p:cNvSpPr>
+          <p:nvPr>
+            <p:ph type="body" idx="1"/>
+          </p:nvPr>
+        </p:nvSpPr>
+        <p:spPr/>
+        <p:txBody>
+          <a:bodyPr/>
+          <a:lstStyle/>
+          <a:p>
+            <a:endParaRPr lang="en-US"/>
+          </a:p>
+        </p:txBody>
+      </p:sp>
+      <p:sp>
+        <p:nvSpPr>
+          <p:cNvPr id="4" name="Slide Number Placeholder 3">
+            <a:extLst>
+              <a:ext uri="{FF2B5EF4-FFF2-40B4-BE49-F238E27FC236}">
+                <a16:creationId xmlns:a16="http://schemas.microsoft.com/office/drawing/2014/main" id="{C5D7FD8F-A465-06E8-CF00-78EE7DB5A479}"/>
+              </a:ext>
+            </a:extLst>
+          </p:cNvPr>
+          <p:cNvSpPr>
+            <a:spLocks noGrp="1"/>
+          </p:cNvSpPr>
+          <p:nvPr>
+            <p:ph type="sldNum" sz="quarter" idx="5"/>
+          </p:nvPr>
+        </p:nvSpPr>
+        <p:spPr/>
+        <p:txBody>
+          <a:bodyPr/>
+          <a:lstStyle/>
+          <a:p>
+            <a:fld id="{659E7695-2856-4E04-B435-7203877CB9AD}" type="slidenum">
+              <a:rPr lang="en-US" smtClean="0"/>
+              <a:t>21</a:t>
+            </a:fld>
+            <a:endParaRPr lang="en-US"/>
+          </a:p>
+        </p:txBody>
+      </p:sp>
+    </p:spTree>
+    <p:extLst>
+      <p:ext uri="{BB962C8B-B14F-4D97-AF65-F5344CB8AC3E}">
+        <p14:creationId xmlns:p14="http://schemas.microsoft.com/office/powerpoint/2010/main" val="2685036335"/>
+      </p:ext>
+    </p:extLst>
+  </p:cSld>
+  <p:clrMapOvr>
+    <a:masterClrMapping/>
+  </p:clrMapOvr>
+</p:notes>
+</file>
+
+<file path=ppt/notesSlides/notesSlide22.xml><?xml version="1.0" encoding="utf-8"?>
+<p:notes xmlns:a="http://schemas.openxmlformats.org/drawingml/2006/main" xmlns:r="http://schemas.openxmlformats.org/officeDocument/2006/relationships" xmlns:p="http://schemas.openxmlformats.org/presentationml/2006/main">
+  <p:cSld>
+    <p:spTree>
+      <p:nvGrpSpPr>
+        <p:cNvPr id="1" name="">
+          <a:extLst>
+            <a:ext uri="{FF2B5EF4-FFF2-40B4-BE49-F238E27FC236}">
+              <a16:creationId xmlns:a16="http://schemas.microsoft.com/office/drawing/2014/main" id="{F7B3324C-96A0-6F1A-2D0A-3F4836BB846A}"/>
+            </a:ext>
+          </a:extLst>
+        </p:cNvPr>
+        <p:cNvGrpSpPr/>
+        <p:nvPr/>
+      </p:nvGrpSpPr>
+      <p:grpSpPr>
+        <a:xfrm>
+          <a:off x="0" y="0"/>
+          <a:ext cx="0" cy="0"/>
+          <a:chOff x="0" y="0"/>
+          <a:chExt cx="0" cy="0"/>
+        </a:xfrm>
+      </p:grpSpPr>
+      <p:sp>
+        <p:nvSpPr>
+          <p:cNvPr id="2" name="Slide Image Placeholder 1">
+            <a:extLst>
+              <a:ext uri="{FF2B5EF4-FFF2-40B4-BE49-F238E27FC236}">
+                <a16:creationId xmlns:a16="http://schemas.microsoft.com/office/drawing/2014/main" id="{964433F3-83A0-3861-F7FC-EEE4FC140F70}"/>
+              </a:ext>
+            </a:extLst>
+          </p:cNvPr>
+          <p:cNvSpPr>
+            <a:spLocks noGrp="1" noRot="1" noChangeAspect="1"/>
+          </p:cNvSpPr>
+          <p:nvPr>
+            <p:ph type="sldImg"/>
+          </p:nvPr>
+        </p:nvSpPr>
+        <p:spPr/>
+      </p:sp>
+      <p:sp>
+        <p:nvSpPr>
+          <p:cNvPr id="3" name="Notes Placeholder 2">
+            <a:extLst>
+              <a:ext uri="{FF2B5EF4-FFF2-40B4-BE49-F238E27FC236}">
+                <a16:creationId xmlns:a16="http://schemas.microsoft.com/office/drawing/2014/main" id="{431FA29B-493E-746D-8EE0-D1CF78E4A02E}"/>
+              </a:ext>
+            </a:extLst>
+          </p:cNvPr>
+          <p:cNvSpPr>
+            <a:spLocks noGrp="1"/>
+          </p:cNvSpPr>
+          <p:nvPr>
+            <p:ph type="body" idx="1"/>
+          </p:nvPr>
+        </p:nvSpPr>
+        <p:spPr/>
+        <p:txBody>
+          <a:bodyPr/>
+          <a:lstStyle/>
+          <a:p>
+            <a:endParaRPr lang="en-US"/>
+          </a:p>
+        </p:txBody>
+      </p:sp>
+      <p:sp>
+        <p:nvSpPr>
+          <p:cNvPr id="4" name="Slide Number Placeholder 3">
+            <a:extLst>
+              <a:ext uri="{FF2B5EF4-FFF2-40B4-BE49-F238E27FC236}">
+                <a16:creationId xmlns:a16="http://schemas.microsoft.com/office/drawing/2014/main" id="{6670C135-7906-73AB-F2D1-766290E2777C}"/>
+              </a:ext>
+            </a:extLst>
+          </p:cNvPr>
+          <p:cNvSpPr>
+            <a:spLocks noGrp="1"/>
+          </p:cNvSpPr>
+          <p:nvPr>
+            <p:ph type="sldNum" sz="quarter" idx="5"/>
+          </p:nvPr>
+        </p:nvSpPr>
+        <p:spPr/>
+        <p:txBody>
+          <a:bodyPr/>
+          <a:lstStyle/>
+          <a:p>
+            <a:fld id="{659E7695-2856-4E04-B435-7203877CB9AD}" type="slidenum">
+              <a:rPr lang="en-US" smtClean="0"/>
+              <a:t>22</a:t>
+            </a:fld>
+            <a:endParaRPr lang="en-US"/>
+          </a:p>
+        </p:txBody>
+      </p:sp>
+    </p:spTree>
+    <p:extLst>
+      <p:ext uri="{BB962C8B-B14F-4D97-AF65-F5344CB8AC3E}">
+        <p14:creationId xmlns:p14="http://schemas.microsoft.com/office/powerpoint/2010/main" val="3311146803"/>
+      </p:ext>
+    </p:extLst>
+  </p:cSld>
+  <p:clrMapOvr>
+    <a:masterClrMapping/>
+  </p:clrMapOvr>
+</p:notes>
+</file>
+
+<file path=ppt/notesSlides/notesSlide23.xml><?xml version="1.0" encoding="utf-8"?>
+<p:notes xmlns:a="http://schemas.openxmlformats.org/drawingml/2006/main" xmlns:r="http://schemas.openxmlformats.org/officeDocument/2006/relationships" xmlns:p="http://schemas.openxmlformats.org/presentationml/2006/main">
+  <p:cSld>
+    <p:spTree>
+      <p:nvGrpSpPr>
+        <p:cNvPr id="1" name="">
+          <a:extLst>
+            <a:ext uri="{FF2B5EF4-FFF2-40B4-BE49-F238E27FC236}">
+              <a16:creationId xmlns:a16="http://schemas.microsoft.com/office/drawing/2014/main" id="{B10FBC6E-61A3-AE63-2D61-FAA9714BB7FD}"/>
+            </a:ext>
+          </a:extLst>
+        </p:cNvPr>
+        <p:cNvGrpSpPr/>
+        <p:nvPr/>
+      </p:nvGrpSpPr>
+      <p:grpSpPr>
+        <a:xfrm>
+          <a:off x="0" y="0"/>
+          <a:ext cx="0" cy="0"/>
+          <a:chOff x="0" y="0"/>
+          <a:chExt cx="0" cy="0"/>
+        </a:xfrm>
+      </p:grpSpPr>
+      <p:sp>
+        <p:nvSpPr>
+          <p:cNvPr id="2" name="Slide Image Placeholder 1">
+            <a:extLst>
+              <a:ext uri="{FF2B5EF4-FFF2-40B4-BE49-F238E27FC236}">
+                <a16:creationId xmlns:a16="http://schemas.microsoft.com/office/drawing/2014/main" id="{B6B31956-6327-74A4-5DAE-632FA82A7185}"/>
+              </a:ext>
+            </a:extLst>
+          </p:cNvPr>
+          <p:cNvSpPr>
+            <a:spLocks noGrp="1" noRot="1" noChangeAspect="1"/>
+          </p:cNvSpPr>
+          <p:nvPr>
+            <p:ph type="sldImg"/>
+          </p:nvPr>
+        </p:nvSpPr>
+        <p:spPr/>
+      </p:sp>
+      <p:sp>
+        <p:nvSpPr>
+          <p:cNvPr id="3" name="Notes Placeholder 2">
+            <a:extLst>
+              <a:ext uri="{FF2B5EF4-FFF2-40B4-BE49-F238E27FC236}">
+                <a16:creationId xmlns:a16="http://schemas.microsoft.com/office/drawing/2014/main" id="{C36B7329-5D68-A3AF-0AB6-978FB38D614F}"/>
+              </a:ext>
+            </a:extLst>
+          </p:cNvPr>
+          <p:cNvSpPr>
+            <a:spLocks noGrp="1"/>
+          </p:cNvSpPr>
+          <p:nvPr>
+            <p:ph type="body" idx="1"/>
+          </p:nvPr>
+        </p:nvSpPr>
+        <p:spPr/>
+        <p:txBody>
+          <a:bodyPr/>
+          <a:lstStyle/>
+          <a:p>
+            <a:endParaRPr lang="en-US"/>
+          </a:p>
+        </p:txBody>
+      </p:sp>
+      <p:sp>
+        <p:nvSpPr>
+          <p:cNvPr id="4" name="Slide Number Placeholder 3">
+            <a:extLst>
+              <a:ext uri="{FF2B5EF4-FFF2-40B4-BE49-F238E27FC236}">
+                <a16:creationId xmlns:a16="http://schemas.microsoft.com/office/drawing/2014/main" id="{432533CB-5961-E60B-E0E4-B7E1CF6D7D7A}"/>
+              </a:ext>
+            </a:extLst>
+          </p:cNvPr>
+          <p:cNvSpPr>
+            <a:spLocks noGrp="1"/>
+          </p:cNvSpPr>
+          <p:nvPr>
+            <p:ph type="sldNum" sz="quarter" idx="5"/>
+          </p:nvPr>
+        </p:nvSpPr>
+        <p:spPr/>
+        <p:txBody>
+          <a:bodyPr/>
+          <a:lstStyle/>
+          <a:p>
+            <a:fld id="{659E7695-2856-4E04-B435-7203877CB9AD}" type="slidenum">
+              <a:rPr lang="en-US" smtClean="0"/>
+              <a:t>23</a:t>
+            </a:fld>
+            <a:endParaRPr lang="en-US"/>
+          </a:p>
+        </p:txBody>
+      </p:sp>
+    </p:spTree>
+    <p:extLst>
+      <p:ext uri="{BB962C8B-B14F-4D97-AF65-F5344CB8AC3E}">
+        <p14:creationId xmlns:p14="http://schemas.microsoft.com/office/powerpoint/2010/main" val="3416539841"/>
+      </p:ext>
+    </p:extLst>
+  </p:cSld>
+  <p:clrMapOvr>
+    <a:masterClrMapping/>
+  </p:clrMapOvr>
+</p:notes>
+</file>
+
+<file path=ppt/notesSlides/notesSlide24.xml><?xml version="1.0" encoding="utf-8"?>
+<p:notes xmlns:a="http://schemas.openxmlformats.org/drawingml/2006/main" xmlns:r="http://schemas.openxmlformats.org/officeDocument/2006/relationships" xmlns:p="http://schemas.openxmlformats.org/presentationml/2006/main">
+  <p:cSld>
+    <p:spTree>
+      <p:nvGrpSpPr>
+        <p:cNvPr id="1" name="">
+          <a:extLst>
+            <a:ext uri="{FF2B5EF4-FFF2-40B4-BE49-F238E27FC236}">
+              <a16:creationId xmlns:a16="http://schemas.microsoft.com/office/drawing/2014/main" id="{8100B038-0C8E-2C3B-948F-B689538760FF}"/>
+            </a:ext>
+          </a:extLst>
+        </p:cNvPr>
+        <p:cNvGrpSpPr/>
+        <p:nvPr/>
+      </p:nvGrpSpPr>
+      <p:grpSpPr>
+        <a:xfrm>
+          <a:off x="0" y="0"/>
+          <a:ext cx="0" cy="0"/>
+          <a:chOff x="0" y="0"/>
+          <a:chExt cx="0" cy="0"/>
+        </a:xfrm>
+      </p:grpSpPr>
+      <p:sp>
+        <p:nvSpPr>
+          <p:cNvPr id="2" name="Slide Image Placeholder 1">
+            <a:extLst>
+              <a:ext uri="{FF2B5EF4-FFF2-40B4-BE49-F238E27FC236}">
+                <a16:creationId xmlns:a16="http://schemas.microsoft.com/office/drawing/2014/main" id="{7C66036B-9EED-2668-BB98-BEA0694DFD7A}"/>
+              </a:ext>
+            </a:extLst>
+          </p:cNvPr>
+          <p:cNvSpPr>
+            <a:spLocks noGrp="1" noRot="1" noChangeAspect="1"/>
+          </p:cNvSpPr>
+          <p:nvPr>
+            <p:ph type="sldImg"/>
+          </p:nvPr>
+        </p:nvSpPr>
+        <p:spPr/>
+      </p:sp>
+      <p:sp>
+        <p:nvSpPr>
+          <p:cNvPr id="3" name="Notes Placeholder 2">
+            <a:extLst>
+              <a:ext uri="{FF2B5EF4-FFF2-40B4-BE49-F238E27FC236}">
+                <a16:creationId xmlns:a16="http://schemas.microsoft.com/office/drawing/2014/main" id="{62FDB29F-DB50-A9D5-F59F-C6B1004EFD64}"/>
+              </a:ext>
+            </a:extLst>
+          </p:cNvPr>
+          <p:cNvSpPr>
+            <a:spLocks noGrp="1"/>
+          </p:cNvSpPr>
+          <p:nvPr>
+            <p:ph type="body" idx="1"/>
+          </p:nvPr>
+        </p:nvSpPr>
+        <p:spPr/>
+        <p:txBody>
+          <a:bodyPr/>
+          <a:lstStyle/>
+          <a:p>
+            <a:endParaRPr lang="en-US"/>
+          </a:p>
+        </p:txBody>
+      </p:sp>
+      <p:sp>
+        <p:nvSpPr>
+          <p:cNvPr id="4" name="Slide Number Placeholder 3">
+            <a:extLst>
+              <a:ext uri="{FF2B5EF4-FFF2-40B4-BE49-F238E27FC236}">
+                <a16:creationId xmlns:a16="http://schemas.microsoft.com/office/drawing/2014/main" id="{876DB0D6-BE8C-3F8A-EFED-1EF30B94EA3D}"/>
+              </a:ext>
+            </a:extLst>
+          </p:cNvPr>
+          <p:cNvSpPr>
+            <a:spLocks noGrp="1"/>
+          </p:cNvSpPr>
+          <p:nvPr>
+            <p:ph type="sldNum" sz="quarter" idx="5"/>
+          </p:nvPr>
+        </p:nvSpPr>
+        <p:spPr/>
+        <p:txBody>
+          <a:bodyPr/>
+          <a:lstStyle/>
+          <a:p>
+            <a:fld id="{659E7695-2856-4E04-B435-7203877CB9AD}" type="slidenum">
+              <a:rPr lang="en-US" smtClean="0"/>
+              <a:t>24</a:t>
+            </a:fld>
+            <a:endParaRPr lang="en-US"/>
+          </a:p>
+        </p:txBody>
+      </p:sp>
+    </p:spTree>
+    <p:extLst>
+      <p:ext uri="{BB962C8B-B14F-4D97-AF65-F5344CB8AC3E}">
+        <p14:creationId xmlns:p14="http://schemas.microsoft.com/office/powerpoint/2010/main" val="244028449"/>
+      </p:ext>
+    </p:extLst>
+  </p:cSld>
+  <p:clrMapOvr>
+    <a:masterClrMapping/>
+  </p:clrMapOvr>
+</p:notes>
+</file>
+
+<file path=ppt/notesSlides/notesSlide25.xml><?xml version="1.0" encoding="utf-8"?>
+<p:notes xmlns:a="http://schemas.openxmlformats.org/drawingml/2006/main" xmlns:r="http://schemas.openxmlformats.org/officeDocument/2006/relationships" xmlns:p="http://schemas.openxmlformats.org/presentationml/2006/main">
+  <p:cSld>
+    <p:spTree>
+      <p:nvGrpSpPr>
+        <p:cNvPr id="1" name="">
+          <a:extLst>
+            <a:ext uri="{FF2B5EF4-FFF2-40B4-BE49-F238E27FC236}">
+              <a16:creationId xmlns:a16="http://schemas.microsoft.com/office/drawing/2014/main" id="{41E9A8D5-8A71-F269-E1DE-A2985B2323DC}"/>
+            </a:ext>
+          </a:extLst>
+        </p:cNvPr>
+        <p:cNvGrpSpPr/>
+        <p:nvPr/>
+      </p:nvGrpSpPr>
+      <p:grpSpPr>
+        <a:xfrm>
+          <a:off x="0" y="0"/>
+          <a:ext cx="0" cy="0"/>
+          <a:chOff x="0" y="0"/>
+          <a:chExt cx="0" cy="0"/>
+        </a:xfrm>
+      </p:grpSpPr>
+      <p:sp>
+        <p:nvSpPr>
+          <p:cNvPr id="2" name="Slide Image Placeholder 1">
+            <a:extLst>
+              <a:ext uri="{FF2B5EF4-FFF2-40B4-BE49-F238E27FC236}">
+                <a16:creationId xmlns:a16="http://schemas.microsoft.com/office/drawing/2014/main" id="{C5845780-C0BA-6589-710E-2E6927D4B778}"/>
+              </a:ext>
+            </a:extLst>
+          </p:cNvPr>
+          <p:cNvSpPr>
+            <a:spLocks noGrp="1" noRot="1" noChangeAspect="1"/>
+          </p:cNvSpPr>
+          <p:nvPr>
+            <p:ph type="sldImg"/>
+          </p:nvPr>
+        </p:nvSpPr>
+        <p:spPr/>
+      </p:sp>
+      <p:sp>
+        <p:nvSpPr>
+          <p:cNvPr id="3" name="Notes Placeholder 2">
+            <a:extLst>
+              <a:ext uri="{FF2B5EF4-FFF2-40B4-BE49-F238E27FC236}">
+                <a16:creationId xmlns:a16="http://schemas.microsoft.com/office/drawing/2014/main" id="{8D6244C3-BEC9-FEC0-4F8D-51826EEE024B}"/>
+              </a:ext>
+            </a:extLst>
+          </p:cNvPr>
+          <p:cNvSpPr>
+            <a:spLocks noGrp="1"/>
+          </p:cNvSpPr>
+          <p:nvPr>
+            <p:ph type="body" idx="1"/>
+          </p:nvPr>
+        </p:nvSpPr>
+        <p:spPr/>
+        <p:txBody>
+          <a:bodyPr/>
+          <a:lstStyle/>
+          <a:p>
+            <a:endParaRPr lang="en-US"/>
+          </a:p>
+        </p:txBody>
+      </p:sp>
+      <p:sp>
+        <p:nvSpPr>
+          <p:cNvPr id="4" name="Slide Number Placeholder 3">
+            <a:extLst>
+              <a:ext uri="{FF2B5EF4-FFF2-40B4-BE49-F238E27FC236}">
+                <a16:creationId xmlns:a16="http://schemas.microsoft.com/office/drawing/2014/main" id="{67BE8701-941E-0A78-6080-0C2C975E9142}"/>
+              </a:ext>
+            </a:extLst>
+          </p:cNvPr>
+          <p:cNvSpPr>
+            <a:spLocks noGrp="1"/>
+          </p:cNvSpPr>
+          <p:nvPr>
+            <p:ph type="sldNum" sz="quarter" idx="5"/>
+          </p:nvPr>
+        </p:nvSpPr>
+        <p:spPr/>
+        <p:txBody>
+          <a:bodyPr/>
+          <a:lstStyle/>
+          <a:p>
+            <a:fld id="{659E7695-2856-4E04-B435-7203877CB9AD}" type="slidenum">
+              <a:rPr lang="en-US" smtClean="0"/>
+              <a:t>25</a:t>
+            </a:fld>
+            <a:endParaRPr lang="en-US"/>
+          </a:p>
+        </p:txBody>
+      </p:sp>
+    </p:spTree>
+    <p:extLst>
+      <p:ext uri="{BB962C8B-B14F-4D97-AF65-F5344CB8AC3E}">
+        <p14:creationId xmlns:p14="http://schemas.microsoft.com/office/powerpoint/2010/main" val="846847920"/>
+      </p:ext>
+    </p:extLst>
+  </p:cSld>
+  <p:clrMapOvr>
+    <a:masterClrMapping/>
+  </p:clrMapOvr>
+</p:notes>
+</file>
+
 <file path=ppt/notesSlides/notesSlide3.xml><?xml version="1.0" encoding="utf-8"?>
 <p:notes xmlns:a="http://schemas.openxmlformats.org/drawingml/2006/main" xmlns:r="http://schemas.openxmlformats.org/officeDocument/2006/relationships" xmlns:p="http://schemas.openxmlformats.org/presentationml/2006/main">
   <p:cSld>
@@ -1240,6 +2548,222 @@
         <p:cNvPr id="1" name="">
           <a:extLst>
             <a:ext uri="{FF2B5EF4-FFF2-40B4-BE49-F238E27FC236}">
+              <a16:creationId xmlns:a16="http://schemas.microsoft.com/office/drawing/2014/main" id="{CB21A238-C788-1DB1-9A6F-E54655FE049F}"/>
+            </a:ext>
+          </a:extLst>
+        </p:cNvPr>
+        <p:cNvGrpSpPr/>
+        <p:nvPr/>
+      </p:nvGrpSpPr>
+      <p:grpSpPr>
+        <a:xfrm>
+          <a:off x="0" y="0"/>
+          <a:ext cx="0" cy="0"/>
+          <a:chOff x="0" y="0"/>
+          <a:chExt cx="0" cy="0"/>
+        </a:xfrm>
+      </p:grpSpPr>
+      <p:sp>
+        <p:nvSpPr>
+          <p:cNvPr id="2" name="Slide Image Placeholder 1">
+            <a:extLst>
+              <a:ext uri="{FF2B5EF4-FFF2-40B4-BE49-F238E27FC236}">
+                <a16:creationId xmlns:a16="http://schemas.microsoft.com/office/drawing/2014/main" id="{66E0536D-3AC9-9F62-86FD-475A248D28F0}"/>
+              </a:ext>
+            </a:extLst>
+          </p:cNvPr>
+          <p:cNvSpPr>
+            <a:spLocks noGrp="1" noRot="1" noChangeAspect="1"/>
+          </p:cNvSpPr>
+          <p:nvPr>
+            <p:ph type="sldImg"/>
+          </p:nvPr>
+        </p:nvSpPr>
+        <p:spPr/>
+      </p:sp>
+      <p:sp>
+        <p:nvSpPr>
+          <p:cNvPr id="3" name="Notes Placeholder 2">
+            <a:extLst>
+              <a:ext uri="{FF2B5EF4-FFF2-40B4-BE49-F238E27FC236}">
+                <a16:creationId xmlns:a16="http://schemas.microsoft.com/office/drawing/2014/main" id="{2734E584-0544-68BD-1937-2D3ACAE446DC}"/>
+              </a:ext>
+            </a:extLst>
+          </p:cNvPr>
+          <p:cNvSpPr>
+            <a:spLocks noGrp="1"/>
+          </p:cNvSpPr>
+          <p:nvPr>
+            <p:ph type="body" idx="1"/>
+          </p:nvPr>
+        </p:nvSpPr>
+        <p:spPr/>
+        <p:txBody>
+          <a:bodyPr/>
+          <a:lstStyle/>
+          <a:p>
+            <a:endParaRPr lang="en-US"/>
+          </a:p>
+        </p:txBody>
+      </p:sp>
+      <p:sp>
+        <p:nvSpPr>
+          <p:cNvPr id="4" name="Slide Number Placeholder 3">
+            <a:extLst>
+              <a:ext uri="{FF2B5EF4-FFF2-40B4-BE49-F238E27FC236}">
+                <a16:creationId xmlns:a16="http://schemas.microsoft.com/office/drawing/2014/main" id="{A5ACCAD0-ABDF-C125-1772-48358726F1F7}"/>
+              </a:ext>
+            </a:extLst>
+          </p:cNvPr>
+          <p:cNvSpPr>
+            <a:spLocks noGrp="1"/>
+          </p:cNvSpPr>
+          <p:nvPr>
+            <p:ph type="sldNum" sz="quarter" idx="5"/>
+          </p:nvPr>
+        </p:nvSpPr>
+        <p:spPr/>
+        <p:txBody>
+          <a:bodyPr/>
+          <a:lstStyle/>
+          <a:p>
+            <a:fld id="{659E7695-2856-4E04-B435-7203877CB9AD}" type="slidenum">
+              <a:rPr lang="en-US" smtClean="0"/>
+              <a:t>4</a:t>
+            </a:fld>
+            <a:endParaRPr lang="en-US"/>
+          </a:p>
+        </p:txBody>
+      </p:sp>
+    </p:spTree>
+    <p:extLst>
+      <p:ext uri="{BB962C8B-B14F-4D97-AF65-F5344CB8AC3E}">
+        <p14:creationId xmlns:p14="http://schemas.microsoft.com/office/powerpoint/2010/main" val="3872227554"/>
+      </p:ext>
+    </p:extLst>
+  </p:cSld>
+  <p:clrMapOvr>
+    <a:masterClrMapping/>
+  </p:clrMapOvr>
+</p:notes>
+</file>
+
+<file path=ppt/notesSlides/notesSlide5.xml><?xml version="1.0" encoding="utf-8"?>
+<p:notes xmlns:a="http://schemas.openxmlformats.org/drawingml/2006/main" xmlns:r="http://schemas.openxmlformats.org/officeDocument/2006/relationships" xmlns:p="http://schemas.openxmlformats.org/presentationml/2006/main">
+  <p:cSld>
+    <p:spTree>
+      <p:nvGrpSpPr>
+        <p:cNvPr id="1" name="">
+          <a:extLst>
+            <a:ext uri="{FF2B5EF4-FFF2-40B4-BE49-F238E27FC236}">
+              <a16:creationId xmlns:a16="http://schemas.microsoft.com/office/drawing/2014/main" id="{A2C3C0A2-7D47-4ECE-2991-41F1A53D08EA}"/>
+            </a:ext>
+          </a:extLst>
+        </p:cNvPr>
+        <p:cNvGrpSpPr/>
+        <p:nvPr/>
+      </p:nvGrpSpPr>
+      <p:grpSpPr>
+        <a:xfrm>
+          <a:off x="0" y="0"/>
+          <a:ext cx="0" cy="0"/>
+          <a:chOff x="0" y="0"/>
+          <a:chExt cx="0" cy="0"/>
+        </a:xfrm>
+      </p:grpSpPr>
+      <p:sp>
+        <p:nvSpPr>
+          <p:cNvPr id="2" name="Slide Image Placeholder 1">
+            <a:extLst>
+              <a:ext uri="{FF2B5EF4-FFF2-40B4-BE49-F238E27FC236}">
+                <a16:creationId xmlns:a16="http://schemas.microsoft.com/office/drawing/2014/main" id="{90DCBC39-6670-AB85-3707-341C7CFCD645}"/>
+              </a:ext>
+            </a:extLst>
+          </p:cNvPr>
+          <p:cNvSpPr>
+            <a:spLocks noGrp="1" noRot="1" noChangeAspect="1"/>
+          </p:cNvSpPr>
+          <p:nvPr>
+            <p:ph type="sldImg"/>
+          </p:nvPr>
+        </p:nvSpPr>
+        <p:spPr/>
+      </p:sp>
+      <p:sp>
+        <p:nvSpPr>
+          <p:cNvPr id="3" name="Notes Placeholder 2">
+            <a:extLst>
+              <a:ext uri="{FF2B5EF4-FFF2-40B4-BE49-F238E27FC236}">
+                <a16:creationId xmlns:a16="http://schemas.microsoft.com/office/drawing/2014/main" id="{66BAB673-C051-53F6-B9C7-76DB75AC65E5}"/>
+              </a:ext>
+            </a:extLst>
+          </p:cNvPr>
+          <p:cNvSpPr>
+            <a:spLocks noGrp="1"/>
+          </p:cNvSpPr>
+          <p:nvPr>
+            <p:ph type="body" idx="1"/>
+          </p:nvPr>
+        </p:nvSpPr>
+        <p:spPr/>
+        <p:txBody>
+          <a:bodyPr/>
+          <a:lstStyle/>
+          <a:p>
+            <a:endParaRPr lang="en-US"/>
+          </a:p>
+        </p:txBody>
+      </p:sp>
+      <p:sp>
+        <p:nvSpPr>
+          <p:cNvPr id="4" name="Slide Number Placeholder 3">
+            <a:extLst>
+              <a:ext uri="{FF2B5EF4-FFF2-40B4-BE49-F238E27FC236}">
+                <a16:creationId xmlns:a16="http://schemas.microsoft.com/office/drawing/2014/main" id="{BA87A82C-5490-3406-432F-BD8A4F7C98E7}"/>
+              </a:ext>
+            </a:extLst>
+          </p:cNvPr>
+          <p:cNvSpPr>
+            <a:spLocks noGrp="1"/>
+          </p:cNvSpPr>
+          <p:nvPr>
+            <p:ph type="sldNum" sz="quarter" idx="5"/>
+          </p:nvPr>
+        </p:nvSpPr>
+        <p:spPr/>
+        <p:txBody>
+          <a:bodyPr/>
+          <a:lstStyle/>
+          <a:p>
+            <a:fld id="{659E7695-2856-4E04-B435-7203877CB9AD}" type="slidenum">
+              <a:rPr lang="en-US" smtClean="0"/>
+              <a:t>5</a:t>
+            </a:fld>
+            <a:endParaRPr lang="en-US"/>
+          </a:p>
+        </p:txBody>
+      </p:sp>
+    </p:spTree>
+    <p:extLst>
+      <p:ext uri="{BB962C8B-B14F-4D97-AF65-F5344CB8AC3E}">
+        <p14:creationId xmlns:p14="http://schemas.microsoft.com/office/powerpoint/2010/main" val="2268430574"/>
+      </p:ext>
+    </p:extLst>
+  </p:cSld>
+  <p:clrMapOvr>
+    <a:masterClrMapping/>
+  </p:clrMapOvr>
+</p:notes>
+</file>
+
+<file path=ppt/notesSlides/notesSlide6.xml><?xml version="1.0" encoding="utf-8"?>
+<p:notes xmlns:a="http://schemas.openxmlformats.org/drawingml/2006/main" xmlns:r="http://schemas.openxmlformats.org/officeDocument/2006/relationships" xmlns:p="http://schemas.openxmlformats.org/presentationml/2006/main">
+  <p:cSld>
+    <p:spTree>
+      <p:nvGrpSpPr>
+        <p:cNvPr id="1" name="">
+          <a:extLst>
+            <a:ext uri="{FF2B5EF4-FFF2-40B4-BE49-F238E27FC236}">
               <a16:creationId xmlns:a16="http://schemas.microsoft.com/office/drawing/2014/main" id="{69922ADD-5A34-C590-7881-7733B15E7B04}"/>
             </a:ext>
           </a:extLst>
@@ -1321,7 +2845,7 @@
           <a:p>
             <a:fld id="{659E7695-2856-4E04-B435-7203877CB9AD}" type="slidenum">
               <a:rPr lang="en-US" smtClean="0"/>
-              <a:t>4</a:t>
+              <a:t>6</a:t>
             </a:fld>
             <a:endParaRPr lang="en-US"/>
           </a:p>
@@ -1340,7 +2864,7 @@
 </p:notes>
 </file>
 
-<file path=ppt/notesSlides/notesSlide5.xml><?xml version="1.0" encoding="utf-8"?>
+<file path=ppt/notesSlides/notesSlide7.xml><?xml version="1.0" encoding="utf-8"?>
 <p:notes xmlns:a="http://schemas.openxmlformats.org/drawingml/2006/main" xmlns:r="http://schemas.openxmlformats.org/officeDocument/2006/relationships" xmlns:p="http://schemas.openxmlformats.org/presentationml/2006/main">
   <p:cSld>
     <p:spTree>
@@ -1429,7 +2953,7 @@
           <a:p>
             <a:fld id="{659E7695-2856-4E04-B435-7203877CB9AD}" type="slidenum">
               <a:rPr lang="en-US" smtClean="0"/>
-              <a:t>5</a:t>
+              <a:t>7</a:t>
             </a:fld>
             <a:endParaRPr lang="en-US"/>
           </a:p>
@@ -1448,7 +2972,7 @@
 </p:notes>
 </file>
 
-<file path=ppt/notesSlides/notesSlide6.xml><?xml version="1.0" encoding="utf-8"?>
+<file path=ppt/notesSlides/notesSlide8.xml><?xml version="1.0" encoding="utf-8"?>
 <p:notes xmlns:a="http://schemas.openxmlformats.org/drawingml/2006/main" xmlns:r="http://schemas.openxmlformats.org/officeDocument/2006/relationships" xmlns:p="http://schemas.openxmlformats.org/presentationml/2006/main">
   <p:cSld>
     <p:spTree>
@@ -1537,7 +3061,7 @@
           <a:p>
             <a:fld id="{659E7695-2856-4E04-B435-7203877CB9AD}" type="slidenum">
               <a:rPr lang="en-US" smtClean="0"/>
-              <a:t>6</a:t>
+              <a:t>8</a:t>
             </a:fld>
             <a:endParaRPr lang="en-US"/>
           </a:p>
@@ -1556,7 +3080,7 @@
 </p:notes>
 </file>
 
-<file path=ppt/notesSlides/notesSlide7.xml><?xml version="1.0" encoding="utf-8"?>
+<file path=ppt/notesSlides/notesSlide9.xml><?xml version="1.0" encoding="utf-8"?>
 <p:notes xmlns:a="http://schemas.openxmlformats.org/drawingml/2006/main" xmlns:r="http://schemas.openxmlformats.org/officeDocument/2006/relationships" xmlns:p="http://schemas.openxmlformats.org/presentationml/2006/main">
   <p:cSld>
     <p:spTree>
@@ -1645,7 +3169,7 @@
           <a:p>
             <a:fld id="{659E7695-2856-4E04-B435-7203877CB9AD}" type="slidenum">
               <a:rPr lang="en-US" smtClean="0"/>
-              <a:t>7</a:t>
+              <a:t>9</a:t>
             </a:fld>
             <a:endParaRPr lang="en-US"/>
           </a:p>
@@ -1655,222 +3179,6 @@
     <p:extLst>
       <p:ext uri="{BB962C8B-B14F-4D97-AF65-F5344CB8AC3E}">
         <p14:creationId xmlns:p14="http://schemas.microsoft.com/office/powerpoint/2010/main" val="1354657995"/>
-      </p:ext>
-    </p:extLst>
-  </p:cSld>
-  <p:clrMapOvr>
-    <a:masterClrMapping/>
-  </p:clrMapOvr>
-</p:notes>
-</file>
-
-<file path=ppt/notesSlides/notesSlide8.xml><?xml version="1.0" encoding="utf-8"?>
-<p:notes xmlns:a="http://schemas.openxmlformats.org/drawingml/2006/main" xmlns:r="http://schemas.openxmlformats.org/officeDocument/2006/relationships" xmlns:p="http://schemas.openxmlformats.org/presentationml/2006/main">
-  <p:cSld>
-    <p:spTree>
-      <p:nvGrpSpPr>
-        <p:cNvPr id="1" name="">
-          <a:extLst>
-            <a:ext uri="{FF2B5EF4-FFF2-40B4-BE49-F238E27FC236}">
-              <a16:creationId xmlns:a16="http://schemas.microsoft.com/office/drawing/2014/main" id="{7DE1DC33-E650-53AB-9871-50A930A54990}"/>
-            </a:ext>
-          </a:extLst>
-        </p:cNvPr>
-        <p:cNvGrpSpPr/>
-        <p:nvPr/>
-      </p:nvGrpSpPr>
-      <p:grpSpPr>
-        <a:xfrm>
-          <a:off x="0" y="0"/>
-          <a:ext cx="0" cy="0"/>
-          <a:chOff x="0" y="0"/>
-          <a:chExt cx="0" cy="0"/>
-        </a:xfrm>
-      </p:grpSpPr>
-      <p:sp>
-        <p:nvSpPr>
-          <p:cNvPr id="2" name="Slide Image Placeholder 1">
-            <a:extLst>
-              <a:ext uri="{FF2B5EF4-FFF2-40B4-BE49-F238E27FC236}">
-                <a16:creationId xmlns:a16="http://schemas.microsoft.com/office/drawing/2014/main" id="{B4CBF455-D858-1456-C35B-3FBDA160DCEC}"/>
-              </a:ext>
-            </a:extLst>
-          </p:cNvPr>
-          <p:cNvSpPr>
-            <a:spLocks noGrp="1" noRot="1" noChangeAspect="1"/>
-          </p:cNvSpPr>
-          <p:nvPr>
-            <p:ph type="sldImg"/>
-          </p:nvPr>
-        </p:nvSpPr>
-        <p:spPr/>
-      </p:sp>
-      <p:sp>
-        <p:nvSpPr>
-          <p:cNvPr id="3" name="Notes Placeholder 2">
-            <a:extLst>
-              <a:ext uri="{FF2B5EF4-FFF2-40B4-BE49-F238E27FC236}">
-                <a16:creationId xmlns:a16="http://schemas.microsoft.com/office/drawing/2014/main" id="{41B6FDF0-2D71-C87B-F6B3-0CA71A0FFE2B}"/>
-              </a:ext>
-            </a:extLst>
-          </p:cNvPr>
-          <p:cNvSpPr>
-            <a:spLocks noGrp="1"/>
-          </p:cNvSpPr>
-          <p:nvPr>
-            <p:ph type="body" idx="1"/>
-          </p:nvPr>
-        </p:nvSpPr>
-        <p:spPr/>
-        <p:txBody>
-          <a:bodyPr/>
-          <a:lstStyle/>
-          <a:p>
-            <a:endParaRPr lang="en-US"/>
-          </a:p>
-        </p:txBody>
-      </p:sp>
-      <p:sp>
-        <p:nvSpPr>
-          <p:cNvPr id="4" name="Slide Number Placeholder 3">
-            <a:extLst>
-              <a:ext uri="{FF2B5EF4-FFF2-40B4-BE49-F238E27FC236}">
-                <a16:creationId xmlns:a16="http://schemas.microsoft.com/office/drawing/2014/main" id="{F490EA1B-FD0E-A90D-8756-CFB2C697C451}"/>
-              </a:ext>
-            </a:extLst>
-          </p:cNvPr>
-          <p:cNvSpPr>
-            <a:spLocks noGrp="1"/>
-          </p:cNvSpPr>
-          <p:nvPr>
-            <p:ph type="sldNum" sz="quarter" idx="5"/>
-          </p:nvPr>
-        </p:nvSpPr>
-        <p:spPr/>
-        <p:txBody>
-          <a:bodyPr/>
-          <a:lstStyle/>
-          <a:p>
-            <a:fld id="{659E7695-2856-4E04-B435-7203877CB9AD}" type="slidenum">
-              <a:rPr lang="en-US" smtClean="0"/>
-              <a:t>8</a:t>
-            </a:fld>
-            <a:endParaRPr lang="en-US"/>
-          </a:p>
-        </p:txBody>
-      </p:sp>
-    </p:spTree>
-    <p:extLst>
-      <p:ext uri="{BB962C8B-B14F-4D97-AF65-F5344CB8AC3E}">
-        <p14:creationId xmlns:p14="http://schemas.microsoft.com/office/powerpoint/2010/main" val="2610867565"/>
-      </p:ext>
-    </p:extLst>
-  </p:cSld>
-  <p:clrMapOvr>
-    <a:masterClrMapping/>
-  </p:clrMapOvr>
-</p:notes>
-</file>
-
-<file path=ppt/notesSlides/notesSlide9.xml><?xml version="1.0" encoding="utf-8"?>
-<p:notes xmlns:a="http://schemas.openxmlformats.org/drawingml/2006/main" xmlns:r="http://schemas.openxmlformats.org/officeDocument/2006/relationships" xmlns:p="http://schemas.openxmlformats.org/presentationml/2006/main">
-  <p:cSld>
-    <p:spTree>
-      <p:nvGrpSpPr>
-        <p:cNvPr id="1" name="">
-          <a:extLst>
-            <a:ext uri="{FF2B5EF4-FFF2-40B4-BE49-F238E27FC236}">
-              <a16:creationId xmlns:a16="http://schemas.microsoft.com/office/drawing/2014/main" id="{97862F6A-993A-4856-2663-286AB7813BC1}"/>
-            </a:ext>
-          </a:extLst>
-        </p:cNvPr>
-        <p:cNvGrpSpPr/>
-        <p:nvPr/>
-      </p:nvGrpSpPr>
-      <p:grpSpPr>
-        <a:xfrm>
-          <a:off x="0" y="0"/>
-          <a:ext cx="0" cy="0"/>
-          <a:chOff x="0" y="0"/>
-          <a:chExt cx="0" cy="0"/>
-        </a:xfrm>
-      </p:grpSpPr>
-      <p:sp>
-        <p:nvSpPr>
-          <p:cNvPr id="2" name="Slide Image Placeholder 1">
-            <a:extLst>
-              <a:ext uri="{FF2B5EF4-FFF2-40B4-BE49-F238E27FC236}">
-                <a16:creationId xmlns:a16="http://schemas.microsoft.com/office/drawing/2014/main" id="{4314D4DC-EA6E-405A-D6AD-60A6618CF8BA}"/>
-              </a:ext>
-            </a:extLst>
-          </p:cNvPr>
-          <p:cNvSpPr>
-            <a:spLocks noGrp="1" noRot="1" noChangeAspect="1"/>
-          </p:cNvSpPr>
-          <p:nvPr>
-            <p:ph type="sldImg"/>
-          </p:nvPr>
-        </p:nvSpPr>
-        <p:spPr/>
-      </p:sp>
-      <p:sp>
-        <p:nvSpPr>
-          <p:cNvPr id="3" name="Notes Placeholder 2">
-            <a:extLst>
-              <a:ext uri="{FF2B5EF4-FFF2-40B4-BE49-F238E27FC236}">
-                <a16:creationId xmlns:a16="http://schemas.microsoft.com/office/drawing/2014/main" id="{A8487AC9-8142-C07A-18EC-818AC6361BB5}"/>
-              </a:ext>
-            </a:extLst>
-          </p:cNvPr>
-          <p:cNvSpPr>
-            <a:spLocks noGrp="1"/>
-          </p:cNvSpPr>
-          <p:nvPr>
-            <p:ph type="body" idx="1"/>
-          </p:nvPr>
-        </p:nvSpPr>
-        <p:spPr/>
-        <p:txBody>
-          <a:bodyPr/>
-          <a:lstStyle/>
-          <a:p>
-            <a:endParaRPr lang="en-US"/>
-          </a:p>
-        </p:txBody>
-      </p:sp>
-      <p:sp>
-        <p:nvSpPr>
-          <p:cNvPr id="4" name="Slide Number Placeholder 3">
-            <a:extLst>
-              <a:ext uri="{FF2B5EF4-FFF2-40B4-BE49-F238E27FC236}">
-                <a16:creationId xmlns:a16="http://schemas.microsoft.com/office/drawing/2014/main" id="{273E1065-1E3C-54B9-5531-B7E667B2D3BE}"/>
-              </a:ext>
-            </a:extLst>
-          </p:cNvPr>
-          <p:cNvSpPr>
-            <a:spLocks noGrp="1"/>
-          </p:cNvSpPr>
-          <p:nvPr>
-            <p:ph type="sldNum" sz="quarter" idx="5"/>
-          </p:nvPr>
-        </p:nvSpPr>
-        <p:spPr/>
-        <p:txBody>
-          <a:bodyPr/>
-          <a:lstStyle/>
-          <a:p>
-            <a:fld id="{659E7695-2856-4E04-B435-7203877CB9AD}" type="slidenum">
-              <a:rPr lang="en-US" smtClean="0"/>
-              <a:t>9</a:t>
-            </a:fld>
-            <a:endParaRPr lang="en-US"/>
-          </a:p>
-        </p:txBody>
-      </p:sp>
-    </p:spTree>
-    <p:extLst>
-      <p:ext uri="{BB962C8B-B14F-4D97-AF65-F5344CB8AC3E}">
-        <p14:creationId xmlns:p14="http://schemas.microsoft.com/office/powerpoint/2010/main" val="1552227852"/>
       </p:ext>
     </p:extLst>
   </p:cSld>
@@ -5115,7 +6423,7 @@
         <p:spPr>
           <a:xfrm>
             <a:off x="107004" y="158874"/>
-            <a:ext cx="11984477" cy="584775"/>
+            <a:ext cx="11984477" cy="3970318"/>
           </a:xfrm>
           <a:prstGeom prst="rect">
             <a:avLst/>
@@ -5128,19 +6436,231 @@
           </a:bodyPr>
           <a:lstStyle/>
           <a:p>
-            <a:r>
-              <a:rPr lang="ru-RU" sz="1600"/>
-              <a:t>.</a:t>
-            </a:r>
-          </a:p>
-          <a:p>
             <a:pPr>
               <a:buNone/>
             </a:pPr>
-            <a:endParaRPr lang="en-US" sz="1600"/>
+            <a:r>
+              <a:rPr lang="en-US" sz="1400" b="1">
+                <a:solidFill>
+                  <a:srgbClr val="FF0000"/>
+                </a:solidFill>
+              </a:rPr>
+              <a:t>HTTP (HyperText Transfer Protocol) nədir və necə işləyir?</a:t>
+            </a:r>
+          </a:p>
+          <a:p>
+            <a:pPr>
+              <a:buNone/>
+            </a:pPr>
+            <a:endParaRPr lang="en-US" sz="1400" b="1"/>
+          </a:p>
+          <a:p>
+            <a:r>
+              <a:rPr lang="en-US" sz="1400" b="1"/>
+              <a:t>HTTP</a:t>
+            </a:r>
+            <a:r>
+              <a:rPr lang="en-US" sz="1400"/>
+              <a:t> – Veb səhifələrin və məlumatların internet üzərindən ötürülməsini təmin edən protokoldur. Əvvəlcə yalnız </a:t>
+            </a:r>
+            <a:r>
+              <a:rPr lang="en-US" sz="1400" b="1"/>
+              <a:t>HTML</a:t>
+            </a:r>
+            <a:r>
+              <a:rPr lang="en-US" sz="1400"/>
+              <a:t> sənədlərinin ötürülməsi üçün nəzərdə tutulsa da, bu gün </a:t>
+            </a:r>
+            <a:r>
+              <a:rPr lang="en-US" sz="1400" b="1"/>
+              <a:t>şəkillər</a:t>
+            </a:r>
+            <a:r>
+              <a:rPr lang="en-US" sz="1400"/>
+              <a:t>, </a:t>
+            </a:r>
+            <a:r>
+              <a:rPr lang="en-US" sz="1400" b="1"/>
+              <a:t>videolar</a:t>
+            </a:r>
+            <a:r>
+              <a:rPr lang="en-US" sz="1400"/>
+              <a:t>, </a:t>
+            </a:r>
+            <a:r>
+              <a:rPr lang="en-US" sz="1400" b="1"/>
+              <a:t>JSON</a:t>
+            </a:r>
+            <a:r>
+              <a:rPr lang="en-US" sz="1400"/>
+              <a:t> və </a:t>
+            </a:r>
+            <a:r>
+              <a:rPr lang="en-US" sz="1400" b="1"/>
+              <a:t>digər məlumatlar </a:t>
+            </a:r>
+            <a:r>
+              <a:rPr lang="en-US" sz="1400"/>
+              <a:t>da HTTP vasitəsilə göndərilir.</a:t>
+            </a:r>
+          </a:p>
+          <a:p>
+            <a:endParaRPr lang="en-US" sz="1400"/>
+          </a:p>
+          <a:p>
+            <a:endParaRPr lang="en-US" sz="1400"/>
+          </a:p>
+          <a:p>
+            <a:pPr>
+              <a:buNone/>
+            </a:pPr>
+            <a:r>
+              <a:rPr lang="en-US" sz="1400" b="1">
+                <a:solidFill>
+                  <a:srgbClr val="00B050"/>
+                </a:solidFill>
+              </a:rPr>
+              <a:t>Klinet və server arasında HTTP-nin işləmə qaydası</a:t>
+            </a:r>
+          </a:p>
+          <a:p>
+            <a:pPr>
+              <a:buNone/>
+            </a:pPr>
+            <a:endParaRPr lang="en-US" sz="1400" b="1">
+              <a:solidFill>
+                <a:srgbClr val="00B050"/>
+              </a:solidFill>
+            </a:endParaRPr>
+          </a:p>
+          <a:p>
+            <a:pPr>
+              <a:buNone/>
+            </a:pPr>
+            <a:r>
+              <a:rPr lang="en-US" sz="1400"/>
+              <a:t>İstifadəçi brouzerdə (məsələn, Chrome, Firefox, Edge) veb sayta daxil olanda, həmin səhifənin məzmunu serverdən HTTP vasitəsilə alınır.</a:t>
+            </a:r>
+          </a:p>
+          <a:p>
+            <a:pPr>
+              <a:buNone/>
+            </a:pPr>
+            <a:r>
+              <a:rPr lang="en-US" sz="1400"/>
+              <a:t>Məsələn, sən </a:t>
+            </a:r>
+            <a:r>
+              <a:rPr lang="en-US" sz="1400">
+                <a:hlinkClick r:id="rId3"/>
+              </a:rPr>
+              <a:t>www.example.com</a:t>
+            </a:r>
+            <a:r>
+              <a:rPr lang="en-US" sz="1400"/>
+              <a:t> saytına daxil olduqda:</a:t>
+            </a:r>
+          </a:p>
+          <a:p>
+            <a:pPr>
+              <a:buNone/>
+            </a:pPr>
+            <a:endParaRPr lang="en-US" sz="1400"/>
+          </a:p>
+          <a:p>
+            <a:pPr marL="342900" indent="-342900">
+              <a:buFont typeface="+mj-lt"/>
+              <a:buAutoNum type="arabicPeriod"/>
+            </a:pPr>
+            <a:r>
+              <a:rPr lang="en-US" sz="1400"/>
+              <a:t>TCP bağlantısı açılır 				→ Brauzer və server arasında əlaqə yaradılır.</a:t>
+            </a:r>
+          </a:p>
+          <a:p>
+            <a:pPr marL="342900" indent="-342900">
+              <a:buFont typeface="+mj-lt"/>
+              <a:buAutoNum type="arabicPeriod"/>
+            </a:pPr>
+            <a:r>
+              <a:rPr lang="en-US" sz="1400"/>
+              <a:t>HTTP sorğusu (request) göndərilir 		→ Brauzer serverdən məlumat istəyir.</a:t>
+            </a:r>
+          </a:p>
+          <a:p>
+            <a:pPr marL="342900" indent="-342900">
+              <a:buFont typeface="+mj-lt"/>
+              <a:buAutoNum type="arabicPeriod"/>
+            </a:pPr>
+            <a:r>
+              <a:rPr lang="en-US" sz="1400"/>
+              <a:t>Server cavab (response) qaytarır 			→ Server səhifənin məzmununu qaytarır.</a:t>
+            </a:r>
+          </a:p>
+          <a:p>
+            <a:pPr marL="342900" indent="-342900">
+              <a:buFont typeface="+mj-lt"/>
+              <a:buAutoNum type="arabicPeriod"/>
+            </a:pPr>
+            <a:r>
+              <a:rPr lang="en-US" sz="1400"/>
+              <a:t>TCP bağlantısı bağlanır və ya yeni sorğu göndərilir   	→ Bağlantı saxlanıla da bilər (Keep-Alive).</a:t>
+            </a:r>
+          </a:p>
+          <a:p>
+            <a:pPr marL="342900" indent="-342900">
+              <a:buFont typeface="+mj-lt"/>
+              <a:buAutoNum type="arabicPeriod"/>
+            </a:pPr>
+            <a:endParaRPr lang="en-US" sz="1400"/>
+          </a:p>
+          <a:p>
+            <a:r>
+              <a:rPr lang="en-US" sz="1400"/>
+              <a:t>Bu prosesə "HTTP axını (HTTP Flow)" deyilir.</a:t>
+            </a:r>
+          </a:p>
+          <a:p>
+            <a:endParaRPr lang="en-US" sz="1400"/>
           </a:p>
         </p:txBody>
       </p:sp>
+      <p:pic>
+        <p:nvPicPr>
+          <p:cNvPr id="4" name="Picture 3">
+            <a:extLst>
+              <a:ext uri="{FF2B5EF4-FFF2-40B4-BE49-F238E27FC236}">
+                <a16:creationId xmlns:a16="http://schemas.microsoft.com/office/drawing/2014/main" id="{C5B4352E-6F26-937F-15B0-DDF3ECFBF164}"/>
+              </a:ext>
+            </a:extLst>
+          </p:cNvPr>
+          <p:cNvPicPr>
+            <a:picLocks noChangeAspect="1"/>
+          </p:cNvPicPr>
+          <p:nvPr/>
+        </p:nvPicPr>
+        <p:blipFill>
+          <a:blip r:embed="rId4">
+            <a:extLst>
+              <a:ext uri="{28A0092B-C50C-407E-A947-70E740481C1C}">
+                <a14:useLocalDpi xmlns:a14="http://schemas.microsoft.com/office/drawing/2010/main" val="0"/>
+              </a:ext>
+            </a:extLst>
+          </a:blip>
+          <a:stretch>
+            <a:fillRect/>
+          </a:stretch>
+        </p:blipFill>
+        <p:spPr>
+          <a:xfrm>
+            <a:off x="4898571" y="3738211"/>
+            <a:ext cx="5921829" cy="2960915"/>
+          </a:xfrm>
+          <a:prstGeom prst="rect">
+            <a:avLst/>
+          </a:prstGeom>
+        </p:spPr>
+      </p:pic>
     </p:spTree>
     <p:extLst>
       <p:ext uri="{BB962C8B-B14F-4D97-AF65-F5344CB8AC3E}">
@@ -5155,6 +6675,2162 @@
 </file>
 
 <file path=ppt/slides/slide10.xml><?xml version="1.0" encoding="utf-8"?>
+<p:sld xmlns:a="http://schemas.openxmlformats.org/drawingml/2006/main" xmlns:r="http://schemas.openxmlformats.org/officeDocument/2006/relationships" xmlns:p="http://schemas.openxmlformats.org/presentationml/2006/main">
+  <p:cSld>
+    <p:spTree>
+      <p:nvGrpSpPr>
+        <p:cNvPr id="1" name="">
+          <a:extLst>
+            <a:ext uri="{FF2B5EF4-FFF2-40B4-BE49-F238E27FC236}">
+              <a16:creationId xmlns:a16="http://schemas.microsoft.com/office/drawing/2014/main" id="{1BE30C00-5B93-CAE4-AF71-2EF350FEBF2F}"/>
+            </a:ext>
+          </a:extLst>
+        </p:cNvPr>
+        <p:cNvGrpSpPr/>
+        <p:nvPr/>
+      </p:nvGrpSpPr>
+      <p:grpSpPr>
+        <a:xfrm>
+          <a:off x="0" y="0"/>
+          <a:ext cx="0" cy="0"/>
+          <a:chOff x="0" y="0"/>
+          <a:chExt cx="0" cy="0"/>
+        </a:xfrm>
+      </p:grpSpPr>
+      <p:sp>
+        <p:nvSpPr>
+          <p:cNvPr id="3" name="TextBox 2">
+            <a:extLst>
+              <a:ext uri="{FF2B5EF4-FFF2-40B4-BE49-F238E27FC236}">
+                <a16:creationId xmlns:a16="http://schemas.microsoft.com/office/drawing/2014/main" id="{2DE9E490-F950-2667-4A97-4AA9515ACF1F}"/>
+              </a:ext>
+            </a:extLst>
+          </p:cNvPr>
+          <p:cNvSpPr txBox="1"/>
+          <p:nvPr/>
+        </p:nvSpPr>
+        <p:spPr>
+          <a:xfrm>
+            <a:off x="107004" y="158874"/>
+            <a:ext cx="11984477" cy="3224216"/>
+          </a:xfrm>
+          <a:prstGeom prst="rect">
+            <a:avLst/>
+          </a:prstGeom>
+          <a:noFill/>
+        </p:spPr>
+        <p:txBody>
+          <a:bodyPr wrap="square">
+            <a:spAutoFit/>
+          </a:bodyPr>
+          <a:lstStyle/>
+          <a:p>
+            <a:pPr>
+              <a:buNone/>
+            </a:pPr>
+            <a:r>
+              <a:rPr lang="en-US" sz="1600" b="1">
+                <a:solidFill>
+                  <a:srgbClr val="FF0000"/>
+                </a:solidFill>
+              </a:rPr>
+              <a:t>🔹 Nəticə:</a:t>
+            </a:r>
+          </a:p>
+          <a:p>
+            <a:pPr>
+              <a:lnSpc>
+                <a:spcPct val="200000"/>
+              </a:lnSpc>
+              <a:buFont typeface="Arial" panose="020B0604020202020204" pitchFamily="34" charset="0"/>
+              <a:buChar char="•"/>
+            </a:pPr>
+            <a:r>
+              <a:rPr lang="en-US" sz="1600" b="1">
+                <a:solidFill>
+                  <a:srgbClr val="FF0000"/>
+                </a:solidFill>
+              </a:rPr>
+              <a:t>HTTP – server və müştəri arasında məlumat ötürmək üçün istifadə olunan əsas protokoldur.</a:t>
+            </a:r>
+            <a:endParaRPr lang="en-US" sz="1600">
+              <a:solidFill>
+                <a:srgbClr val="FF0000"/>
+              </a:solidFill>
+            </a:endParaRPr>
+          </a:p>
+          <a:p>
+            <a:pPr>
+              <a:lnSpc>
+                <a:spcPct val="200000"/>
+              </a:lnSpc>
+              <a:buFont typeface="Arial" panose="020B0604020202020204" pitchFamily="34" charset="0"/>
+              <a:buChar char="•"/>
+            </a:pPr>
+            <a:r>
+              <a:rPr lang="en-US" sz="1600" b="1">
+                <a:solidFill>
+                  <a:srgbClr val="FF0000"/>
+                </a:solidFill>
+              </a:rPr>
+              <a:t>HTTP sorğusu (request) – müştərinin serverdən məlumat istədiyi mesajdır.</a:t>
+            </a:r>
+            <a:endParaRPr lang="en-US" sz="1600">
+              <a:solidFill>
+                <a:srgbClr val="FF0000"/>
+              </a:solidFill>
+            </a:endParaRPr>
+          </a:p>
+          <a:p>
+            <a:pPr>
+              <a:lnSpc>
+                <a:spcPct val="200000"/>
+              </a:lnSpc>
+              <a:buFont typeface="Arial" panose="020B0604020202020204" pitchFamily="34" charset="0"/>
+              <a:buChar char="•"/>
+            </a:pPr>
+            <a:r>
+              <a:rPr lang="en-US" sz="1600" b="1">
+                <a:solidFill>
+                  <a:srgbClr val="FF0000"/>
+                </a:solidFill>
+              </a:rPr>
+              <a:t>HTTP cavabı (response) – serverin müştəriyə verdiyi cavabdır.</a:t>
+            </a:r>
+            <a:endParaRPr lang="en-US" sz="1600">
+              <a:solidFill>
+                <a:srgbClr val="FF0000"/>
+              </a:solidFill>
+            </a:endParaRPr>
+          </a:p>
+          <a:p>
+            <a:pPr>
+              <a:lnSpc>
+                <a:spcPct val="200000"/>
+              </a:lnSpc>
+              <a:buFont typeface="Arial" panose="020B0604020202020204" pitchFamily="34" charset="0"/>
+              <a:buChar char="•"/>
+            </a:pPr>
+            <a:r>
+              <a:rPr lang="en-US" sz="1600" b="1">
+                <a:solidFill>
+                  <a:srgbClr val="FF0000"/>
+                </a:solidFill>
+              </a:rPr>
+              <a:t>Başlıq (headers) – sorğular haqqında əlavə məlumat verir.</a:t>
+            </a:r>
+            <a:endParaRPr lang="en-US" sz="1600">
+              <a:solidFill>
+                <a:srgbClr val="FF0000"/>
+              </a:solidFill>
+            </a:endParaRPr>
+          </a:p>
+          <a:p>
+            <a:pPr>
+              <a:lnSpc>
+                <a:spcPct val="200000"/>
+              </a:lnSpc>
+              <a:buFont typeface="Arial" panose="020B0604020202020204" pitchFamily="34" charset="0"/>
+              <a:buChar char="•"/>
+            </a:pPr>
+            <a:r>
+              <a:rPr lang="en-US" sz="1600" b="1">
+                <a:solidFill>
+                  <a:srgbClr val="FF0000"/>
+                </a:solidFill>
+              </a:rPr>
+              <a:t>Status kodları – serverin sorğuya necə cavab verdiyini göstərir.</a:t>
+            </a:r>
+            <a:endParaRPr lang="en-US" sz="1600">
+              <a:solidFill>
+                <a:srgbClr val="FF0000"/>
+              </a:solidFill>
+            </a:endParaRPr>
+          </a:p>
+          <a:p>
+            <a:pPr>
+              <a:lnSpc>
+                <a:spcPct val="200000"/>
+              </a:lnSpc>
+              <a:buFont typeface="Arial" panose="020B0604020202020204" pitchFamily="34" charset="0"/>
+              <a:buChar char="•"/>
+            </a:pPr>
+            <a:r>
+              <a:rPr lang="en-US" sz="1600" b="1">
+                <a:solidFill>
+                  <a:srgbClr val="FF0000"/>
+                </a:solidFill>
+              </a:rPr>
+              <a:t>Brauzerin Developer Tools bölməsində HTTP sorğularını analiz edə bilərsən.</a:t>
+            </a:r>
+            <a:endParaRPr lang="en-US" sz="1600">
+              <a:solidFill>
+                <a:srgbClr val="FF0000"/>
+              </a:solidFill>
+            </a:endParaRPr>
+          </a:p>
+        </p:txBody>
+      </p:sp>
+    </p:spTree>
+    <p:extLst>
+      <p:ext uri="{BB962C8B-B14F-4D97-AF65-F5344CB8AC3E}">
+        <p14:creationId xmlns:p14="http://schemas.microsoft.com/office/powerpoint/2010/main" val="1287262930"/>
+      </p:ext>
+    </p:extLst>
+  </p:cSld>
+  <p:clrMapOvr>
+    <a:masterClrMapping/>
+  </p:clrMapOvr>
+</p:sld>
+</file>
+
+<file path=ppt/slides/slide11.xml><?xml version="1.0" encoding="utf-8"?>
+<p:sld xmlns:a="http://schemas.openxmlformats.org/drawingml/2006/main" xmlns:r="http://schemas.openxmlformats.org/officeDocument/2006/relationships" xmlns:p="http://schemas.openxmlformats.org/presentationml/2006/main">
+  <p:cSld>
+    <p:spTree>
+      <p:nvGrpSpPr>
+        <p:cNvPr id="1" name="">
+          <a:extLst>
+            <a:ext uri="{FF2B5EF4-FFF2-40B4-BE49-F238E27FC236}">
+              <a16:creationId xmlns:a16="http://schemas.microsoft.com/office/drawing/2014/main" id="{B6A386BC-643F-5469-DFCB-FCB4B18F2937}"/>
+            </a:ext>
+          </a:extLst>
+        </p:cNvPr>
+        <p:cNvGrpSpPr/>
+        <p:nvPr/>
+      </p:nvGrpSpPr>
+      <p:grpSpPr>
+        <a:xfrm>
+          <a:off x="0" y="0"/>
+          <a:ext cx="0" cy="0"/>
+          <a:chOff x="0" y="0"/>
+          <a:chExt cx="0" cy="0"/>
+        </a:xfrm>
+      </p:grpSpPr>
+      <p:sp>
+        <p:nvSpPr>
+          <p:cNvPr id="3" name="TextBox 2">
+            <a:extLst>
+              <a:ext uri="{FF2B5EF4-FFF2-40B4-BE49-F238E27FC236}">
+                <a16:creationId xmlns:a16="http://schemas.microsoft.com/office/drawing/2014/main" id="{AC94DC14-C3F7-C3F9-D238-336B5CC05256}"/>
+              </a:ext>
+            </a:extLst>
+          </p:cNvPr>
+          <p:cNvSpPr txBox="1"/>
+          <p:nvPr/>
+        </p:nvSpPr>
+        <p:spPr>
+          <a:xfrm>
+            <a:off x="107004" y="158874"/>
+            <a:ext cx="11984477" cy="3747436"/>
+          </a:xfrm>
+          <a:prstGeom prst="rect">
+            <a:avLst/>
+          </a:prstGeom>
+          <a:noFill/>
+        </p:spPr>
+        <p:txBody>
+          <a:bodyPr wrap="square">
+            <a:spAutoFit/>
+          </a:bodyPr>
+          <a:lstStyle/>
+          <a:p>
+            <a:pPr>
+              <a:buNone/>
+            </a:pPr>
+            <a:r>
+              <a:rPr lang="en-US" sz="1600" b="1">
+                <a:solidFill>
+                  <a:srgbClr val="FF0000"/>
+                </a:solidFill>
+              </a:rPr>
+              <a:t>HTTP metodları və onların izahı</a:t>
+            </a:r>
+            <a:endParaRPr lang="az-Latn-AZ" sz="1600" b="1">
+              <a:solidFill>
+                <a:srgbClr val="FF0000"/>
+              </a:solidFill>
+            </a:endParaRPr>
+          </a:p>
+          <a:p>
+            <a:pPr>
+              <a:buNone/>
+            </a:pPr>
+            <a:endParaRPr lang="en-US" sz="1600" b="1">
+              <a:solidFill>
+                <a:srgbClr val="FF0000"/>
+              </a:solidFill>
+            </a:endParaRPr>
+          </a:p>
+          <a:p>
+            <a:pPr>
+              <a:buNone/>
+            </a:pPr>
+            <a:r>
+              <a:rPr lang="en-US" sz="1600"/>
+              <a:t>HTTP metodları — </a:t>
+            </a:r>
+            <a:r>
+              <a:rPr lang="en-US" sz="1600" b="1"/>
+              <a:t>müştərinin (</a:t>
+            </a:r>
+            <a:r>
+              <a:rPr lang="en-US" sz="1600"/>
+              <a:t>brauzer və ya proqramın</a:t>
+            </a:r>
+            <a:r>
+              <a:rPr lang="en-US" sz="1600" b="1"/>
+              <a:t>) serverə </a:t>
+            </a:r>
+            <a:r>
+              <a:rPr lang="en-US" sz="1600"/>
+              <a:t>hansı əməliyyatı etmək istədiyini bildirən komandalardır. Bu metodlar </a:t>
+            </a:r>
+            <a:r>
+              <a:rPr lang="en-US" sz="1600" b="1"/>
+              <a:t>sözlərdən</a:t>
+            </a:r>
+            <a:r>
+              <a:rPr lang="en-US" sz="1600"/>
+              <a:t> ibarətdir və hər biri müəyyən bir əməliyyatı ifadə edir.</a:t>
+            </a:r>
+            <a:endParaRPr lang="az-Latn-AZ" sz="1600"/>
+          </a:p>
+          <a:p>
+            <a:pPr>
+              <a:buNone/>
+            </a:pPr>
+            <a:endParaRPr lang="en-US" sz="1600"/>
+          </a:p>
+          <a:p>
+            <a:pPr>
+              <a:buNone/>
+            </a:pPr>
+            <a:r>
+              <a:rPr lang="en-US" sz="1600"/>
+              <a:t>Məsələn:</a:t>
+            </a:r>
+          </a:p>
+          <a:p>
+            <a:pPr marL="285750" indent="-285750">
+              <a:lnSpc>
+                <a:spcPct val="150000"/>
+              </a:lnSpc>
+              <a:buFont typeface="Arial" panose="020B0604020202020204" pitchFamily="34" charset="0"/>
+              <a:buChar char="•"/>
+            </a:pPr>
+            <a:r>
+              <a:rPr lang="en-US" sz="1600" b="1"/>
+              <a:t>GET</a:t>
+            </a:r>
+            <a:r>
+              <a:rPr lang="en-US" sz="1600"/>
+              <a:t> – Məlumatı oxumaq (axtarmaq) üçün istifadə olunur.</a:t>
+            </a:r>
+          </a:p>
+          <a:p>
+            <a:pPr marL="285750" indent="-285750">
+              <a:lnSpc>
+                <a:spcPct val="150000"/>
+              </a:lnSpc>
+              <a:buFont typeface="Arial" panose="020B0604020202020204" pitchFamily="34" charset="0"/>
+              <a:buChar char="•"/>
+            </a:pPr>
+            <a:r>
+              <a:rPr lang="en-US" sz="1600" b="1"/>
+              <a:t>POST</a:t>
+            </a:r>
+            <a:r>
+              <a:rPr lang="en-US" sz="1600"/>
+              <a:t> – Məlumatı serverə göndərmək (yeni məlumat əlavə etmək) üçün istifadə olunur.</a:t>
+            </a:r>
+          </a:p>
+          <a:p>
+            <a:pPr marL="285750" indent="-285750">
+              <a:lnSpc>
+                <a:spcPct val="150000"/>
+              </a:lnSpc>
+              <a:buFont typeface="Arial" panose="020B0604020202020204" pitchFamily="34" charset="0"/>
+              <a:buChar char="•"/>
+            </a:pPr>
+            <a:r>
+              <a:rPr lang="en-US" sz="1600" b="1"/>
+              <a:t>PUT</a:t>
+            </a:r>
+            <a:r>
+              <a:rPr lang="en-US" sz="1600"/>
+              <a:t> – Məlumatı </a:t>
+            </a:r>
+            <a:r>
+              <a:rPr lang="en-US" sz="1600" b="1"/>
+              <a:t>tam yeniləmək</a:t>
+            </a:r>
+            <a:r>
+              <a:rPr lang="en-US" sz="1600"/>
+              <a:t> üçün istifadə olunur.</a:t>
+            </a:r>
+          </a:p>
+          <a:p>
+            <a:pPr marL="285750" indent="-285750">
+              <a:lnSpc>
+                <a:spcPct val="150000"/>
+              </a:lnSpc>
+              <a:buFont typeface="Arial" panose="020B0604020202020204" pitchFamily="34" charset="0"/>
+              <a:buChar char="•"/>
+            </a:pPr>
+            <a:r>
+              <a:rPr lang="en-US" sz="1600" b="1"/>
+              <a:t>PATCH</a:t>
+            </a:r>
+            <a:r>
+              <a:rPr lang="en-US" sz="1600"/>
+              <a:t> – Məlumatı </a:t>
+            </a:r>
+            <a:r>
+              <a:rPr lang="en-US" sz="1600" b="1"/>
+              <a:t>qismən yeniləmək</a:t>
+            </a:r>
+            <a:r>
+              <a:rPr lang="en-US" sz="1600"/>
+              <a:t> üçün istifadə olunur.</a:t>
+            </a:r>
+          </a:p>
+          <a:p>
+            <a:pPr marL="285750" indent="-285750">
+              <a:lnSpc>
+                <a:spcPct val="150000"/>
+              </a:lnSpc>
+              <a:buFont typeface="Arial" panose="020B0604020202020204" pitchFamily="34" charset="0"/>
+              <a:buChar char="•"/>
+            </a:pPr>
+            <a:r>
+              <a:rPr lang="en-US" sz="1600" b="1"/>
+              <a:t>DELETE</a:t>
+            </a:r>
+            <a:r>
+              <a:rPr lang="en-US" sz="1600"/>
+              <a:t> – Məlumatı </a:t>
+            </a:r>
+            <a:r>
+              <a:rPr lang="en-US" sz="1600" b="1"/>
+              <a:t>silmək</a:t>
+            </a:r>
+            <a:r>
+              <a:rPr lang="en-US" sz="1600"/>
+              <a:t> üçün istifadə olunur.</a:t>
+            </a:r>
+          </a:p>
+          <a:p>
+            <a:pPr marL="285750" indent="-285750">
+              <a:lnSpc>
+                <a:spcPct val="150000"/>
+              </a:lnSpc>
+              <a:buFont typeface="Arial" panose="020B0604020202020204" pitchFamily="34" charset="0"/>
+              <a:buChar char="•"/>
+            </a:pPr>
+            <a:r>
+              <a:rPr lang="en-US" sz="1600" b="1"/>
+              <a:t>OPTIONS</a:t>
+            </a:r>
+            <a:r>
+              <a:rPr lang="en-US" sz="1600"/>
+              <a:t> – Server</a:t>
+            </a:r>
+            <a:r>
+              <a:rPr lang="az-Latn-AZ" sz="1600"/>
+              <a:t>d</a:t>
+            </a:r>
+            <a:r>
+              <a:rPr lang="en-US" sz="1600"/>
+              <a:t>ə</a:t>
+            </a:r>
+            <a:r>
+              <a:rPr lang="az-Latn-AZ" sz="1600"/>
+              <a:t>n</a:t>
+            </a:r>
+            <a:r>
+              <a:rPr lang="en-US" sz="1600"/>
+              <a:t> </a:t>
+            </a:r>
+            <a:r>
+              <a:rPr lang="en-US" sz="1600" b="1"/>
+              <a:t>mövcud metodlar haqqında məlumat almaq</a:t>
+            </a:r>
+            <a:r>
+              <a:rPr lang="en-US" sz="1600"/>
+              <a:t> üçün istifadə olunur.</a:t>
+            </a:r>
+          </a:p>
+        </p:txBody>
+      </p:sp>
+    </p:spTree>
+    <p:extLst>
+      <p:ext uri="{BB962C8B-B14F-4D97-AF65-F5344CB8AC3E}">
+        <p14:creationId xmlns:p14="http://schemas.microsoft.com/office/powerpoint/2010/main" val="3441767625"/>
+      </p:ext>
+    </p:extLst>
+  </p:cSld>
+  <p:clrMapOvr>
+    <a:masterClrMapping/>
+  </p:clrMapOvr>
+</p:sld>
+</file>
+
+<file path=ppt/slides/slide12.xml><?xml version="1.0" encoding="utf-8"?>
+<p:sld xmlns:a="http://schemas.openxmlformats.org/drawingml/2006/main" xmlns:r="http://schemas.openxmlformats.org/officeDocument/2006/relationships" xmlns:p="http://schemas.openxmlformats.org/presentationml/2006/main">
+  <p:cSld>
+    <p:spTree>
+      <p:nvGrpSpPr>
+        <p:cNvPr id="1" name="">
+          <a:extLst>
+            <a:ext uri="{FF2B5EF4-FFF2-40B4-BE49-F238E27FC236}">
+              <a16:creationId xmlns:a16="http://schemas.microsoft.com/office/drawing/2014/main" id="{776F8444-92EC-684D-1DCD-A5214B6C7802}"/>
+            </a:ext>
+          </a:extLst>
+        </p:cNvPr>
+        <p:cNvGrpSpPr/>
+        <p:nvPr/>
+      </p:nvGrpSpPr>
+      <p:grpSpPr>
+        <a:xfrm>
+          <a:off x="0" y="0"/>
+          <a:ext cx="0" cy="0"/>
+          <a:chOff x="0" y="0"/>
+          <a:chExt cx="0" cy="0"/>
+        </a:xfrm>
+      </p:grpSpPr>
+      <p:sp>
+        <p:nvSpPr>
+          <p:cNvPr id="3" name="TextBox 2">
+            <a:extLst>
+              <a:ext uri="{FF2B5EF4-FFF2-40B4-BE49-F238E27FC236}">
+                <a16:creationId xmlns:a16="http://schemas.microsoft.com/office/drawing/2014/main" id="{4B508BC6-4367-9599-5F15-A5AB181D7B1D}"/>
+              </a:ext>
+            </a:extLst>
+          </p:cNvPr>
+          <p:cNvSpPr txBox="1"/>
+          <p:nvPr/>
+        </p:nvSpPr>
+        <p:spPr>
+          <a:xfrm>
+            <a:off x="107004" y="158874"/>
+            <a:ext cx="11984477" cy="3493264"/>
+          </a:xfrm>
+          <a:prstGeom prst="rect">
+            <a:avLst/>
+          </a:prstGeom>
+          <a:noFill/>
+        </p:spPr>
+        <p:txBody>
+          <a:bodyPr wrap="square">
+            <a:spAutoFit/>
+          </a:bodyPr>
+          <a:lstStyle/>
+          <a:p>
+            <a:pPr>
+              <a:buNone/>
+            </a:pPr>
+            <a:r>
+              <a:rPr lang="en-US" sz="1300" b="1">
+                <a:solidFill>
+                  <a:srgbClr val="FF0000"/>
+                </a:solidFill>
+              </a:rPr>
+              <a:t>CRUD nədir?</a:t>
+            </a:r>
+            <a:endParaRPr lang="az-Latn-AZ" sz="1300" b="1">
+              <a:solidFill>
+                <a:srgbClr val="FF0000"/>
+              </a:solidFill>
+            </a:endParaRPr>
+          </a:p>
+          <a:p>
+            <a:pPr>
+              <a:buNone/>
+            </a:pPr>
+            <a:endParaRPr lang="en-US" sz="1300" b="1">
+              <a:solidFill>
+                <a:srgbClr val="FF0000"/>
+              </a:solidFill>
+            </a:endParaRPr>
+          </a:p>
+          <a:p>
+            <a:pPr>
+              <a:buNone/>
+            </a:pPr>
+            <a:r>
+              <a:rPr lang="en-US" sz="1300"/>
+              <a:t>CRUD — </a:t>
+            </a:r>
+            <a:r>
+              <a:rPr lang="en-US" sz="1300" b="1"/>
+              <a:t>dörd </a:t>
+            </a:r>
+            <a:r>
+              <a:rPr lang="en-US" sz="1300"/>
+              <a:t>əsas əməliyyatın qısaltmasıdır və verilənlər bazası ilə işləyən sistemlərdə istifadə olunur:</a:t>
+            </a:r>
+            <a:endParaRPr lang="az-Latn-AZ" sz="1300"/>
+          </a:p>
+          <a:p>
+            <a:pPr>
+              <a:buNone/>
+            </a:pPr>
+            <a:endParaRPr lang="en-US" sz="1300"/>
+          </a:p>
+          <a:p>
+            <a:pPr marL="285750" indent="-285750">
+              <a:buFont typeface="Arial" panose="020B0604020202020204" pitchFamily="34" charset="0"/>
+              <a:buChar char="•"/>
+            </a:pPr>
+            <a:r>
+              <a:rPr lang="en-US" sz="1300" b="1"/>
+              <a:t>C</a:t>
+            </a:r>
+            <a:r>
+              <a:rPr lang="en-US" sz="1300"/>
+              <a:t> (Create - Yaratmaq) → </a:t>
+            </a:r>
+            <a:r>
+              <a:rPr lang="en-US" sz="1300" b="1"/>
+              <a:t>POST, PUT</a:t>
+            </a:r>
+            <a:endParaRPr lang="en-US" sz="1300"/>
+          </a:p>
+          <a:p>
+            <a:pPr marL="285750" indent="-285750">
+              <a:buFont typeface="Arial" panose="020B0604020202020204" pitchFamily="34" charset="0"/>
+              <a:buChar char="•"/>
+            </a:pPr>
+            <a:r>
+              <a:rPr lang="en-US" sz="1300" b="1"/>
+              <a:t>R</a:t>
+            </a:r>
+            <a:r>
+              <a:rPr lang="en-US" sz="1300"/>
+              <a:t> (Read - Oxumaq) → </a:t>
+            </a:r>
+            <a:r>
+              <a:rPr lang="en-US" sz="1300" b="1"/>
+              <a:t>GET</a:t>
+            </a:r>
+            <a:endParaRPr lang="en-US" sz="1300"/>
+          </a:p>
+          <a:p>
+            <a:pPr marL="285750" indent="-285750">
+              <a:buFont typeface="Arial" panose="020B0604020202020204" pitchFamily="34" charset="0"/>
+              <a:buChar char="•"/>
+            </a:pPr>
+            <a:r>
+              <a:rPr lang="en-US" sz="1300" b="1"/>
+              <a:t>U</a:t>
+            </a:r>
+            <a:r>
+              <a:rPr lang="en-US" sz="1300"/>
+              <a:t> (Update - Yeniləmək) → </a:t>
+            </a:r>
+            <a:r>
+              <a:rPr lang="en-US" sz="1300" b="1"/>
+              <a:t>PUT, PATCH</a:t>
+            </a:r>
+            <a:endParaRPr lang="en-US" sz="1300"/>
+          </a:p>
+          <a:p>
+            <a:pPr marL="285750" indent="-285750">
+              <a:buFont typeface="Arial" panose="020B0604020202020204" pitchFamily="34" charset="0"/>
+              <a:buChar char="•"/>
+            </a:pPr>
+            <a:r>
+              <a:rPr lang="en-US" sz="1300" b="1"/>
+              <a:t>D</a:t>
+            </a:r>
+            <a:r>
+              <a:rPr lang="en-US" sz="1300"/>
+              <a:t> (Delete - Silmək) → </a:t>
+            </a:r>
+            <a:r>
+              <a:rPr lang="en-US" sz="1300" b="1"/>
+              <a:t>DELETE</a:t>
+            </a:r>
+            <a:endParaRPr lang="az-Latn-AZ" sz="1300" b="1"/>
+          </a:p>
+          <a:p>
+            <a:pPr marL="285750" indent="-285750">
+              <a:buFont typeface="Arial" panose="020B0604020202020204" pitchFamily="34" charset="0"/>
+              <a:buChar char="•"/>
+            </a:pPr>
+            <a:endParaRPr lang="az-Latn-AZ" sz="1300" b="1"/>
+          </a:p>
+          <a:p>
+            <a:pPr marL="285750" indent="-285750">
+              <a:buFont typeface="Arial" panose="020B0604020202020204" pitchFamily="34" charset="0"/>
+              <a:buChar char="•"/>
+            </a:pPr>
+            <a:endParaRPr lang="az-Latn-AZ" sz="1300" b="1"/>
+          </a:p>
+          <a:p>
+            <a:pPr>
+              <a:buFont typeface="Arial" panose="020B0604020202020204" pitchFamily="34" charset="0"/>
+              <a:buChar char="•"/>
+            </a:pPr>
+            <a:endParaRPr lang="az-Latn-AZ" sz="1300" b="1"/>
+          </a:p>
+          <a:p>
+            <a:pPr>
+              <a:buNone/>
+            </a:pPr>
+            <a:r>
+              <a:rPr lang="en-US" sz="1300"/>
+              <a:t>Bu əməliyyatlar </a:t>
+            </a:r>
+            <a:r>
+              <a:rPr lang="en-US" sz="1300" b="1"/>
+              <a:t>istifadəçi icazələrinə (permissions) də uyğunlaşdırıla bilər</a:t>
+            </a:r>
+            <a:r>
+              <a:rPr lang="en-US" sz="1300"/>
+              <a:t>. </a:t>
+            </a:r>
+            <a:endParaRPr lang="az-Latn-AZ" sz="1300"/>
+          </a:p>
+          <a:p>
+            <a:pPr>
+              <a:buNone/>
+            </a:pPr>
+            <a:endParaRPr lang="az-Latn-AZ" sz="1300"/>
+          </a:p>
+          <a:p>
+            <a:pPr>
+              <a:buNone/>
+            </a:pPr>
+            <a:r>
+              <a:rPr lang="en-US" sz="1300"/>
+              <a:t>Məsələn:</a:t>
+            </a:r>
+          </a:p>
+          <a:p>
+            <a:pPr marL="285750" indent="-285750">
+              <a:buFont typeface="Arial" panose="020B0604020202020204" pitchFamily="34" charset="0"/>
+              <a:buChar char="•"/>
+            </a:pPr>
+            <a:r>
+              <a:rPr lang="en-US" sz="1300"/>
+              <a:t>Adi istifadəçi </a:t>
+            </a:r>
+            <a:r>
+              <a:rPr lang="en-US" sz="1300" b="1"/>
+              <a:t>GET</a:t>
+            </a:r>
+            <a:r>
+              <a:rPr lang="en-US" sz="1300"/>
+              <a:t> ilə yalnız məlumatları oxuya bilər.</a:t>
+            </a:r>
+          </a:p>
+          <a:p>
+            <a:pPr marL="285750" indent="-285750">
+              <a:buFont typeface="Arial" panose="020B0604020202020204" pitchFamily="34" charset="0"/>
+              <a:buChar char="•"/>
+            </a:pPr>
+            <a:r>
+              <a:rPr lang="en-US" sz="1300"/>
+              <a:t>Admin isə </a:t>
+            </a:r>
+            <a:r>
+              <a:rPr lang="en-US" sz="1300" b="1"/>
+              <a:t>POST, PUT, DELETE</a:t>
+            </a:r>
+            <a:r>
+              <a:rPr lang="en-US" sz="1300"/>
+              <a:t> kimi metodlarla </a:t>
+            </a:r>
+            <a:r>
+              <a:rPr lang="en-US" sz="1300" b="1"/>
+              <a:t>məlumat əlavə edə, yeniləyə və silə bilər</a:t>
+            </a:r>
+            <a:r>
+              <a:rPr lang="en-US" sz="1300"/>
+              <a:t>.</a:t>
+            </a:r>
+          </a:p>
+          <a:p>
+            <a:endParaRPr lang="en-US" sz="1300"/>
+          </a:p>
+        </p:txBody>
+      </p:sp>
+      <p:pic>
+        <p:nvPicPr>
+          <p:cNvPr id="4" name="Picture 3">
+            <a:extLst>
+              <a:ext uri="{FF2B5EF4-FFF2-40B4-BE49-F238E27FC236}">
+                <a16:creationId xmlns:a16="http://schemas.microsoft.com/office/drawing/2014/main" id="{17AC016E-E4E8-617E-F58D-506D4F9B70DA}"/>
+              </a:ext>
+            </a:extLst>
+          </p:cNvPr>
+          <p:cNvPicPr>
+            <a:picLocks noChangeAspect="1"/>
+          </p:cNvPicPr>
+          <p:nvPr/>
+        </p:nvPicPr>
+        <p:blipFill>
+          <a:blip r:embed="rId3">
+            <a:extLst>
+              <a:ext uri="{28A0092B-C50C-407E-A947-70E740481C1C}">
+                <a14:useLocalDpi xmlns:a14="http://schemas.microsoft.com/office/drawing/2010/main" val="0"/>
+              </a:ext>
+            </a:extLst>
+          </a:blip>
+          <a:stretch>
+            <a:fillRect/>
+          </a:stretch>
+        </p:blipFill>
+        <p:spPr>
+          <a:xfrm>
+            <a:off x="6671388" y="2948521"/>
+            <a:ext cx="5520612" cy="3909479"/>
+          </a:xfrm>
+          <a:prstGeom prst="rect">
+            <a:avLst/>
+          </a:prstGeom>
+        </p:spPr>
+      </p:pic>
+    </p:spTree>
+    <p:extLst>
+      <p:ext uri="{BB962C8B-B14F-4D97-AF65-F5344CB8AC3E}">
+        <p14:creationId xmlns:p14="http://schemas.microsoft.com/office/powerpoint/2010/main" val="998932876"/>
+      </p:ext>
+    </p:extLst>
+  </p:cSld>
+  <p:clrMapOvr>
+    <a:masterClrMapping/>
+  </p:clrMapOvr>
+</p:sld>
+</file>
+
+<file path=ppt/slides/slide13.xml><?xml version="1.0" encoding="utf-8"?>
+<p:sld xmlns:a="http://schemas.openxmlformats.org/drawingml/2006/main" xmlns:r="http://schemas.openxmlformats.org/officeDocument/2006/relationships" xmlns:p="http://schemas.openxmlformats.org/presentationml/2006/main">
+  <p:cSld>
+    <p:spTree>
+      <p:nvGrpSpPr>
+        <p:cNvPr id="1" name="">
+          <a:extLst>
+            <a:ext uri="{FF2B5EF4-FFF2-40B4-BE49-F238E27FC236}">
+              <a16:creationId xmlns:a16="http://schemas.microsoft.com/office/drawing/2014/main" id="{AD52F14F-1E28-DBE1-E57C-46CFCFF16468}"/>
+            </a:ext>
+          </a:extLst>
+        </p:cNvPr>
+        <p:cNvGrpSpPr/>
+        <p:nvPr/>
+      </p:nvGrpSpPr>
+      <p:grpSpPr>
+        <a:xfrm>
+          <a:off x="0" y="0"/>
+          <a:ext cx="0" cy="0"/>
+          <a:chOff x="0" y="0"/>
+          <a:chExt cx="0" cy="0"/>
+        </a:xfrm>
+      </p:grpSpPr>
+      <p:sp>
+        <p:nvSpPr>
+          <p:cNvPr id="3" name="TextBox 2">
+            <a:extLst>
+              <a:ext uri="{FF2B5EF4-FFF2-40B4-BE49-F238E27FC236}">
+                <a16:creationId xmlns:a16="http://schemas.microsoft.com/office/drawing/2014/main" id="{AE67554B-03E9-12BF-22DF-D3D1155FC9C5}"/>
+              </a:ext>
+            </a:extLst>
+          </p:cNvPr>
+          <p:cNvSpPr txBox="1"/>
+          <p:nvPr/>
+        </p:nvSpPr>
+        <p:spPr>
+          <a:xfrm>
+            <a:off x="0" y="0"/>
+            <a:ext cx="5992239" cy="1569660"/>
+          </a:xfrm>
+          <a:prstGeom prst="rect">
+            <a:avLst/>
+          </a:prstGeom>
+          <a:noFill/>
+        </p:spPr>
+        <p:txBody>
+          <a:bodyPr wrap="square">
+            <a:spAutoFit/>
+          </a:bodyPr>
+          <a:lstStyle/>
+          <a:p>
+            <a:pPr>
+              <a:buNone/>
+            </a:pPr>
+            <a:r>
+              <a:rPr lang="en-US" sz="1200" b="1"/>
+              <a:t>İdempotent nədir?</a:t>
+            </a:r>
+            <a:endParaRPr lang="en-US" sz="1200"/>
+          </a:p>
+          <a:p>
+            <a:pPr marL="285750" indent="-285750">
+              <a:buFont typeface="Arial" panose="020B0604020202020204" pitchFamily="34" charset="0"/>
+              <a:buChar char="•"/>
+            </a:pPr>
+            <a:r>
+              <a:rPr lang="en-US" sz="1200" b="1"/>
+              <a:t>PUT idepotentdir</a:t>
+            </a:r>
+            <a:r>
+              <a:rPr lang="en-US" sz="1200"/>
+              <a:t>, yəni eyni sorğunu dəfələrlə göndərsəniz də nəticə dəyişməyəcək.</a:t>
+            </a:r>
+          </a:p>
+          <a:p>
+            <a:pPr marL="285750" indent="-285750">
+              <a:buFont typeface="Arial" panose="020B0604020202020204" pitchFamily="34" charset="0"/>
+              <a:buChar char="•"/>
+            </a:pPr>
+            <a:r>
+              <a:rPr lang="en-US" sz="1200" b="1"/>
+              <a:t>PATCH idepotent deyil</a:t>
+            </a:r>
+            <a:r>
+              <a:rPr lang="en-US" sz="1200"/>
+              <a:t>, çünki hər dəfə göndərdikdə fərqli dəyişikliklər ola bilər.</a:t>
+            </a:r>
+          </a:p>
+          <a:p>
+            <a:pPr>
+              <a:buFont typeface="Arial" panose="020B0604020202020204" pitchFamily="34" charset="0"/>
+              <a:buChar char="•"/>
+            </a:pPr>
+            <a:endParaRPr lang="en-US" sz="1200"/>
+          </a:p>
+          <a:p>
+            <a:pPr>
+              <a:buFont typeface="Arial" panose="020B0604020202020204" pitchFamily="34" charset="0"/>
+              <a:buChar char="•"/>
+            </a:pPr>
+            <a:endParaRPr lang="en-US" sz="1200"/>
+          </a:p>
+          <a:p>
+            <a:pPr>
+              <a:buNone/>
+            </a:pPr>
+            <a:r>
+              <a:rPr lang="en-US" sz="1200" b="1"/>
+              <a:t>Məsələn:</a:t>
+            </a:r>
+            <a:endParaRPr lang="en-US" sz="1200"/>
+          </a:p>
+          <a:p>
+            <a:pPr marL="285750" indent="-285750">
+              <a:buFont typeface="Arial" panose="020B0604020202020204" pitchFamily="34" charset="0"/>
+              <a:buChar char="•"/>
+            </a:pPr>
+            <a:r>
+              <a:rPr lang="en-US" sz="1200" b="1"/>
+              <a:t>PUT</a:t>
+            </a:r>
+            <a:r>
+              <a:rPr lang="en-US" sz="1200"/>
+              <a:t>: "Ad" sahəsini dəyişdirmək istəyirsinizsə, bütün məlumatı yenidən göndərməlisiniz.</a:t>
+            </a:r>
+          </a:p>
+          <a:p>
+            <a:pPr marL="285750" indent="-285750">
+              <a:buFont typeface="Arial" panose="020B0604020202020204" pitchFamily="34" charset="0"/>
+              <a:buChar char="•"/>
+            </a:pPr>
+            <a:r>
+              <a:rPr lang="en-US" sz="1200" b="1"/>
+              <a:t>PATCH</a:t>
+            </a:r>
+            <a:r>
+              <a:rPr lang="en-US" sz="1200"/>
+              <a:t>: "Ad" sahəsini dəyişdirmək istəyirsinizsə, yalnız "Ad" sahəsini göndərirsiniz.</a:t>
+            </a:r>
+          </a:p>
+        </p:txBody>
+      </p:sp>
+      <p:pic>
+        <p:nvPicPr>
+          <p:cNvPr id="4" name="Picture 3">
+            <a:extLst>
+              <a:ext uri="{FF2B5EF4-FFF2-40B4-BE49-F238E27FC236}">
+                <a16:creationId xmlns:a16="http://schemas.microsoft.com/office/drawing/2014/main" id="{15CDBCCF-250B-8613-DDE3-263D43844FB2}"/>
+              </a:ext>
+            </a:extLst>
+          </p:cNvPr>
+          <p:cNvPicPr>
+            <a:picLocks noChangeAspect="1"/>
+          </p:cNvPicPr>
+          <p:nvPr/>
+        </p:nvPicPr>
+        <p:blipFill>
+          <a:blip r:embed="rId3">
+            <a:extLst>
+              <a:ext uri="{28A0092B-C50C-407E-A947-70E740481C1C}">
+                <a14:useLocalDpi xmlns:a14="http://schemas.microsoft.com/office/drawing/2010/main" val="0"/>
+              </a:ext>
+            </a:extLst>
+          </a:blip>
+          <a:stretch>
+            <a:fillRect/>
+          </a:stretch>
+        </p:blipFill>
+        <p:spPr>
+          <a:xfrm>
+            <a:off x="6096000" y="0"/>
+            <a:ext cx="6096000" cy="2832565"/>
+          </a:xfrm>
+          <a:prstGeom prst="rect">
+            <a:avLst/>
+          </a:prstGeom>
+        </p:spPr>
+      </p:pic>
+      <p:sp>
+        <p:nvSpPr>
+          <p:cNvPr id="6" name="TextBox 5">
+            <a:extLst>
+              <a:ext uri="{FF2B5EF4-FFF2-40B4-BE49-F238E27FC236}">
+                <a16:creationId xmlns:a16="http://schemas.microsoft.com/office/drawing/2014/main" id="{30C59046-5405-D79E-CC3D-DD1B57FB97CE}"/>
+              </a:ext>
+            </a:extLst>
+          </p:cNvPr>
+          <p:cNvSpPr txBox="1"/>
+          <p:nvPr/>
+        </p:nvSpPr>
+        <p:spPr>
+          <a:xfrm>
+            <a:off x="96416" y="3251396"/>
+            <a:ext cx="11999167" cy="1200329"/>
+          </a:xfrm>
+          <a:prstGeom prst="rect">
+            <a:avLst/>
+          </a:prstGeom>
+          <a:noFill/>
+        </p:spPr>
+        <p:txBody>
+          <a:bodyPr wrap="square">
+            <a:spAutoFit/>
+          </a:bodyPr>
+          <a:lstStyle/>
+          <a:p>
+            <a:pPr>
+              <a:buNone/>
+            </a:pPr>
+            <a:r>
+              <a:rPr lang="en-US"/>
+              <a:t>İdempotentlik o deməkdir ki, sən eyni </a:t>
+            </a:r>
+            <a:r>
+              <a:rPr lang="en-US" b="1"/>
+              <a:t>GET</a:t>
+            </a:r>
+            <a:r>
+              <a:rPr lang="en-US"/>
+              <a:t> </a:t>
+            </a:r>
+            <a:r>
+              <a:rPr lang="az-Latn-AZ"/>
+              <a:t>yaxud </a:t>
+            </a:r>
+            <a:r>
+              <a:rPr lang="az-Latn-AZ" b="1"/>
+              <a:t>PUT</a:t>
+            </a:r>
+            <a:r>
+              <a:rPr lang="az-Latn-AZ"/>
+              <a:t> </a:t>
+            </a:r>
+            <a:r>
+              <a:rPr lang="en-US"/>
+              <a:t>sorğusunu neçə dəfə göndərsən də nəticə dəyişməyəcək.</a:t>
+            </a:r>
+            <a:endParaRPr lang="az-Latn-AZ"/>
+          </a:p>
+          <a:p>
+            <a:pPr>
+              <a:buNone/>
+            </a:pPr>
+            <a:endParaRPr lang="en-US"/>
+          </a:p>
+          <a:p>
+            <a:r>
+              <a:rPr lang="en-US"/>
+              <a:t>📌 </a:t>
+            </a:r>
+            <a:r>
+              <a:rPr lang="en-US" b="1"/>
+              <a:t>Məsələn</a:t>
+            </a:r>
+            <a:r>
+              <a:rPr lang="en-US"/>
+              <a:t>:</a:t>
+            </a:r>
+            <a:r>
+              <a:rPr lang="az-Latn-AZ"/>
+              <a:t> </a:t>
+            </a:r>
+            <a:r>
+              <a:rPr lang="en-US"/>
+              <a:t>GET /products?id=123 sorğusunu 1 dəfə, 5 dəfə və ya 100 dəfə göndərsən də nəticə eyni olacaq – məhsulun məlumatı gələcək, amma heç nə dəyişməyəcək.</a:t>
+            </a:r>
+          </a:p>
+        </p:txBody>
+      </p:sp>
+    </p:spTree>
+    <p:extLst>
+      <p:ext uri="{BB962C8B-B14F-4D97-AF65-F5344CB8AC3E}">
+        <p14:creationId xmlns:p14="http://schemas.microsoft.com/office/powerpoint/2010/main" val="257022729"/>
+      </p:ext>
+    </p:extLst>
+  </p:cSld>
+  <p:clrMapOvr>
+    <a:masterClrMapping/>
+  </p:clrMapOvr>
+</p:sld>
+</file>
+
+<file path=ppt/slides/slide14.xml><?xml version="1.0" encoding="utf-8"?>
+<p:sld xmlns:a="http://schemas.openxmlformats.org/drawingml/2006/main" xmlns:r="http://schemas.openxmlformats.org/officeDocument/2006/relationships" xmlns:p="http://schemas.openxmlformats.org/presentationml/2006/main">
+  <p:cSld>
+    <p:spTree>
+      <p:nvGrpSpPr>
+        <p:cNvPr id="1" name="">
+          <a:extLst>
+            <a:ext uri="{FF2B5EF4-FFF2-40B4-BE49-F238E27FC236}">
+              <a16:creationId xmlns:a16="http://schemas.microsoft.com/office/drawing/2014/main" id="{52DFE918-7C79-6F79-A74F-CCD64A5B6FD7}"/>
+            </a:ext>
+          </a:extLst>
+        </p:cNvPr>
+        <p:cNvGrpSpPr/>
+        <p:nvPr/>
+      </p:nvGrpSpPr>
+      <p:grpSpPr>
+        <a:xfrm>
+          <a:off x="0" y="0"/>
+          <a:ext cx="0" cy="0"/>
+          <a:chOff x="0" y="0"/>
+          <a:chExt cx="0" cy="0"/>
+        </a:xfrm>
+      </p:grpSpPr>
+      <p:sp>
+        <p:nvSpPr>
+          <p:cNvPr id="3" name="TextBox 2">
+            <a:extLst>
+              <a:ext uri="{FF2B5EF4-FFF2-40B4-BE49-F238E27FC236}">
+                <a16:creationId xmlns:a16="http://schemas.microsoft.com/office/drawing/2014/main" id="{3A524626-688F-74B4-AFC7-2474A3FBC767}"/>
+              </a:ext>
+            </a:extLst>
+          </p:cNvPr>
+          <p:cNvSpPr txBox="1"/>
+          <p:nvPr/>
+        </p:nvSpPr>
+        <p:spPr>
+          <a:xfrm>
+            <a:off x="107004" y="158874"/>
+            <a:ext cx="11984477" cy="6555641"/>
+          </a:xfrm>
+          <a:prstGeom prst="rect">
+            <a:avLst/>
+          </a:prstGeom>
+          <a:noFill/>
+        </p:spPr>
+        <p:txBody>
+          <a:bodyPr wrap="square">
+            <a:spAutoFit/>
+          </a:bodyPr>
+          <a:lstStyle/>
+          <a:p>
+            <a:pPr>
+              <a:buNone/>
+            </a:pPr>
+            <a:r>
+              <a:rPr lang="en-US" sz="1400" b="1">
+                <a:solidFill>
+                  <a:srgbClr val="FF0000"/>
+                </a:solidFill>
+              </a:rPr>
+              <a:t>HTTP metodlarının mağaza məhsulları ilə izahı</a:t>
+            </a:r>
+          </a:p>
+          <a:p>
+            <a:pPr>
+              <a:buNone/>
+            </a:pPr>
+            <a:r>
+              <a:rPr lang="en-US" sz="1400"/>
+              <a:t>Bir </a:t>
+            </a:r>
+            <a:r>
+              <a:rPr lang="en-US" sz="1400" b="1"/>
+              <a:t>onlayn mağazada məhsul kartlarının idarə olunmasını</a:t>
+            </a:r>
+            <a:r>
+              <a:rPr lang="en-US" sz="1400"/>
+              <a:t> misal kimi götürək. Müxtəlif HTTP metodları necə işləyir, buna baxaq:</a:t>
+            </a:r>
+          </a:p>
+          <a:p>
+            <a:pPr>
+              <a:buNone/>
+            </a:pPr>
+            <a:endParaRPr lang="en-US" sz="1400"/>
+          </a:p>
+          <a:p>
+            <a:pPr>
+              <a:buNone/>
+            </a:pPr>
+            <a:r>
+              <a:rPr lang="en-US" sz="1400"/>
+              <a:t>✅ </a:t>
+            </a:r>
+            <a:r>
+              <a:rPr lang="en-US" sz="1400" b="1"/>
+              <a:t>POST</a:t>
+            </a:r>
+            <a:r>
+              <a:rPr lang="en-US" sz="1400"/>
+              <a:t> → Yeni məhsul yaratmaq</a:t>
+            </a:r>
+          </a:p>
+          <a:p>
+            <a:pPr marL="285750" indent="-285750">
+              <a:buFont typeface="Arial" panose="020B0604020202020204" pitchFamily="34" charset="0"/>
+              <a:buChar char="•"/>
+            </a:pPr>
+            <a:r>
+              <a:rPr lang="en-US" sz="1400"/>
+              <a:t>Əgər </a:t>
+            </a:r>
+            <a:r>
+              <a:rPr lang="en-US" sz="1400" b="1"/>
+              <a:t>5 dəfə eyni POST sorğusunu</a:t>
+            </a:r>
+            <a:r>
+              <a:rPr lang="en-US" sz="1400"/>
+              <a:t> göndərsək, </a:t>
+            </a:r>
+            <a:r>
+              <a:rPr lang="en-US" sz="1400" b="1"/>
+              <a:t>5 fərqli məhsul yaradılacaq</a:t>
+            </a:r>
+            <a:r>
+              <a:rPr lang="en-US" sz="1400"/>
+              <a:t>.</a:t>
+            </a:r>
+          </a:p>
+          <a:p>
+            <a:pPr marL="285750" indent="-285750">
+              <a:buFont typeface="Arial" panose="020B0604020202020204" pitchFamily="34" charset="0"/>
+              <a:buChar char="•"/>
+            </a:pPr>
+            <a:r>
+              <a:rPr lang="en-US" sz="1400"/>
+              <a:t>Yəni hər dəfə </a:t>
+            </a:r>
+            <a:r>
+              <a:rPr lang="en-US" sz="1400" b="1"/>
+              <a:t>yeni bir məhsul kartı əlavə olunur</a:t>
+            </a:r>
+            <a:r>
+              <a:rPr lang="en-US" sz="1400"/>
+              <a:t>.</a:t>
+            </a:r>
+          </a:p>
+          <a:p>
+            <a:pPr marL="285750" indent="-285750">
+              <a:buFont typeface="Arial" panose="020B0604020202020204" pitchFamily="34" charset="0"/>
+              <a:buChar char="•"/>
+            </a:pPr>
+            <a:r>
+              <a:rPr lang="en-US" sz="1400" b="1"/>
+              <a:t>Misal:</a:t>
+            </a:r>
+            <a:r>
+              <a:rPr lang="en-US" sz="1400"/>
+              <a:t> Yeni "Samsung Galaxy S24" məhsulu yaratmaq.</a:t>
+            </a:r>
+          </a:p>
+          <a:p>
+            <a:pPr marL="285750" indent="-285750">
+              <a:buFont typeface="Arial" panose="020B0604020202020204" pitchFamily="34" charset="0"/>
+              <a:buChar char="•"/>
+            </a:pPr>
+            <a:endParaRPr lang="en-US" sz="1400"/>
+          </a:p>
+          <a:p>
+            <a:pPr marL="285750" indent="-285750">
+              <a:buFont typeface="Arial" panose="020B0604020202020204" pitchFamily="34" charset="0"/>
+              <a:buChar char="•"/>
+            </a:pPr>
+            <a:endParaRPr lang="en-US" sz="1400"/>
+          </a:p>
+          <a:p>
+            <a:pPr>
+              <a:buNone/>
+            </a:pPr>
+            <a:r>
+              <a:rPr lang="en-US" sz="1400"/>
+              <a:t>✅ </a:t>
+            </a:r>
+            <a:r>
+              <a:rPr lang="en-US" sz="1400" b="1"/>
+              <a:t>PUT</a:t>
+            </a:r>
+            <a:r>
+              <a:rPr lang="en-US" sz="1400"/>
+              <a:t> → Mövcud məhsulu tamamilə yeniləmək</a:t>
+            </a:r>
+          </a:p>
+          <a:p>
+            <a:pPr marL="285750" indent="-285750">
+              <a:buFont typeface="Arial" panose="020B0604020202020204" pitchFamily="34" charset="0"/>
+              <a:buChar char="•"/>
+            </a:pPr>
+            <a:r>
+              <a:rPr lang="en-US" sz="1400"/>
+              <a:t>Əgər </a:t>
+            </a:r>
+            <a:r>
+              <a:rPr lang="en-US" sz="1400" b="1"/>
+              <a:t>5 dəfə eyni PUT sorğusunu</a:t>
+            </a:r>
+            <a:r>
+              <a:rPr lang="en-US" sz="1400"/>
+              <a:t> göndərsək, </a:t>
+            </a:r>
+            <a:r>
+              <a:rPr lang="en-US" sz="1400" b="1"/>
+              <a:t>yalnız 1 məhsul olacaq, amma 5 dəfə eyni məlumatla yenilənəcək</a:t>
+            </a:r>
+            <a:r>
+              <a:rPr lang="en-US" sz="1400"/>
+              <a:t>.</a:t>
+            </a:r>
+          </a:p>
+          <a:p>
+            <a:pPr marL="285750" indent="-285750">
+              <a:buFont typeface="Arial" panose="020B0604020202020204" pitchFamily="34" charset="0"/>
+              <a:buChar char="•"/>
+            </a:pPr>
+            <a:r>
+              <a:rPr lang="en-US" sz="1400"/>
+              <a:t>PUT </a:t>
+            </a:r>
+            <a:r>
+              <a:rPr lang="en-US" sz="1400" b="1"/>
+              <a:t>əvvəlki məlumatı silir və yenisini yerləşdirir</a:t>
+            </a:r>
+            <a:r>
+              <a:rPr lang="en-US" sz="1400"/>
+              <a:t>.</a:t>
+            </a:r>
+          </a:p>
+          <a:p>
+            <a:pPr marL="285750" indent="-285750">
+              <a:buFont typeface="Arial" panose="020B0604020202020204" pitchFamily="34" charset="0"/>
+              <a:buChar char="•"/>
+            </a:pPr>
+            <a:r>
+              <a:rPr lang="en-US" sz="1400" b="1"/>
+              <a:t>Misal:</a:t>
+            </a:r>
+            <a:r>
+              <a:rPr lang="en-US" sz="1400"/>
+              <a:t> Məhsulun bütün məlumatlarını dəyişib tam yeni bir versiya yaratmaq.</a:t>
+            </a:r>
+          </a:p>
+          <a:p>
+            <a:pPr marL="285750" indent="-285750">
+              <a:buFont typeface="Arial" panose="020B0604020202020204" pitchFamily="34" charset="0"/>
+              <a:buChar char="•"/>
+            </a:pPr>
+            <a:endParaRPr lang="en-US" sz="1400"/>
+          </a:p>
+          <a:p>
+            <a:pPr marL="285750" indent="-285750">
+              <a:buFont typeface="Arial" panose="020B0604020202020204" pitchFamily="34" charset="0"/>
+              <a:buChar char="•"/>
+            </a:pPr>
+            <a:endParaRPr lang="en-US" sz="1400"/>
+          </a:p>
+          <a:p>
+            <a:pPr>
+              <a:buNone/>
+            </a:pPr>
+            <a:r>
+              <a:rPr lang="en-US" sz="1400"/>
+              <a:t>✅ </a:t>
+            </a:r>
+            <a:r>
+              <a:rPr lang="en-US" sz="1400" b="1"/>
+              <a:t>PATCH</a:t>
+            </a:r>
+            <a:r>
+              <a:rPr lang="en-US" sz="1400"/>
+              <a:t> → Mövcud məhsulun bir hissəsini yeniləmək</a:t>
+            </a:r>
+          </a:p>
+          <a:p>
+            <a:pPr marL="285750" indent="-285750">
+              <a:buFont typeface="Arial" panose="020B0604020202020204" pitchFamily="34" charset="0"/>
+              <a:buChar char="•"/>
+            </a:pPr>
+            <a:r>
+              <a:rPr lang="en-US" sz="1400" b="1"/>
+              <a:t>Məhsulun adını dəyişmək istəyiriksə, PATCH sorğusu göndəririk.</a:t>
+            </a:r>
+            <a:endParaRPr lang="en-US" sz="1400"/>
+          </a:p>
+          <a:p>
+            <a:pPr marL="285750" indent="-285750">
+              <a:buFont typeface="Arial" panose="020B0604020202020204" pitchFamily="34" charset="0"/>
+              <a:buChar char="•"/>
+            </a:pPr>
+            <a:r>
+              <a:rPr lang="en-US" sz="1400"/>
+              <a:t>Bu halda, </a:t>
+            </a:r>
+            <a:r>
+              <a:rPr lang="en-US" sz="1400" b="1"/>
+              <a:t>yalnız "Ad" sahəsi dəyişəcək, digər məlumatlar toxunulmaz qalacaq</a:t>
+            </a:r>
+            <a:r>
+              <a:rPr lang="en-US" sz="1400"/>
+              <a:t>.</a:t>
+            </a:r>
+          </a:p>
+          <a:p>
+            <a:pPr marL="285750" indent="-285750">
+              <a:buFont typeface="Arial" panose="020B0604020202020204" pitchFamily="34" charset="0"/>
+              <a:buChar char="•"/>
+            </a:pPr>
+            <a:r>
+              <a:rPr lang="en-US" sz="1400" b="1"/>
+              <a:t>Misal:</a:t>
+            </a:r>
+            <a:r>
+              <a:rPr lang="en-US" sz="1400"/>
+              <a:t> "Samsung Galaxy S24" adını </a:t>
+            </a:r>
+            <a:r>
+              <a:rPr lang="en-US" sz="1400" b="1"/>
+              <a:t>"Samsung Galaxy S24 Ultra"</a:t>
+            </a:r>
+            <a:r>
+              <a:rPr lang="en-US" sz="1400"/>
+              <a:t> ilə dəyişmək.</a:t>
+            </a:r>
+          </a:p>
+          <a:p>
+            <a:pPr marL="285750" indent="-285750">
+              <a:buFont typeface="Arial" panose="020B0604020202020204" pitchFamily="34" charset="0"/>
+              <a:buChar char="•"/>
+            </a:pPr>
+            <a:endParaRPr lang="en-US" sz="1400"/>
+          </a:p>
+          <a:p>
+            <a:pPr marL="285750" indent="-285750">
+              <a:buFont typeface="Arial" panose="020B0604020202020204" pitchFamily="34" charset="0"/>
+              <a:buChar char="•"/>
+            </a:pPr>
+            <a:endParaRPr lang="en-US" sz="1400"/>
+          </a:p>
+          <a:p>
+            <a:pPr>
+              <a:buNone/>
+            </a:pPr>
+            <a:r>
+              <a:rPr lang="en-US" sz="1400"/>
+              <a:t>✅ </a:t>
+            </a:r>
+            <a:r>
+              <a:rPr lang="en-US" sz="1400" b="1"/>
+              <a:t>GET</a:t>
+            </a:r>
+            <a:r>
+              <a:rPr lang="en-US" sz="1400"/>
+              <a:t> → Məhsulu tapmaq və ya görmək</a:t>
+            </a:r>
+          </a:p>
+          <a:p>
+            <a:pPr marL="285750" indent="-285750">
+              <a:buFont typeface="Arial" panose="020B0604020202020204" pitchFamily="34" charset="0"/>
+              <a:buChar char="•"/>
+            </a:pPr>
+            <a:r>
+              <a:rPr lang="en-US" sz="1400" b="1"/>
+              <a:t>Məhsul haqqında məlumat əldə etmək üçün GET sorğusu göndəririk.</a:t>
+            </a:r>
+            <a:endParaRPr lang="en-US" sz="1400"/>
+          </a:p>
+          <a:p>
+            <a:pPr marL="285750" indent="-285750">
+              <a:buFont typeface="Arial" panose="020B0604020202020204" pitchFamily="34" charset="0"/>
+              <a:buChar char="•"/>
+            </a:pPr>
+            <a:r>
+              <a:rPr lang="en-US" sz="1400"/>
+              <a:t>Məsələn, </a:t>
+            </a:r>
+            <a:r>
+              <a:rPr lang="en-US" sz="1400" b="1"/>
+              <a:t>bütün məhsulları və ya konkret məhsulun detalını görmək</a:t>
+            </a:r>
+            <a:r>
+              <a:rPr lang="en-US" sz="1400"/>
+              <a:t> üçün.</a:t>
+            </a:r>
+          </a:p>
+          <a:p>
+            <a:pPr marL="285750" indent="-285750">
+              <a:buFont typeface="Arial" panose="020B0604020202020204" pitchFamily="34" charset="0"/>
+              <a:buChar char="•"/>
+            </a:pPr>
+            <a:r>
+              <a:rPr lang="en-US" sz="1400" b="1"/>
+              <a:t>Misal:</a:t>
+            </a:r>
+            <a:r>
+              <a:rPr lang="en-US" sz="1400"/>
+              <a:t> "Samsung Galaxy S24" məhsulunun qiymətini və xüsusiyyətlərini görmək.</a:t>
+            </a:r>
+          </a:p>
+          <a:p>
+            <a:pPr marL="285750" indent="-285750">
+              <a:buFont typeface="Arial" panose="020B0604020202020204" pitchFamily="34" charset="0"/>
+              <a:buChar char="•"/>
+            </a:pPr>
+            <a:endParaRPr lang="en-US" sz="1400"/>
+          </a:p>
+          <a:p>
+            <a:pPr marL="285750" indent="-285750">
+              <a:buFont typeface="Arial" panose="020B0604020202020204" pitchFamily="34" charset="0"/>
+              <a:buChar char="•"/>
+            </a:pPr>
+            <a:endParaRPr lang="en-US" sz="1400"/>
+          </a:p>
+          <a:p>
+            <a:pPr>
+              <a:buNone/>
+            </a:pPr>
+            <a:r>
+              <a:rPr lang="en-US" sz="1400"/>
+              <a:t>✅ </a:t>
+            </a:r>
+            <a:r>
+              <a:rPr lang="en-US" sz="1400" b="1"/>
+              <a:t>DELETE</a:t>
+            </a:r>
+            <a:r>
+              <a:rPr lang="en-US" sz="1400"/>
+              <a:t> → Məhsulu silmək</a:t>
+            </a:r>
+          </a:p>
+          <a:p>
+            <a:pPr marL="285750" indent="-285750">
+              <a:buFont typeface="Arial" panose="020B0604020202020204" pitchFamily="34" charset="0"/>
+              <a:buChar char="•"/>
+            </a:pPr>
+            <a:r>
+              <a:rPr lang="en-US" sz="1400" b="1"/>
+              <a:t>Məhsulu sistemdən tamamilə silmək üçün DELETE sorğusu göndərilir.</a:t>
+            </a:r>
+            <a:endParaRPr lang="en-US" sz="1400"/>
+          </a:p>
+          <a:p>
+            <a:pPr marL="285750" indent="-285750">
+              <a:buFont typeface="Arial" panose="020B0604020202020204" pitchFamily="34" charset="0"/>
+              <a:buChar char="•"/>
+            </a:pPr>
+            <a:r>
+              <a:rPr lang="en-US" sz="1400" b="1"/>
+              <a:t>Misal:</a:t>
+            </a:r>
+            <a:r>
+              <a:rPr lang="en-US" sz="1400"/>
+              <a:t> "Samsung Galaxy S24" məhsulunu silmək.</a:t>
+            </a:r>
+          </a:p>
+        </p:txBody>
+      </p:sp>
+    </p:spTree>
+    <p:extLst>
+      <p:ext uri="{BB962C8B-B14F-4D97-AF65-F5344CB8AC3E}">
+        <p14:creationId xmlns:p14="http://schemas.microsoft.com/office/powerpoint/2010/main" val="4242749539"/>
+      </p:ext>
+    </p:extLst>
+  </p:cSld>
+  <p:clrMapOvr>
+    <a:masterClrMapping/>
+  </p:clrMapOvr>
+</p:sld>
+</file>
+
+<file path=ppt/slides/slide15.xml><?xml version="1.0" encoding="utf-8"?>
+<p:sld xmlns:a="http://schemas.openxmlformats.org/drawingml/2006/main" xmlns:r="http://schemas.openxmlformats.org/officeDocument/2006/relationships" xmlns:p="http://schemas.openxmlformats.org/presentationml/2006/main">
+  <p:cSld>
+    <p:spTree>
+      <p:nvGrpSpPr>
+        <p:cNvPr id="1" name="">
+          <a:extLst>
+            <a:ext uri="{FF2B5EF4-FFF2-40B4-BE49-F238E27FC236}">
+              <a16:creationId xmlns:a16="http://schemas.microsoft.com/office/drawing/2014/main" id="{6B244EE5-1370-6E97-37ED-0E34D2D3E3C9}"/>
+            </a:ext>
+          </a:extLst>
+        </p:cNvPr>
+        <p:cNvGrpSpPr/>
+        <p:nvPr/>
+      </p:nvGrpSpPr>
+      <p:grpSpPr>
+        <a:xfrm>
+          <a:off x="0" y="0"/>
+          <a:ext cx="0" cy="0"/>
+          <a:chOff x="0" y="0"/>
+          <a:chExt cx="0" cy="0"/>
+        </a:xfrm>
+      </p:grpSpPr>
+      <p:sp>
+        <p:nvSpPr>
+          <p:cNvPr id="3" name="TextBox 2">
+            <a:extLst>
+              <a:ext uri="{FF2B5EF4-FFF2-40B4-BE49-F238E27FC236}">
+                <a16:creationId xmlns:a16="http://schemas.microsoft.com/office/drawing/2014/main" id="{7AAB833E-AD1F-3E86-997F-B7BC0E2B59AE}"/>
+              </a:ext>
+            </a:extLst>
+          </p:cNvPr>
+          <p:cNvSpPr txBox="1"/>
+          <p:nvPr/>
+        </p:nvSpPr>
+        <p:spPr>
+          <a:xfrm>
+            <a:off x="107004" y="158874"/>
+            <a:ext cx="11984477" cy="6370975"/>
+          </a:xfrm>
+          <a:prstGeom prst="rect">
+            <a:avLst/>
+          </a:prstGeom>
+          <a:noFill/>
+        </p:spPr>
+        <p:txBody>
+          <a:bodyPr wrap="square">
+            <a:spAutoFit/>
+          </a:bodyPr>
+          <a:lstStyle/>
+          <a:p>
+            <a:pPr>
+              <a:buNone/>
+            </a:pPr>
+            <a:r>
+              <a:rPr lang="en-US" sz="1200" b="1">
+                <a:solidFill>
+                  <a:srgbClr val="FF0000"/>
+                </a:solidFill>
+              </a:rPr>
+              <a:t>HTTP cavab kodları (response status codes)</a:t>
+            </a:r>
+          </a:p>
+          <a:p>
+            <a:pPr>
+              <a:buNone/>
+            </a:pPr>
+            <a:endParaRPr lang="en-US" sz="1200" b="1">
+              <a:solidFill>
+                <a:srgbClr val="FF0000"/>
+              </a:solidFill>
+            </a:endParaRPr>
+          </a:p>
+          <a:p>
+            <a:pPr>
+              <a:buNone/>
+            </a:pPr>
+            <a:r>
+              <a:rPr lang="en-US" sz="1200"/>
+              <a:t>HTTP sorğularına serverin </a:t>
+            </a:r>
+            <a:r>
+              <a:rPr lang="en-US" sz="1200" b="1"/>
+              <a:t>hansı cavabı qaytardığını</a:t>
+            </a:r>
+            <a:r>
+              <a:rPr lang="en-US" sz="1200"/>
+              <a:t> göstərən </a:t>
+            </a:r>
+            <a:r>
+              <a:rPr lang="en-US" sz="1200" b="1"/>
+              <a:t>cavab kodları</a:t>
+            </a:r>
+            <a:r>
+              <a:rPr lang="en-US" sz="1200"/>
+              <a:t> var. Bu kodlar </a:t>
+            </a:r>
+            <a:r>
+              <a:rPr lang="en-US" sz="1200" b="1"/>
+              <a:t>5 əsas kateqoriyaya bölünür</a:t>
+            </a:r>
+            <a:r>
+              <a:rPr lang="en-US" sz="1200"/>
+              <a:t>:</a:t>
+            </a:r>
+          </a:p>
+          <a:p>
+            <a:pPr>
+              <a:buNone/>
+            </a:pPr>
+            <a:endParaRPr lang="en-US" sz="1200"/>
+          </a:p>
+          <a:p>
+            <a:pPr>
+              <a:buNone/>
+            </a:pPr>
+            <a:r>
+              <a:rPr lang="en-US" sz="1200" b="1"/>
+              <a:t>🟢 1xx - İnformasiya xarakterli kodlar (100-199)</a:t>
+            </a:r>
+          </a:p>
+          <a:p>
+            <a:pPr marL="285750" indent="-285750">
+              <a:buFont typeface="Arial" panose="020B0604020202020204" pitchFamily="34" charset="0"/>
+              <a:buChar char="•"/>
+            </a:pPr>
+            <a:r>
+              <a:rPr lang="en-US" sz="1200"/>
+              <a:t>Bunlar çox da önəmli deyil və artıq çox az istifadə olunur.</a:t>
+            </a:r>
+          </a:p>
+          <a:p>
+            <a:endParaRPr lang="en-US" sz="1200"/>
+          </a:p>
+          <a:p>
+            <a:endParaRPr lang="en-US" sz="1200"/>
+          </a:p>
+          <a:p>
+            <a:pPr>
+              <a:buNone/>
+            </a:pPr>
+            <a:r>
+              <a:rPr lang="en-US" sz="1200" b="1"/>
+              <a:t>🟢 2xx - Uğurlu cavablar (Successful)</a:t>
+            </a:r>
+          </a:p>
+          <a:p>
+            <a:pPr marL="285750" indent="-285750">
+              <a:buFont typeface="Arial" panose="020B0604020202020204" pitchFamily="34" charset="0"/>
+              <a:buChar char="•"/>
+            </a:pPr>
+            <a:r>
+              <a:rPr lang="en-US" sz="1200" b="1"/>
+              <a:t>200 OK</a:t>
+            </a:r>
+            <a:r>
+              <a:rPr lang="en-US" sz="1200"/>
+              <a:t> → Sorğu uğurla yerinə yetirildi. (Məsələn, GET sorğusuna cavab olaraq məlumat qaytarıldı.)</a:t>
+            </a:r>
+          </a:p>
+          <a:p>
+            <a:pPr marL="285750" indent="-285750">
+              <a:buFont typeface="Arial" panose="020B0604020202020204" pitchFamily="34" charset="0"/>
+              <a:buChar char="•"/>
+            </a:pPr>
+            <a:r>
+              <a:rPr lang="en-US" sz="1200" b="1"/>
+              <a:t>201 Created</a:t>
+            </a:r>
+            <a:r>
+              <a:rPr lang="en-US" sz="1200"/>
+              <a:t> → Yeni bir obyekt uğurla yaradıldı. (Məsələn, POST sorğusu ilə yeni məhsul əlavə edildi.)</a:t>
+            </a:r>
+          </a:p>
+          <a:p>
+            <a:endParaRPr lang="en-US" sz="1200"/>
+          </a:p>
+          <a:p>
+            <a:endParaRPr lang="en-US" sz="1200"/>
+          </a:p>
+          <a:p>
+            <a:pPr>
+              <a:buNone/>
+            </a:pPr>
+            <a:r>
+              <a:rPr lang="en-US" sz="1200" b="1"/>
+              <a:t>🟡 3xx - Yönləndirmələr (Redirection)</a:t>
+            </a:r>
+          </a:p>
+          <a:p>
+            <a:pPr marL="285750" indent="-285750">
+              <a:buFont typeface="Arial" panose="020B0604020202020204" pitchFamily="34" charset="0"/>
+              <a:buChar char="•"/>
+            </a:pPr>
+            <a:r>
+              <a:rPr lang="en-US" sz="1200" b="1"/>
+              <a:t>301 Moved Permanently</a:t>
+            </a:r>
+            <a:r>
+              <a:rPr lang="en-US" sz="1200"/>
+              <a:t> → Səhifənin yeni daimi ünvanı var. (Məsələn, köhnə sayt yeni ünvana köçürülüb.)</a:t>
+            </a:r>
+          </a:p>
+          <a:p>
+            <a:pPr marL="285750" indent="-285750">
+              <a:buFont typeface="Arial" panose="020B0604020202020204" pitchFamily="34" charset="0"/>
+              <a:buChar char="•"/>
+            </a:pPr>
+            <a:r>
+              <a:rPr lang="en-US" sz="1200" b="1"/>
+              <a:t>304 Not Modified</a:t>
+            </a:r>
+            <a:r>
+              <a:rPr lang="en-US" sz="1200"/>
+              <a:t> → Brauzer öncəki versiyanı saxlayır, yeni bir şey yükləməyə ehtiyac yoxdur.</a:t>
+            </a:r>
+          </a:p>
+          <a:p>
+            <a:endParaRPr lang="en-US" sz="1200"/>
+          </a:p>
+          <a:p>
+            <a:endParaRPr lang="en-US" sz="1200"/>
+          </a:p>
+          <a:p>
+            <a:pPr>
+              <a:buNone/>
+            </a:pPr>
+            <a:r>
+              <a:rPr lang="en-US" sz="1200" b="1"/>
+              <a:t>🔴 4xx - Müştəri səhvləri (Client Errors)</a:t>
+            </a:r>
+          </a:p>
+          <a:p>
+            <a:pPr marL="285750" indent="-285750">
+              <a:buFont typeface="Arial" panose="020B0604020202020204" pitchFamily="34" charset="0"/>
+              <a:buChar char="•"/>
+            </a:pPr>
+            <a:r>
+              <a:rPr lang="en-US" sz="1200" b="1"/>
+              <a:t>400 Bad Request</a:t>
+            </a:r>
+            <a:r>
+              <a:rPr lang="en-US" sz="1200"/>
+              <a:t> → Sorğu düzgün deyil (Məsələn, səhv formatda JSON göndərilib).</a:t>
+            </a:r>
+          </a:p>
+          <a:p>
+            <a:pPr marL="285750" indent="-285750">
+              <a:buFont typeface="Arial" panose="020B0604020202020204" pitchFamily="34" charset="0"/>
+              <a:buChar char="•"/>
+            </a:pPr>
+            <a:r>
+              <a:rPr lang="en-US" sz="1200" b="1"/>
+              <a:t>401 Unauthorized</a:t>
+            </a:r>
+            <a:r>
+              <a:rPr lang="en-US" sz="1200"/>
+              <a:t> → İstifadəçi giriş etməyib və ya icazəsi yoxdur.</a:t>
+            </a:r>
+          </a:p>
+          <a:p>
+            <a:pPr marL="285750" indent="-285750">
+              <a:buFont typeface="Arial" panose="020B0604020202020204" pitchFamily="34" charset="0"/>
+              <a:buChar char="•"/>
+            </a:pPr>
+            <a:r>
+              <a:rPr lang="en-US" sz="1200" b="1"/>
+              <a:t>403 Forbidden</a:t>
+            </a:r>
+            <a:r>
+              <a:rPr lang="en-US" sz="1200"/>
+              <a:t> → Giriş qadağandır (Məsələn, adi istifadəçi admin səhifəsinə daxil olmağa çalışır).</a:t>
+            </a:r>
+          </a:p>
+          <a:p>
+            <a:pPr marL="285750" indent="-285750">
+              <a:buFont typeface="Arial" panose="020B0604020202020204" pitchFamily="34" charset="0"/>
+              <a:buChar char="•"/>
+            </a:pPr>
+            <a:r>
+              <a:rPr lang="en-US" sz="1200" b="1"/>
+              <a:t>404 Not Found</a:t>
+            </a:r>
+            <a:r>
+              <a:rPr lang="en-US" sz="1200"/>
+              <a:t> → Axtarılan səhifə və ya resurs tapılmadı.</a:t>
+            </a:r>
+          </a:p>
+          <a:p>
+            <a:pPr marL="285750" indent="-285750">
+              <a:buFont typeface="Arial" panose="020B0604020202020204" pitchFamily="34" charset="0"/>
+              <a:buChar char="•"/>
+            </a:pPr>
+            <a:r>
+              <a:rPr lang="en-US" sz="1200" b="1"/>
+              <a:t>418 I'm a teapot</a:t>
+            </a:r>
+            <a:r>
+              <a:rPr lang="en-US" sz="1200"/>
+              <a:t> → Zarafat məqsədilə yaradılmış status kodu, real istifadə edilmir. 😂</a:t>
+            </a:r>
+          </a:p>
+          <a:p>
+            <a:endParaRPr lang="en-US" sz="1200"/>
+          </a:p>
+          <a:p>
+            <a:endParaRPr lang="en-US" sz="1200"/>
+          </a:p>
+          <a:p>
+            <a:pPr>
+              <a:buNone/>
+            </a:pPr>
+            <a:r>
+              <a:rPr lang="en-US" sz="1200" b="1"/>
+              <a:t>🔴 5xx - Server səhvləri (Server Errors)</a:t>
+            </a:r>
+          </a:p>
+          <a:p>
+            <a:pPr marL="171450" indent="-171450">
+              <a:buFont typeface="Arial" panose="020B0604020202020204" pitchFamily="34" charset="0"/>
+              <a:buChar char="•"/>
+            </a:pPr>
+            <a:r>
+              <a:rPr lang="en-US" sz="1200" b="1"/>
+              <a:t>500 Internal Server Error</a:t>
+            </a:r>
+            <a:r>
+              <a:rPr lang="en-US" sz="1200"/>
+              <a:t> → Server daxilində gözlənilməz xəta baş verdi.</a:t>
+            </a:r>
+          </a:p>
+          <a:p>
+            <a:pPr marL="171450" indent="-171450">
+              <a:buFont typeface="Arial" panose="020B0604020202020204" pitchFamily="34" charset="0"/>
+              <a:buChar char="•"/>
+            </a:pPr>
+            <a:r>
+              <a:rPr lang="en-US" sz="1200" b="1"/>
+              <a:t>501 Not Implemented</a:t>
+            </a:r>
+            <a:r>
+              <a:rPr lang="en-US" sz="1200"/>
+              <a:t> → Bu metod server tərəfindən dəstəklənmir.</a:t>
+            </a:r>
+          </a:p>
+          <a:p>
+            <a:pPr marL="171450" indent="-171450">
+              <a:buFont typeface="Arial" panose="020B0604020202020204" pitchFamily="34" charset="0"/>
+              <a:buChar char="•"/>
+            </a:pPr>
+            <a:r>
+              <a:rPr lang="en-US" sz="1200" b="1"/>
+              <a:t>502 Bad Gateway</a:t>
+            </a:r>
+            <a:r>
+              <a:rPr lang="en-US" sz="1200"/>
+              <a:t> → Server digər bir serverdən səhv cavab aldı.</a:t>
+            </a:r>
+          </a:p>
+          <a:p>
+            <a:pPr marL="171450" indent="-171450">
+              <a:buFont typeface="Arial" panose="020B0604020202020204" pitchFamily="34" charset="0"/>
+              <a:buChar char="•"/>
+            </a:pPr>
+            <a:r>
+              <a:rPr lang="en-US" sz="1200" b="1"/>
+              <a:t>503 Service Unavailable</a:t>
+            </a:r>
+            <a:r>
+              <a:rPr lang="en-US" sz="1200"/>
+              <a:t> → Server hazırda işləyə bilmir (məsələn, texniki xidmət gedir).</a:t>
+            </a:r>
+          </a:p>
+          <a:p>
+            <a:pPr marL="171450" indent="-171450">
+              <a:buFont typeface="Arial" panose="020B0604020202020204" pitchFamily="34" charset="0"/>
+              <a:buChar char="•"/>
+            </a:pPr>
+            <a:r>
+              <a:rPr lang="en-US" sz="1200" b="1"/>
+              <a:t>504 Gateway Timeout</a:t>
+            </a:r>
+            <a:r>
+              <a:rPr lang="en-US" sz="1200"/>
+              <a:t> → Serverin digər bir serverdən cavab alma vaxtı bitdi.</a:t>
+            </a:r>
+          </a:p>
+          <a:p>
+            <a:endParaRPr lang="en-US" sz="1200"/>
+          </a:p>
+          <a:p>
+            <a:r>
+              <a:rPr lang="en-US" sz="1200"/>
+              <a:t>Əgər test edirsinizsə, </a:t>
+            </a:r>
+            <a:r>
+              <a:rPr lang="en-US" sz="1200" b="1"/>
+              <a:t>hər zaman 4xx və 5xx kodlarını analiz etmək vacibdir</a:t>
+            </a:r>
+            <a:r>
+              <a:rPr lang="en-US" sz="1200"/>
+              <a:t>, çünki bunlar </a:t>
+            </a:r>
+            <a:r>
+              <a:rPr lang="en-US" sz="1200" b="1"/>
+              <a:t>problemli yerləri</a:t>
+            </a:r>
+            <a:r>
+              <a:rPr lang="en-US" sz="1200"/>
+              <a:t> göstərir.</a:t>
+            </a:r>
+          </a:p>
+        </p:txBody>
+      </p:sp>
+    </p:spTree>
+    <p:extLst>
+      <p:ext uri="{BB962C8B-B14F-4D97-AF65-F5344CB8AC3E}">
+        <p14:creationId xmlns:p14="http://schemas.microsoft.com/office/powerpoint/2010/main" val="4269282119"/>
+      </p:ext>
+    </p:extLst>
+  </p:cSld>
+  <p:clrMapOvr>
+    <a:masterClrMapping/>
+  </p:clrMapOvr>
+</p:sld>
+</file>
+
+<file path=ppt/slides/slide16.xml><?xml version="1.0" encoding="utf-8"?>
+<p:sld xmlns:a="http://schemas.openxmlformats.org/drawingml/2006/main" xmlns:r="http://schemas.openxmlformats.org/officeDocument/2006/relationships" xmlns:p="http://schemas.openxmlformats.org/presentationml/2006/main">
+  <p:cSld>
+    <p:spTree>
+      <p:nvGrpSpPr>
+        <p:cNvPr id="1" name="">
+          <a:extLst>
+            <a:ext uri="{FF2B5EF4-FFF2-40B4-BE49-F238E27FC236}">
+              <a16:creationId xmlns:a16="http://schemas.microsoft.com/office/drawing/2014/main" id="{7C2C49C0-98BE-3826-FA70-25940195CE6F}"/>
+            </a:ext>
+          </a:extLst>
+        </p:cNvPr>
+        <p:cNvGrpSpPr/>
+        <p:nvPr/>
+      </p:nvGrpSpPr>
+      <p:grpSpPr>
+        <a:xfrm>
+          <a:off x="0" y="0"/>
+          <a:ext cx="0" cy="0"/>
+          <a:chOff x="0" y="0"/>
+          <a:chExt cx="0" cy="0"/>
+        </a:xfrm>
+      </p:grpSpPr>
+      <p:sp>
+        <p:nvSpPr>
+          <p:cNvPr id="3" name="TextBox 2">
+            <a:extLst>
+              <a:ext uri="{FF2B5EF4-FFF2-40B4-BE49-F238E27FC236}">
+                <a16:creationId xmlns:a16="http://schemas.microsoft.com/office/drawing/2014/main" id="{50A7EDCC-B46F-203C-B746-72C3496FB4D2}"/>
+              </a:ext>
+            </a:extLst>
+          </p:cNvPr>
+          <p:cNvSpPr txBox="1"/>
+          <p:nvPr/>
+        </p:nvSpPr>
+        <p:spPr>
+          <a:xfrm>
+            <a:off x="107004" y="158874"/>
+            <a:ext cx="11984477" cy="1077218"/>
+          </a:xfrm>
+          <a:prstGeom prst="rect">
+            <a:avLst/>
+          </a:prstGeom>
+          <a:noFill/>
+        </p:spPr>
+        <p:txBody>
+          <a:bodyPr wrap="square">
+            <a:spAutoFit/>
+          </a:bodyPr>
+          <a:lstStyle/>
+          <a:p>
+            <a:pPr>
+              <a:buNone/>
+            </a:pPr>
+            <a:r>
+              <a:rPr lang="en-US" sz="1600" b="1">
+                <a:solidFill>
+                  <a:srgbClr val="FF0000"/>
+                </a:solidFill>
+              </a:rPr>
+              <a:t>HTTP protokollarının versiyaları</a:t>
+            </a:r>
+          </a:p>
+          <a:p>
+            <a:pPr>
+              <a:buNone/>
+            </a:pPr>
+            <a:endParaRPr lang="en-US" sz="1600" b="1">
+              <a:solidFill>
+                <a:srgbClr val="FF0000"/>
+              </a:solidFill>
+            </a:endParaRPr>
+          </a:p>
+          <a:p>
+            <a:r>
+              <a:rPr lang="en-US" sz="1600"/>
+              <a:t>HTTP (HyperText Transfer Protocol) – veb səhifələrin brauzer və server arasında ötürülməsini təmin edən əsas protokoldur. Onun </a:t>
+            </a:r>
+            <a:r>
+              <a:rPr lang="en-US" sz="1600" b="1"/>
+              <a:t>HTTP 1.1, HTTP 2.0 və HTTP 3.0</a:t>
+            </a:r>
+            <a:r>
+              <a:rPr lang="en-US" sz="1600"/>
+              <a:t> versiyaları mövcuddur. Hər versiyanın fərqli xüsusiyyətləri var.</a:t>
+            </a:r>
+          </a:p>
+        </p:txBody>
+      </p:sp>
+      <p:pic>
+        <p:nvPicPr>
+          <p:cNvPr id="4" name="Picture 3">
+            <a:extLst>
+              <a:ext uri="{FF2B5EF4-FFF2-40B4-BE49-F238E27FC236}">
+                <a16:creationId xmlns:a16="http://schemas.microsoft.com/office/drawing/2014/main" id="{DBC210C2-8918-8B36-AE28-A911CC84B079}"/>
+              </a:ext>
+            </a:extLst>
+          </p:cNvPr>
+          <p:cNvPicPr>
+            <a:picLocks noChangeAspect="1"/>
+          </p:cNvPicPr>
+          <p:nvPr/>
+        </p:nvPicPr>
+        <p:blipFill>
+          <a:blip r:embed="rId3">
+            <a:extLst>
+              <a:ext uri="{28A0092B-C50C-407E-A947-70E740481C1C}">
+                <a14:useLocalDpi xmlns:a14="http://schemas.microsoft.com/office/drawing/2010/main" val="0"/>
+              </a:ext>
+            </a:extLst>
+          </a:blip>
+          <a:stretch>
+            <a:fillRect/>
+          </a:stretch>
+        </p:blipFill>
+        <p:spPr>
+          <a:xfrm>
+            <a:off x="220531" y="1523211"/>
+            <a:ext cx="6992326" cy="2953162"/>
+          </a:xfrm>
+          <a:prstGeom prst="rect">
+            <a:avLst/>
+          </a:prstGeom>
+        </p:spPr>
+      </p:pic>
+    </p:spTree>
+    <p:extLst>
+      <p:ext uri="{BB962C8B-B14F-4D97-AF65-F5344CB8AC3E}">
+        <p14:creationId xmlns:p14="http://schemas.microsoft.com/office/powerpoint/2010/main" val="1464161257"/>
+      </p:ext>
+    </p:extLst>
+  </p:cSld>
+  <p:clrMapOvr>
+    <a:masterClrMapping/>
+  </p:clrMapOvr>
+</p:sld>
+</file>
+
+<file path=ppt/slides/slide17.xml><?xml version="1.0" encoding="utf-8"?>
 <p:sld xmlns:a="http://schemas.openxmlformats.org/drawingml/2006/main" xmlns:r="http://schemas.openxmlformats.org/officeDocument/2006/relationships" xmlns:p="http://schemas.openxmlformats.org/presentationml/2006/main">
   <p:cSld>
     <p:spTree>
@@ -5192,7 +8868,7 @@
         <p:spPr>
           <a:xfrm>
             <a:off x="107004" y="158874"/>
-            <a:ext cx="11984477" cy="584775"/>
+            <a:ext cx="11984477" cy="6370975"/>
           </a:xfrm>
           <a:prstGeom prst="rect">
             <a:avLst/>
@@ -5205,16 +8881,368 @@
           </a:bodyPr>
           <a:lstStyle/>
           <a:p>
-            <a:r>
-              <a:rPr lang="ru-RU" sz="1600"/>
+            <a:pPr>
+              <a:buNone/>
+            </a:pPr>
+            <a:r>
+              <a:rPr lang="en-US" sz="1200" b="1"/>
+              <a:t>1️⃣ HTTP 1.1 (Köhnə standart)</a:t>
+            </a:r>
+          </a:p>
+          <a:p>
+            <a:pPr>
+              <a:buNone/>
+            </a:pPr>
+            <a:endParaRPr lang="en-US" sz="1200" b="1"/>
+          </a:p>
+          <a:p>
+            <a:pPr>
+              <a:buNone/>
+            </a:pPr>
+            <a:r>
+              <a:rPr lang="en-US" sz="1200"/>
+              <a:t>🔹 </a:t>
+            </a:r>
+            <a:r>
+              <a:rPr lang="en-US" sz="1200" b="1"/>
+              <a:t>Bağlantı növü</a:t>
+            </a:r>
+            <a:r>
+              <a:rPr lang="en-US" sz="1200"/>
+              <a:t>: TCP (Transmission Control Protocol) – məlumatın etibarlı ötürülməsini təmin edir, amma yavaşdır.</a:t>
+            </a:r>
+            <a:br>
+              <a:rPr lang="en-US" sz="1200"/>
+            </a:br>
+            <a:r>
+              <a:rPr lang="en-US" sz="1200"/>
+              <a:t>🔹 </a:t>
+            </a:r>
+            <a:r>
+              <a:rPr lang="en-US" sz="1200" b="1"/>
+              <a:t>Sorğuların göndərilməsi</a:t>
+            </a:r>
+            <a:r>
+              <a:rPr lang="en-US" sz="1200"/>
+              <a:t>: Sorğular </a:t>
+            </a:r>
+            <a:r>
+              <a:rPr lang="en-US" sz="1200" b="1"/>
+              <a:t>ardıcıl (serial) qaydada</a:t>
+            </a:r>
+            <a:r>
+              <a:rPr lang="en-US" sz="1200"/>
+              <a:t> göndərilir.</a:t>
+            </a:r>
+          </a:p>
+          <a:p>
+            <a:pPr>
+              <a:buNone/>
+            </a:pPr>
+            <a:endParaRPr lang="en-US" sz="1200"/>
+          </a:p>
+          <a:p>
+            <a:pPr marL="285750" indent="-285750">
+              <a:buFont typeface="Arial" panose="020B0604020202020204" pitchFamily="34" charset="0"/>
+              <a:buChar char="•"/>
+            </a:pPr>
+            <a:r>
+              <a:rPr lang="en-US" sz="1200"/>
+              <a:t>Məsələn, bir veb səhifədə </a:t>
+            </a:r>
+            <a:r>
+              <a:rPr lang="en-US" sz="1200" b="1"/>
+              <a:t>CSS, JS və şəkillər</a:t>
+            </a:r>
+            <a:r>
+              <a:rPr lang="en-US" sz="1200"/>
+              <a:t> varsa, onlar </a:t>
+            </a:r>
+            <a:r>
+              <a:rPr lang="en-US" sz="1200" b="1"/>
+              <a:t>bir-birinin ardınca yüklənir</a:t>
+            </a:r>
+            <a:r>
+              <a:rPr lang="en-US" sz="1200"/>
               <a:t>.</a:t>
             </a:r>
           </a:p>
           <a:p>
+            <a:pPr marL="285750" indent="-285750">
+              <a:buFont typeface="Arial" panose="020B0604020202020204" pitchFamily="34" charset="0"/>
+              <a:buChar char="•"/>
+            </a:pPr>
+            <a:endParaRPr lang="en-US" sz="1200"/>
+          </a:p>
+          <a:p>
+            <a:pPr marL="285750" indent="-285750">
+              <a:buFont typeface="Arial" panose="020B0604020202020204" pitchFamily="34" charset="0"/>
+              <a:buChar char="•"/>
+            </a:pPr>
+            <a:r>
+              <a:rPr lang="en-US" sz="1200"/>
+              <a:t>Yeni bir sorğu göndərmək üçün əvvəlki sorğunun bitməsini gözləmək lazımdır.</a:t>
+            </a:r>
+            <a:br>
+              <a:rPr lang="en-US" sz="1200"/>
+            </a:br>
+            <a:r>
+              <a:rPr lang="en-US" sz="1200"/>
+              <a:t>🔹 </a:t>
+            </a:r>
+            <a:r>
+              <a:rPr lang="en-US" sz="1200" b="1"/>
+              <a:t>Başlıqların sıxılması yoxdur</a:t>
+            </a:r>
+            <a:r>
+              <a:rPr lang="en-US" sz="1200"/>
+              <a:t> – bu, daha çox trafik sərf edir.</a:t>
+            </a:r>
+            <a:br>
+              <a:rPr lang="en-US" sz="1200"/>
+            </a:br>
+            <a:r>
+              <a:rPr lang="en-US" sz="1200"/>
+              <a:t>🔹 </a:t>
+            </a:r>
+            <a:r>
+              <a:rPr lang="en-US" sz="1200" b="1"/>
+              <a:t>Prioritet və server push dəstəyi yoxdur</a:t>
+            </a:r>
+            <a:r>
+              <a:rPr lang="en-US" sz="1200"/>
+              <a:t> – yəni server </a:t>
+            </a:r>
+            <a:r>
+              <a:rPr lang="en-US" sz="1200" b="1"/>
+              <a:t>lazım olan məlumatları öncədən göndərə bilmir</a:t>
+            </a:r>
+            <a:r>
+              <a:rPr lang="en-US" sz="1200"/>
+              <a:t>.</a:t>
+            </a:r>
+          </a:p>
+          <a:p>
+            <a:pPr marL="285750" indent="-285750">
+              <a:buFont typeface="Arial" panose="020B0604020202020204" pitchFamily="34" charset="0"/>
+              <a:buChar char="•"/>
+            </a:pPr>
+            <a:endParaRPr lang="en-US" sz="1200"/>
+          </a:p>
+          <a:p>
+            <a:r>
+              <a:rPr lang="en-US" sz="1200" b="1"/>
+              <a:t>Nəticə:</a:t>
+            </a:r>
+            <a:r>
+              <a:rPr lang="en-US" sz="1200"/>
+              <a:t> HTTP 1.1 </a:t>
+            </a:r>
+            <a:r>
+              <a:rPr lang="en-US" sz="1200" b="1"/>
+              <a:t>yavaş və səmərəsizdir</a:t>
+            </a:r>
+            <a:r>
+              <a:rPr lang="en-US" sz="1200"/>
+              <a:t>, çünki hər yeni sorğu üçün </a:t>
+            </a:r>
+            <a:r>
+              <a:rPr lang="en-US" sz="1200" b="1"/>
+              <a:t>yeni TCP bağlantısı yaradılır və sorğular bir-bir göndərilir</a:t>
+            </a:r>
+            <a:r>
+              <a:rPr lang="en-US" sz="1200"/>
+              <a:t>.</a:t>
+            </a:r>
+          </a:p>
+          <a:p>
+            <a:endParaRPr lang="en-US" sz="1200"/>
+          </a:p>
+          <a:p>
+            <a:endParaRPr lang="en-US" sz="1200"/>
+          </a:p>
+          <a:p>
+            <a:endParaRPr lang="en-US" sz="1200"/>
+          </a:p>
+          <a:p>
+            <a:endParaRPr lang="en-US" sz="1200"/>
+          </a:p>
+          <a:p>
+            <a:endParaRPr lang="en-US" sz="1200"/>
+          </a:p>
+          <a:p>
+            <a:endParaRPr lang="en-US" sz="1200"/>
+          </a:p>
+          <a:p>
+            <a:endParaRPr lang="en-US" sz="1200"/>
+          </a:p>
+          <a:p>
+            <a:endParaRPr lang="en-US" sz="1200"/>
+          </a:p>
+          <a:p>
+            <a:endParaRPr lang="en-US" sz="1200"/>
+          </a:p>
+          <a:p>
             <a:pPr>
               <a:buNone/>
             </a:pPr>
-            <a:endParaRPr lang="en-US" sz="1600"/>
+            <a:r>
+              <a:rPr lang="en-US" sz="1200" b="1"/>
+              <a:t>2️⃣ HTTP 2.0 (Daha sürətli və effektiv)</a:t>
+            </a:r>
+          </a:p>
+          <a:p>
+            <a:pPr>
+              <a:buNone/>
+            </a:pPr>
+            <a:endParaRPr lang="en-US" sz="1200" b="1"/>
+          </a:p>
+          <a:p>
+            <a:pPr>
+              <a:buNone/>
+            </a:pPr>
+            <a:r>
+              <a:rPr lang="en-US" sz="1200"/>
+              <a:t>🔹 </a:t>
+            </a:r>
+            <a:r>
+              <a:rPr lang="en-US" sz="1200" b="1"/>
+              <a:t>Bağlantı növü</a:t>
+            </a:r>
+            <a:r>
+              <a:rPr lang="en-US" sz="1200"/>
+              <a:t>: TCP istifadə edir, amma daha optimallaşdırılmış şəkildə.</a:t>
+            </a:r>
+          </a:p>
+          <a:p>
+            <a:pPr>
+              <a:buNone/>
+            </a:pPr>
+            <a:br>
+              <a:rPr lang="en-US" sz="1200"/>
+            </a:br>
+            <a:r>
+              <a:rPr lang="en-US" sz="1200"/>
+              <a:t>🔹 </a:t>
+            </a:r>
+            <a:r>
+              <a:rPr lang="en-US" sz="1200" b="1"/>
+              <a:t>Multiplexing (Eyni anda çoxlu sorğu göndərmək)</a:t>
+            </a:r>
+            <a:r>
+              <a:rPr lang="en-US" sz="1200"/>
+              <a:t>:</a:t>
+            </a:r>
+          </a:p>
+          <a:p>
+            <a:pPr marL="285750" indent="-285750">
+              <a:buFont typeface="Arial" panose="020B0604020202020204" pitchFamily="34" charset="0"/>
+              <a:buChar char="•"/>
+            </a:pPr>
+            <a:endParaRPr lang="en-US" sz="1200" b="1"/>
+          </a:p>
+          <a:p>
+            <a:pPr marL="285750" indent="-285750">
+              <a:buFont typeface="Arial" panose="020B0604020202020204" pitchFamily="34" charset="0"/>
+              <a:buChar char="•"/>
+            </a:pPr>
+            <a:r>
+              <a:rPr lang="en-US" sz="1200" b="1"/>
+              <a:t>Bütün CSS, JS və şəkillər eyni anda göndərilə bilər</a:t>
+            </a:r>
+            <a:r>
+              <a:rPr lang="en-US" sz="1200"/>
+              <a:t>, yəni </a:t>
+            </a:r>
+            <a:r>
+              <a:rPr lang="en-US" sz="1200" b="1"/>
+              <a:t>sayt daha sürətli yüklənir</a:t>
+            </a:r>
+            <a:r>
+              <a:rPr lang="en-US" sz="1200"/>
+              <a:t>.</a:t>
+            </a:r>
+            <a:br>
+              <a:rPr lang="en-US" sz="1200"/>
+            </a:br>
+            <a:r>
+              <a:rPr lang="en-US" sz="1200"/>
+              <a:t>🔹 </a:t>
+            </a:r>
+            <a:r>
+              <a:rPr lang="en-US" sz="1200" b="1"/>
+              <a:t>Başlıqların sıxılması (Header Compression) var</a:t>
+            </a:r>
+            <a:r>
+              <a:rPr lang="en-US" sz="1200"/>
+              <a:t> – məlumat trafiki azalır, səhifələr daha sürətli açılır.</a:t>
+            </a:r>
+            <a:br>
+              <a:rPr lang="en-US" sz="1200"/>
+            </a:br>
+            <a:r>
+              <a:rPr lang="en-US" sz="1200"/>
+              <a:t>🔹 </a:t>
+            </a:r>
+            <a:r>
+              <a:rPr lang="en-US" sz="1200" b="1"/>
+              <a:t>Prioritet sistemi var</a:t>
+            </a:r>
+            <a:r>
+              <a:rPr lang="en-US" sz="1200"/>
+              <a:t> – vacib məlumatlar əvvəl göndərilir, daha az vacib olanlar sonra.</a:t>
+            </a:r>
+            <a:br>
+              <a:rPr lang="en-US" sz="1200"/>
+            </a:br>
+            <a:r>
+              <a:rPr lang="en-US" sz="1200"/>
+              <a:t>🔹 </a:t>
+            </a:r>
+            <a:r>
+              <a:rPr lang="en-US" sz="1200" b="1"/>
+              <a:t>Server Push dəstəyi var</a:t>
+            </a:r>
+            <a:r>
+              <a:rPr lang="en-US" sz="1200"/>
+              <a:t> – server </a:t>
+            </a:r>
+            <a:r>
+              <a:rPr lang="en-US" sz="1200" b="1"/>
+              <a:t>istifadəçinin sorğu göndərməsini gözləmədən</a:t>
+            </a:r>
+            <a:r>
+              <a:rPr lang="en-US" sz="1200"/>
+              <a:t> lazımi məlumatları ötürə bilir.</a:t>
+            </a:r>
+          </a:p>
+          <a:p>
+            <a:pPr marL="285750" indent="-285750">
+              <a:buFont typeface="Arial" panose="020B0604020202020204" pitchFamily="34" charset="0"/>
+              <a:buChar char="•"/>
+            </a:pPr>
+            <a:endParaRPr lang="en-US" sz="1200"/>
+          </a:p>
+          <a:p>
+            <a:r>
+              <a:rPr lang="en-US" sz="1200" b="1"/>
+              <a:t>Nəticə:</a:t>
+            </a:r>
+            <a:r>
+              <a:rPr lang="en-US" sz="1200"/>
+              <a:t> HTTP 2.0 </a:t>
+            </a:r>
+            <a:r>
+              <a:rPr lang="en-US" sz="1200" b="1"/>
+              <a:t>sürətlidir, çünki bir anda çoxlu məlumat göndərə bilir və sıxılmış başlıqlardan istifadə edir</a:t>
+            </a:r>
+            <a:r>
+              <a:rPr lang="en-US" sz="1200"/>
+              <a:t>.</a:t>
+            </a:r>
+          </a:p>
+          <a:p>
+            <a:endParaRPr lang="en-US" sz="1200"/>
           </a:p>
         </p:txBody>
       </p:sp>
@@ -5231,7 +9259,7 @@
 </p:sld>
 </file>
 
-<file path=ppt/slides/slide11.xml><?xml version="1.0" encoding="utf-8"?>
+<file path=ppt/slides/slide18.xml><?xml version="1.0" encoding="utf-8"?>
 <p:sld xmlns:a="http://schemas.openxmlformats.org/drawingml/2006/main" xmlns:r="http://schemas.openxmlformats.org/officeDocument/2006/relationships" xmlns:p="http://schemas.openxmlformats.org/presentationml/2006/main">
   <p:cSld>
     <p:spTree>
@@ -5269,7 +9297,7 @@
         <p:spPr>
           <a:xfrm>
             <a:off x="107004" y="158874"/>
-            <a:ext cx="11984477" cy="584775"/>
+            <a:ext cx="11984477" cy="2554545"/>
           </a:xfrm>
           <a:prstGeom prst="rect">
             <a:avLst/>
@@ -5282,16 +9310,106 @@
           </a:bodyPr>
           <a:lstStyle/>
           <a:p>
-            <a:r>
-              <a:rPr lang="ru-RU" sz="1600"/>
+            <a:pPr>
+              <a:buNone/>
+            </a:pPr>
+            <a:r>
+              <a:rPr lang="en-US" sz="1600" b="1"/>
+              <a:t>3️⃣ HTTP 3.0 (Ən yeni və ən sürətli)</a:t>
+            </a:r>
+          </a:p>
+          <a:p>
+            <a:pPr>
+              <a:buNone/>
+            </a:pPr>
+            <a:endParaRPr lang="en-US" sz="1600" b="1"/>
+          </a:p>
+          <a:p>
+            <a:pPr>
+              <a:buNone/>
+            </a:pPr>
+            <a:r>
+              <a:rPr lang="en-US" sz="1600"/>
+              <a:t>🔹 </a:t>
+            </a:r>
+            <a:r>
+              <a:rPr lang="en-US" sz="1600" b="1"/>
+              <a:t>Bağlantı növü</a:t>
+            </a:r>
+            <a:r>
+              <a:rPr lang="en-US" sz="1600"/>
+              <a:t>: TCP əvəzinə QUIC istifadə olunur.</a:t>
+            </a:r>
+          </a:p>
+          <a:p>
+            <a:pPr>
+              <a:buNone/>
+            </a:pPr>
+            <a:endParaRPr lang="en-US" sz="1600"/>
+          </a:p>
+          <a:p>
+            <a:r>
+              <a:rPr lang="en-US" sz="1600"/>
+              <a:t>QUIC – Google-un yaratdığı yeni bir protokoldur və </a:t>
+            </a:r>
+            <a:r>
+              <a:rPr lang="en-US" sz="1600" b="1"/>
+              <a:t>UDP əsasında işləyir</a:t>
+            </a:r>
+            <a:r>
+              <a:rPr lang="en-US" sz="1600"/>
               <a:t>.</a:t>
             </a:r>
-          </a:p>
-          <a:p>
-            <a:pPr>
-              <a:buNone/>
-            </a:pPr>
+            <a:br>
+              <a:rPr lang="en-US" sz="1600"/>
+            </a:br>
+            <a:r>
+              <a:rPr lang="en-US" sz="1600"/>
+              <a:t>🔹 </a:t>
+            </a:r>
+            <a:r>
+              <a:rPr lang="en-US" sz="1600" b="1"/>
+              <a:t>Multiplexing dəstəyi var</a:t>
+            </a:r>
+            <a:r>
+              <a:rPr lang="en-US" sz="1600"/>
+              <a:t> – HTTP 2.0-dakı kimi, amma daha sürətlidir.</a:t>
+            </a:r>
+            <a:br>
+              <a:rPr lang="en-US" sz="1600"/>
+            </a:br>
+            <a:r>
+              <a:rPr lang="en-US" sz="1600"/>
+              <a:t>🔹 Başlıqlar sıxılır, prioritet sistemi və Server Push dəstəyi var.</a:t>
+            </a:r>
+            <a:br>
+              <a:rPr lang="en-US" sz="1600"/>
+            </a:br>
+            <a:r>
+              <a:rPr lang="en-US" sz="1600"/>
+              <a:t>🔹 TCP yox, QUIC olduğu üçün sürətli və daha stabil bağlantı təmin edir.</a:t>
+            </a:r>
+          </a:p>
+          <a:p>
             <a:endParaRPr lang="en-US" sz="1600"/>
+          </a:p>
+          <a:p>
+            <a:r>
+              <a:rPr lang="en-US" sz="1600" b="1"/>
+              <a:t>Nəticə:</a:t>
+            </a:r>
+            <a:r>
+              <a:rPr lang="en-US" sz="1600"/>
+              <a:t> HTTP 3.0 ən sürətli versiyadır, çünki daha müasir </a:t>
+            </a:r>
+            <a:r>
+              <a:rPr lang="en-US" sz="1600" b="1"/>
+              <a:t>QUIC</a:t>
+            </a:r>
+            <a:r>
+              <a:rPr lang="en-US" sz="1600"/>
+              <a:t> protokolundan istifadə edir.</a:t>
+            </a:r>
           </a:p>
         </p:txBody>
       </p:sp>
@@ -5308,7 +9426,7 @@
 </p:sld>
 </file>
 
-<file path=ppt/slides/slide12.xml><?xml version="1.0" encoding="utf-8"?>
+<file path=ppt/slides/slide19.xml><?xml version="1.0" encoding="utf-8"?>
 <p:sld xmlns:a="http://schemas.openxmlformats.org/drawingml/2006/main" xmlns:r="http://schemas.openxmlformats.org/officeDocument/2006/relationships" xmlns:p="http://schemas.openxmlformats.org/presentationml/2006/main">
   <p:cSld>
     <p:spTree>
@@ -5346,7 +9464,7 @@
         <p:spPr>
           <a:xfrm>
             <a:off x="107004" y="158874"/>
-            <a:ext cx="11984477" cy="584775"/>
+            <a:ext cx="11984477" cy="4278094"/>
           </a:xfrm>
           <a:prstGeom prst="rect">
             <a:avLst/>
@@ -5359,100 +9477,222 @@
           </a:bodyPr>
           <a:lstStyle/>
           <a:p>
-            <a:r>
-              <a:rPr lang="ru-RU" sz="1600"/>
+            <a:pPr>
+              <a:buNone/>
+            </a:pPr>
+            <a:r>
+              <a:rPr lang="en-US" sz="1600" b="1">
+                <a:solidFill>
+                  <a:srgbClr val="FF0000"/>
+                </a:solidFill>
+              </a:rPr>
+              <a:t>HTTP və HTTPS arasındakı fərq</a:t>
+            </a:r>
+          </a:p>
+          <a:p>
+            <a:pPr>
+              <a:buNone/>
+            </a:pPr>
+            <a:endParaRPr lang="en-US" sz="1600" b="1"/>
+          </a:p>
+          <a:p>
+            <a:pPr>
+              <a:buNone/>
+            </a:pPr>
+            <a:r>
+              <a:rPr lang="en-US" sz="1600" b="1"/>
+              <a:t>HTTPS</a:t>
+            </a:r>
+            <a:r>
+              <a:rPr lang="en-US" sz="1600"/>
+              <a:t> (HyperText Transfer Protocol Secure) – </a:t>
+            </a:r>
+            <a:r>
+              <a:rPr lang="en-US" sz="1600" b="1"/>
+              <a:t>HTTP</a:t>
+            </a:r>
+            <a:r>
+              <a:rPr lang="en-US" sz="1600"/>
+              <a:t>-nin təhlükəsiz versiyasıdır.</a:t>
+            </a:r>
+          </a:p>
+          <a:p>
+            <a:pPr marL="285750" indent="-285750">
+              <a:buFont typeface="Arial" panose="020B0604020202020204" pitchFamily="34" charset="0"/>
+              <a:buChar char="•"/>
+            </a:pPr>
+            <a:r>
+              <a:rPr lang="en-US" sz="1600" b="1"/>
+              <a:t>HTTPS = HTTP + TLS </a:t>
+            </a:r>
+            <a:r>
+              <a:rPr lang="en-US" sz="1600"/>
+              <a:t>(Transport Layer Security)</a:t>
+            </a:r>
+          </a:p>
+          <a:p>
+            <a:pPr marL="285750" indent="-285750">
+              <a:buFont typeface="Arial" panose="020B0604020202020204" pitchFamily="34" charset="0"/>
+              <a:buChar char="•"/>
+            </a:pPr>
+            <a:r>
+              <a:rPr lang="en-US" sz="1600"/>
+              <a:t>Saytlarda HTTPS varsa, məlumatlar şifrələnir və üçüncü şəxslər onu oxuya bilmir.</a:t>
+            </a:r>
+          </a:p>
+          <a:p>
+            <a:pPr marL="285750" indent="-285750">
+              <a:buFont typeface="Arial" panose="020B0604020202020204" pitchFamily="34" charset="0"/>
+              <a:buChar char="•"/>
+            </a:pPr>
+            <a:r>
+              <a:rPr lang="en-US" sz="1600"/>
+              <a:t>Bütün bank sistemləri, sosial şəbəkələr və ödəniş saytları HTTPS istifadə edir.</a:t>
+            </a:r>
+          </a:p>
+          <a:p>
+            <a:pPr marL="285750" indent="-285750">
+              <a:buFont typeface="Arial" panose="020B0604020202020204" pitchFamily="34" charset="0"/>
+              <a:buChar char="•"/>
+            </a:pPr>
+            <a:r>
+              <a:rPr lang="en-US" sz="1600"/>
+              <a:t>Brauzerlərdə kilid işarəsi 🔒 olan saytlar HTTPS istifadə edir.</a:t>
+            </a:r>
+          </a:p>
+          <a:p>
+            <a:pPr marL="285750" indent="-285750">
+              <a:buFont typeface="Arial" panose="020B0604020202020204" pitchFamily="34" charset="0"/>
+              <a:buChar char="•"/>
+            </a:pPr>
+            <a:endParaRPr lang="en-US" sz="1600"/>
+          </a:p>
+          <a:p>
+            <a:pPr marL="285750" indent="-285750">
+              <a:buFont typeface="Arial" panose="020B0604020202020204" pitchFamily="34" charset="0"/>
+              <a:buChar char="•"/>
+            </a:pPr>
+            <a:endParaRPr lang="en-US" sz="1600"/>
+          </a:p>
+          <a:p>
+            <a:endParaRPr lang="en-US" sz="1600"/>
+          </a:p>
+          <a:p>
+            <a:pPr marL="285750" indent="-285750">
+              <a:buFont typeface="Arial" panose="020B0604020202020204" pitchFamily="34" charset="0"/>
+              <a:buChar char="•"/>
+            </a:pPr>
+            <a:endParaRPr lang="en-US" sz="1600"/>
+          </a:p>
+          <a:p>
+            <a:pPr>
+              <a:buNone/>
+            </a:pPr>
+            <a:r>
+              <a:rPr lang="en-US" sz="1600" b="1">
+                <a:solidFill>
+                  <a:srgbClr val="00B050"/>
+                </a:solidFill>
+              </a:rPr>
+              <a:t>SSL Sertifikatı nədir?</a:t>
+            </a:r>
+          </a:p>
+          <a:p>
+            <a:pPr>
+              <a:buNone/>
+            </a:pPr>
+            <a:endParaRPr lang="en-US" sz="1600" b="1">
+              <a:solidFill>
+                <a:srgbClr val="00B050"/>
+              </a:solidFill>
+            </a:endParaRPr>
+          </a:p>
+          <a:p>
+            <a:pPr>
+              <a:buNone/>
+            </a:pPr>
+            <a:r>
+              <a:rPr lang="en-US" sz="1600" b="1"/>
+              <a:t>SSL sertifikatı</a:t>
+            </a:r>
+            <a:r>
+              <a:rPr lang="en-US" sz="1600"/>
+              <a:t> – bir veb saytın etibarlı olduğunu təsdiqləyən </a:t>
+            </a:r>
+            <a:r>
+              <a:rPr lang="en-US" sz="1600" b="1"/>
+              <a:t>rəqəmsal şəxsiyyətdir</a:t>
+            </a:r>
+            <a:r>
+              <a:rPr lang="en-US" sz="1600"/>
               <a:t>.</a:t>
             </a:r>
           </a:p>
           <a:p>
-            <a:pPr>
-              <a:buNone/>
-            </a:pPr>
+            <a:pPr marL="285750" indent="-285750">
+              <a:buFont typeface="Arial" panose="020B0604020202020204" pitchFamily="34" charset="0"/>
+              <a:buChar char="•"/>
+            </a:pPr>
+            <a:r>
+              <a:rPr lang="en-US" sz="1600" b="1"/>
+              <a:t>Məsələn, bank saytları və e-ticarət saytları mütləq SSL sertifikatına malik olmalıdır.</a:t>
+            </a:r>
+          </a:p>
+          <a:p>
+            <a:pPr marL="285750" indent="-285750">
+              <a:buFont typeface="Arial" panose="020B0604020202020204" pitchFamily="34" charset="0"/>
+              <a:buChar char="•"/>
+            </a:pPr>
+            <a:r>
+              <a:rPr lang="en-US" sz="1600" b="1"/>
+              <a:t>Əgər bir saytda SSL yoxdursa, brauzer "Not Secure" (Təhlükəsiz deyil) xəbərdarlığı göstərir.</a:t>
+            </a:r>
+          </a:p>
+          <a:p>
             <a:endParaRPr lang="en-US" sz="1600"/>
           </a:p>
         </p:txBody>
       </p:sp>
+      <p:pic>
+        <p:nvPicPr>
+          <p:cNvPr id="4" name="Picture 3">
+            <a:extLst>
+              <a:ext uri="{FF2B5EF4-FFF2-40B4-BE49-F238E27FC236}">
+                <a16:creationId xmlns:a16="http://schemas.microsoft.com/office/drawing/2014/main" id="{EEDC95F4-F678-E593-2AEF-078FC2C78E1C}"/>
+              </a:ext>
+            </a:extLst>
+          </p:cNvPr>
+          <p:cNvPicPr>
+            <a:picLocks noChangeAspect="1"/>
+          </p:cNvPicPr>
+          <p:nvPr/>
+        </p:nvPicPr>
+        <p:blipFill>
+          <a:blip r:embed="rId3">
+            <a:extLst>
+              <a:ext uri="{28A0092B-C50C-407E-A947-70E740481C1C}">
+                <a14:useLocalDpi xmlns:a14="http://schemas.microsoft.com/office/drawing/2010/main" val="0"/>
+              </a:ext>
+            </a:extLst>
+          </a:blip>
+          <a:stretch>
+            <a:fillRect/>
+          </a:stretch>
+        </p:blipFill>
+        <p:spPr>
+          <a:xfrm>
+            <a:off x="6214188" y="4353996"/>
+            <a:ext cx="5977812" cy="2504004"/>
+          </a:xfrm>
+          <a:prstGeom prst="rect">
+            <a:avLst/>
+          </a:prstGeom>
+        </p:spPr>
+      </p:pic>
     </p:spTree>
     <p:extLst>
       <p:ext uri="{BB962C8B-B14F-4D97-AF65-F5344CB8AC3E}">
         <p14:creationId xmlns:p14="http://schemas.microsoft.com/office/powerpoint/2010/main" val="1933997595"/>
-      </p:ext>
-    </p:extLst>
-  </p:cSld>
-  <p:clrMapOvr>
-    <a:masterClrMapping/>
-  </p:clrMapOvr>
-</p:sld>
-</file>
-
-<file path=ppt/slides/slide13.xml><?xml version="1.0" encoding="utf-8"?>
-<p:sld xmlns:a="http://schemas.openxmlformats.org/drawingml/2006/main" xmlns:r="http://schemas.openxmlformats.org/officeDocument/2006/relationships" xmlns:p="http://schemas.openxmlformats.org/presentationml/2006/main">
-  <p:cSld>
-    <p:spTree>
-      <p:nvGrpSpPr>
-        <p:cNvPr id="1" name="">
-          <a:extLst>
-            <a:ext uri="{FF2B5EF4-FFF2-40B4-BE49-F238E27FC236}">
-              <a16:creationId xmlns:a16="http://schemas.microsoft.com/office/drawing/2014/main" id="{1DBFD1B6-4A24-11AE-DFD7-44F3DBFFBFC0}"/>
-            </a:ext>
-          </a:extLst>
-        </p:cNvPr>
-        <p:cNvGrpSpPr/>
-        <p:nvPr/>
-      </p:nvGrpSpPr>
-      <p:grpSpPr>
-        <a:xfrm>
-          <a:off x="0" y="0"/>
-          <a:ext cx="0" cy="0"/>
-          <a:chOff x="0" y="0"/>
-          <a:chExt cx="0" cy="0"/>
-        </a:xfrm>
-      </p:grpSpPr>
-      <p:sp>
-        <p:nvSpPr>
-          <p:cNvPr id="3" name="TextBox 2">
-            <a:extLst>
-              <a:ext uri="{FF2B5EF4-FFF2-40B4-BE49-F238E27FC236}">
-                <a16:creationId xmlns:a16="http://schemas.microsoft.com/office/drawing/2014/main" id="{042DFBE9-B9B2-91AD-103D-813ECC522326}"/>
-              </a:ext>
-            </a:extLst>
-          </p:cNvPr>
-          <p:cNvSpPr txBox="1"/>
-          <p:nvPr/>
-        </p:nvSpPr>
-        <p:spPr>
-          <a:xfrm>
-            <a:off x="107004" y="158874"/>
-            <a:ext cx="11984477" cy="584775"/>
-          </a:xfrm>
-          <a:prstGeom prst="rect">
-            <a:avLst/>
-          </a:prstGeom>
-          <a:noFill/>
-        </p:spPr>
-        <p:txBody>
-          <a:bodyPr wrap="square">
-            <a:spAutoFit/>
-          </a:bodyPr>
-          <a:lstStyle/>
-          <a:p>
-            <a:r>
-              <a:rPr lang="ru-RU" sz="1600"/>
-              <a:t>.</a:t>
-            </a:r>
-          </a:p>
-          <a:p>
-            <a:pPr>
-              <a:buNone/>
-            </a:pPr>
-            <a:endParaRPr lang="en-US" sz="1600"/>
-          </a:p>
-        </p:txBody>
-      </p:sp>
-    </p:spTree>
-    <p:extLst>
-      <p:ext uri="{BB962C8B-B14F-4D97-AF65-F5344CB8AC3E}">
-        <p14:creationId xmlns:p14="http://schemas.microsoft.com/office/powerpoint/2010/main" val="2559886627"/>
       </p:ext>
     </p:extLst>
   </p:cSld>
@@ -5500,6 +9740,966 @@
         <p:spPr>
           <a:xfrm>
             <a:off x="107004" y="158874"/>
+            <a:ext cx="11984477" cy="5955476"/>
+          </a:xfrm>
+          <a:prstGeom prst="rect">
+            <a:avLst/>
+          </a:prstGeom>
+          <a:noFill/>
+        </p:spPr>
+        <p:txBody>
+          <a:bodyPr wrap="square">
+            <a:spAutoFit/>
+          </a:bodyPr>
+          <a:lstStyle/>
+          <a:p>
+            <a:pPr>
+              <a:buNone/>
+            </a:pPr>
+            <a:r>
+              <a:rPr lang="en-US" sz="1300" b="1">
+                <a:solidFill>
+                  <a:srgbClr val="00B050"/>
+                </a:solidFill>
+              </a:rPr>
+              <a:t>HTTP Sorğusunun (Request) Strukturu</a:t>
+            </a:r>
+          </a:p>
+          <a:p>
+            <a:pPr>
+              <a:buNone/>
+            </a:pPr>
+            <a:endParaRPr lang="en-US" sz="1300">
+              <a:solidFill>
+                <a:srgbClr val="00B050"/>
+              </a:solidFill>
+            </a:endParaRPr>
+          </a:p>
+          <a:p>
+            <a:pPr>
+              <a:buNone/>
+            </a:pPr>
+            <a:r>
+              <a:rPr lang="en-US" sz="1300"/>
+              <a:t>HTTP sorğusu serverə göndərilən mesajdır və aşağıdakı hissələrdən ibarətdir:</a:t>
+            </a:r>
+          </a:p>
+          <a:p>
+            <a:pPr>
+              <a:buNone/>
+            </a:pPr>
+            <a:endParaRPr lang="en-US" sz="1300"/>
+          </a:p>
+          <a:p>
+            <a:pPr>
+              <a:buNone/>
+            </a:pPr>
+            <a:r>
+              <a:rPr lang="en-US" sz="1300"/>
+              <a:t>1️⃣ Başlıq sətri (Start Line) - Burada sorğunun metodu (method), URL və HTTP versiyası göstərilir.</a:t>
+            </a:r>
+          </a:p>
+          <a:p>
+            <a:r>
+              <a:rPr lang="en-US" sz="1300"/>
+              <a:t>✅ Misal: GET /index.html HTTP/1.1</a:t>
+            </a:r>
+          </a:p>
+          <a:p>
+            <a:endParaRPr lang="en-US" sz="1300"/>
+          </a:p>
+          <a:p>
+            <a:pPr marL="285750" indent="-285750">
+              <a:buFont typeface="Arial" panose="020B0604020202020204" pitchFamily="34" charset="0"/>
+              <a:buChar char="•"/>
+            </a:pPr>
+            <a:r>
+              <a:rPr lang="en-US" sz="1300" b="1"/>
+              <a:t>GET</a:t>
+            </a:r>
+            <a:r>
+              <a:rPr lang="en-US" sz="1300"/>
+              <a:t> 		→ Məlumatın serverdən alınmasını tələb edir.</a:t>
+            </a:r>
+          </a:p>
+          <a:p>
+            <a:pPr marL="285750" indent="-285750">
+              <a:buFont typeface="Arial" panose="020B0604020202020204" pitchFamily="34" charset="0"/>
+              <a:buChar char="•"/>
+            </a:pPr>
+            <a:r>
+              <a:rPr lang="en-US" sz="1300" b="1"/>
+              <a:t>/index.html 	</a:t>
+            </a:r>
+            <a:r>
+              <a:rPr lang="en-US" sz="1300"/>
+              <a:t>→ Hansı faylın tələb olunduğunu göstərir.</a:t>
+            </a:r>
+          </a:p>
+          <a:p>
+            <a:pPr marL="285750" indent="-285750">
+              <a:buFont typeface="Arial" panose="020B0604020202020204" pitchFamily="34" charset="0"/>
+              <a:buChar char="•"/>
+            </a:pPr>
+            <a:r>
+              <a:rPr lang="en-US" sz="1300" b="1"/>
+              <a:t>HTTP/1.1 	</a:t>
+            </a:r>
+            <a:r>
+              <a:rPr lang="en-US" sz="1300"/>
+              <a:t>→ HTTP protokolunun versiyasıdır.</a:t>
+            </a:r>
+          </a:p>
+          <a:p>
+            <a:pPr>
+              <a:buFont typeface="Arial" panose="020B0604020202020204" pitchFamily="34" charset="0"/>
+              <a:buChar char="•"/>
+            </a:pPr>
+            <a:endParaRPr lang="en-US" sz="1300"/>
+          </a:p>
+          <a:p>
+            <a:pPr>
+              <a:buFont typeface="Arial" panose="020B0604020202020204" pitchFamily="34" charset="0"/>
+              <a:buChar char="•"/>
+            </a:pPr>
+            <a:endParaRPr lang="en-US" sz="1300"/>
+          </a:p>
+          <a:p>
+            <a:pPr>
+              <a:buFont typeface="Arial" panose="020B0604020202020204" pitchFamily="34" charset="0"/>
+              <a:buChar char="•"/>
+            </a:pPr>
+            <a:endParaRPr lang="en-US" sz="1300"/>
+          </a:p>
+          <a:p>
+            <a:pPr>
+              <a:buNone/>
+            </a:pPr>
+            <a:r>
+              <a:rPr lang="en-US" sz="1300">
+                <a:solidFill>
+                  <a:srgbClr val="FF0000"/>
+                </a:solidFill>
+              </a:rPr>
+              <a:t>Digər məşhur metodlar:</a:t>
+            </a:r>
+          </a:p>
+          <a:p>
+            <a:pPr marL="285750" indent="-285750">
+              <a:buFont typeface="Arial" panose="020B0604020202020204" pitchFamily="34" charset="0"/>
+              <a:buChar char="•"/>
+            </a:pPr>
+            <a:r>
+              <a:rPr lang="en-US" sz="1300" b="1">
+                <a:solidFill>
+                  <a:srgbClr val="FF0000"/>
+                </a:solidFill>
+              </a:rPr>
+              <a:t>GET</a:t>
+            </a:r>
+            <a:r>
+              <a:rPr lang="en-US" sz="1300">
+                <a:solidFill>
+                  <a:srgbClr val="FF0000"/>
+                </a:solidFill>
+              </a:rPr>
+              <a:t> → Serverdən məlumat alır.</a:t>
+            </a:r>
+          </a:p>
+          <a:p>
+            <a:pPr marL="285750" indent="-285750">
+              <a:buFont typeface="Arial" panose="020B0604020202020204" pitchFamily="34" charset="0"/>
+              <a:buChar char="•"/>
+            </a:pPr>
+            <a:r>
+              <a:rPr lang="en-US" sz="1300" b="1">
+                <a:solidFill>
+                  <a:srgbClr val="FF0000"/>
+                </a:solidFill>
+              </a:rPr>
+              <a:t>POST</a:t>
+            </a:r>
+            <a:r>
+              <a:rPr lang="en-US" sz="1300">
+                <a:solidFill>
+                  <a:srgbClr val="FF0000"/>
+                </a:solidFill>
+              </a:rPr>
+              <a:t> → Serverə yeni məlumat göndərir.</a:t>
+            </a:r>
+          </a:p>
+          <a:p>
+            <a:pPr marL="285750" indent="-285750">
+              <a:buFont typeface="Arial" panose="020B0604020202020204" pitchFamily="34" charset="0"/>
+              <a:buChar char="•"/>
+            </a:pPr>
+            <a:r>
+              <a:rPr lang="en-US" sz="1300" b="1">
+                <a:solidFill>
+                  <a:srgbClr val="FF0000"/>
+                </a:solidFill>
+              </a:rPr>
+              <a:t>PUT</a:t>
+            </a:r>
+            <a:r>
+              <a:rPr lang="en-US" sz="1300">
+                <a:solidFill>
+                  <a:srgbClr val="FF0000"/>
+                </a:solidFill>
+              </a:rPr>
+              <a:t> → Mövcud məlumatı yeniləyir.</a:t>
+            </a:r>
+          </a:p>
+          <a:p>
+            <a:pPr marL="285750" indent="-285750">
+              <a:buFont typeface="Arial" panose="020B0604020202020204" pitchFamily="34" charset="0"/>
+              <a:buChar char="•"/>
+            </a:pPr>
+            <a:r>
+              <a:rPr lang="en-US" sz="1300" b="1">
+                <a:solidFill>
+                  <a:srgbClr val="FF0000"/>
+                </a:solidFill>
+              </a:rPr>
+              <a:t>DELETE</a:t>
+            </a:r>
+            <a:r>
+              <a:rPr lang="en-US" sz="1300">
+                <a:solidFill>
+                  <a:srgbClr val="FF0000"/>
+                </a:solidFill>
+              </a:rPr>
+              <a:t> → Serverdəki məlumatı silir.</a:t>
+            </a:r>
+          </a:p>
+          <a:p>
+            <a:endParaRPr lang="en-US" sz="1300"/>
+          </a:p>
+          <a:p>
+            <a:endParaRPr lang="en-US" sz="1300"/>
+          </a:p>
+          <a:p>
+            <a:endParaRPr lang="en-US" sz="1300"/>
+          </a:p>
+          <a:p>
+            <a:endParaRPr lang="en-US" sz="1300"/>
+          </a:p>
+          <a:p>
+            <a:endParaRPr lang="en-US" sz="1300"/>
+          </a:p>
+          <a:p>
+            <a:endParaRPr lang="en-US" sz="1300"/>
+          </a:p>
+          <a:p>
+            <a:endParaRPr lang="en-US" sz="1300"/>
+          </a:p>
+          <a:p>
+            <a:r>
+              <a:rPr lang="en-US" sz="1400"/>
+              <a:t>2️⃣ Sorğunun məqsədi (URL və parametrlər)</a:t>
+            </a:r>
+          </a:p>
+          <a:p>
+            <a:r>
+              <a:rPr lang="en-US" sz="1400"/>
+              <a:t>Məsələn, sən axtarış edəndə URL-də məlumat göndərilir: </a:t>
+            </a:r>
+            <a:r>
+              <a:rPr lang="en-US" sz="1400" b="1"/>
+              <a:t>GET /search?q=kitablar HTTP/1.1</a:t>
+            </a:r>
+          </a:p>
+          <a:p>
+            <a:endParaRPr lang="en-US" sz="1400" b="1"/>
+          </a:p>
+          <a:p>
+            <a:r>
+              <a:rPr lang="en-US" sz="1400"/>
+              <a:t>Burada </a:t>
+            </a:r>
+            <a:r>
+              <a:rPr lang="en-US" sz="1400" b="1"/>
+              <a:t>q=kitablar</a:t>
+            </a:r>
+            <a:r>
+              <a:rPr lang="en-US" sz="1400"/>
+              <a:t> parametri göstərir ki, istifadəçi "kitablar" sözünü axtarıb.</a:t>
+            </a:r>
+            <a:endParaRPr lang="en-US" sz="1300"/>
+          </a:p>
+        </p:txBody>
+      </p:sp>
+    </p:spTree>
+    <p:extLst>
+      <p:ext uri="{BB962C8B-B14F-4D97-AF65-F5344CB8AC3E}">
+        <p14:creationId xmlns:p14="http://schemas.microsoft.com/office/powerpoint/2010/main" val="3062035729"/>
+      </p:ext>
+    </p:extLst>
+  </p:cSld>
+  <p:clrMapOvr>
+    <a:masterClrMapping/>
+  </p:clrMapOvr>
+</p:sld>
+</file>
+
+<file path=ppt/slides/slide20.xml><?xml version="1.0" encoding="utf-8"?>
+<p:sld xmlns:a="http://schemas.openxmlformats.org/drawingml/2006/main" xmlns:r="http://schemas.openxmlformats.org/officeDocument/2006/relationships" xmlns:p="http://schemas.openxmlformats.org/presentationml/2006/main">
+  <p:cSld>
+    <p:spTree>
+      <p:nvGrpSpPr>
+        <p:cNvPr id="1" name="">
+          <a:extLst>
+            <a:ext uri="{FF2B5EF4-FFF2-40B4-BE49-F238E27FC236}">
+              <a16:creationId xmlns:a16="http://schemas.microsoft.com/office/drawing/2014/main" id="{3951E9F1-11F4-6EE4-2FD7-22863FAFD1CC}"/>
+            </a:ext>
+          </a:extLst>
+        </p:cNvPr>
+        <p:cNvGrpSpPr/>
+        <p:nvPr/>
+      </p:nvGrpSpPr>
+      <p:grpSpPr>
+        <a:xfrm>
+          <a:off x="0" y="0"/>
+          <a:ext cx="0" cy="0"/>
+          <a:chOff x="0" y="0"/>
+          <a:chExt cx="0" cy="0"/>
+        </a:xfrm>
+      </p:grpSpPr>
+      <p:sp>
+        <p:nvSpPr>
+          <p:cNvPr id="3" name="TextBox 2">
+            <a:extLst>
+              <a:ext uri="{FF2B5EF4-FFF2-40B4-BE49-F238E27FC236}">
+                <a16:creationId xmlns:a16="http://schemas.microsoft.com/office/drawing/2014/main" id="{8019497E-D5AD-00E7-C37B-C99A0B1A19AD}"/>
+              </a:ext>
+            </a:extLst>
+          </p:cNvPr>
+          <p:cNvSpPr txBox="1"/>
+          <p:nvPr/>
+        </p:nvSpPr>
+        <p:spPr>
+          <a:xfrm>
+            <a:off x="107004" y="158874"/>
+            <a:ext cx="11984477" cy="6986528"/>
+          </a:xfrm>
+          <a:prstGeom prst="rect">
+            <a:avLst/>
+          </a:prstGeom>
+          <a:noFill/>
+        </p:spPr>
+        <p:txBody>
+          <a:bodyPr wrap="square">
+            <a:spAutoFit/>
+          </a:bodyPr>
+          <a:lstStyle/>
+          <a:p>
+            <a:pPr>
+              <a:buNone/>
+            </a:pPr>
+            <a:r>
+              <a:rPr lang="en-US" sz="1600" b="1"/>
+              <a:t>🔹 HTTP, HTTPS, SSL və TLS nədir və onların fərqləri?</a:t>
+            </a:r>
+          </a:p>
+          <a:p>
+            <a:r>
+              <a:rPr lang="en-US" sz="1600"/>
+              <a:t>Bu terminlər internetdə </a:t>
+            </a:r>
+            <a:r>
+              <a:rPr lang="en-US" sz="1600" b="1"/>
+              <a:t>məlumatların ötürülmə qaydaları və təhlükəsizliyi</a:t>
+            </a:r>
+            <a:r>
+              <a:rPr lang="en-US" sz="1600"/>
+              <a:t> ilə bağlıdır.</a:t>
+            </a:r>
+            <a:endParaRPr lang="az-Latn-AZ" sz="1600"/>
+          </a:p>
+          <a:p>
+            <a:endParaRPr lang="az-Latn-AZ" sz="1600"/>
+          </a:p>
+          <a:p>
+            <a:endParaRPr lang="az-Latn-AZ" sz="1600"/>
+          </a:p>
+          <a:p>
+            <a:pPr>
+              <a:buNone/>
+            </a:pPr>
+            <a:r>
+              <a:rPr lang="en-US" sz="1600" b="1"/>
+              <a:t>📌 1. HTTP nədir?</a:t>
+            </a:r>
+          </a:p>
+          <a:p>
+            <a:pPr>
+              <a:buNone/>
+            </a:pPr>
+            <a:r>
+              <a:rPr lang="en-US" sz="1600"/>
+              <a:t>🔹 HTTP (HyperText Transfer Protocol) – Veb-səhifələrin serverdən brauzerə ötürülməsini təmin edən protokoldur.</a:t>
+            </a:r>
+          </a:p>
+          <a:p>
+            <a:pPr>
+              <a:buNone/>
+            </a:pPr>
+            <a:r>
+              <a:rPr lang="en-US" sz="1600" b="1"/>
+              <a:t>HTTP-nin əsas xüsusiyyətləri</a:t>
+            </a:r>
+          </a:p>
+          <a:p>
+            <a:pPr>
+              <a:buNone/>
+            </a:pPr>
+            <a:r>
+              <a:rPr lang="en-US" sz="1600"/>
+              <a:t>✅ İnformasiyanı ötürmək üçün istifadə olunur.</a:t>
+            </a:r>
+            <a:br>
+              <a:rPr lang="en-US" sz="1600"/>
+            </a:br>
+            <a:r>
+              <a:rPr lang="en-US" sz="1600"/>
+              <a:t>✅ Brauzerlə server arasında əlaqə yaradır.</a:t>
+            </a:r>
+            <a:br>
+              <a:rPr lang="en-US" sz="1600"/>
+            </a:br>
+            <a:r>
+              <a:rPr lang="en-US" sz="1600"/>
+              <a:t>✅ Amma təhlükəsiz deyil – məlumatlar açıq mətn şəklində ötürülür, buna görə hücumçular bu məlumatları oxuya bilərlər.</a:t>
+            </a:r>
+          </a:p>
+          <a:p>
+            <a:r>
+              <a:rPr lang="en-US" sz="1600"/>
+              <a:t>Məsələn: Əgər bir saytda HTTP istifadə edilirsə və sən şifrəni daxil etsən, bu şifrə şifrələnmədən ötürülür və üçüncü şəxslər onu ələ keçirə bilər.</a:t>
+            </a:r>
+          </a:p>
+          <a:p>
+            <a:endParaRPr lang="az-Latn-AZ" sz="1600"/>
+          </a:p>
+          <a:p>
+            <a:endParaRPr lang="az-Latn-AZ" sz="1600"/>
+          </a:p>
+          <a:p>
+            <a:endParaRPr lang="az-Latn-AZ" sz="1600"/>
+          </a:p>
+          <a:p>
+            <a:endParaRPr lang="az-Latn-AZ" sz="1600"/>
+          </a:p>
+          <a:p>
+            <a:pPr>
+              <a:buNone/>
+            </a:pPr>
+            <a:r>
+              <a:rPr lang="en-US" sz="1600" b="1"/>
+              <a:t>📌 2. HTTPS nədir?</a:t>
+            </a:r>
+          </a:p>
+          <a:p>
+            <a:pPr>
+              <a:buNone/>
+            </a:pPr>
+            <a:r>
+              <a:rPr lang="en-US" sz="1600"/>
+              <a:t>🔹 HTTPS (HyperText Transfer Protocol Secure) – HTTP-nin təhlükəsiz versiyasıdır. Burada TLS və ya SSL şifrələmə texnologiyası istifadə olunur.</a:t>
+            </a:r>
+          </a:p>
+          <a:p>
+            <a:pPr>
+              <a:buNone/>
+            </a:pPr>
+            <a:r>
+              <a:rPr lang="en-US" sz="1600" b="1"/>
+              <a:t>HTTPS-in üstünlükləri</a:t>
+            </a:r>
+          </a:p>
+          <a:p>
+            <a:pPr>
+              <a:buNone/>
+            </a:pPr>
+            <a:r>
+              <a:rPr lang="en-US" sz="1600"/>
+              <a:t>✅ Təhlükəsizdir – məlumatlar şifrələnir.</a:t>
+            </a:r>
+            <a:br>
+              <a:rPr lang="en-US" sz="1600"/>
+            </a:br>
+            <a:r>
+              <a:rPr lang="en-US" sz="1600"/>
+              <a:t>✅ Şəxsi məlumatların qorunmasını təmin edir (məsələn, şifrə, kart məlumatları).</a:t>
+            </a:r>
+            <a:br>
+              <a:rPr lang="en-US" sz="1600"/>
+            </a:br>
+            <a:r>
+              <a:rPr lang="en-US" sz="1600"/>
+              <a:t>✅ Saytın etibarlı olduğunu göstərir (brauzer "🔒" işarəsi göstərir).</a:t>
+            </a:r>
+            <a:br>
+              <a:rPr lang="en-US" sz="1600"/>
+            </a:br>
+            <a:r>
+              <a:rPr lang="en-US" sz="1600"/>
+              <a:t>✅ Google HTTPS-i SEO üçün vacib faktor kimi qəbul edir.</a:t>
+            </a:r>
+          </a:p>
+          <a:p>
+            <a:pPr>
+              <a:buNone/>
+            </a:pPr>
+            <a:r>
+              <a:rPr lang="en-US" sz="1600"/>
+              <a:t>Məsələn: Bank saytlarında, e-ticarət səhifələrində HTTPS istifadə olunur ki, məlumatlar qorunsun.</a:t>
+            </a:r>
+          </a:p>
+          <a:p>
+            <a:pPr>
+              <a:buNone/>
+            </a:pPr>
+            <a:r>
+              <a:rPr lang="en-US" sz="1600" b="1"/>
+              <a:t>Fərq</a:t>
+            </a:r>
+            <a:r>
+              <a:rPr lang="en-US" sz="1600"/>
+              <a:t>:</a:t>
+            </a:r>
+          </a:p>
+          <a:p>
+            <a:pPr marL="285750" indent="-285750">
+              <a:buFont typeface="Arial" panose="020B0604020202020204" pitchFamily="34" charset="0"/>
+              <a:buChar char="•"/>
+            </a:pPr>
+            <a:r>
+              <a:rPr lang="en-US" sz="1600"/>
+              <a:t>HTTP – Açıq mətn kimi ötürülür, məlumat oğurlana bilər.</a:t>
+            </a:r>
+          </a:p>
+          <a:p>
+            <a:pPr marL="285750" indent="-285750">
+              <a:buFont typeface="Arial" panose="020B0604020202020204" pitchFamily="34" charset="0"/>
+              <a:buChar char="•"/>
+            </a:pPr>
+            <a:r>
+              <a:rPr lang="en-US" sz="1600"/>
+              <a:t>HTTPS – Şifrələnmişdir, təhlükəsizdir.</a:t>
+            </a:r>
+          </a:p>
+          <a:p>
+            <a:endParaRPr lang="en-US" sz="1600"/>
+          </a:p>
+        </p:txBody>
+      </p:sp>
+    </p:spTree>
+    <p:extLst>
+      <p:ext uri="{BB962C8B-B14F-4D97-AF65-F5344CB8AC3E}">
+        <p14:creationId xmlns:p14="http://schemas.microsoft.com/office/powerpoint/2010/main" val="1221866618"/>
+      </p:ext>
+    </p:extLst>
+  </p:cSld>
+  <p:clrMapOvr>
+    <a:masterClrMapping/>
+  </p:clrMapOvr>
+</p:sld>
+</file>
+
+<file path=ppt/slides/slide21.xml><?xml version="1.0" encoding="utf-8"?>
+<p:sld xmlns:a="http://schemas.openxmlformats.org/drawingml/2006/main" xmlns:r="http://schemas.openxmlformats.org/officeDocument/2006/relationships" xmlns:p="http://schemas.openxmlformats.org/presentationml/2006/main">
+  <p:cSld>
+    <p:spTree>
+      <p:nvGrpSpPr>
+        <p:cNvPr id="1" name="">
+          <a:extLst>
+            <a:ext uri="{FF2B5EF4-FFF2-40B4-BE49-F238E27FC236}">
+              <a16:creationId xmlns:a16="http://schemas.microsoft.com/office/drawing/2014/main" id="{6D80E1C0-C3E5-D11A-F9C3-A93A0B46688E}"/>
+            </a:ext>
+          </a:extLst>
+        </p:cNvPr>
+        <p:cNvGrpSpPr/>
+        <p:nvPr/>
+      </p:nvGrpSpPr>
+      <p:grpSpPr>
+        <a:xfrm>
+          <a:off x="0" y="0"/>
+          <a:ext cx="0" cy="0"/>
+          <a:chOff x="0" y="0"/>
+          <a:chExt cx="0" cy="0"/>
+        </a:xfrm>
+      </p:grpSpPr>
+      <p:sp>
+        <p:nvSpPr>
+          <p:cNvPr id="3" name="TextBox 2">
+            <a:extLst>
+              <a:ext uri="{FF2B5EF4-FFF2-40B4-BE49-F238E27FC236}">
+                <a16:creationId xmlns:a16="http://schemas.microsoft.com/office/drawing/2014/main" id="{6915120F-DD2E-422F-DF12-A2D2BB88448D}"/>
+              </a:ext>
+            </a:extLst>
+          </p:cNvPr>
+          <p:cNvSpPr txBox="1"/>
+          <p:nvPr/>
+        </p:nvSpPr>
+        <p:spPr>
+          <a:xfrm>
+            <a:off x="107004" y="158874"/>
+            <a:ext cx="11984477" cy="6494085"/>
+          </a:xfrm>
+          <a:prstGeom prst="rect">
+            <a:avLst/>
+          </a:prstGeom>
+          <a:noFill/>
+        </p:spPr>
+        <p:txBody>
+          <a:bodyPr wrap="square">
+            <a:spAutoFit/>
+          </a:bodyPr>
+          <a:lstStyle/>
+          <a:p>
+            <a:pPr>
+              <a:buNone/>
+            </a:pPr>
+            <a:r>
+              <a:rPr lang="en-US" sz="1300" b="1"/>
+              <a:t>📌 3. SSL nədir?</a:t>
+            </a:r>
+          </a:p>
+          <a:p>
+            <a:pPr>
+              <a:buNone/>
+            </a:pPr>
+            <a:r>
+              <a:rPr lang="en-US" sz="1300"/>
+              <a:t>🔹 SSL (Secure Sockets Layer) – İnternet üzərində məlumatları şifrələyən təhlükəsizlik protokoludur.</a:t>
+            </a:r>
+            <a:endParaRPr lang="az-Latn-AZ" sz="1300"/>
+          </a:p>
+          <a:p>
+            <a:pPr>
+              <a:buNone/>
+            </a:pPr>
+            <a:endParaRPr lang="en-US" sz="1300"/>
+          </a:p>
+          <a:p>
+            <a:pPr>
+              <a:buNone/>
+            </a:pPr>
+            <a:r>
+              <a:rPr lang="en-US" sz="1300" b="1"/>
+              <a:t>SSL-in əsas xüsusiyyətləri</a:t>
+            </a:r>
+            <a:endParaRPr lang="en-US" sz="1300"/>
+          </a:p>
+          <a:p>
+            <a:pPr>
+              <a:buNone/>
+            </a:pPr>
+            <a:r>
+              <a:rPr lang="en-US" sz="1300"/>
+              <a:t>✅ İstifadəçinin məlumatlarını qoruyur – məsələn, kart məlumatları, şifrələr.</a:t>
+            </a:r>
+            <a:br>
+              <a:rPr lang="en-US" sz="1300"/>
+            </a:br>
+            <a:r>
+              <a:rPr lang="en-US" sz="1300"/>
+              <a:t>✅ Brauzerlə server arasında təhlükəsiz əlaqə yaradır.</a:t>
+            </a:r>
+            <a:br>
+              <a:rPr lang="en-US" sz="1300"/>
+            </a:br>
+            <a:r>
+              <a:rPr lang="en-US" sz="1300"/>
+              <a:t>✅ Saytın həqiqiliyini təsdiq edir (SSL sertifikatı ilə).</a:t>
+            </a:r>
+            <a:endParaRPr lang="az-Latn-AZ" sz="1300"/>
+          </a:p>
+          <a:p>
+            <a:pPr>
+              <a:buNone/>
+            </a:pPr>
+            <a:endParaRPr lang="en-US" sz="1300"/>
+          </a:p>
+          <a:p>
+            <a:pPr>
+              <a:buNone/>
+            </a:pPr>
+            <a:r>
+              <a:rPr lang="en-US" sz="1300"/>
+              <a:t>📌 </a:t>
+            </a:r>
+            <a:r>
+              <a:rPr lang="en-US" sz="1300" b="1"/>
+              <a:t>Məsələn</a:t>
+            </a:r>
+            <a:r>
+              <a:rPr lang="en-US" sz="1300"/>
+              <a:t>: Bir sayt SSL sertifikatı alırsa, brauzer həmin saytı etibarlı kimi tanıyır. Əgər SSL yoxdursa, "Not Secure" (Təhlükəsiz deyil) xəbərdarlığı çıxır.</a:t>
+            </a:r>
+            <a:endParaRPr lang="az-Latn-AZ" sz="1300"/>
+          </a:p>
+          <a:p>
+            <a:pPr>
+              <a:buNone/>
+            </a:pPr>
+            <a:endParaRPr lang="en-US" sz="1300"/>
+          </a:p>
+          <a:p>
+            <a:pPr>
+              <a:buNone/>
+            </a:pPr>
+            <a:r>
+              <a:rPr lang="en-US" sz="1300"/>
+              <a:t>🚀 </a:t>
+            </a:r>
+            <a:r>
+              <a:rPr lang="en-US" sz="1300" b="1"/>
+              <a:t>SSL ilə HTTPS-in fərqi</a:t>
+            </a:r>
+            <a:r>
+              <a:rPr lang="en-US" sz="1300"/>
+              <a:t>:</a:t>
+            </a:r>
+          </a:p>
+          <a:p>
+            <a:pPr marL="285750" indent="-285750">
+              <a:buFont typeface="Arial" panose="020B0604020202020204" pitchFamily="34" charset="0"/>
+              <a:buChar char="•"/>
+            </a:pPr>
+            <a:r>
+              <a:rPr lang="en-US" sz="1300"/>
+              <a:t>HTTPS – SSL və ya TLS protokolu ilə işləyən təhlükəsiz HTTP-dir.</a:t>
+            </a:r>
+          </a:p>
+          <a:p>
+            <a:pPr marL="285750" indent="-285750">
+              <a:buFont typeface="Arial" panose="020B0604020202020204" pitchFamily="34" charset="0"/>
+              <a:buChar char="•"/>
+            </a:pPr>
+            <a:r>
+              <a:rPr lang="en-US" sz="1300"/>
+              <a:t>SSL – HTTPS-i mümkün edən texnologiyadır.</a:t>
+            </a:r>
+            <a:endParaRPr lang="az-Latn-AZ" sz="1300"/>
+          </a:p>
+          <a:p>
+            <a:pPr marL="285750" indent="-285750">
+              <a:buFont typeface="Arial" panose="020B0604020202020204" pitchFamily="34" charset="0"/>
+              <a:buChar char="•"/>
+            </a:pPr>
+            <a:endParaRPr lang="az-Latn-AZ" sz="1300"/>
+          </a:p>
+          <a:p>
+            <a:pPr marL="285750" indent="-285750">
+              <a:buFont typeface="Arial" panose="020B0604020202020204" pitchFamily="34" charset="0"/>
+              <a:buChar char="•"/>
+            </a:pPr>
+            <a:endParaRPr lang="az-Latn-AZ" sz="1300"/>
+          </a:p>
+          <a:p>
+            <a:pPr marL="285750" indent="-285750">
+              <a:buFont typeface="Arial" panose="020B0604020202020204" pitchFamily="34" charset="0"/>
+              <a:buChar char="•"/>
+            </a:pPr>
+            <a:endParaRPr lang="az-Latn-AZ" sz="1300"/>
+          </a:p>
+          <a:p>
+            <a:pPr marL="285750" indent="-285750">
+              <a:buFont typeface="Arial" panose="020B0604020202020204" pitchFamily="34" charset="0"/>
+              <a:buChar char="•"/>
+            </a:pPr>
+            <a:endParaRPr lang="az-Latn-AZ" sz="1300"/>
+          </a:p>
+          <a:p>
+            <a:pPr marL="285750" indent="-285750">
+              <a:buFont typeface="Arial" panose="020B0604020202020204" pitchFamily="34" charset="0"/>
+              <a:buChar char="•"/>
+            </a:pPr>
+            <a:endParaRPr lang="az-Latn-AZ" sz="1300"/>
+          </a:p>
+          <a:p>
+            <a:pPr>
+              <a:buNone/>
+            </a:pPr>
+            <a:r>
+              <a:rPr lang="en-US" sz="1300" b="1"/>
+              <a:t>📌 4. TLS nədir?</a:t>
+            </a:r>
+          </a:p>
+          <a:p>
+            <a:pPr>
+              <a:buNone/>
+            </a:pPr>
+            <a:r>
+              <a:rPr lang="en-US" sz="1300"/>
+              <a:t>🔹 TLS (Transport Layer Security) – SSL-in daha müasir və daha təhlükəsiz versiyasıdır.</a:t>
+            </a:r>
+            <a:endParaRPr lang="az-Latn-AZ" sz="1300"/>
+          </a:p>
+          <a:p>
+            <a:pPr>
+              <a:buNone/>
+            </a:pPr>
+            <a:endParaRPr lang="en-US" sz="1300"/>
+          </a:p>
+          <a:p>
+            <a:pPr>
+              <a:buNone/>
+            </a:pPr>
+            <a:r>
+              <a:rPr lang="en-US" sz="1300" b="1"/>
+              <a:t>TLS-in əsas xüsusiyyətləri</a:t>
+            </a:r>
+          </a:p>
+          <a:p>
+            <a:pPr>
+              <a:buNone/>
+            </a:pPr>
+            <a:r>
+              <a:rPr lang="en-US" sz="1300"/>
+              <a:t>✅ SSL-in yerini almışdır, çünki daha təhlükəsizdir.</a:t>
+            </a:r>
+            <a:br>
+              <a:rPr lang="en-US" sz="1300"/>
+            </a:br>
+            <a:r>
+              <a:rPr lang="en-US" sz="1300"/>
+              <a:t>✅ Məlumatların məxfiliyini və bütövlüyünü qoruyur.</a:t>
+            </a:r>
+            <a:br>
+              <a:rPr lang="en-US" sz="1300"/>
+            </a:br>
+            <a:r>
+              <a:rPr lang="en-US" sz="1300"/>
+              <a:t>✅ Müasir HTTPS bağlantılarında əsasən TLS istifadə olunur, SSL isə artıq köhnəlib.</a:t>
+            </a:r>
+            <a:endParaRPr lang="az-Latn-AZ" sz="1300"/>
+          </a:p>
+          <a:p>
+            <a:pPr>
+              <a:buNone/>
+            </a:pPr>
+            <a:endParaRPr lang="en-US" sz="1300"/>
+          </a:p>
+          <a:p>
+            <a:pPr>
+              <a:buNone/>
+            </a:pPr>
+            <a:r>
+              <a:rPr lang="en-US" sz="1300"/>
+              <a:t>📌 </a:t>
+            </a:r>
+            <a:r>
+              <a:rPr lang="en-US" sz="1300" b="1"/>
+              <a:t>Məsələn</a:t>
+            </a:r>
+            <a:r>
+              <a:rPr lang="en-US" sz="1300"/>
+              <a:t>: Hazırda HTTPS bağlantıları əsasən TLS 1.2 və TLS 1.3 üzərindən qurulur. SSL artıq istifadə edilmir.</a:t>
+            </a:r>
+            <a:endParaRPr lang="az-Latn-AZ" sz="1300"/>
+          </a:p>
+          <a:p>
+            <a:pPr>
+              <a:buNone/>
+            </a:pPr>
+            <a:endParaRPr lang="en-US" sz="1300"/>
+          </a:p>
+          <a:p>
+            <a:pPr>
+              <a:buNone/>
+            </a:pPr>
+            <a:r>
+              <a:rPr lang="en-US" sz="1300"/>
+              <a:t>🚀 </a:t>
+            </a:r>
+            <a:r>
+              <a:rPr lang="en-US" sz="1300" b="1"/>
+              <a:t>SSL ilə TLS-in fərqi</a:t>
+            </a:r>
+            <a:r>
+              <a:rPr lang="en-US" sz="1300"/>
+              <a:t>:</a:t>
+            </a:r>
+          </a:p>
+          <a:p>
+            <a:pPr marL="285750" indent="-285750">
+              <a:buFont typeface="Arial" panose="020B0604020202020204" pitchFamily="34" charset="0"/>
+              <a:buChar char="•"/>
+            </a:pPr>
+            <a:r>
+              <a:rPr lang="en-US" sz="1300"/>
+              <a:t>SSL – Köhnə texnologiyadır, bəzi zəiflikləri var.</a:t>
+            </a:r>
+          </a:p>
+          <a:p>
+            <a:pPr marL="285750" indent="-285750">
+              <a:buFont typeface="Arial" panose="020B0604020202020204" pitchFamily="34" charset="0"/>
+              <a:buChar char="•"/>
+            </a:pPr>
+            <a:r>
+              <a:rPr lang="en-US" sz="1300"/>
+              <a:t>TLS – Daha müasir və təhlükəsizdir.</a:t>
+            </a:r>
+          </a:p>
+          <a:p>
+            <a:endParaRPr lang="en-US" sz="1300"/>
+          </a:p>
+        </p:txBody>
+      </p:sp>
+    </p:spTree>
+    <p:extLst>
+      <p:ext uri="{BB962C8B-B14F-4D97-AF65-F5344CB8AC3E}">
+        <p14:creationId xmlns:p14="http://schemas.microsoft.com/office/powerpoint/2010/main" val="981633046"/>
+      </p:ext>
+    </p:extLst>
+  </p:cSld>
+  <p:clrMapOvr>
+    <a:masterClrMapping/>
+  </p:clrMapOvr>
+</p:sld>
+</file>
+
+<file path=ppt/slides/slide22.xml><?xml version="1.0" encoding="utf-8"?>
+<p:sld xmlns:a="http://schemas.openxmlformats.org/drawingml/2006/main" xmlns:r="http://schemas.openxmlformats.org/officeDocument/2006/relationships" xmlns:p="http://schemas.openxmlformats.org/presentationml/2006/main">
+  <p:cSld>
+    <p:spTree>
+      <p:nvGrpSpPr>
+        <p:cNvPr id="1" name="">
+          <a:extLst>
+            <a:ext uri="{FF2B5EF4-FFF2-40B4-BE49-F238E27FC236}">
+              <a16:creationId xmlns:a16="http://schemas.microsoft.com/office/drawing/2014/main" id="{BE881AD4-2176-D39E-0452-3D10F74ACF56}"/>
+            </a:ext>
+          </a:extLst>
+        </p:cNvPr>
+        <p:cNvGrpSpPr/>
+        <p:nvPr/>
+      </p:nvGrpSpPr>
+      <p:grpSpPr>
+        <a:xfrm>
+          <a:off x="0" y="0"/>
+          <a:ext cx="0" cy="0"/>
+          <a:chOff x="0" y="0"/>
+          <a:chExt cx="0" cy="0"/>
+        </a:xfrm>
+      </p:grpSpPr>
+      <p:sp>
+        <p:nvSpPr>
+          <p:cNvPr id="3" name="TextBox 2">
+            <a:extLst>
+              <a:ext uri="{FF2B5EF4-FFF2-40B4-BE49-F238E27FC236}">
+                <a16:creationId xmlns:a16="http://schemas.microsoft.com/office/drawing/2014/main" id="{BD9D8ED9-BD90-3507-1C30-4813BA694405}"/>
+              </a:ext>
+            </a:extLst>
+          </p:cNvPr>
+          <p:cNvSpPr txBox="1"/>
+          <p:nvPr/>
+        </p:nvSpPr>
+        <p:spPr>
+          <a:xfrm>
+            <a:off x="107004" y="158874"/>
             <a:ext cx="11984477" cy="584775"/>
           </a:xfrm>
           <a:prstGeom prst="rect">
@@ -5526,10 +10726,277 @@
           </a:p>
         </p:txBody>
       </p:sp>
+      <p:pic>
+        <p:nvPicPr>
+          <p:cNvPr id="4" name="Picture 3">
+            <a:extLst>
+              <a:ext uri="{FF2B5EF4-FFF2-40B4-BE49-F238E27FC236}">
+                <a16:creationId xmlns:a16="http://schemas.microsoft.com/office/drawing/2014/main" id="{EEED2290-B3E1-124C-5DB2-75962CC31C81}"/>
+              </a:ext>
+            </a:extLst>
+          </p:cNvPr>
+          <p:cNvPicPr>
+            <a:picLocks noChangeAspect="1"/>
+          </p:cNvPicPr>
+          <p:nvPr/>
+        </p:nvPicPr>
+        <p:blipFill>
+          <a:blip r:embed="rId3">
+            <a:extLst>
+              <a:ext uri="{28A0092B-C50C-407E-A947-70E740481C1C}">
+                <a14:useLocalDpi xmlns:a14="http://schemas.microsoft.com/office/drawing/2010/main" val="0"/>
+              </a:ext>
+            </a:extLst>
+          </a:blip>
+          <a:stretch>
+            <a:fillRect/>
+          </a:stretch>
+        </p:blipFill>
+        <p:spPr>
+          <a:xfrm>
+            <a:off x="2404547" y="1547550"/>
+            <a:ext cx="7382905" cy="3762900"/>
+          </a:xfrm>
+          <a:prstGeom prst="rect">
+            <a:avLst/>
+          </a:prstGeom>
+        </p:spPr>
+      </p:pic>
     </p:spTree>
     <p:extLst>
       <p:ext uri="{BB962C8B-B14F-4D97-AF65-F5344CB8AC3E}">
-        <p14:creationId xmlns:p14="http://schemas.microsoft.com/office/powerpoint/2010/main" val="3062035729"/>
+        <p14:creationId xmlns:p14="http://schemas.microsoft.com/office/powerpoint/2010/main" val="2963482079"/>
+      </p:ext>
+    </p:extLst>
+  </p:cSld>
+  <p:clrMapOvr>
+    <a:masterClrMapping/>
+  </p:clrMapOvr>
+</p:sld>
+</file>
+
+<file path=ppt/slides/slide23.xml><?xml version="1.0" encoding="utf-8"?>
+<p:sld xmlns:a="http://schemas.openxmlformats.org/drawingml/2006/main" xmlns:r="http://schemas.openxmlformats.org/officeDocument/2006/relationships" xmlns:p="http://schemas.openxmlformats.org/presentationml/2006/main">
+  <p:cSld>
+    <p:spTree>
+      <p:nvGrpSpPr>
+        <p:cNvPr id="1" name="">
+          <a:extLst>
+            <a:ext uri="{FF2B5EF4-FFF2-40B4-BE49-F238E27FC236}">
+              <a16:creationId xmlns:a16="http://schemas.microsoft.com/office/drawing/2014/main" id="{20952295-AD52-03CE-BB27-73F53CCB795B}"/>
+            </a:ext>
+          </a:extLst>
+        </p:cNvPr>
+        <p:cNvGrpSpPr/>
+        <p:nvPr/>
+      </p:nvGrpSpPr>
+      <p:grpSpPr>
+        <a:xfrm>
+          <a:off x="0" y="0"/>
+          <a:ext cx="0" cy="0"/>
+          <a:chOff x="0" y="0"/>
+          <a:chExt cx="0" cy="0"/>
+        </a:xfrm>
+      </p:grpSpPr>
+      <p:sp>
+        <p:nvSpPr>
+          <p:cNvPr id="3" name="TextBox 2">
+            <a:extLst>
+              <a:ext uri="{FF2B5EF4-FFF2-40B4-BE49-F238E27FC236}">
+                <a16:creationId xmlns:a16="http://schemas.microsoft.com/office/drawing/2014/main" id="{D702B490-C97B-A512-468F-E2E26D1C45A4}"/>
+              </a:ext>
+            </a:extLst>
+          </p:cNvPr>
+          <p:cNvSpPr txBox="1"/>
+          <p:nvPr/>
+        </p:nvSpPr>
+        <p:spPr>
+          <a:xfrm>
+            <a:off x="107004" y="158874"/>
+            <a:ext cx="11984477" cy="584775"/>
+          </a:xfrm>
+          <a:prstGeom prst="rect">
+            <a:avLst/>
+          </a:prstGeom>
+          <a:noFill/>
+        </p:spPr>
+        <p:txBody>
+          <a:bodyPr wrap="square">
+            <a:spAutoFit/>
+          </a:bodyPr>
+          <a:lstStyle/>
+          <a:p>
+            <a:r>
+              <a:rPr lang="ru-RU" sz="1600"/>
+              <a:t>.</a:t>
+            </a:r>
+          </a:p>
+          <a:p>
+            <a:pPr>
+              <a:buNone/>
+            </a:pPr>
+            <a:endParaRPr lang="en-US" sz="1600"/>
+          </a:p>
+        </p:txBody>
+      </p:sp>
+    </p:spTree>
+    <p:extLst>
+      <p:ext uri="{BB962C8B-B14F-4D97-AF65-F5344CB8AC3E}">
+        <p14:creationId xmlns:p14="http://schemas.microsoft.com/office/powerpoint/2010/main" val="4176789857"/>
+      </p:ext>
+    </p:extLst>
+  </p:cSld>
+  <p:clrMapOvr>
+    <a:masterClrMapping/>
+  </p:clrMapOvr>
+</p:sld>
+</file>
+
+<file path=ppt/slides/slide24.xml><?xml version="1.0" encoding="utf-8"?>
+<p:sld xmlns:a="http://schemas.openxmlformats.org/drawingml/2006/main" xmlns:r="http://schemas.openxmlformats.org/officeDocument/2006/relationships" xmlns:p="http://schemas.openxmlformats.org/presentationml/2006/main">
+  <p:cSld>
+    <p:spTree>
+      <p:nvGrpSpPr>
+        <p:cNvPr id="1" name="">
+          <a:extLst>
+            <a:ext uri="{FF2B5EF4-FFF2-40B4-BE49-F238E27FC236}">
+              <a16:creationId xmlns:a16="http://schemas.microsoft.com/office/drawing/2014/main" id="{9A3AFA87-9A31-5F51-F66D-6B2CC5146CB1}"/>
+            </a:ext>
+          </a:extLst>
+        </p:cNvPr>
+        <p:cNvGrpSpPr/>
+        <p:nvPr/>
+      </p:nvGrpSpPr>
+      <p:grpSpPr>
+        <a:xfrm>
+          <a:off x="0" y="0"/>
+          <a:ext cx="0" cy="0"/>
+          <a:chOff x="0" y="0"/>
+          <a:chExt cx="0" cy="0"/>
+        </a:xfrm>
+      </p:grpSpPr>
+      <p:sp>
+        <p:nvSpPr>
+          <p:cNvPr id="3" name="TextBox 2">
+            <a:extLst>
+              <a:ext uri="{FF2B5EF4-FFF2-40B4-BE49-F238E27FC236}">
+                <a16:creationId xmlns:a16="http://schemas.microsoft.com/office/drawing/2014/main" id="{AABFBE08-A58E-42E8-08F6-6E565AD51706}"/>
+              </a:ext>
+            </a:extLst>
+          </p:cNvPr>
+          <p:cNvSpPr txBox="1"/>
+          <p:nvPr/>
+        </p:nvSpPr>
+        <p:spPr>
+          <a:xfrm>
+            <a:off x="107004" y="158874"/>
+            <a:ext cx="11984477" cy="584775"/>
+          </a:xfrm>
+          <a:prstGeom prst="rect">
+            <a:avLst/>
+          </a:prstGeom>
+          <a:noFill/>
+        </p:spPr>
+        <p:txBody>
+          <a:bodyPr wrap="square">
+            <a:spAutoFit/>
+          </a:bodyPr>
+          <a:lstStyle/>
+          <a:p>
+            <a:r>
+              <a:rPr lang="ru-RU" sz="1600"/>
+              <a:t>.</a:t>
+            </a:r>
+          </a:p>
+          <a:p>
+            <a:pPr>
+              <a:buNone/>
+            </a:pPr>
+            <a:endParaRPr lang="en-US" sz="1600"/>
+          </a:p>
+        </p:txBody>
+      </p:sp>
+    </p:spTree>
+    <p:extLst>
+      <p:ext uri="{BB962C8B-B14F-4D97-AF65-F5344CB8AC3E}">
+        <p14:creationId xmlns:p14="http://schemas.microsoft.com/office/powerpoint/2010/main" val="2354209837"/>
+      </p:ext>
+    </p:extLst>
+  </p:cSld>
+  <p:clrMapOvr>
+    <a:masterClrMapping/>
+  </p:clrMapOvr>
+</p:sld>
+</file>
+
+<file path=ppt/slides/slide25.xml><?xml version="1.0" encoding="utf-8"?>
+<p:sld xmlns:a="http://schemas.openxmlformats.org/drawingml/2006/main" xmlns:r="http://schemas.openxmlformats.org/officeDocument/2006/relationships" xmlns:p="http://schemas.openxmlformats.org/presentationml/2006/main">
+  <p:cSld>
+    <p:spTree>
+      <p:nvGrpSpPr>
+        <p:cNvPr id="1" name="">
+          <a:extLst>
+            <a:ext uri="{FF2B5EF4-FFF2-40B4-BE49-F238E27FC236}">
+              <a16:creationId xmlns:a16="http://schemas.microsoft.com/office/drawing/2014/main" id="{E38CC0B6-3DFE-D283-E021-1321B2A54821}"/>
+            </a:ext>
+          </a:extLst>
+        </p:cNvPr>
+        <p:cNvGrpSpPr/>
+        <p:nvPr/>
+      </p:nvGrpSpPr>
+      <p:grpSpPr>
+        <a:xfrm>
+          <a:off x="0" y="0"/>
+          <a:ext cx="0" cy="0"/>
+          <a:chOff x="0" y="0"/>
+          <a:chExt cx="0" cy="0"/>
+        </a:xfrm>
+      </p:grpSpPr>
+      <p:sp>
+        <p:nvSpPr>
+          <p:cNvPr id="3" name="TextBox 2">
+            <a:extLst>
+              <a:ext uri="{FF2B5EF4-FFF2-40B4-BE49-F238E27FC236}">
+                <a16:creationId xmlns:a16="http://schemas.microsoft.com/office/drawing/2014/main" id="{23B62CB1-3905-15CD-BB8B-B8F00D5508EF}"/>
+              </a:ext>
+            </a:extLst>
+          </p:cNvPr>
+          <p:cNvSpPr txBox="1"/>
+          <p:nvPr/>
+        </p:nvSpPr>
+        <p:spPr>
+          <a:xfrm>
+            <a:off x="107004" y="158874"/>
+            <a:ext cx="11984477" cy="584775"/>
+          </a:xfrm>
+          <a:prstGeom prst="rect">
+            <a:avLst/>
+          </a:prstGeom>
+          <a:noFill/>
+        </p:spPr>
+        <p:txBody>
+          <a:bodyPr wrap="square">
+            <a:spAutoFit/>
+          </a:bodyPr>
+          <a:lstStyle/>
+          <a:p>
+            <a:r>
+              <a:rPr lang="ru-RU" sz="1600"/>
+              <a:t>.</a:t>
+            </a:r>
+          </a:p>
+          <a:p>
+            <a:pPr>
+              <a:buNone/>
+            </a:pPr>
+            <a:endParaRPr lang="en-US" sz="1600"/>
+          </a:p>
+        </p:txBody>
+      </p:sp>
+    </p:spTree>
+    <p:extLst>
+      <p:ext uri="{BB962C8B-B14F-4D97-AF65-F5344CB8AC3E}">
+        <p14:creationId xmlns:p14="http://schemas.microsoft.com/office/powerpoint/2010/main" val="929282240"/>
       </p:ext>
     </p:extLst>
   </p:cSld>
@@ -5577,7 +11044,7 @@
         <p:spPr>
           <a:xfrm>
             <a:off x="107004" y="158874"/>
-            <a:ext cx="11984477" cy="584775"/>
+            <a:ext cx="11984477" cy="3308598"/>
           </a:xfrm>
           <a:prstGeom prst="rect">
             <a:avLst/>
@@ -5590,19 +11057,205 @@
           </a:bodyPr>
           <a:lstStyle/>
           <a:p>
-            <a:r>
-              <a:rPr lang="ru-RU" sz="1600"/>
-              <a:t>.</a:t>
-            </a:r>
-          </a:p>
-          <a:p>
             <a:pPr>
               <a:buNone/>
             </a:pPr>
-            <a:endParaRPr lang="en-US" sz="1600"/>
+            <a:r>
+              <a:rPr lang="en-US" sz="1300" b="1"/>
+              <a:t>3️⃣ HTTP Başlıqları (Headers) - </a:t>
+            </a:r>
+            <a:r>
+              <a:rPr lang="en-US" sz="1300"/>
+              <a:t>Başlıqlar sorğunun əlavə məlumatlarını ehtiva edir.</a:t>
+            </a:r>
+          </a:p>
+          <a:p>
+            <a:pPr>
+              <a:buNone/>
+            </a:pPr>
+            <a:endParaRPr lang="en-US" sz="1300"/>
+          </a:p>
+          <a:p>
+            <a:r>
+              <a:rPr lang="en-US" sz="1300"/>
+              <a:t>Misal:</a:t>
+            </a:r>
+          </a:p>
+          <a:p>
+            <a:r>
+              <a:rPr lang="en-US" sz="1300" b="1"/>
+              <a:t>User-Agent: Mozilla/5.0</a:t>
+            </a:r>
+          </a:p>
+          <a:p>
+            <a:r>
+              <a:rPr lang="en-US" sz="1300" b="1"/>
+              <a:t>Accept-Language: az</a:t>
+            </a:r>
+          </a:p>
+          <a:p>
+            <a:endParaRPr lang="en-US" sz="1300"/>
+          </a:p>
+          <a:p>
+            <a:pPr marL="285750" marR="0" lvl="0" indent="-285750" algn="l" defTabSz="914400" rtl="0" eaLnBrk="0" fontAlgn="base" latinLnBrk="0" hangingPunct="0">
+              <a:lnSpc>
+                <a:spcPct val="100000"/>
+              </a:lnSpc>
+              <a:spcBef>
+                <a:spcPct val="0"/>
+              </a:spcBef>
+              <a:spcAft>
+                <a:spcPct val="0"/>
+              </a:spcAft>
+              <a:buClrTx/>
+              <a:buSzTx/>
+              <a:buFont typeface="Arial" panose="020B0604020202020204" pitchFamily="34" charset="0"/>
+              <a:buChar char="•"/>
+              <a:tabLst/>
+            </a:pPr>
+            <a:r>
+              <a:rPr kumimoji="0" lang="en-US" altLang="en-US" sz="1300" b="1" i="0" u="none" strike="noStrike" cap="none" normalizeH="0" baseline="0">
+                <a:ln>
+                  <a:noFill/>
+                </a:ln>
+                <a:solidFill>
+                  <a:schemeClr val="tx1"/>
+                </a:solidFill>
+                <a:effectLst/>
+                <a:latin typeface="Arial" panose="020B0604020202020204" pitchFamily="34" charset="0"/>
+              </a:rPr>
+              <a:t>User-Agent</a:t>
+            </a:r>
+            <a:r>
+              <a:rPr kumimoji="0" lang="en-US" altLang="en-US" sz="1300" b="0" i="0" u="none" strike="noStrike" cap="none" normalizeH="0" baseline="0">
+                <a:ln>
+                  <a:noFill/>
+                </a:ln>
+                <a:solidFill>
+                  <a:schemeClr val="tx1"/>
+                </a:solidFill>
+                <a:effectLst/>
+                <a:latin typeface="Arial" panose="020B0604020202020204" pitchFamily="34" charset="0"/>
+              </a:rPr>
+              <a:t> 	→ İstifadəçinin brauzer məlumatlarını göstərir.</a:t>
+            </a:r>
+          </a:p>
+          <a:p>
+            <a:pPr marL="285750" marR="0" lvl="0" indent="-285750" algn="l" defTabSz="914400" rtl="0" eaLnBrk="0" fontAlgn="base" latinLnBrk="0" hangingPunct="0">
+              <a:lnSpc>
+                <a:spcPct val="100000"/>
+              </a:lnSpc>
+              <a:spcBef>
+                <a:spcPct val="0"/>
+              </a:spcBef>
+              <a:spcAft>
+                <a:spcPct val="0"/>
+              </a:spcAft>
+              <a:buClrTx/>
+              <a:buSzTx/>
+              <a:buFont typeface="Arial" panose="020B0604020202020204" pitchFamily="34" charset="0"/>
+              <a:buChar char="•"/>
+              <a:tabLst/>
+            </a:pPr>
+            <a:r>
+              <a:rPr kumimoji="0" lang="en-US" altLang="en-US" sz="1300" b="1" i="0" u="none" strike="noStrike" cap="none" normalizeH="0" baseline="0">
+                <a:ln>
+                  <a:noFill/>
+                </a:ln>
+                <a:solidFill>
+                  <a:schemeClr val="tx1"/>
+                </a:solidFill>
+                <a:effectLst/>
+                <a:latin typeface="Arial" panose="020B0604020202020204" pitchFamily="34" charset="0"/>
+              </a:rPr>
+              <a:t>Accept-Language</a:t>
+            </a:r>
+            <a:r>
+              <a:rPr kumimoji="0" lang="en-US" altLang="en-US" sz="1300" b="0" i="0" u="none" strike="noStrike" cap="none" normalizeH="0" baseline="0">
+                <a:ln>
+                  <a:noFill/>
+                </a:ln>
+                <a:solidFill>
+                  <a:schemeClr val="tx1"/>
+                </a:solidFill>
+                <a:effectLst/>
+                <a:latin typeface="Arial" panose="020B0604020202020204" pitchFamily="34" charset="0"/>
+              </a:rPr>
+              <a:t> 	→ İstifadəçinin dil seçimlərini bildirir.</a:t>
+            </a:r>
+          </a:p>
+          <a:p>
+            <a:endParaRPr lang="en-US" sz="1300"/>
+          </a:p>
+          <a:p>
+            <a:endParaRPr lang="en-US" sz="1300"/>
+          </a:p>
+          <a:p>
+            <a:endParaRPr lang="en-US" sz="1300"/>
+          </a:p>
+          <a:p>
+            <a:endParaRPr lang="en-US" sz="1300"/>
+          </a:p>
+          <a:p>
+            <a:endParaRPr lang="en-US" sz="1300"/>
+          </a:p>
+          <a:p>
+            <a:endParaRPr lang="en-US" sz="1300"/>
+          </a:p>
+          <a:p>
+            <a:pPr>
+              <a:buNone/>
+            </a:pPr>
+            <a:r>
+              <a:rPr lang="en-US" sz="1400" b="1"/>
+              <a:t>4️⃣ Boş sətir (Empty Line) - </a:t>
+            </a:r>
+            <a:r>
+              <a:rPr lang="en-US" sz="1400"/>
+              <a:t>HTTP başlıqları və sorğu gövdəsi arasında boş sətir olur.</a:t>
+            </a:r>
+          </a:p>
+          <a:p>
+            <a:endParaRPr lang="en-US" sz="1300"/>
           </a:p>
         </p:txBody>
       </p:sp>
+      <p:pic>
+        <p:nvPicPr>
+          <p:cNvPr id="6" name="Graphic 5">
+            <a:extLst>
+              <a:ext uri="{FF2B5EF4-FFF2-40B4-BE49-F238E27FC236}">
+                <a16:creationId xmlns:a16="http://schemas.microsoft.com/office/drawing/2014/main" id="{CDB23C7E-6AD3-3E29-D56F-ECA3D1F4F255}"/>
+              </a:ext>
+            </a:extLst>
+          </p:cNvPr>
+          <p:cNvPicPr>
+            <a:picLocks noChangeAspect="1"/>
+          </p:cNvPicPr>
+          <p:nvPr/>
+        </p:nvPicPr>
+        <p:blipFill>
+          <a:blip r:embed="rId3">
+            <a:extLst>
+              <a:ext uri="{96DAC541-7B7A-43D3-8B79-37D633B846F1}">
+                <asvg:svgBlip xmlns:asvg="http://schemas.microsoft.com/office/drawing/2016/SVG/main" r:embed="rId4"/>
+              </a:ext>
+            </a:extLst>
+          </a:blip>
+          <a:stretch>
+            <a:fillRect/>
+          </a:stretch>
+        </p:blipFill>
+        <p:spPr>
+          <a:xfrm>
+            <a:off x="2022800" y="3813051"/>
+            <a:ext cx="7810500" cy="2886075"/>
+          </a:xfrm>
+          <a:prstGeom prst="rect">
+            <a:avLst/>
+          </a:prstGeom>
+        </p:spPr>
+      </p:pic>
     </p:spTree>
     <p:extLst>
       <p:ext uri="{BB962C8B-B14F-4D97-AF65-F5344CB8AC3E}">
@@ -5617,6 +11270,1588 @@
 </file>
 
 <file path=ppt/slides/slide4.xml><?xml version="1.0" encoding="utf-8"?>
+<p:sld xmlns:a="http://schemas.openxmlformats.org/drawingml/2006/main" xmlns:r="http://schemas.openxmlformats.org/officeDocument/2006/relationships" xmlns:p="http://schemas.openxmlformats.org/presentationml/2006/main">
+  <p:cSld>
+    <p:spTree>
+      <p:nvGrpSpPr>
+        <p:cNvPr id="1" name="">
+          <a:extLst>
+            <a:ext uri="{FF2B5EF4-FFF2-40B4-BE49-F238E27FC236}">
+              <a16:creationId xmlns:a16="http://schemas.microsoft.com/office/drawing/2014/main" id="{1DBFD1B6-4A24-11AE-DFD7-44F3DBFFBFC0}"/>
+            </a:ext>
+          </a:extLst>
+        </p:cNvPr>
+        <p:cNvGrpSpPr/>
+        <p:nvPr/>
+      </p:nvGrpSpPr>
+      <p:grpSpPr>
+        <a:xfrm>
+          <a:off x="0" y="0"/>
+          <a:ext cx="0" cy="0"/>
+          <a:chOff x="0" y="0"/>
+          <a:chExt cx="0" cy="0"/>
+        </a:xfrm>
+      </p:grpSpPr>
+      <p:sp>
+        <p:nvSpPr>
+          <p:cNvPr id="3" name="TextBox 2">
+            <a:extLst>
+              <a:ext uri="{FF2B5EF4-FFF2-40B4-BE49-F238E27FC236}">
+                <a16:creationId xmlns:a16="http://schemas.microsoft.com/office/drawing/2014/main" id="{042DFBE9-B9B2-91AD-103D-813ECC522326}"/>
+              </a:ext>
+            </a:extLst>
+          </p:cNvPr>
+          <p:cNvSpPr txBox="1"/>
+          <p:nvPr/>
+        </p:nvSpPr>
+        <p:spPr>
+          <a:xfrm>
+            <a:off x="107004" y="158874"/>
+            <a:ext cx="11984477" cy="3293209"/>
+          </a:xfrm>
+          <a:prstGeom prst="rect">
+            <a:avLst/>
+          </a:prstGeom>
+          <a:noFill/>
+        </p:spPr>
+        <p:txBody>
+          <a:bodyPr wrap="square">
+            <a:spAutoFit/>
+          </a:bodyPr>
+          <a:lstStyle/>
+          <a:p>
+            <a:pPr>
+              <a:buNone/>
+            </a:pPr>
+            <a:r>
+              <a:rPr lang="en-US" sz="1600" b="1"/>
+              <a:t>HTTP Headers (HTTP başlıqları)</a:t>
+            </a:r>
+          </a:p>
+          <a:p>
+            <a:pPr>
+              <a:buNone/>
+            </a:pPr>
+            <a:endParaRPr lang="en-US" sz="1600" b="1"/>
+          </a:p>
+          <a:p>
+            <a:pPr>
+              <a:buNone/>
+            </a:pPr>
+            <a:r>
+              <a:rPr lang="en-US" sz="1600"/>
+              <a:t>Başlıqlar (headers) – serverə və brauzerə vacib məlumat </a:t>
+            </a:r>
+            <a:r>
+              <a:rPr lang="az-Latn-AZ" sz="1600"/>
+              <a:t>göndərən</a:t>
+            </a:r>
+            <a:r>
+              <a:rPr lang="en-US" sz="1600"/>
+              <a:t> hissədir. Başlıqlar həm sorğularda (</a:t>
+            </a:r>
+            <a:r>
+              <a:rPr lang="en-US" sz="1600" b="1"/>
+              <a:t>request</a:t>
+            </a:r>
+            <a:r>
+              <a:rPr lang="en-US" sz="1600"/>
+              <a:t>), həm də cavablarda (</a:t>
+            </a:r>
+            <a:r>
+              <a:rPr lang="en-US" sz="1600" b="1"/>
+              <a:t>response</a:t>
+            </a:r>
+            <a:r>
+              <a:rPr lang="en-US" sz="1600"/>
+              <a:t>) mövcuddur.</a:t>
+            </a:r>
+          </a:p>
+          <a:p>
+            <a:pPr>
+              <a:buNone/>
+            </a:pPr>
+            <a:endParaRPr lang="en-US" sz="1600"/>
+          </a:p>
+          <a:p>
+            <a:r>
+              <a:rPr lang="en-US" sz="1600"/>
+              <a:t>Başlıqlar əsasən serverə hansı məlumatları qəbul edə biləcəyimizi, hansı dili üstün tutduğumuzu və hansı şifrələmə növlərini dəstəklədiyimizi</a:t>
+            </a:r>
+            <a:r>
+              <a:rPr lang="az-Latn-AZ" sz="1600"/>
+              <a:t> və.s </a:t>
+            </a:r>
+            <a:r>
+              <a:rPr lang="en-US" sz="1600"/>
+              <a:t> bildirir.</a:t>
+            </a:r>
+            <a:endParaRPr lang="az-Latn-AZ" sz="1600"/>
+          </a:p>
+          <a:p>
+            <a:endParaRPr lang="az-Latn-AZ" sz="1600"/>
+          </a:p>
+          <a:p>
+            <a:pPr>
+              <a:buNone/>
+            </a:pPr>
+            <a:r>
+              <a:rPr lang="en-US" sz="1600" b="1"/>
+              <a:t>🔹 HTTP başlıqlarının əsas xüsusiyyətləri</a:t>
+            </a:r>
+          </a:p>
+          <a:p>
+            <a:r>
+              <a:rPr lang="en-US" sz="1600"/>
+              <a:t>✅ Server və brauzer üçün əlavə informasiya verir.</a:t>
+            </a:r>
+            <a:br>
+              <a:rPr lang="en-US" sz="1600"/>
+            </a:br>
+            <a:r>
+              <a:rPr lang="en-US" sz="1600"/>
+              <a:t>✅ Hem sorğuda (request), həm də cavabda (response) ola bilər.</a:t>
+            </a:r>
+            <a:br>
+              <a:rPr lang="en-US" sz="1600"/>
+            </a:br>
+            <a:r>
+              <a:rPr lang="en-US" sz="1600"/>
+              <a:t>✅ Fərqli məqsədlər üçün istifadə olunur (identifikasiya, kodlaşdırma, təhlükəsizlik və s.).</a:t>
+            </a:r>
+          </a:p>
+          <a:p>
+            <a:endParaRPr lang="en-US" sz="1600"/>
+          </a:p>
+        </p:txBody>
+      </p:sp>
+    </p:spTree>
+    <p:extLst>
+      <p:ext uri="{BB962C8B-B14F-4D97-AF65-F5344CB8AC3E}">
+        <p14:creationId xmlns:p14="http://schemas.microsoft.com/office/powerpoint/2010/main" val="2559886627"/>
+      </p:ext>
+    </p:extLst>
+  </p:cSld>
+  <p:clrMapOvr>
+    <a:masterClrMapping/>
+  </p:clrMapOvr>
+</p:sld>
+</file>
+
+<file path=ppt/slides/slide5.xml><?xml version="1.0" encoding="utf-8"?>
+<p:sld xmlns:a="http://schemas.openxmlformats.org/drawingml/2006/main" xmlns:r="http://schemas.openxmlformats.org/officeDocument/2006/relationships" xmlns:p="http://schemas.openxmlformats.org/presentationml/2006/main">
+  <p:cSld>
+    <p:spTree>
+      <p:nvGrpSpPr>
+        <p:cNvPr id="1" name="">
+          <a:extLst>
+            <a:ext uri="{FF2B5EF4-FFF2-40B4-BE49-F238E27FC236}">
+              <a16:creationId xmlns:a16="http://schemas.microsoft.com/office/drawing/2014/main" id="{1FE4094B-46E1-66F1-284E-A01FD77B6AE5}"/>
+            </a:ext>
+          </a:extLst>
+        </p:cNvPr>
+        <p:cNvGrpSpPr/>
+        <p:nvPr/>
+      </p:nvGrpSpPr>
+      <p:grpSpPr>
+        <a:xfrm>
+          <a:off x="0" y="0"/>
+          <a:ext cx="0" cy="0"/>
+          <a:chOff x="0" y="0"/>
+          <a:chExt cx="0" cy="0"/>
+        </a:xfrm>
+      </p:grpSpPr>
+      <p:sp>
+        <p:nvSpPr>
+          <p:cNvPr id="3" name="TextBox 2">
+            <a:extLst>
+              <a:ext uri="{FF2B5EF4-FFF2-40B4-BE49-F238E27FC236}">
+                <a16:creationId xmlns:a16="http://schemas.microsoft.com/office/drawing/2014/main" id="{92B352B3-8F08-D639-CCAA-D5AA5D781574}"/>
+              </a:ext>
+            </a:extLst>
+          </p:cNvPr>
+          <p:cNvSpPr txBox="1"/>
+          <p:nvPr/>
+        </p:nvSpPr>
+        <p:spPr>
+          <a:xfrm>
+            <a:off x="107004" y="158874"/>
+            <a:ext cx="11984477" cy="6694140"/>
+          </a:xfrm>
+          <a:prstGeom prst="rect">
+            <a:avLst/>
+          </a:prstGeom>
+          <a:noFill/>
+        </p:spPr>
+        <p:txBody>
+          <a:bodyPr wrap="square">
+            <a:spAutoFit/>
+          </a:bodyPr>
+          <a:lstStyle/>
+          <a:p>
+            <a:pPr marL="0" marR="0" lvl="0" indent="0" algn="l" defTabSz="914400" rtl="0" eaLnBrk="0" fontAlgn="base" latinLnBrk="0" hangingPunct="0">
+              <a:lnSpc>
+                <a:spcPct val="100000"/>
+              </a:lnSpc>
+              <a:spcBef>
+                <a:spcPct val="0"/>
+              </a:spcBef>
+              <a:spcAft>
+                <a:spcPct val="0"/>
+              </a:spcAft>
+              <a:buClrTx/>
+              <a:buSzTx/>
+              <a:buFontTx/>
+              <a:buNone/>
+              <a:tabLst/>
+            </a:pPr>
+            <a:r>
+              <a:rPr kumimoji="0" lang="en-US" altLang="en-US" sz="1300" b="1" i="0" u="none" strike="noStrike" cap="none" normalizeH="0" baseline="0">
+                <a:ln>
+                  <a:noFill/>
+                </a:ln>
+                <a:solidFill>
+                  <a:schemeClr val="tx1"/>
+                </a:solidFill>
+                <a:effectLst/>
+                <a:latin typeface="Arial" panose="020B0604020202020204" pitchFamily="34" charset="0"/>
+                <a:cs typeface="Arial" panose="020B0604020202020204" pitchFamily="34" charset="0"/>
+              </a:rPr>
+              <a:t>📌 Başlıqlara nümunələr</a:t>
+            </a:r>
+            <a:endParaRPr kumimoji="0" lang="az-Latn-AZ" altLang="en-US" sz="1300" b="1" i="0" u="none" strike="noStrike" cap="none" normalizeH="0" baseline="0">
+              <a:ln>
+                <a:noFill/>
+              </a:ln>
+              <a:solidFill>
+                <a:schemeClr val="tx1"/>
+              </a:solidFill>
+              <a:effectLst/>
+              <a:latin typeface="Arial" panose="020B0604020202020204" pitchFamily="34" charset="0"/>
+              <a:cs typeface="Arial" panose="020B0604020202020204" pitchFamily="34" charset="0"/>
+            </a:endParaRPr>
+          </a:p>
+          <a:p>
+            <a:pPr marL="0" marR="0" lvl="0" indent="0" algn="l" defTabSz="914400" rtl="0" eaLnBrk="0" fontAlgn="base" latinLnBrk="0" hangingPunct="0">
+              <a:lnSpc>
+                <a:spcPct val="100000"/>
+              </a:lnSpc>
+              <a:spcBef>
+                <a:spcPct val="0"/>
+              </a:spcBef>
+              <a:spcAft>
+                <a:spcPct val="0"/>
+              </a:spcAft>
+              <a:buClrTx/>
+              <a:buSzTx/>
+              <a:buFontTx/>
+              <a:buNone/>
+              <a:tabLst/>
+            </a:pPr>
+            <a:endParaRPr kumimoji="0" lang="en-US" altLang="en-US" sz="1300" b="1" i="0" u="none" strike="noStrike" cap="none" normalizeH="0" baseline="0">
+              <a:ln>
+                <a:noFill/>
+              </a:ln>
+              <a:solidFill>
+                <a:schemeClr val="tx1"/>
+              </a:solidFill>
+              <a:effectLst/>
+              <a:latin typeface="Arial" panose="020B0604020202020204" pitchFamily="34" charset="0"/>
+              <a:cs typeface="Arial" panose="020B0604020202020204" pitchFamily="34" charset="0"/>
+            </a:endParaRPr>
+          </a:p>
+          <a:p>
+            <a:pPr marL="0" marR="0" lvl="0" indent="0" algn="l" defTabSz="914400" rtl="0" eaLnBrk="0" fontAlgn="base" latinLnBrk="0" hangingPunct="0">
+              <a:lnSpc>
+                <a:spcPct val="100000"/>
+              </a:lnSpc>
+              <a:spcBef>
+                <a:spcPct val="0"/>
+              </a:spcBef>
+              <a:spcAft>
+                <a:spcPct val="0"/>
+              </a:spcAft>
+              <a:buClrTx/>
+              <a:buSzTx/>
+              <a:buFontTx/>
+              <a:buNone/>
+              <a:tabLst/>
+            </a:pPr>
+            <a:r>
+              <a:rPr kumimoji="0" lang="en-US" altLang="en-US" sz="1300" b="1" i="0" u="none" strike="noStrike" cap="none" normalizeH="0" baseline="0">
+                <a:ln>
+                  <a:noFill/>
+                </a:ln>
+                <a:solidFill>
+                  <a:schemeClr val="tx1"/>
+                </a:solidFill>
+                <a:effectLst/>
+                <a:latin typeface="Arial" panose="020B0604020202020204" pitchFamily="34" charset="0"/>
+                <a:cs typeface="Arial" panose="020B0604020202020204" pitchFamily="34" charset="0"/>
+              </a:rPr>
+              <a:t>1️⃣ :scheme: https – </a:t>
+            </a:r>
+            <a:r>
+              <a:rPr kumimoji="0" lang="en-US" altLang="en-US" sz="1300" i="0" u="none" strike="noStrike" cap="none" normalizeH="0" baseline="0">
+                <a:ln>
+                  <a:noFill/>
+                </a:ln>
+                <a:solidFill>
+                  <a:schemeClr val="tx1"/>
+                </a:solidFill>
+                <a:effectLst/>
+                <a:latin typeface="Arial" panose="020B0604020202020204" pitchFamily="34" charset="0"/>
+                <a:cs typeface="Arial" panose="020B0604020202020204" pitchFamily="34" charset="0"/>
+              </a:rPr>
+              <a:t>Saytın protokolunu göstərir </a:t>
+            </a:r>
+            <a:r>
+              <a:rPr kumimoji="0" lang="en-US" altLang="en-US" sz="1300" b="1" i="0" u="none" strike="noStrike" cap="none" normalizeH="0" baseline="0">
+                <a:ln>
+                  <a:noFill/>
+                </a:ln>
+                <a:solidFill>
+                  <a:schemeClr val="tx1"/>
+                </a:solidFill>
+                <a:effectLst/>
+                <a:latin typeface="Arial" panose="020B0604020202020204" pitchFamily="34" charset="0"/>
+                <a:cs typeface="Arial" panose="020B0604020202020204" pitchFamily="34" charset="0"/>
+              </a:rPr>
+              <a:t>(http / https)</a:t>
+            </a:r>
+          </a:p>
+          <a:p>
+            <a:pPr marR="0" lvl="0" algn="l" defTabSz="914400" rtl="0" eaLnBrk="0" fontAlgn="base" latinLnBrk="0" hangingPunct="0">
+              <a:lnSpc>
+                <a:spcPct val="100000"/>
+              </a:lnSpc>
+              <a:spcBef>
+                <a:spcPct val="0"/>
+              </a:spcBef>
+              <a:spcAft>
+                <a:spcPct val="0"/>
+              </a:spcAft>
+              <a:buClrTx/>
+              <a:buSzTx/>
+              <a:tabLst/>
+            </a:pPr>
+            <a:r>
+              <a:rPr kumimoji="0" lang="en-US" altLang="en-US" sz="1300" i="0" u="none" strike="noStrike" cap="none" normalizeH="0" baseline="0">
+                <a:ln>
+                  <a:noFill/>
+                </a:ln>
+                <a:solidFill>
+                  <a:schemeClr val="tx1"/>
+                </a:solidFill>
+                <a:effectLst/>
+                <a:latin typeface="Arial" panose="020B0604020202020204" pitchFamily="34" charset="0"/>
+                <a:cs typeface="Arial" panose="020B0604020202020204" pitchFamily="34" charset="0"/>
+              </a:rPr>
+              <a:t>Əgər https göstərilirsə, bu təhlükəsiz bağlantıdır.</a:t>
+            </a:r>
+            <a:endParaRPr kumimoji="0" lang="az-Latn-AZ" altLang="en-US" sz="1300" i="0" u="none" strike="noStrike" cap="none" normalizeH="0" baseline="0">
+              <a:ln>
+                <a:noFill/>
+              </a:ln>
+              <a:solidFill>
+                <a:schemeClr val="tx1"/>
+              </a:solidFill>
+              <a:effectLst/>
+              <a:latin typeface="Arial" panose="020B0604020202020204" pitchFamily="34" charset="0"/>
+              <a:cs typeface="Arial" panose="020B0604020202020204" pitchFamily="34" charset="0"/>
+            </a:endParaRPr>
+          </a:p>
+          <a:p>
+            <a:pPr marL="0" marR="0" lvl="0" indent="0" algn="l" defTabSz="914400" rtl="0" eaLnBrk="0" fontAlgn="base" latinLnBrk="0" hangingPunct="0">
+              <a:lnSpc>
+                <a:spcPct val="100000"/>
+              </a:lnSpc>
+              <a:spcBef>
+                <a:spcPct val="0"/>
+              </a:spcBef>
+              <a:spcAft>
+                <a:spcPct val="0"/>
+              </a:spcAft>
+              <a:buClrTx/>
+              <a:buSzTx/>
+              <a:buFontTx/>
+              <a:buChar char="•"/>
+              <a:tabLst/>
+            </a:pPr>
+            <a:endParaRPr kumimoji="0" lang="az-Latn-AZ" altLang="en-US" sz="1300" i="0" u="none" strike="noStrike" cap="none" normalizeH="0" baseline="0">
+              <a:ln>
+                <a:noFill/>
+              </a:ln>
+              <a:solidFill>
+                <a:schemeClr val="tx1"/>
+              </a:solidFill>
+              <a:effectLst/>
+              <a:latin typeface="Arial" panose="020B0604020202020204" pitchFamily="34" charset="0"/>
+              <a:cs typeface="Arial" panose="020B0604020202020204" pitchFamily="34" charset="0"/>
+            </a:endParaRPr>
+          </a:p>
+          <a:p>
+            <a:pPr marL="0" marR="0" lvl="0" indent="0" algn="l" defTabSz="914400" rtl="0" eaLnBrk="0" fontAlgn="base" latinLnBrk="0" hangingPunct="0">
+              <a:lnSpc>
+                <a:spcPct val="100000"/>
+              </a:lnSpc>
+              <a:spcBef>
+                <a:spcPct val="0"/>
+              </a:spcBef>
+              <a:spcAft>
+                <a:spcPct val="0"/>
+              </a:spcAft>
+              <a:buClrTx/>
+              <a:buSzTx/>
+              <a:buFontTx/>
+              <a:buChar char="•"/>
+              <a:tabLst/>
+            </a:pPr>
+            <a:endParaRPr kumimoji="0" lang="en-US" altLang="en-US" sz="1300" i="0" u="none" strike="noStrike" cap="none" normalizeH="0" baseline="0">
+              <a:ln>
+                <a:noFill/>
+              </a:ln>
+              <a:solidFill>
+                <a:schemeClr val="tx1"/>
+              </a:solidFill>
+              <a:effectLst/>
+              <a:latin typeface="Arial" panose="020B0604020202020204" pitchFamily="34" charset="0"/>
+              <a:cs typeface="Arial" panose="020B0604020202020204" pitchFamily="34" charset="0"/>
+            </a:endParaRPr>
+          </a:p>
+          <a:p>
+            <a:pPr marL="0" marR="0" lvl="0" indent="0" algn="l" defTabSz="914400" rtl="0" eaLnBrk="0" fontAlgn="base" latinLnBrk="0" hangingPunct="0">
+              <a:lnSpc>
+                <a:spcPct val="100000"/>
+              </a:lnSpc>
+              <a:spcBef>
+                <a:spcPct val="0"/>
+              </a:spcBef>
+              <a:spcAft>
+                <a:spcPct val="0"/>
+              </a:spcAft>
+              <a:buClrTx/>
+              <a:buSzTx/>
+              <a:buFontTx/>
+              <a:buNone/>
+              <a:tabLst/>
+            </a:pPr>
+            <a:r>
+              <a:rPr kumimoji="0" lang="en-US" altLang="en-US" sz="1300" i="0" u="none" strike="noStrike" cap="none" normalizeH="0" baseline="0">
+                <a:ln>
+                  <a:noFill/>
+                </a:ln>
+                <a:solidFill>
+                  <a:schemeClr val="tx1"/>
+                </a:solidFill>
+                <a:effectLst/>
+                <a:latin typeface="Arial" panose="020B0604020202020204" pitchFamily="34" charset="0"/>
+                <a:cs typeface="Arial" panose="020B0604020202020204" pitchFamily="34" charset="0"/>
+              </a:rPr>
+              <a:t>2️⃣ </a:t>
+            </a:r>
+            <a:r>
+              <a:rPr kumimoji="0" lang="en-US" altLang="en-US" sz="1300" b="1" i="0" u="none" strike="noStrike" cap="none" normalizeH="0" baseline="0">
+                <a:ln>
+                  <a:noFill/>
+                </a:ln>
+                <a:solidFill>
+                  <a:schemeClr val="tx1"/>
+                </a:solidFill>
+                <a:effectLst/>
+                <a:latin typeface="Arial" panose="020B0604020202020204" pitchFamily="34" charset="0"/>
+                <a:cs typeface="Arial" panose="020B0604020202020204" pitchFamily="34" charset="0"/>
+              </a:rPr>
+              <a:t>accept-encoding: gzip, deflate, br </a:t>
+            </a:r>
+            <a:r>
+              <a:rPr kumimoji="0" lang="en-US" altLang="en-US" sz="1300" i="0" u="none" strike="noStrike" cap="none" normalizeH="0" baseline="0">
+                <a:ln>
+                  <a:noFill/>
+                </a:ln>
+                <a:solidFill>
+                  <a:schemeClr val="tx1"/>
+                </a:solidFill>
+                <a:effectLst/>
+                <a:latin typeface="Arial" panose="020B0604020202020204" pitchFamily="34" charset="0"/>
+                <a:cs typeface="Arial" panose="020B0604020202020204" pitchFamily="34" charset="0"/>
+              </a:rPr>
+              <a:t>– Məlumatın hansı formatlarda sıxıla biləcəyini göstərir</a:t>
+            </a:r>
+          </a:p>
+          <a:p>
+            <a:pPr marR="0" lvl="0" algn="l" defTabSz="914400" rtl="0" eaLnBrk="0" fontAlgn="base" latinLnBrk="0" hangingPunct="0">
+              <a:lnSpc>
+                <a:spcPct val="100000"/>
+              </a:lnSpc>
+              <a:spcBef>
+                <a:spcPct val="0"/>
+              </a:spcBef>
+              <a:spcAft>
+                <a:spcPct val="0"/>
+              </a:spcAft>
+              <a:buClrTx/>
+              <a:buSzTx/>
+              <a:tabLst/>
+            </a:pPr>
+            <a:r>
+              <a:rPr kumimoji="0" lang="en-US" altLang="en-US" sz="1300" i="0" u="none" strike="noStrike" cap="none" normalizeH="0" baseline="0">
+                <a:ln>
+                  <a:noFill/>
+                </a:ln>
+                <a:solidFill>
+                  <a:schemeClr val="tx1"/>
+                </a:solidFill>
+                <a:effectLst/>
+                <a:latin typeface="Arial" panose="020B0604020202020204" pitchFamily="34" charset="0"/>
+                <a:cs typeface="Arial" panose="020B0604020202020204" pitchFamily="34" charset="0"/>
+              </a:rPr>
+              <a:t>Gzip, Deflate, Brotli (br) – sıxılma üsullarıdır, məlumatları kiçik ölçüdə ötürmək üçün istifadə olunur.</a:t>
+            </a:r>
+            <a:endParaRPr kumimoji="0" lang="az-Latn-AZ" altLang="en-US" sz="1300" i="0" u="none" strike="noStrike" cap="none" normalizeH="0" baseline="0">
+              <a:ln>
+                <a:noFill/>
+              </a:ln>
+              <a:solidFill>
+                <a:schemeClr val="tx1"/>
+              </a:solidFill>
+              <a:effectLst/>
+              <a:latin typeface="Arial" panose="020B0604020202020204" pitchFamily="34" charset="0"/>
+              <a:cs typeface="Arial" panose="020B0604020202020204" pitchFamily="34" charset="0"/>
+            </a:endParaRPr>
+          </a:p>
+          <a:p>
+            <a:pPr marL="0" marR="0" lvl="0" indent="0" algn="l" defTabSz="914400" rtl="0" eaLnBrk="0" fontAlgn="base" latinLnBrk="0" hangingPunct="0">
+              <a:lnSpc>
+                <a:spcPct val="100000"/>
+              </a:lnSpc>
+              <a:spcBef>
+                <a:spcPct val="0"/>
+              </a:spcBef>
+              <a:spcAft>
+                <a:spcPct val="0"/>
+              </a:spcAft>
+              <a:buClrTx/>
+              <a:buSzTx/>
+              <a:buFontTx/>
+              <a:buChar char="•"/>
+              <a:tabLst/>
+            </a:pPr>
+            <a:endParaRPr kumimoji="0" lang="az-Latn-AZ" altLang="en-US" sz="1300" i="0" u="none" strike="noStrike" cap="none" normalizeH="0" baseline="0">
+              <a:ln>
+                <a:noFill/>
+              </a:ln>
+              <a:solidFill>
+                <a:schemeClr val="tx1"/>
+              </a:solidFill>
+              <a:effectLst/>
+              <a:latin typeface="Arial" panose="020B0604020202020204" pitchFamily="34" charset="0"/>
+              <a:cs typeface="Arial" panose="020B0604020202020204" pitchFamily="34" charset="0"/>
+            </a:endParaRPr>
+          </a:p>
+          <a:p>
+            <a:pPr marL="0" marR="0" lvl="0" indent="0" algn="l" defTabSz="914400" rtl="0" eaLnBrk="0" fontAlgn="base" latinLnBrk="0" hangingPunct="0">
+              <a:lnSpc>
+                <a:spcPct val="100000"/>
+              </a:lnSpc>
+              <a:spcBef>
+                <a:spcPct val="0"/>
+              </a:spcBef>
+              <a:spcAft>
+                <a:spcPct val="0"/>
+              </a:spcAft>
+              <a:buClrTx/>
+              <a:buSzTx/>
+              <a:buFontTx/>
+              <a:buChar char="•"/>
+              <a:tabLst/>
+            </a:pPr>
+            <a:endParaRPr kumimoji="0" lang="en-US" altLang="en-US" sz="1300" i="0" u="none" strike="noStrike" cap="none" normalizeH="0" baseline="0">
+              <a:ln>
+                <a:noFill/>
+              </a:ln>
+              <a:solidFill>
+                <a:schemeClr val="tx1"/>
+              </a:solidFill>
+              <a:effectLst/>
+              <a:latin typeface="Arial" panose="020B0604020202020204" pitchFamily="34" charset="0"/>
+              <a:cs typeface="Arial" panose="020B0604020202020204" pitchFamily="34" charset="0"/>
+            </a:endParaRPr>
+          </a:p>
+          <a:p>
+            <a:pPr marL="0" marR="0" lvl="0" indent="0" algn="l" defTabSz="914400" rtl="0" eaLnBrk="0" fontAlgn="base" latinLnBrk="0" hangingPunct="0">
+              <a:lnSpc>
+                <a:spcPct val="100000"/>
+              </a:lnSpc>
+              <a:spcBef>
+                <a:spcPct val="0"/>
+              </a:spcBef>
+              <a:spcAft>
+                <a:spcPct val="0"/>
+              </a:spcAft>
+              <a:buClrTx/>
+              <a:buSzTx/>
+              <a:buFontTx/>
+              <a:buNone/>
+              <a:tabLst/>
+            </a:pPr>
+            <a:r>
+              <a:rPr kumimoji="0" lang="en-US" altLang="en-US" sz="1300" i="0" u="none" strike="noStrike" cap="none" normalizeH="0" baseline="0">
+                <a:ln>
+                  <a:noFill/>
+                </a:ln>
+                <a:solidFill>
+                  <a:schemeClr val="tx1"/>
+                </a:solidFill>
+                <a:effectLst/>
+                <a:latin typeface="Arial" panose="020B0604020202020204" pitchFamily="34" charset="0"/>
+                <a:cs typeface="Arial" panose="020B0604020202020204" pitchFamily="34" charset="0"/>
+              </a:rPr>
+              <a:t>3️⃣ </a:t>
+            </a:r>
+            <a:r>
+              <a:rPr kumimoji="0" lang="en-US" altLang="en-US" sz="1300" b="1" i="0" u="none" strike="noStrike" cap="none" normalizeH="0" baseline="0">
+                <a:ln>
+                  <a:noFill/>
+                </a:ln>
+                <a:solidFill>
+                  <a:schemeClr val="tx1"/>
+                </a:solidFill>
+                <a:effectLst/>
+                <a:latin typeface="Arial" panose="020B0604020202020204" pitchFamily="34" charset="0"/>
+                <a:cs typeface="Arial" panose="020B0604020202020204" pitchFamily="34" charset="0"/>
+              </a:rPr>
+              <a:t>accept-language: ru-BY,ru;q=0.9,en-BY;q=0.8,en;q=0.7,ru-RU;q=0.6,en-US;q=0.5</a:t>
+            </a:r>
+          </a:p>
+          <a:p>
+            <a:pPr marR="0" lvl="0" algn="l" defTabSz="914400" rtl="0" eaLnBrk="0" fontAlgn="base" latinLnBrk="0" hangingPunct="0">
+              <a:lnSpc>
+                <a:spcPct val="100000"/>
+              </a:lnSpc>
+              <a:spcBef>
+                <a:spcPct val="0"/>
+              </a:spcBef>
+              <a:spcAft>
+                <a:spcPct val="0"/>
+              </a:spcAft>
+              <a:buClrTx/>
+              <a:buSzTx/>
+              <a:tabLst/>
+            </a:pPr>
+            <a:r>
+              <a:rPr kumimoji="0" lang="en-US" altLang="en-US" sz="1300" i="0" u="none" strike="noStrike" cap="none" normalizeH="0" baseline="0">
+                <a:ln>
+                  <a:noFill/>
+                </a:ln>
+                <a:solidFill>
+                  <a:schemeClr val="tx1"/>
+                </a:solidFill>
+                <a:effectLst/>
+                <a:latin typeface="Arial" panose="020B0604020202020204" pitchFamily="34" charset="0"/>
+                <a:cs typeface="Arial" panose="020B0604020202020204" pitchFamily="34" charset="0"/>
+              </a:rPr>
+              <a:t>Bu başlıq istifadəçinin üstünlük verdiyi dilləri göstərir.</a:t>
+            </a:r>
+            <a:r>
+              <a:rPr kumimoji="0" lang="az-Latn-AZ" altLang="en-US" sz="1300" i="0" u="none" strike="noStrike" cap="none" normalizeH="0" baseline="0">
+                <a:ln>
+                  <a:noFill/>
+                </a:ln>
+                <a:solidFill>
+                  <a:schemeClr val="tx1"/>
+                </a:solidFill>
+                <a:effectLst/>
+                <a:latin typeface="Arial" panose="020B0604020202020204" pitchFamily="34" charset="0"/>
+                <a:cs typeface="Arial" panose="020B0604020202020204" pitchFamily="34" charset="0"/>
+              </a:rPr>
+              <a:t> </a:t>
+            </a:r>
+            <a:r>
+              <a:rPr kumimoji="0" lang="en-US" altLang="en-US" sz="1300" i="0" u="none" strike="noStrike" cap="none" normalizeH="0" baseline="0">
+                <a:ln>
+                  <a:noFill/>
+                </a:ln>
+                <a:solidFill>
+                  <a:schemeClr val="tx1"/>
+                </a:solidFill>
+                <a:effectLst/>
+                <a:latin typeface="Arial" panose="020B0604020202020204" pitchFamily="34" charset="0"/>
+                <a:cs typeface="Arial" panose="020B0604020202020204" pitchFamily="34" charset="0"/>
+              </a:rPr>
+              <a:t>q=0.9, q=0.8 – dil üçün prioritetləri bildirir (ən yüksək q dəyəri daha üstün dil seçimidir).</a:t>
+            </a:r>
+            <a:r>
+              <a:rPr kumimoji="0" lang="az-Latn-AZ" altLang="en-US" sz="1300" i="0" u="none" strike="noStrike" cap="none" normalizeH="0" baseline="0">
+                <a:ln>
+                  <a:noFill/>
+                </a:ln>
+                <a:solidFill>
+                  <a:schemeClr val="tx1"/>
+                </a:solidFill>
+                <a:effectLst/>
+                <a:latin typeface="Arial" panose="020B0604020202020204" pitchFamily="34" charset="0"/>
+                <a:cs typeface="Arial" panose="020B0604020202020204" pitchFamily="34" charset="0"/>
+              </a:rPr>
+              <a:t> </a:t>
+            </a:r>
+            <a:r>
+              <a:rPr kumimoji="0" lang="en-US" altLang="en-US" sz="1300" i="0" u="none" strike="noStrike" cap="none" normalizeH="0" baseline="0">
+                <a:ln>
+                  <a:noFill/>
+                </a:ln>
+                <a:solidFill>
+                  <a:schemeClr val="tx1"/>
+                </a:solidFill>
+                <a:effectLst/>
+                <a:latin typeface="Arial" panose="020B0604020202020204" pitchFamily="34" charset="0"/>
+                <a:cs typeface="Arial" panose="020B0604020202020204" pitchFamily="34" charset="0"/>
+              </a:rPr>
+              <a:t>Əgər bir istifadəçi Rus və İngilis dillərini bilirsə, sayt bu informasiyaya əsasən hansı dildə məzmun göstərməli olduğunu müəyyən edə bilər.</a:t>
+            </a:r>
+            <a:endParaRPr kumimoji="0" lang="az-Latn-AZ" altLang="en-US" sz="1300" i="0" u="none" strike="noStrike" cap="none" normalizeH="0" baseline="0">
+              <a:ln>
+                <a:noFill/>
+              </a:ln>
+              <a:solidFill>
+                <a:schemeClr val="tx1"/>
+              </a:solidFill>
+              <a:effectLst/>
+              <a:latin typeface="Arial" panose="020B0604020202020204" pitchFamily="34" charset="0"/>
+              <a:cs typeface="Arial" panose="020B0604020202020204" pitchFamily="34" charset="0"/>
+            </a:endParaRPr>
+          </a:p>
+          <a:p>
+            <a:pPr marL="0" marR="0" lvl="0" indent="0" algn="l" defTabSz="914400" rtl="0" eaLnBrk="0" fontAlgn="base" latinLnBrk="0" hangingPunct="0">
+              <a:lnSpc>
+                <a:spcPct val="100000"/>
+              </a:lnSpc>
+              <a:spcBef>
+                <a:spcPct val="0"/>
+              </a:spcBef>
+              <a:spcAft>
+                <a:spcPct val="0"/>
+              </a:spcAft>
+              <a:buClrTx/>
+              <a:buSzTx/>
+              <a:buFontTx/>
+              <a:buChar char="•"/>
+              <a:tabLst/>
+            </a:pPr>
+            <a:endParaRPr kumimoji="0" lang="az-Latn-AZ" altLang="en-US" sz="1300" i="0" u="none" strike="noStrike" cap="none" normalizeH="0" baseline="0">
+              <a:ln>
+                <a:noFill/>
+              </a:ln>
+              <a:solidFill>
+                <a:schemeClr val="tx1"/>
+              </a:solidFill>
+              <a:effectLst/>
+              <a:latin typeface="Arial" panose="020B0604020202020204" pitchFamily="34" charset="0"/>
+              <a:cs typeface="Arial" panose="020B0604020202020204" pitchFamily="34" charset="0"/>
+            </a:endParaRPr>
+          </a:p>
+          <a:p>
+            <a:pPr marL="0" marR="0" lvl="0" indent="0" algn="l" defTabSz="914400" rtl="0" eaLnBrk="0" fontAlgn="base" latinLnBrk="0" hangingPunct="0">
+              <a:lnSpc>
+                <a:spcPct val="100000"/>
+              </a:lnSpc>
+              <a:spcBef>
+                <a:spcPct val="0"/>
+              </a:spcBef>
+              <a:spcAft>
+                <a:spcPct val="0"/>
+              </a:spcAft>
+              <a:buClrTx/>
+              <a:buSzTx/>
+              <a:buFontTx/>
+              <a:buChar char="•"/>
+              <a:tabLst/>
+            </a:pPr>
+            <a:endParaRPr kumimoji="0" lang="en-US" altLang="en-US" sz="1300" i="0" u="none" strike="noStrike" cap="none" normalizeH="0" baseline="0">
+              <a:ln>
+                <a:noFill/>
+              </a:ln>
+              <a:solidFill>
+                <a:schemeClr val="tx1"/>
+              </a:solidFill>
+              <a:effectLst/>
+              <a:latin typeface="Arial" panose="020B0604020202020204" pitchFamily="34" charset="0"/>
+              <a:cs typeface="Arial" panose="020B0604020202020204" pitchFamily="34" charset="0"/>
+            </a:endParaRPr>
+          </a:p>
+          <a:p>
+            <a:pPr marL="0" marR="0" lvl="0" indent="0" algn="l" defTabSz="914400" rtl="0" eaLnBrk="0" fontAlgn="base" latinLnBrk="0" hangingPunct="0">
+              <a:lnSpc>
+                <a:spcPct val="100000"/>
+              </a:lnSpc>
+              <a:spcBef>
+                <a:spcPct val="0"/>
+              </a:spcBef>
+              <a:spcAft>
+                <a:spcPct val="0"/>
+              </a:spcAft>
+              <a:buClrTx/>
+              <a:buSzTx/>
+              <a:buFontTx/>
+              <a:buNone/>
+              <a:tabLst/>
+            </a:pPr>
+            <a:r>
+              <a:rPr kumimoji="0" lang="en-US" altLang="en-US" sz="1300" i="0" u="none" strike="noStrike" cap="none" normalizeH="0" baseline="0">
+                <a:ln>
+                  <a:noFill/>
+                </a:ln>
+                <a:solidFill>
+                  <a:schemeClr val="tx1"/>
+                </a:solidFill>
+                <a:effectLst/>
+                <a:latin typeface="Arial" panose="020B0604020202020204" pitchFamily="34" charset="0"/>
+                <a:cs typeface="Arial" panose="020B0604020202020204" pitchFamily="34" charset="0"/>
+              </a:rPr>
+              <a:t>4️⃣ </a:t>
+            </a:r>
+            <a:r>
+              <a:rPr kumimoji="0" lang="en-US" altLang="en-US" sz="1300" b="1" i="0" u="none" strike="noStrike" cap="none" normalizeH="0" baseline="0">
+                <a:ln>
+                  <a:noFill/>
+                </a:ln>
+                <a:solidFill>
+                  <a:schemeClr val="tx1"/>
+                </a:solidFill>
+                <a:effectLst/>
+                <a:latin typeface="Arial" panose="020B0604020202020204" pitchFamily="34" charset="0"/>
+                <a:cs typeface="Arial" panose="020B0604020202020204" pitchFamily="34" charset="0"/>
+              </a:rPr>
+              <a:t>content-type: text/plain </a:t>
+            </a:r>
+            <a:r>
+              <a:rPr kumimoji="0" lang="en-US" altLang="en-US" sz="1300" i="0" u="none" strike="noStrike" cap="none" normalizeH="0" baseline="0">
+                <a:ln>
+                  <a:noFill/>
+                </a:ln>
+                <a:solidFill>
+                  <a:schemeClr val="tx1"/>
+                </a:solidFill>
+                <a:effectLst/>
+                <a:latin typeface="Arial" panose="020B0604020202020204" pitchFamily="34" charset="0"/>
+                <a:cs typeface="Arial" panose="020B0604020202020204" pitchFamily="34" charset="0"/>
+              </a:rPr>
+              <a:t>– Məlumatın formatını bildirir</a:t>
+            </a:r>
+          </a:p>
+          <a:p>
+            <a:pPr marL="285750" marR="0" lvl="0" indent="-285750" algn="l" defTabSz="914400" rtl="0" eaLnBrk="0" fontAlgn="base" latinLnBrk="0" hangingPunct="0">
+              <a:lnSpc>
+                <a:spcPct val="100000"/>
+              </a:lnSpc>
+              <a:spcBef>
+                <a:spcPct val="0"/>
+              </a:spcBef>
+              <a:spcAft>
+                <a:spcPct val="0"/>
+              </a:spcAft>
+              <a:buClrTx/>
+              <a:buSzTx/>
+              <a:buFont typeface="Arial" panose="020B0604020202020204" pitchFamily="34" charset="0"/>
+              <a:buChar char="•"/>
+              <a:tabLst/>
+            </a:pPr>
+            <a:r>
+              <a:rPr kumimoji="0" lang="en-US" altLang="en-US" sz="1300" i="0" u="none" strike="noStrike" cap="none" normalizeH="0" baseline="0">
+                <a:ln>
+                  <a:noFill/>
+                </a:ln>
+                <a:solidFill>
+                  <a:schemeClr val="tx1"/>
+                </a:solidFill>
+                <a:effectLst/>
+                <a:latin typeface="Arial" panose="020B0604020202020204" pitchFamily="34" charset="0"/>
+                <a:cs typeface="Arial" panose="020B0604020202020204" pitchFamily="34" charset="0"/>
+              </a:rPr>
+              <a:t>text/plain – Adi mətn.</a:t>
+            </a:r>
+          </a:p>
+          <a:p>
+            <a:pPr marL="285750" marR="0" lvl="0" indent="-285750" algn="l" defTabSz="914400" rtl="0" eaLnBrk="0" fontAlgn="base" latinLnBrk="0" hangingPunct="0">
+              <a:lnSpc>
+                <a:spcPct val="100000"/>
+              </a:lnSpc>
+              <a:spcBef>
+                <a:spcPct val="0"/>
+              </a:spcBef>
+              <a:spcAft>
+                <a:spcPct val="0"/>
+              </a:spcAft>
+              <a:buClrTx/>
+              <a:buSzTx/>
+              <a:buFont typeface="Arial" panose="020B0604020202020204" pitchFamily="34" charset="0"/>
+              <a:buChar char="•"/>
+              <a:tabLst/>
+            </a:pPr>
+            <a:r>
+              <a:rPr kumimoji="0" lang="en-US" altLang="en-US" sz="1300" i="0" u="none" strike="noStrike" cap="none" normalizeH="0" baseline="0">
+                <a:ln>
+                  <a:noFill/>
+                </a:ln>
+                <a:solidFill>
+                  <a:schemeClr val="tx1"/>
+                </a:solidFill>
+                <a:effectLst/>
+                <a:latin typeface="Arial" panose="020B0604020202020204" pitchFamily="34" charset="0"/>
+                <a:cs typeface="Arial" panose="020B0604020202020204" pitchFamily="34" charset="0"/>
+              </a:rPr>
+              <a:t>application/json – JSON formatı.</a:t>
+            </a:r>
+          </a:p>
+          <a:p>
+            <a:pPr marL="285750" marR="0" lvl="0" indent="-285750" algn="l" defTabSz="914400" rtl="0" eaLnBrk="0" fontAlgn="base" latinLnBrk="0" hangingPunct="0">
+              <a:lnSpc>
+                <a:spcPct val="100000"/>
+              </a:lnSpc>
+              <a:spcBef>
+                <a:spcPct val="0"/>
+              </a:spcBef>
+              <a:spcAft>
+                <a:spcPct val="0"/>
+              </a:spcAft>
+              <a:buClrTx/>
+              <a:buSzTx/>
+              <a:buFont typeface="Arial" panose="020B0604020202020204" pitchFamily="34" charset="0"/>
+              <a:buChar char="•"/>
+              <a:tabLst/>
+            </a:pPr>
+            <a:r>
+              <a:rPr kumimoji="0" lang="en-US" altLang="en-US" sz="1300" i="0" u="none" strike="noStrike" cap="none" normalizeH="0" baseline="0">
+                <a:ln>
+                  <a:noFill/>
+                </a:ln>
+                <a:solidFill>
+                  <a:schemeClr val="tx1"/>
+                </a:solidFill>
+                <a:effectLst/>
+                <a:latin typeface="Arial" panose="020B0604020202020204" pitchFamily="34" charset="0"/>
+                <a:cs typeface="Arial" panose="020B0604020202020204" pitchFamily="34" charset="0"/>
+              </a:rPr>
+              <a:t>application/xml – XML formatı.</a:t>
+            </a:r>
+          </a:p>
+          <a:p>
+            <a:pPr marL="285750" marR="0" lvl="0" indent="-285750" algn="l" defTabSz="914400" rtl="0" eaLnBrk="0" fontAlgn="base" latinLnBrk="0" hangingPunct="0">
+              <a:lnSpc>
+                <a:spcPct val="100000"/>
+              </a:lnSpc>
+              <a:spcBef>
+                <a:spcPct val="0"/>
+              </a:spcBef>
+              <a:spcAft>
+                <a:spcPct val="0"/>
+              </a:spcAft>
+              <a:buClrTx/>
+              <a:buSzTx/>
+              <a:buFont typeface="Arial" panose="020B0604020202020204" pitchFamily="34" charset="0"/>
+              <a:buChar char="•"/>
+              <a:tabLst/>
+            </a:pPr>
+            <a:r>
+              <a:rPr kumimoji="0" lang="en-US" altLang="en-US" sz="1300" i="0" u="none" strike="noStrike" cap="none" normalizeH="0" baseline="0">
+                <a:ln>
+                  <a:noFill/>
+                </a:ln>
+                <a:solidFill>
+                  <a:schemeClr val="tx1"/>
+                </a:solidFill>
+                <a:effectLst/>
+                <a:latin typeface="Arial" panose="020B0604020202020204" pitchFamily="34" charset="0"/>
+                <a:cs typeface="Arial" panose="020B0604020202020204" pitchFamily="34" charset="0"/>
+              </a:rPr>
+              <a:t>multipart/form-data – Form məlumatları (məsələn, fayl yükləmə zamanı).</a:t>
+            </a:r>
+            <a:endParaRPr kumimoji="0" lang="az-Latn-AZ" altLang="en-US" sz="1300" i="0" u="none" strike="noStrike" cap="none" normalizeH="0" baseline="0">
+              <a:ln>
+                <a:noFill/>
+              </a:ln>
+              <a:solidFill>
+                <a:schemeClr val="tx1"/>
+              </a:solidFill>
+              <a:effectLst/>
+              <a:latin typeface="Arial" panose="020B0604020202020204" pitchFamily="34" charset="0"/>
+              <a:cs typeface="Arial" panose="020B0604020202020204" pitchFamily="34" charset="0"/>
+            </a:endParaRPr>
+          </a:p>
+          <a:p>
+            <a:pPr marL="0" marR="0" lvl="0" indent="0" algn="l" defTabSz="914400" rtl="0" eaLnBrk="0" fontAlgn="base" latinLnBrk="0" hangingPunct="0">
+              <a:lnSpc>
+                <a:spcPct val="100000"/>
+              </a:lnSpc>
+              <a:spcBef>
+                <a:spcPct val="0"/>
+              </a:spcBef>
+              <a:spcAft>
+                <a:spcPct val="0"/>
+              </a:spcAft>
+              <a:buClrTx/>
+              <a:buSzTx/>
+              <a:buFontTx/>
+              <a:buChar char="•"/>
+              <a:tabLst/>
+            </a:pPr>
+            <a:endParaRPr kumimoji="0" lang="az-Latn-AZ" altLang="en-US" sz="1300" i="0" u="none" strike="noStrike" cap="none" normalizeH="0" baseline="0">
+              <a:ln>
+                <a:noFill/>
+              </a:ln>
+              <a:solidFill>
+                <a:schemeClr val="tx1"/>
+              </a:solidFill>
+              <a:effectLst/>
+              <a:latin typeface="Arial" panose="020B0604020202020204" pitchFamily="34" charset="0"/>
+              <a:cs typeface="Arial" panose="020B0604020202020204" pitchFamily="34" charset="0"/>
+            </a:endParaRPr>
+          </a:p>
+          <a:p>
+            <a:pPr marL="0" marR="0" lvl="0" indent="0" algn="l" defTabSz="914400" rtl="0" eaLnBrk="0" fontAlgn="base" latinLnBrk="0" hangingPunct="0">
+              <a:lnSpc>
+                <a:spcPct val="100000"/>
+              </a:lnSpc>
+              <a:spcBef>
+                <a:spcPct val="0"/>
+              </a:spcBef>
+              <a:spcAft>
+                <a:spcPct val="0"/>
+              </a:spcAft>
+              <a:buClrTx/>
+              <a:buSzTx/>
+              <a:buFontTx/>
+              <a:buChar char="•"/>
+              <a:tabLst/>
+            </a:pPr>
+            <a:endParaRPr kumimoji="0" lang="en-US" altLang="en-US" sz="1300" i="0" u="none" strike="noStrike" cap="none" normalizeH="0" baseline="0">
+              <a:ln>
+                <a:noFill/>
+              </a:ln>
+              <a:solidFill>
+                <a:schemeClr val="tx1"/>
+              </a:solidFill>
+              <a:effectLst/>
+              <a:latin typeface="Arial" panose="020B0604020202020204" pitchFamily="34" charset="0"/>
+              <a:cs typeface="Arial" panose="020B0604020202020204" pitchFamily="34" charset="0"/>
+            </a:endParaRPr>
+          </a:p>
+          <a:p>
+            <a:pPr marL="0" marR="0" lvl="0" indent="0" algn="l" defTabSz="914400" rtl="0" eaLnBrk="0" fontAlgn="base" latinLnBrk="0" hangingPunct="0">
+              <a:lnSpc>
+                <a:spcPct val="100000"/>
+              </a:lnSpc>
+              <a:spcBef>
+                <a:spcPct val="0"/>
+              </a:spcBef>
+              <a:spcAft>
+                <a:spcPct val="0"/>
+              </a:spcAft>
+              <a:buClrTx/>
+              <a:buSzTx/>
+              <a:buFontTx/>
+              <a:buNone/>
+              <a:tabLst/>
+            </a:pPr>
+            <a:r>
+              <a:rPr kumimoji="0" lang="en-US" altLang="en-US" sz="1300" i="0" u="none" strike="noStrike" cap="none" normalizeH="0" baseline="0">
+                <a:ln>
+                  <a:noFill/>
+                </a:ln>
+                <a:solidFill>
+                  <a:schemeClr val="tx1"/>
+                </a:solidFill>
+                <a:effectLst/>
+                <a:latin typeface="Arial" panose="020B0604020202020204" pitchFamily="34" charset="0"/>
+                <a:cs typeface="Arial" panose="020B0604020202020204" pitchFamily="34" charset="0"/>
+              </a:rPr>
+              <a:t>5️⃣ </a:t>
+            </a:r>
+            <a:r>
+              <a:rPr kumimoji="0" lang="en-US" altLang="en-US" sz="1300" b="1" i="0" u="none" strike="noStrike" cap="none" normalizeH="0" baseline="0">
+                <a:ln>
+                  <a:noFill/>
+                </a:ln>
+                <a:solidFill>
+                  <a:schemeClr val="tx1"/>
+                </a:solidFill>
+                <a:effectLst/>
+                <a:latin typeface="Arial" panose="020B0604020202020204" pitchFamily="34" charset="0"/>
+                <a:cs typeface="Arial" panose="020B0604020202020204" pitchFamily="34" charset="0"/>
+              </a:rPr>
+              <a:t>user-agent: Mozilla/5.0 (Macintosh; Intel Mac OS X 10_15_7) AppleWebKit/537.36 (KHTML, like Gecko) Chrome/110.0.0.0 Safari/537.36</a:t>
+            </a:r>
+          </a:p>
+          <a:p>
+            <a:pPr marR="0" lvl="0" algn="l" defTabSz="914400" rtl="0" eaLnBrk="0" fontAlgn="base" latinLnBrk="0" hangingPunct="0">
+              <a:lnSpc>
+                <a:spcPct val="100000"/>
+              </a:lnSpc>
+              <a:spcBef>
+                <a:spcPct val="0"/>
+              </a:spcBef>
+              <a:spcAft>
+                <a:spcPct val="0"/>
+              </a:spcAft>
+              <a:buClrTx/>
+              <a:buSzTx/>
+              <a:tabLst/>
+            </a:pPr>
+            <a:r>
+              <a:rPr kumimoji="0" lang="en-US" altLang="en-US" sz="1300" i="0" u="none" strike="noStrike" cap="none" normalizeH="0" baseline="0">
+                <a:ln>
+                  <a:noFill/>
+                </a:ln>
+                <a:solidFill>
+                  <a:schemeClr val="tx1"/>
+                </a:solidFill>
+                <a:effectLst/>
+                <a:latin typeface="Arial" panose="020B0604020202020204" pitchFamily="34" charset="0"/>
+                <a:cs typeface="Arial" panose="020B0604020202020204" pitchFamily="34" charset="0"/>
+              </a:rPr>
+              <a:t>İstifadəçinin brauzeri və əməliyyat sistemi haqqında məlumat verir.</a:t>
+            </a:r>
+            <a:r>
+              <a:rPr kumimoji="0" lang="az-Latn-AZ" altLang="en-US" sz="1300" i="0" u="none" strike="noStrike" cap="none" normalizeH="0" baseline="0">
+                <a:ln>
+                  <a:noFill/>
+                </a:ln>
+                <a:solidFill>
+                  <a:schemeClr val="tx1"/>
+                </a:solidFill>
+                <a:effectLst/>
+                <a:latin typeface="Arial" panose="020B0604020202020204" pitchFamily="34" charset="0"/>
+                <a:cs typeface="Arial" panose="020B0604020202020204" pitchFamily="34" charset="0"/>
+              </a:rPr>
+              <a:t> </a:t>
+            </a:r>
+            <a:r>
+              <a:rPr kumimoji="0" lang="en-US" altLang="en-US" sz="1300" i="0" u="none" strike="noStrike" cap="none" normalizeH="0" baseline="0">
+                <a:ln>
+                  <a:noFill/>
+                </a:ln>
+                <a:solidFill>
+                  <a:schemeClr val="tx1"/>
+                </a:solidFill>
+                <a:effectLst/>
+                <a:latin typeface="Arial" panose="020B0604020202020204" pitchFamily="34" charset="0"/>
+                <a:cs typeface="Arial" panose="020B0604020202020204" pitchFamily="34" charset="0"/>
+              </a:rPr>
+              <a:t>Əgər sayt müəyyən edirsə ki, istifadəçi mobil cihazdan daxil olub, ona uyğun dizayn göstərir.</a:t>
+            </a:r>
+            <a:endParaRPr kumimoji="0" lang="az-Latn-AZ" altLang="en-US" sz="1300" i="0" u="none" strike="noStrike" cap="none" normalizeH="0" baseline="0">
+              <a:ln>
+                <a:noFill/>
+              </a:ln>
+              <a:solidFill>
+                <a:schemeClr val="tx1"/>
+              </a:solidFill>
+              <a:effectLst/>
+              <a:latin typeface="Arial" panose="020B0604020202020204" pitchFamily="34" charset="0"/>
+              <a:cs typeface="Arial" panose="020B0604020202020204" pitchFamily="34" charset="0"/>
+            </a:endParaRPr>
+          </a:p>
+          <a:p>
+            <a:pPr marL="285750" marR="0" lvl="0" indent="-285750" algn="l" defTabSz="914400" rtl="0" eaLnBrk="0" fontAlgn="base" latinLnBrk="0" hangingPunct="0">
+              <a:lnSpc>
+                <a:spcPct val="100000"/>
+              </a:lnSpc>
+              <a:spcBef>
+                <a:spcPct val="0"/>
+              </a:spcBef>
+              <a:spcAft>
+                <a:spcPct val="0"/>
+              </a:spcAft>
+              <a:buClrTx/>
+              <a:buSzTx/>
+              <a:buFont typeface="Arial" panose="020B0604020202020204" pitchFamily="34" charset="0"/>
+              <a:buChar char="•"/>
+              <a:tabLst/>
+            </a:pPr>
+            <a:endParaRPr kumimoji="0" lang="az-Latn-AZ" altLang="en-US" sz="1300" i="0" u="none" strike="noStrike" cap="none" normalizeH="0" baseline="0">
+              <a:ln>
+                <a:noFill/>
+              </a:ln>
+              <a:solidFill>
+                <a:schemeClr val="tx1"/>
+              </a:solidFill>
+              <a:effectLst/>
+              <a:latin typeface="Arial" panose="020B0604020202020204" pitchFamily="34" charset="0"/>
+              <a:cs typeface="Arial" panose="020B0604020202020204" pitchFamily="34" charset="0"/>
+            </a:endParaRPr>
+          </a:p>
+          <a:p>
+            <a:pPr marL="285750" marR="0" lvl="0" indent="-285750" algn="l" defTabSz="914400" rtl="0" eaLnBrk="0" fontAlgn="base" latinLnBrk="0" hangingPunct="0">
+              <a:lnSpc>
+                <a:spcPct val="100000"/>
+              </a:lnSpc>
+              <a:spcBef>
+                <a:spcPct val="0"/>
+              </a:spcBef>
+              <a:spcAft>
+                <a:spcPct val="0"/>
+              </a:spcAft>
+              <a:buClrTx/>
+              <a:buSzTx/>
+              <a:buFont typeface="Arial" panose="020B0604020202020204" pitchFamily="34" charset="0"/>
+              <a:buChar char="•"/>
+              <a:tabLst/>
+            </a:pPr>
+            <a:endParaRPr kumimoji="0" lang="en-US" altLang="en-US" sz="1300" i="0" u="none" strike="noStrike" cap="none" normalizeH="0" baseline="0">
+              <a:ln>
+                <a:noFill/>
+              </a:ln>
+              <a:solidFill>
+                <a:schemeClr val="tx1"/>
+              </a:solidFill>
+              <a:effectLst/>
+              <a:latin typeface="Arial" panose="020B0604020202020204" pitchFamily="34" charset="0"/>
+              <a:cs typeface="Arial" panose="020B0604020202020204" pitchFamily="34" charset="0"/>
+            </a:endParaRPr>
+          </a:p>
+          <a:p>
+            <a:pPr marL="0" marR="0" lvl="0" indent="0" algn="l" defTabSz="914400" rtl="0" eaLnBrk="0" fontAlgn="base" latinLnBrk="0" hangingPunct="0">
+              <a:lnSpc>
+                <a:spcPct val="100000"/>
+              </a:lnSpc>
+              <a:spcBef>
+                <a:spcPct val="0"/>
+              </a:spcBef>
+              <a:spcAft>
+                <a:spcPct val="0"/>
+              </a:spcAft>
+              <a:buClrTx/>
+              <a:buSzTx/>
+              <a:buFontTx/>
+              <a:buNone/>
+              <a:tabLst/>
+            </a:pPr>
+            <a:r>
+              <a:rPr kumimoji="0" lang="en-US" altLang="en-US" sz="1300" i="0" u="none" strike="noStrike" cap="none" normalizeH="0" baseline="0">
+                <a:ln>
+                  <a:noFill/>
+                </a:ln>
+                <a:solidFill>
+                  <a:schemeClr val="tx1"/>
+                </a:solidFill>
+                <a:effectLst/>
+                <a:latin typeface="Arial" panose="020B0604020202020204" pitchFamily="34" charset="0"/>
+                <a:cs typeface="Arial" panose="020B0604020202020204" pitchFamily="34" charset="0"/>
+              </a:rPr>
+              <a:t>6️⃣ </a:t>
+            </a:r>
+            <a:r>
+              <a:rPr kumimoji="0" lang="en-US" altLang="en-US" sz="1300" b="1" i="0" u="none" strike="noStrike" cap="none" normalizeH="0" baseline="0">
+                <a:ln>
+                  <a:noFill/>
+                </a:ln>
+                <a:solidFill>
+                  <a:schemeClr val="tx1"/>
+                </a:solidFill>
+                <a:effectLst/>
+                <a:latin typeface="Arial" panose="020B0604020202020204" pitchFamily="34" charset="0"/>
+                <a:cs typeface="Arial" panose="020B0604020202020204" pitchFamily="34" charset="0"/>
+              </a:rPr>
+              <a:t>authorization: token </a:t>
+            </a:r>
+            <a:r>
+              <a:rPr kumimoji="0" lang="en-US" altLang="en-US" sz="1300" i="0" u="none" strike="noStrike" cap="none" normalizeH="0" baseline="0">
+                <a:ln>
+                  <a:noFill/>
+                </a:ln>
+                <a:solidFill>
+                  <a:schemeClr val="tx1"/>
+                </a:solidFill>
+                <a:effectLst/>
+                <a:latin typeface="Arial" panose="020B0604020202020204" pitchFamily="34" charset="0"/>
+                <a:cs typeface="Arial" panose="020B0604020202020204" pitchFamily="34" charset="0"/>
+              </a:rPr>
+              <a:t>– İstifadəçinin girişini təsdiqləyən unikal kod (token)</a:t>
+            </a:r>
+          </a:p>
+          <a:p>
+            <a:pPr marR="0" lvl="0" algn="l" defTabSz="914400" rtl="0" eaLnBrk="0" fontAlgn="base" latinLnBrk="0" hangingPunct="0">
+              <a:lnSpc>
+                <a:spcPct val="100000"/>
+              </a:lnSpc>
+              <a:spcBef>
+                <a:spcPct val="0"/>
+              </a:spcBef>
+              <a:spcAft>
+                <a:spcPct val="0"/>
+              </a:spcAft>
+              <a:buClrTx/>
+              <a:buSzTx/>
+              <a:tabLst/>
+            </a:pPr>
+            <a:r>
+              <a:rPr kumimoji="0" lang="en-US" altLang="en-US" sz="1300" i="0" u="none" strike="noStrike" cap="none" normalizeH="0" baseline="0">
+                <a:ln>
+                  <a:noFill/>
+                </a:ln>
+                <a:solidFill>
+                  <a:schemeClr val="tx1"/>
+                </a:solidFill>
+                <a:effectLst/>
+                <a:latin typeface="Arial" panose="020B0604020202020204" pitchFamily="34" charset="0"/>
+                <a:cs typeface="Arial" panose="020B0604020202020204" pitchFamily="34" charset="0"/>
+              </a:rPr>
+              <a:t>Məsələn, sayta giriş etdikdə və ya API ilə işlədikdə token göndərilir</a:t>
+            </a:r>
+            <a:r>
+              <a:rPr lang="az-Latn-AZ" altLang="en-US" sz="1300">
+                <a:latin typeface="Arial" panose="020B0604020202020204" pitchFamily="34" charset="0"/>
+                <a:cs typeface="Arial" panose="020B0604020202020204" pitchFamily="34" charset="0"/>
+              </a:rPr>
+              <a:t>. </a:t>
+            </a:r>
+            <a:r>
+              <a:rPr kumimoji="0" lang="en-US" altLang="en-US" sz="1300" i="0" u="none" strike="noStrike" cap="none" normalizeH="0" baseline="0">
+                <a:ln>
+                  <a:noFill/>
+                </a:ln>
+                <a:solidFill>
+                  <a:schemeClr val="tx1"/>
+                </a:solidFill>
+                <a:effectLst/>
+                <a:latin typeface="Arial" panose="020B0604020202020204" pitchFamily="34" charset="0"/>
+                <a:cs typeface="Arial" panose="020B0604020202020204" pitchFamily="34" charset="0"/>
+              </a:rPr>
+              <a:t>Əgər düzgün token yoxdursa, server 401 (Unauthorized) xətası qaytarır.</a:t>
+            </a:r>
+            <a:endParaRPr kumimoji="0" lang="az-Latn-AZ" altLang="en-US" sz="1300" i="0" u="none" strike="noStrike" cap="none" normalizeH="0" baseline="0">
+              <a:ln>
+                <a:noFill/>
+              </a:ln>
+              <a:solidFill>
+                <a:schemeClr val="tx1"/>
+              </a:solidFill>
+              <a:effectLst/>
+              <a:latin typeface="Arial" panose="020B0604020202020204" pitchFamily="34" charset="0"/>
+              <a:cs typeface="Arial" panose="020B0604020202020204" pitchFamily="34" charset="0"/>
+            </a:endParaRPr>
+          </a:p>
+          <a:p>
+            <a:pPr marL="0" marR="0" lvl="0" indent="0" algn="l" defTabSz="914400" rtl="0" eaLnBrk="0" fontAlgn="base" latinLnBrk="0" hangingPunct="0">
+              <a:lnSpc>
+                <a:spcPct val="100000"/>
+              </a:lnSpc>
+              <a:spcBef>
+                <a:spcPct val="0"/>
+              </a:spcBef>
+              <a:spcAft>
+                <a:spcPct val="0"/>
+              </a:spcAft>
+              <a:buClrTx/>
+              <a:buSzTx/>
+              <a:buFontTx/>
+              <a:buChar char="•"/>
+              <a:tabLst/>
+            </a:pPr>
+            <a:endParaRPr kumimoji="0" lang="az-Latn-AZ" altLang="en-US" sz="1300" i="0" u="none" strike="noStrike" cap="none" normalizeH="0" baseline="0">
+              <a:ln>
+                <a:noFill/>
+              </a:ln>
+              <a:solidFill>
+                <a:schemeClr val="tx1"/>
+              </a:solidFill>
+              <a:effectLst/>
+              <a:latin typeface="Arial" panose="020B0604020202020204" pitchFamily="34" charset="0"/>
+              <a:cs typeface="Arial" panose="020B0604020202020204" pitchFamily="34" charset="0"/>
+            </a:endParaRPr>
+          </a:p>
+          <a:p>
+            <a:pPr marL="0" marR="0" lvl="0" indent="0" algn="l" defTabSz="914400" rtl="0" eaLnBrk="0" fontAlgn="base" latinLnBrk="0" hangingPunct="0">
+              <a:lnSpc>
+                <a:spcPct val="100000"/>
+              </a:lnSpc>
+              <a:spcBef>
+                <a:spcPct val="0"/>
+              </a:spcBef>
+              <a:spcAft>
+                <a:spcPct val="0"/>
+              </a:spcAft>
+              <a:buClrTx/>
+              <a:buSzTx/>
+              <a:buFontTx/>
+              <a:buChar char="•"/>
+              <a:tabLst/>
+            </a:pPr>
+            <a:endParaRPr kumimoji="0" lang="en-US" altLang="en-US" sz="1300" i="0" u="none" strike="noStrike" cap="none" normalizeH="0" baseline="0">
+              <a:ln>
+                <a:noFill/>
+              </a:ln>
+              <a:solidFill>
+                <a:schemeClr val="tx1"/>
+              </a:solidFill>
+              <a:effectLst/>
+              <a:latin typeface="Arial" panose="020B0604020202020204" pitchFamily="34" charset="0"/>
+              <a:cs typeface="Arial" panose="020B0604020202020204" pitchFamily="34" charset="0"/>
+            </a:endParaRPr>
+          </a:p>
+          <a:p>
+            <a:pPr marL="0" marR="0" lvl="0" indent="0" algn="l" defTabSz="914400" rtl="0" eaLnBrk="0" fontAlgn="base" latinLnBrk="0" hangingPunct="0">
+              <a:lnSpc>
+                <a:spcPct val="100000"/>
+              </a:lnSpc>
+              <a:spcBef>
+                <a:spcPct val="0"/>
+              </a:spcBef>
+              <a:spcAft>
+                <a:spcPct val="0"/>
+              </a:spcAft>
+              <a:buClrTx/>
+              <a:buSzTx/>
+              <a:buFontTx/>
+              <a:buNone/>
+              <a:tabLst/>
+            </a:pPr>
+            <a:r>
+              <a:rPr kumimoji="0" lang="en-US" altLang="en-US" sz="1300" i="0" u="none" strike="noStrike" cap="none" normalizeH="0" baseline="0">
+                <a:ln>
+                  <a:noFill/>
+                </a:ln>
+                <a:solidFill>
+                  <a:schemeClr val="tx1"/>
+                </a:solidFill>
+                <a:effectLst/>
+                <a:latin typeface="Arial" panose="020B0604020202020204" pitchFamily="34" charset="0"/>
+                <a:cs typeface="Arial" panose="020B0604020202020204" pitchFamily="34" charset="0"/>
+              </a:rPr>
+              <a:t>7️⃣ </a:t>
+            </a:r>
+            <a:r>
+              <a:rPr kumimoji="0" lang="en-US" altLang="en-US" sz="1300" b="1" i="0" u="none" strike="noStrike" cap="none" normalizeH="0" baseline="0">
+                <a:ln>
+                  <a:noFill/>
+                </a:ln>
+                <a:solidFill>
+                  <a:schemeClr val="tx1"/>
+                </a:solidFill>
+                <a:effectLst/>
+                <a:latin typeface="Arial" panose="020B0604020202020204" pitchFamily="34" charset="0"/>
+                <a:cs typeface="Arial" panose="020B0604020202020204" pitchFamily="34" charset="0"/>
+              </a:rPr>
+              <a:t>Set-Cookie, Cookie </a:t>
+            </a:r>
+            <a:r>
+              <a:rPr kumimoji="0" lang="en-US" altLang="en-US" sz="1300" i="0" u="none" strike="noStrike" cap="none" normalizeH="0" baseline="0">
+                <a:ln>
+                  <a:noFill/>
+                </a:ln>
+                <a:solidFill>
+                  <a:schemeClr val="tx1"/>
+                </a:solidFill>
+                <a:effectLst/>
+                <a:latin typeface="Arial" panose="020B0604020202020204" pitchFamily="34" charset="0"/>
+                <a:cs typeface="Arial" panose="020B0604020202020204" pitchFamily="34" charset="0"/>
+              </a:rPr>
+              <a:t>– Sessiya və ya istifadəçi məlumatlarını saxlayır</a:t>
+            </a:r>
+          </a:p>
+          <a:p>
+            <a:pPr marR="0" lvl="0" algn="l" defTabSz="914400" rtl="0" eaLnBrk="0" fontAlgn="base" latinLnBrk="0" hangingPunct="0">
+              <a:lnSpc>
+                <a:spcPct val="100000"/>
+              </a:lnSpc>
+              <a:spcBef>
+                <a:spcPct val="0"/>
+              </a:spcBef>
+              <a:spcAft>
+                <a:spcPct val="0"/>
+              </a:spcAft>
+              <a:buClrTx/>
+              <a:buSzTx/>
+              <a:tabLst/>
+            </a:pPr>
+            <a:r>
+              <a:rPr kumimoji="0" lang="en-US" altLang="en-US" sz="1300" i="0" u="none" strike="noStrike" cap="none" normalizeH="0" baseline="0">
+                <a:ln>
+                  <a:noFill/>
+                </a:ln>
+                <a:solidFill>
+                  <a:schemeClr val="tx1"/>
+                </a:solidFill>
+                <a:effectLst/>
+                <a:latin typeface="Arial" panose="020B0604020202020204" pitchFamily="34" charset="0"/>
+                <a:cs typeface="Arial" panose="020B0604020202020204" pitchFamily="34" charset="0"/>
+              </a:rPr>
+              <a:t>Set-Cookie – Server brauzerə cookie yaratmağı tapşırır.</a:t>
+            </a:r>
+            <a:r>
+              <a:rPr kumimoji="0" lang="az-Latn-AZ" altLang="en-US" sz="1300" i="0" u="none" strike="noStrike" cap="none" normalizeH="0" baseline="0">
+                <a:ln>
+                  <a:noFill/>
+                </a:ln>
+                <a:solidFill>
+                  <a:schemeClr val="tx1"/>
+                </a:solidFill>
+                <a:effectLst/>
+                <a:latin typeface="Arial" panose="020B0604020202020204" pitchFamily="34" charset="0"/>
+                <a:cs typeface="Arial" panose="020B0604020202020204" pitchFamily="34" charset="0"/>
+              </a:rPr>
+              <a:t> </a:t>
+            </a:r>
+            <a:r>
+              <a:rPr kumimoji="0" lang="en-US" altLang="en-US" sz="1300" i="0" u="none" strike="noStrike" cap="none" normalizeH="0" baseline="0">
+                <a:ln>
+                  <a:noFill/>
+                </a:ln>
+                <a:solidFill>
+                  <a:schemeClr val="tx1"/>
+                </a:solidFill>
+                <a:effectLst/>
+                <a:latin typeface="Arial" panose="020B0604020202020204" pitchFamily="34" charset="0"/>
+                <a:cs typeface="Arial" panose="020B0604020202020204" pitchFamily="34" charset="0"/>
+              </a:rPr>
+              <a:t>Cookie – Brauzerin saxladığı məlumat serverə geri göndərilir (məsələn, istifadəçi adı, dil seçimi).</a:t>
+            </a:r>
+          </a:p>
+          <a:p>
+            <a:pPr marL="0" marR="0" lvl="0" indent="0" algn="l" defTabSz="914400" rtl="0" eaLnBrk="0" fontAlgn="base" latinLnBrk="0" hangingPunct="0">
+              <a:lnSpc>
+                <a:spcPct val="100000"/>
+              </a:lnSpc>
+              <a:spcBef>
+                <a:spcPct val="0"/>
+              </a:spcBef>
+              <a:spcAft>
+                <a:spcPct val="0"/>
+              </a:spcAft>
+              <a:buClrTx/>
+              <a:buSzTx/>
+              <a:buFontTx/>
+              <a:buNone/>
+              <a:tabLst/>
+            </a:pPr>
+            <a:endParaRPr kumimoji="0" lang="en-US" altLang="en-US" sz="1300" b="0" i="0" u="none" strike="noStrike" cap="none" normalizeH="0" baseline="0">
+              <a:ln>
+                <a:noFill/>
+              </a:ln>
+              <a:solidFill>
+                <a:schemeClr val="tx1"/>
+              </a:solidFill>
+              <a:effectLst/>
+              <a:latin typeface="Arial" panose="020B0604020202020204" pitchFamily="34" charset="0"/>
+              <a:cs typeface="Arial" panose="020B0604020202020204" pitchFamily="34" charset="0"/>
+            </a:endParaRPr>
+          </a:p>
+        </p:txBody>
+      </p:sp>
+    </p:spTree>
+    <p:extLst>
+      <p:ext uri="{BB962C8B-B14F-4D97-AF65-F5344CB8AC3E}">
+        <p14:creationId xmlns:p14="http://schemas.microsoft.com/office/powerpoint/2010/main" val="474877424"/>
+      </p:ext>
+    </p:extLst>
+  </p:cSld>
+  <p:clrMapOvr>
+    <a:masterClrMapping/>
+  </p:clrMapOvr>
+</p:sld>
+</file>
+
+<file path=ppt/slides/slide6.xml><?xml version="1.0" encoding="utf-8"?>
 <p:sld xmlns:a="http://schemas.openxmlformats.org/drawingml/2006/main" xmlns:r="http://schemas.openxmlformats.org/officeDocument/2006/relationships" xmlns:p="http://schemas.openxmlformats.org/presentationml/2006/main">
   <p:cSld>
     <p:spTree>
@@ -5654,7 +12889,7 @@
         <p:spPr>
           <a:xfrm>
             <a:off x="107004" y="158874"/>
-            <a:ext cx="11984477" cy="584775"/>
+            <a:ext cx="11984477" cy="5693866"/>
           </a:xfrm>
           <a:prstGeom prst="rect">
             <a:avLst/>
@@ -5667,19 +12902,340 @@
           </a:bodyPr>
           <a:lstStyle/>
           <a:p>
-            <a:r>
-              <a:rPr lang="ru-RU" sz="1600"/>
-              <a:t>.</a:t>
-            </a:r>
-          </a:p>
-          <a:p>
             <a:pPr>
               <a:buNone/>
             </a:pPr>
-            <a:endParaRPr lang="en-US" sz="1600"/>
+            <a:r>
+              <a:rPr lang="en-US" sz="1400" b="1"/>
+              <a:t>5️⃣ Sorğu gövdəsi (Body) - </a:t>
+            </a:r>
+            <a:r>
+              <a:rPr lang="en-US" sz="1400"/>
+              <a:t>Burada serverə göndərilən məlumatlar olur. </a:t>
+            </a:r>
+            <a:r>
+              <a:rPr lang="en-US" sz="1400" b="1"/>
+              <a:t>GET sorğularında body hissəsi olmur.</a:t>
+            </a:r>
+            <a:endParaRPr lang="en-US" sz="1400"/>
+          </a:p>
+          <a:p>
+            <a:r>
+              <a:rPr lang="en-US" sz="1400"/>
+              <a:t>✅ </a:t>
+            </a:r>
+            <a:r>
+              <a:rPr lang="en-US" sz="1400" b="1"/>
+              <a:t>Misal:</a:t>
+            </a:r>
+            <a:r>
+              <a:rPr lang="en-US" sz="1400"/>
+              <a:t> (POST sorğusunda JSON məlumatı göndərilməsi)</a:t>
+            </a:r>
+          </a:p>
+          <a:p>
+            <a:endParaRPr lang="en-US" sz="1400"/>
+          </a:p>
+          <a:p>
+            <a:endParaRPr lang="en-US" sz="1400"/>
+          </a:p>
+          <a:p>
+            <a:endParaRPr lang="en-US" sz="1400"/>
+          </a:p>
+          <a:p>
+            <a:endParaRPr lang="en-US" sz="1400"/>
+          </a:p>
+          <a:p>
+            <a:endParaRPr lang="en-US" sz="1400"/>
+          </a:p>
+          <a:p>
+            <a:endParaRPr lang="en-US" sz="1400"/>
+          </a:p>
+          <a:p>
+            <a:endParaRPr lang="en-US" sz="1400"/>
+          </a:p>
+          <a:p>
+            <a:endParaRPr lang="en-US" sz="1400"/>
+          </a:p>
+          <a:p>
+            <a:endParaRPr lang="en-US" sz="1400"/>
+          </a:p>
+          <a:p>
+            <a:endParaRPr lang="en-US" sz="1400"/>
+          </a:p>
+          <a:p>
+            <a:endParaRPr lang="en-US" sz="1400"/>
+          </a:p>
+          <a:p>
+            <a:endParaRPr lang="en-US" sz="1400"/>
+          </a:p>
+          <a:p>
+            <a:pPr marL="285750" marR="0" lvl="0" indent="-285750" algn="l" defTabSz="914400" rtl="0" eaLnBrk="0" fontAlgn="base" latinLnBrk="0" hangingPunct="0">
+              <a:lnSpc>
+                <a:spcPct val="100000"/>
+              </a:lnSpc>
+              <a:spcBef>
+                <a:spcPct val="0"/>
+              </a:spcBef>
+              <a:spcAft>
+                <a:spcPct val="0"/>
+              </a:spcAft>
+              <a:buClrTx/>
+              <a:buSzTx/>
+              <a:buFont typeface="Arial" panose="020B0604020202020204" pitchFamily="34" charset="0"/>
+              <a:buChar char="•"/>
+              <a:tabLst/>
+            </a:pPr>
+            <a:r>
+              <a:rPr kumimoji="0" lang="en-US" altLang="en-US" sz="1400" b="1" i="0" u="none" strike="noStrike" cap="none" normalizeH="0" baseline="0">
+                <a:ln>
+                  <a:noFill/>
+                </a:ln>
+                <a:solidFill>
+                  <a:schemeClr val="tx1"/>
+                </a:solidFill>
+                <a:effectLst/>
+                <a:latin typeface="Arial" panose="020B0604020202020204" pitchFamily="34" charset="0"/>
+              </a:rPr>
+              <a:t>POST</a:t>
+            </a:r>
+            <a:r>
+              <a:rPr kumimoji="0" lang="en-US" altLang="en-US" sz="1400" b="0" i="0" u="none" strike="noStrike" cap="none" normalizeH="0" baseline="0">
+                <a:ln>
+                  <a:noFill/>
+                </a:ln>
+                <a:solidFill>
+                  <a:schemeClr val="tx1"/>
+                </a:solidFill>
+                <a:effectLst/>
+                <a:latin typeface="Arial" panose="020B0604020202020204" pitchFamily="34" charset="0"/>
+              </a:rPr>
+              <a:t> 				→ Yeni istifadəçi məlumatı göndərir.</a:t>
+            </a:r>
+          </a:p>
+          <a:p>
+            <a:pPr marL="285750" marR="0" lvl="0" indent="-285750" algn="l" defTabSz="914400" rtl="0" eaLnBrk="0" fontAlgn="base" latinLnBrk="0" hangingPunct="0">
+              <a:lnSpc>
+                <a:spcPct val="100000"/>
+              </a:lnSpc>
+              <a:spcBef>
+                <a:spcPct val="0"/>
+              </a:spcBef>
+              <a:spcAft>
+                <a:spcPct val="0"/>
+              </a:spcAft>
+              <a:buClrTx/>
+              <a:buSzTx/>
+              <a:buFont typeface="Arial" panose="020B0604020202020204" pitchFamily="34" charset="0"/>
+              <a:buChar char="•"/>
+              <a:tabLst/>
+            </a:pPr>
+            <a:r>
+              <a:rPr kumimoji="0" lang="en-US" altLang="en-US" sz="1400" b="1" i="0" u="none" strike="noStrike" cap="none" normalizeH="0" baseline="0">
+                <a:ln>
+                  <a:noFill/>
+                </a:ln>
+                <a:solidFill>
+                  <a:schemeClr val="tx1"/>
+                </a:solidFill>
+                <a:effectLst/>
+                <a:latin typeface="Arial" panose="020B0604020202020204" pitchFamily="34" charset="0"/>
+              </a:rPr>
+              <a:t>Content-Type: application/json</a:t>
+            </a:r>
+            <a:r>
+              <a:rPr kumimoji="0" lang="en-US" altLang="en-US" sz="1400" b="0" i="0" u="none" strike="noStrike" cap="none" normalizeH="0" baseline="0">
+                <a:ln>
+                  <a:noFill/>
+                </a:ln>
+                <a:solidFill>
+                  <a:schemeClr val="tx1"/>
+                </a:solidFill>
+                <a:effectLst/>
+                <a:latin typeface="Arial" panose="020B0604020202020204" pitchFamily="34" charset="0"/>
+              </a:rPr>
+              <a:t> 	→ Məlumat JSON formatındadır.</a:t>
+            </a:r>
+          </a:p>
+          <a:p>
+            <a:pPr marL="285750" marR="0" lvl="0" indent="-285750" algn="l" defTabSz="914400" rtl="0" eaLnBrk="0" fontAlgn="base" latinLnBrk="0" hangingPunct="0">
+              <a:lnSpc>
+                <a:spcPct val="100000"/>
+              </a:lnSpc>
+              <a:spcBef>
+                <a:spcPct val="0"/>
+              </a:spcBef>
+              <a:spcAft>
+                <a:spcPct val="0"/>
+              </a:spcAft>
+              <a:buClrTx/>
+              <a:buSzTx/>
+              <a:buFont typeface="Arial" panose="020B0604020202020204" pitchFamily="34" charset="0"/>
+              <a:buChar char="•"/>
+              <a:tabLst/>
+            </a:pPr>
+            <a:r>
+              <a:rPr kumimoji="0" lang="en-US" altLang="en-US" sz="1400" b="1" i="0" u="none" strike="noStrike" cap="none" normalizeH="0" baseline="0">
+                <a:ln>
+                  <a:noFill/>
+                </a:ln>
+                <a:solidFill>
+                  <a:schemeClr val="tx1"/>
+                </a:solidFill>
+                <a:effectLst/>
+                <a:latin typeface="Arial" panose="020B0604020202020204" pitchFamily="34" charset="0"/>
+              </a:rPr>
+              <a:t>Body hissəsində</a:t>
+            </a:r>
+            <a:r>
+              <a:rPr kumimoji="0" lang="en-US" altLang="en-US" sz="1400" b="0" i="0" u="none" strike="noStrike" cap="none" normalizeH="0" baseline="0">
+                <a:ln>
+                  <a:noFill/>
+                </a:ln>
+                <a:solidFill>
+                  <a:schemeClr val="tx1"/>
+                </a:solidFill>
+                <a:effectLst/>
+                <a:latin typeface="Arial" panose="020B0604020202020204" pitchFamily="34" charset="0"/>
+              </a:rPr>
+              <a:t> 		 	→ istifadəçinin adı və yaşı göstərilib.</a:t>
+            </a:r>
+          </a:p>
+          <a:p>
+            <a:endParaRPr lang="az-Latn-AZ" sz="1400"/>
+          </a:p>
+          <a:p>
+            <a:endParaRPr lang="az-Latn-AZ" sz="1400"/>
+          </a:p>
+          <a:p>
+            <a:endParaRPr lang="az-Latn-AZ" sz="1400"/>
+          </a:p>
+          <a:p>
+            <a:pPr>
+              <a:buNone/>
+            </a:pPr>
+            <a:r>
+              <a:rPr lang="en-US" sz="1400" b="1"/>
+              <a:t>📌 Body hansı formatlarda ola bilər?</a:t>
+            </a:r>
+          </a:p>
+          <a:p>
+            <a:r>
+              <a:rPr lang="en-US" sz="1400"/>
+              <a:t>✅ </a:t>
+            </a:r>
+            <a:r>
+              <a:rPr lang="en-US" sz="1400" b="1"/>
+              <a:t>JSON (JavaScript Object Notation)</a:t>
+            </a:r>
+            <a:r>
+              <a:rPr lang="en-US" sz="1400"/>
+              <a:t> – </a:t>
+            </a:r>
+            <a:r>
+              <a:rPr lang="en-US" sz="1400" b="1"/>
+              <a:t>Ən çox istifadə olunan formatdır</a:t>
+            </a:r>
+            <a:br>
+              <a:rPr lang="en-US" sz="1400"/>
+            </a:br>
+            <a:r>
+              <a:rPr lang="en-US" sz="1400"/>
+              <a:t>✅ </a:t>
+            </a:r>
+            <a:r>
+              <a:rPr lang="en-US" sz="1400" b="1"/>
+              <a:t>XML (Extensible Markup Language)</a:t>
+            </a:r>
+            <a:r>
+              <a:rPr lang="en-US" sz="1400"/>
+              <a:t> – </a:t>
+            </a:r>
+            <a:r>
+              <a:rPr lang="en-US" sz="1400" b="1"/>
+              <a:t>Köhnə sistemlərdə istifadə olunur</a:t>
+            </a:r>
+            <a:br>
+              <a:rPr lang="en-US" sz="1400"/>
+            </a:br>
+            <a:r>
+              <a:rPr lang="en-US" sz="1400"/>
+              <a:t>✅ </a:t>
+            </a:r>
+            <a:r>
+              <a:rPr lang="en-US" sz="1400" b="1"/>
+              <a:t>Form-data</a:t>
+            </a:r>
+            <a:r>
+              <a:rPr lang="en-US" sz="1400"/>
+              <a:t> – </a:t>
+            </a:r>
+            <a:r>
+              <a:rPr lang="en-US" sz="1400" b="1"/>
+              <a:t>Fayl yükləmək üçün istifadə olunur</a:t>
+            </a:r>
+            <a:br>
+              <a:rPr lang="en-US" sz="1400"/>
+            </a:br>
+            <a:r>
+              <a:rPr lang="en-US" sz="1400"/>
+              <a:t>✅ </a:t>
+            </a:r>
+            <a:r>
+              <a:rPr lang="en-US" sz="1400" b="1"/>
+              <a:t>Text/plain</a:t>
+            </a:r>
+            <a:r>
+              <a:rPr lang="en-US" sz="1400"/>
+              <a:t> – </a:t>
+            </a:r>
+            <a:r>
+              <a:rPr lang="en-US" sz="1400" b="1"/>
+              <a:t>Adi mətn formatıdır</a:t>
+            </a:r>
+            <a:endParaRPr lang="en-US" sz="1400"/>
+          </a:p>
+          <a:p>
+            <a:endParaRPr lang="en-US" sz="1400"/>
           </a:p>
         </p:txBody>
       </p:sp>
+      <p:pic>
+        <p:nvPicPr>
+          <p:cNvPr id="4" name="Picture 3">
+            <a:extLst>
+              <a:ext uri="{FF2B5EF4-FFF2-40B4-BE49-F238E27FC236}">
+                <a16:creationId xmlns:a16="http://schemas.microsoft.com/office/drawing/2014/main" id="{FAA91B04-0138-313E-DBE1-860CAFF9B7DB}"/>
+              </a:ext>
+            </a:extLst>
+          </p:cNvPr>
+          <p:cNvPicPr>
+            <a:picLocks noChangeAspect="1"/>
+          </p:cNvPicPr>
+          <p:nvPr/>
+        </p:nvPicPr>
+        <p:blipFill>
+          <a:blip r:embed="rId3">
+            <a:extLst>
+              <a:ext uri="{28A0092B-C50C-407E-A947-70E740481C1C}">
+                <a14:useLocalDpi xmlns:a14="http://schemas.microsoft.com/office/drawing/2010/main" val="0"/>
+              </a:ext>
+            </a:extLst>
+          </a:blip>
+          <a:stretch>
+            <a:fillRect/>
+          </a:stretch>
+        </p:blipFill>
+        <p:spPr>
+          <a:xfrm>
+            <a:off x="183723" y="931661"/>
+            <a:ext cx="2400635" cy="1952898"/>
+          </a:xfrm>
+          <a:prstGeom prst="rect">
+            <a:avLst/>
+          </a:prstGeom>
+        </p:spPr>
+      </p:pic>
     </p:spTree>
     <p:extLst>
       <p:ext uri="{BB962C8B-B14F-4D97-AF65-F5344CB8AC3E}">
@@ -5693,7 +13249,7 @@
 </p:sld>
 </file>
 
-<file path=ppt/slides/slide5.xml><?xml version="1.0" encoding="utf-8"?>
+<file path=ppt/slides/slide7.xml><?xml version="1.0" encoding="utf-8"?>
 <p:sld xmlns:a="http://schemas.openxmlformats.org/drawingml/2006/main" xmlns:r="http://schemas.openxmlformats.org/officeDocument/2006/relationships" xmlns:p="http://schemas.openxmlformats.org/presentationml/2006/main">
   <p:cSld>
     <p:spTree>
@@ -5731,7 +13287,7 @@
         <p:spPr>
           <a:xfrm>
             <a:off x="107004" y="158874"/>
-            <a:ext cx="11984477" cy="584775"/>
+            <a:ext cx="11984477" cy="6294031"/>
           </a:xfrm>
           <a:prstGeom prst="rect">
             <a:avLst/>
@@ -5744,16 +13300,442 @@
           </a:bodyPr>
           <a:lstStyle/>
           <a:p>
-            <a:r>
-              <a:rPr lang="ru-RU" sz="1600"/>
-              <a:t>.</a:t>
-            </a:r>
-          </a:p>
-          <a:p>
             <a:pPr>
               <a:buNone/>
             </a:pPr>
-            <a:endParaRPr lang="en-US" sz="1600"/>
+            <a:r>
+              <a:rPr lang="en-US" sz="1300" b="1">
+                <a:solidFill>
+                  <a:srgbClr val="00B050"/>
+                </a:solidFill>
+              </a:rPr>
+              <a:t>HTTP Cavabının (Response) Strukturu </a:t>
+            </a:r>
+            <a:r>
+              <a:rPr lang="en-US" sz="1300"/>
+              <a:t>- HTTP cavabı serverin müştəriyə göndərdiyi mesajdır.</a:t>
+            </a:r>
+          </a:p>
+          <a:p>
+            <a:pPr>
+              <a:buNone/>
+            </a:pPr>
+            <a:endParaRPr lang="en-US" sz="1300"/>
+          </a:p>
+          <a:p>
+            <a:pPr>
+              <a:buNone/>
+            </a:pPr>
+            <a:endParaRPr lang="en-US" sz="1300"/>
+          </a:p>
+          <a:p>
+            <a:pPr>
+              <a:buNone/>
+            </a:pPr>
+            <a:r>
+              <a:rPr lang="en-US" sz="1300" b="1"/>
+              <a:t>1️⃣ Başlıq sətri (Start Line) - Burada HTTP versiyası, status kodu və açıqlama olur.</a:t>
+            </a:r>
+          </a:p>
+          <a:p>
+            <a:pPr>
+              <a:buNone/>
+            </a:pPr>
+            <a:endParaRPr lang="en-US" sz="1300" b="1"/>
+          </a:p>
+          <a:p>
+            <a:r>
+              <a:rPr lang="en-US" sz="1300" b="1"/>
+              <a:t>Misal: </a:t>
+            </a:r>
+            <a:r>
+              <a:rPr lang="en-US" sz="1300"/>
+              <a:t>HTTP/1.1 200 OK</a:t>
+            </a:r>
+          </a:p>
+          <a:p>
+            <a:endParaRPr lang="en-US" sz="1300"/>
+          </a:p>
+          <a:p>
+            <a:pPr marL="285750" indent="-285750">
+              <a:buFont typeface="Arial" panose="020B0604020202020204" pitchFamily="34" charset="0"/>
+              <a:buChar char="•"/>
+            </a:pPr>
+            <a:r>
+              <a:rPr lang="en-US" sz="1300" b="1"/>
+              <a:t>200 OK</a:t>
+            </a:r>
+            <a:r>
+              <a:rPr lang="en-US" sz="1300"/>
+              <a:t> → Sorğu uğurla icra edilib.</a:t>
+            </a:r>
+          </a:p>
+          <a:p>
+            <a:pPr>
+              <a:buFont typeface="Arial" panose="020B0604020202020204" pitchFamily="34" charset="0"/>
+              <a:buChar char="•"/>
+            </a:pPr>
+            <a:endParaRPr lang="en-US" sz="1300"/>
+          </a:p>
+          <a:p>
+            <a:pPr>
+              <a:buFont typeface="Arial" panose="020B0604020202020204" pitchFamily="34" charset="0"/>
+              <a:buChar char="•"/>
+            </a:pPr>
+            <a:endParaRPr lang="en-US" sz="1300"/>
+          </a:p>
+          <a:p>
+            <a:pPr>
+              <a:buFont typeface="Arial" panose="020B0604020202020204" pitchFamily="34" charset="0"/>
+              <a:buChar char="•"/>
+            </a:pPr>
+            <a:endParaRPr lang="en-US" sz="1300"/>
+          </a:p>
+          <a:p>
+            <a:pPr>
+              <a:buNone/>
+            </a:pPr>
+            <a:r>
+              <a:rPr lang="en-US" sz="1300" b="1">
+                <a:solidFill>
+                  <a:srgbClr val="FF0000"/>
+                </a:solidFill>
+              </a:rPr>
+              <a:t>Bəzi əsas status kodları:</a:t>
+            </a:r>
+            <a:endParaRPr lang="en-US" sz="1300">
+              <a:solidFill>
+                <a:srgbClr val="FF0000"/>
+              </a:solidFill>
+            </a:endParaRPr>
+          </a:p>
+          <a:p>
+            <a:pPr marL="285750" indent="-285750">
+              <a:buFont typeface="Arial" panose="020B0604020202020204" pitchFamily="34" charset="0"/>
+              <a:buChar char="•"/>
+            </a:pPr>
+            <a:r>
+              <a:rPr lang="en-US" sz="1300" b="1">
+                <a:solidFill>
+                  <a:srgbClr val="FF0000"/>
+                </a:solidFill>
+              </a:rPr>
+              <a:t>200 OK</a:t>
+            </a:r>
+            <a:r>
+              <a:rPr lang="en-US" sz="1300">
+                <a:solidFill>
+                  <a:srgbClr val="FF0000"/>
+                </a:solidFill>
+              </a:rPr>
+              <a:t> → Sorğu uğurla yerinə yetirildi.</a:t>
+            </a:r>
+          </a:p>
+          <a:p>
+            <a:pPr marL="285750" indent="-285750">
+              <a:buFont typeface="Arial" panose="020B0604020202020204" pitchFamily="34" charset="0"/>
+              <a:buChar char="•"/>
+            </a:pPr>
+            <a:r>
+              <a:rPr lang="en-US" sz="1300" b="1">
+                <a:solidFill>
+                  <a:srgbClr val="FF0000"/>
+                </a:solidFill>
+              </a:rPr>
+              <a:t>301 Moved Permanently</a:t>
+            </a:r>
+            <a:r>
+              <a:rPr lang="en-US" sz="1300">
+                <a:solidFill>
+                  <a:srgbClr val="FF0000"/>
+                </a:solidFill>
+              </a:rPr>
+              <a:t> → Səhifə yeni URL-ə köçürülüb.</a:t>
+            </a:r>
+          </a:p>
+          <a:p>
+            <a:pPr marL="285750" indent="-285750">
+              <a:buFont typeface="Arial" panose="020B0604020202020204" pitchFamily="34" charset="0"/>
+              <a:buChar char="•"/>
+            </a:pPr>
+            <a:r>
+              <a:rPr lang="en-US" sz="1300" b="1">
+                <a:solidFill>
+                  <a:srgbClr val="FF0000"/>
+                </a:solidFill>
+              </a:rPr>
+              <a:t>403 Forbidden</a:t>
+            </a:r>
+            <a:r>
+              <a:rPr lang="en-US" sz="1300">
+                <a:solidFill>
+                  <a:srgbClr val="FF0000"/>
+                </a:solidFill>
+              </a:rPr>
+              <a:t> → İcazə verilməyən sorğu.</a:t>
+            </a:r>
+          </a:p>
+          <a:p>
+            <a:pPr marL="285750" indent="-285750">
+              <a:buFont typeface="Arial" panose="020B0604020202020204" pitchFamily="34" charset="0"/>
+              <a:buChar char="•"/>
+            </a:pPr>
+            <a:r>
+              <a:rPr lang="en-US" sz="1300" b="1">
+                <a:solidFill>
+                  <a:srgbClr val="FF0000"/>
+                </a:solidFill>
+              </a:rPr>
+              <a:t>404 Not Found</a:t>
+            </a:r>
+            <a:r>
+              <a:rPr lang="en-US" sz="1300">
+                <a:solidFill>
+                  <a:srgbClr val="FF0000"/>
+                </a:solidFill>
+              </a:rPr>
+              <a:t> → Səhifə tapılmadı.</a:t>
+            </a:r>
+          </a:p>
+          <a:p>
+            <a:pPr marL="285750" indent="-285750">
+              <a:buFont typeface="Arial" panose="020B0604020202020204" pitchFamily="34" charset="0"/>
+              <a:buChar char="•"/>
+            </a:pPr>
+            <a:r>
+              <a:rPr lang="en-US" sz="1300" b="1">
+                <a:solidFill>
+                  <a:srgbClr val="FF0000"/>
+                </a:solidFill>
+              </a:rPr>
+              <a:t>500 Internal Server Error</a:t>
+            </a:r>
+            <a:r>
+              <a:rPr lang="en-US" sz="1300">
+                <a:solidFill>
+                  <a:srgbClr val="FF0000"/>
+                </a:solidFill>
+              </a:rPr>
+              <a:t> → Serverdə daxili xəta baş verdi.</a:t>
+            </a:r>
+          </a:p>
+          <a:p>
+            <a:pPr marL="285750" indent="-285750">
+              <a:buFont typeface="Arial" panose="020B0604020202020204" pitchFamily="34" charset="0"/>
+              <a:buChar char="•"/>
+            </a:pPr>
+            <a:endParaRPr lang="en-US" sz="1300">
+              <a:solidFill>
+                <a:srgbClr val="FF0000"/>
+              </a:solidFill>
+            </a:endParaRPr>
+          </a:p>
+          <a:p>
+            <a:pPr marL="285750" indent="-285750">
+              <a:buFont typeface="Arial" panose="020B0604020202020204" pitchFamily="34" charset="0"/>
+              <a:buChar char="•"/>
+            </a:pPr>
+            <a:endParaRPr lang="en-US" sz="1300">
+              <a:solidFill>
+                <a:srgbClr val="FF0000"/>
+              </a:solidFill>
+            </a:endParaRPr>
+          </a:p>
+          <a:p>
+            <a:pPr>
+              <a:buNone/>
+            </a:pPr>
+            <a:r>
+              <a:rPr lang="en-US" sz="1300" b="1"/>
+              <a:t>2️⃣ HTTP Cavab Başlıqları (Headers)</a:t>
+            </a:r>
+          </a:p>
+          <a:p>
+            <a:pPr>
+              <a:buNone/>
+            </a:pPr>
+            <a:r>
+              <a:rPr lang="en-US" sz="1300"/>
+              <a:t>Burada server haqqında əlavə məlumatlar olur.</a:t>
+            </a:r>
+          </a:p>
+          <a:p>
+            <a:pPr>
+              <a:buNone/>
+            </a:pPr>
+            <a:endParaRPr lang="en-US" sz="1300"/>
+          </a:p>
+          <a:p>
+            <a:r>
+              <a:rPr lang="en-US" sz="1300" b="1"/>
+              <a:t>Misal:</a:t>
+            </a:r>
+            <a:endParaRPr lang="en-US" sz="1300"/>
+          </a:p>
+          <a:p>
+            <a:pPr marL="285750" indent="-285750">
+              <a:buFont typeface="Arial" panose="020B0604020202020204" pitchFamily="34" charset="0"/>
+              <a:buChar char="•"/>
+            </a:pPr>
+            <a:r>
+              <a:rPr lang="en-US" sz="1300"/>
+              <a:t>Server: Apache/2.4.41</a:t>
+            </a:r>
+          </a:p>
+          <a:p>
+            <a:pPr marL="285750" indent="-285750">
+              <a:buFont typeface="Arial" panose="020B0604020202020204" pitchFamily="34" charset="0"/>
+              <a:buChar char="•"/>
+            </a:pPr>
+            <a:r>
+              <a:rPr lang="en-US" sz="1300"/>
+              <a:t>Content-Type: text/html; charset=UTF-8</a:t>
+            </a:r>
+          </a:p>
+          <a:p>
+            <a:pPr marL="285750" indent="-285750">
+              <a:buFont typeface="Arial" panose="020B0604020202020204" pitchFamily="34" charset="0"/>
+              <a:buChar char="•"/>
+            </a:pPr>
+            <a:r>
+              <a:rPr lang="en-US" sz="1300"/>
+              <a:t>Content-Length: 1234</a:t>
+            </a:r>
+          </a:p>
+          <a:p>
+            <a:endParaRPr lang="en-US" sz="1300"/>
+          </a:p>
+          <a:p>
+            <a:pPr marL="285750" marR="0" lvl="0" indent="-285750" algn="l" defTabSz="914400" rtl="0" eaLnBrk="0" fontAlgn="base" latinLnBrk="0" hangingPunct="0">
+              <a:lnSpc>
+                <a:spcPct val="100000"/>
+              </a:lnSpc>
+              <a:spcBef>
+                <a:spcPct val="0"/>
+              </a:spcBef>
+              <a:spcAft>
+                <a:spcPct val="0"/>
+              </a:spcAft>
+              <a:buClrTx/>
+              <a:buSzTx/>
+              <a:buFont typeface="Arial" panose="020B0604020202020204" pitchFamily="34" charset="0"/>
+              <a:buChar char="•"/>
+              <a:tabLst/>
+            </a:pPr>
+            <a:r>
+              <a:rPr kumimoji="0" lang="en-US" altLang="en-US" sz="1300" b="1" i="0" u="none" strike="noStrike" cap="none" normalizeH="0" baseline="0">
+                <a:ln>
+                  <a:noFill/>
+                </a:ln>
+                <a:solidFill>
+                  <a:schemeClr val="tx1"/>
+                </a:solidFill>
+                <a:effectLst/>
+                <a:latin typeface="Arial" panose="020B0604020202020204" pitchFamily="34" charset="0"/>
+              </a:rPr>
+              <a:t>Server</a:t>
+            </a:r>
+            <a:r>
+              <a:rPr kumimoji="0" lang="en-US" altLang="en-US" sz="1300" b="0" i="0" u="none" strike="noStrike" cap="none" normalizeH="0" baseline="0">
+                <a:ln>
+                  <a:noFill/>
+                </a:ln>
+                <a:solidFill>
+                  <a:schemeClr val="tx1"/>
+                </a:solidFill>
+                <a:effectLst/>
+                <a:latin typeface="Arial" panose="020B0604020202020204" pitchFamily="34" charset="0"/>
+              </a:rPr>
+              <a:t> → Serverin proqram təminatı haqqında məlumat verir.</a:t>
+            </a:r>
+          </a:p>
+          <a:p>
+            <a:pPr marL="285750" marR="0" lvl="0" indent="-285750" algn="l" defTabSz="914400" rtl="0" eaLnBrk="0" fontAlgn="base" latinLnBrk="0" hangingPunct="0">
+              <a:lnSpc>
+                <a:spcPct val="100000"/>
+              </a:lnSpc>
+              <a:spcBef>
+                <a:spcPct val="0"/>
+              </a:spcBef>
+              <a:spcAft>
+                <a:spcPct val="0"/>
+              </a:spcAft>
+              <a:buClrTx/>
+              <a:buSzTx/>
+              <a:buFont typeface="Arial" panose="020B0604020202020204" pitchFamily="34" charset="0"/>
+              <a:buChar char="•"/>
+              <a:tabLst/>
+            </a:pPr>
+            <a:r>
+              <a:rPr kumimoji="0" lang="en-US" altLang="en-US" sz="1300" b="1" i="0" u="none" strike="noStrike" cap="none" normalizeH="0" baseline="0">
+                <a:ln>
+                  <a:noFill/>
+                </a:ln>
+                <a:solidFill>
+                  <a:schemeClr val="tx1"/>
+                </a:solidFill>
+                <a:effectLst/>
+                <a:latin typeface="Arial" panose="020B0604020202020204" pitchFamily="34" charset="0"/>
+              </a:rPr>
+              <a:t>Content-Type</a:t>
+            </a:r>
+            <a:r>
+              <a:rPr kumimoji="0" lang="en-US" altLang="en-US" sz="1300" b="0" i="0" u="none" strike="noStrike" cap="none" normalizeH="0" baseline="0">
+                <a:ln>
+                  <a:noFill/>
+                </a:ln>
+                <a:solidFill>
+                  <a:schemeClr val="tx1"/>
+                </a:solidFill>
+                <a:effectLst/>
+                <a:latin typeface="Arial" panose="020B0604020202020204" pitchFamily="34" charset="0"/>
+              </a:rPr>
+              <a:t> → Cavabın növünü göstərir (məsələn, HTML, JSON, şəkil və s.).</a:t>
+            </a:r>
+          </a:p>
+          <a:p>
+            <a:pPr marL="285750" marR="0" lvl="0" indent="-285750" algn="l" defTabSz="914400" rtl="0" eaLnBrk="0" fontAlgn="base" latinLnBrk="0" hangingPunct="0">
+              <a:lnSpc>
+                <a:spcPct val="100000"/>
+              </a:lnSpc>
+              <a:spcBef>
+                <a:spcPct val="0"/>
+              </a:spcBef>
+              <a:spcAft>
+                <a:spcPct val="0"/>
+              </a:spcAft>
+              <a:buClrTx/>
+              <a:buSzTx/>
+              <a:buFont typeface="Arial" panose="020B0604020202020204" pitchFamily="34" charset="0"/>
+              <a:buChar char="•"/>
+              <a:tabLst/>
+            </a:pPr>
+            <a:r>
+              <a:rPr kumimoji="0" lang="en-US" altLang="en-US" sz="1300" b="1" i="0" u="none" strike="noStrike" cap="none" normalizeH="0" baseline="0">
+                <a:ln>
+                  <a:noFill/>
+                </a:ln>
+                <a:solidFill>
+                  <a:schemeClr val="tx1"/>
+                </a:solidFill>
+                <a:effectLst/>
+                <a:latin typeface="Arial" panose="020B0604020202020204" pitchFamily="34" charset="0"/>
+              </a:rPr>
+              <a:t>Content-Length</a:t>
+            </a:r>
+            <a:r>
+              <a:rPr kumimoji="0" lang="en-US" altLang="en-US" sz="1300" b="0" i="0" u="none" strike="noStrike" cap="none" normalizeH="0" baseline="0">
+                <a:ln>
+                  <a:noFill/>
+                </a:ln>
+                <a:solidFill>
+                  <a:schemeClr val="tx1"/>
+                </a:solidFill>
+                <a:effectLst/>
+                <a:latin typeface="Arial" panose="020B0604020202020204" pitchFamily="34" charset="0"/>
+              </a:rPr>
+              <a:t> → Cavabın ölçüsünü göstərir.</a:t>
+            </a:r>
           </a:p>
         </p:txBody>
       </p:sp>
@@ -5770,7 +13752,7 @@
 </p:sld>
 </file>
 
-<file path=ppt/slides/slide6.xml><?xml version="1.0" encoding="utf-8"?>
+<file path=ppt/slides/slide8.xml><?xml version="1.0" encoding="utf-8"?>
 <p:sld xmlns:a="http://schemas.openxmlformats.org/drawingml/2006/main" xmlns:r="http://schemas.openxmlformats.org/officeDocument/2006/relationships" xmlns:p="http://schemas.openxmlformats.org/presentationml/2006/main">
   <p:cSld>
     <p:spTree>
@@ -5808,7 +13790,7 @@
         <p:spPr>
           <a:xfrm>
             <a:off x="107004" y="158874"/>
-            <a:ext cx="11984477" cy="584775"/>
+            <a:ext cx="11984477" cy="4524315"/>
           </a:xfrm>
           <a:prstGeom prst="rect">
             <a:avLst/>
@@ -5821,15 +13803,188 @@
           </a:bodyPr>
           <a:lstStyle/>
           <a:p>
-            <a:r>
-              <a:rPr lang="ru-RU" sz="1600"/>
-              <a:t>.</a:t>
-            </a:r>
-          </a:p>
-          <a:p>
             <a:pPr>
               <a:buNone/>
             </a:pPr>
+            <a:r>
+              <a:rPr lang="en-US" sz="1600" b="1"/>
+              <a:t>3️⃣ Cavab Gövdəsi (Body)</a:t>
+            </a:r>
+            <a:endParaRPr lang="az-Latn-AZ" sz="1600" b="1"/>
+          </a:p>
+          <a:p>
+            <a:pPr>
+              <a:buNone/>
+            </a:pPr>
+            <a:endParaRPr lang="en-US" sz="1600" b="1"/>
+          </a:p>
+          <a:p>
+            <a:pPr>
+              <a:buNone/>
+            </a:pPr>
+            <a:r>
+              <a:rPr lang="en-US" sz="1600"/>
+              <a:t>Burada serverin qaytardığı əsas məlumatlar olur.</a:t>
+            </a:r>
+            <a:endParaRPr lang="az-Latn-AZ" sz="1600"/>
+          </a:p>
+          <a:p>
+            <a:pPr>
+              <a:buNone/>
+            </a:pPr>
+            <a:endParaRPr lang="en-US" sz="1600"/>
+          </a:p>
+          <a:p>
+            <a:r>
+              <a:rPr lang="en-US" sz="1600" b="1"/>
+              <a:t>Misal:</a:t>
+            </a:r>
+            <a:r>
+              <a:rPr lang="en-US" sz="1600"/>
+              <a:t> (Bir veb səhifənin cavabı)</a:t>
+            </a:r>
+            <a:r>
+              <a:rPr lang="az-Latn-AZ" sz="1600"/>
+              <a:t> - </a:t>
+            </a:r>
+            <a:r>
+              <a:rPr lang="en-US" sz="1600"/>
+              <a:t>Burada </a:t>
+            </a:r>
+            <a:r>
+              <a:rPr lang="en-US" sz="1600" b="1"/>
+              <a:t>HTML </a:t>
+            </a:r>
+            <a:r>
+              <a:rPr lang="en-US" sz="1600"/>
+              <a:t>səhifəsinin məzmunu göstərilib.</a:t>
+            </a:r>
+            <a:endParaRPr lang="az-Latn-AZ" sz="1600"/>
+          </a:p>
+          <a:p>
+            <a:endParaRPr lang="az-Latn-AZ" sz="1600"/>
+          </a:p>
+          <a:p>
+            <a:r>
+              <a:rPr lang="en-US" sz="1600">
+                <a:solidFill>
+                  <a:srgbClr val="7030A0"/>
+                </a:solidFill>
+              </a:rPr>
+              <a:t>&lt;html&gt;</a:t>
+            </a:r>
+          </a:p>
+          <a:p>
+            <a:r>
+              <a:rPr lang="en-US" sz="1600">
+                <a:solidFill>
+                  <a:srgbClr val="7030A0"/>
+                </a:solidFill>
+              </a:rPr>
+              <a:t>  &lt;body&gt;</a:t>
+            </a:r>
+          </a:p>
+          <a:p>
+            <a:r>
+              <a:rPr lang="en-US" sz="1600">
+                <a:solidFill>
+                  <a:srgbClr val="7030A0"/>
+                </a:solidFill>
+              </a:rPr>
+              <a:t>    &lt;h1&gt;Xoş gəldiniz!&lt;/h1&gt;</a:t>
+            </a:r>
+          </a:p>
+          <a:p>
+            <a:r>
+              <a:rPr lang="en-US" sz="1600">
+                <a:solidFill>
+                  <a:srgbClr val="7030A0"/>
+                </a:solidFill>
+              </a:rPr>
+              <a:t>  &lt;/body&gt;</a:t>
+            </a:r>
+          </a:p>
+          <a:p>
+            <a:r>
+              <a:rPr lang="en-US" sz="1600">
+                <a:solidFill>
+                  <a:srgbClr val="7030A0"/>
+                </a:solidFill>
+              </a:rPr>
+              <a:t>&lt;/html&gt;</a:t>
+            </a:r>
+          </a:p>
+          <a:p>
+            <a:endParaRPr lang="az-Latn-AZ" sz="1600"/>
+          </a:p>
+          <a:p>
+            <a:r>
+              <a:rPr lang="en-US" sz="1600" b="1"/>
+              <a:t>Misal:</a:t>
+            </a:r>
+            <a:r>
+              <a:rPr lang="en-US" sz="1600"/>
+              <a:t> (JSON cavabı)</a:t>
+            </a:r>
+            <a:r>
+              <a:rPr lang="az-Latn-AZ" sz="1600"/>
+              <a:t> - </a:t>
+            </a:r>
+            <a:r>
+              <a:rPr lang="en-US" sz="1600"/>
+              <a:t>Burada </a:t>
+            </a:r>
+            <a:r>
+              <a:rPr lang="en-US" sz="1600" b="1"/>
+              <a:t>JSON</a:t>
+            </a:r>
+            <a:r>
+              <a:rPr lang="en-US" sz="1600"/>
+              <a:t> formatında serverin cavabı verilir.</a:t>
+            </a:r>
+            <a:endParaRPr lang="az-Latn-AZ" sz="1600"/>
+          </a:p>
+          <a:p>
+            <a:r>
+              <a:rPr lang="en-US" sz="1600">
+                <a:solidFill>
+                  <a:srgbClr val="7030A0"/>
+                </a:solidFill>
+              </a:rPr>
+              <a:t>{</a:t>
+            </a:r>
+          </a:p>
+          <a:p>
+            <a:r>
+              <a:rPr lang="en-US" sz="1600">
+                <a:solidFill>
+                  <a:srgbClr val="7030A0"/>
+                </a:solidFill>
+              </a:rPr>
+              <a:t>  "status": "success",</a:t>
+            </a:r>
+          </a:p>
+          <a:p>
+            <a:r>
+              <a:rPr lang="en-US" sz="1600">
+                <a:solidFill>
+                  <a:srgbClr val="7030A0"/>
+                </a:solidFill>
+              </a:rPr>
+              <a:t>  "message": "İstifadəçi uğurla yaradıldı."</a:t>
+            </a:r>
+          </a:p>
+          <a:p>
+            <a:r>
+              <a:rPr lang="en-US" sz="1600">
+                <a:solidFill>
+                  <a:srgbClr val="7030A0"/>
+                </a:solidFill>
+              </a:rPr>
+              <a:t>}</a:t>
+            </a:r>
+          </a:p>
+          <a:p>
             <a:endParaRPr lang="en-US" sz="1600"/>
           </a:p>
         </p:txBody>
@@ -5847,7 +14002,7 @@
 </p:sld>
 </file>
 
-<file path=ppt/slides/slide7.xml><?xml version="1.0" encoding="utf-8"?>
+<file path=ppt/slides/slide9.xml><?xml version="1.0" encoding="utf-8"?>
 <p:sld xmlns:a="http://schemas.openxmlformats.org/drawingml/2006/main" xmlns:r="http://schemas.openxmlformats.org/officeDocument/2006/relationships" xmlns:p="http://schemas.openxmlformats.org/presentationml/2006/main">
   <p:cSld>
     <p:spTree>
@@ -5885,7 +14040,7 @@
         <p:spPr>
           <a:xfrm>
             <a:off x="107004" y="158874"/>
-            <a:ext cx="11984477" cy="584775"/>
+            <a:ext cx="11984477" cy="2308324"/>
           </a:xfrm>
           <a:prstGeom prst="rect">
             <a:avLst/>
@@ -5898,177 +14053,149 @@
           </a:bodyPr>
           <a:lstStyle/>
           <a:p>
-            <a:r>
-              <a:rPr lang="ru-RU" sz="1600"/>
-              <a:t>.</a:t>
-            </a:r>
-          </a:p>
-          <a:p>
             <a:pPr>
               <a:buNone/>
             </a:pPr>
+            <a:r>
+              <a:rPr lang="en-US" sz="1600" b="1">
+                <a:solidFill>
+                  <a:srgbClr val="FF0000"/>
+                </a:solidFill>
+              </a:rPr>
+              <a:t>HTTP Sorğularını necə analiz etmək olar?</a:t>
+            </a:r>
+          </a:p>
+          <a:p>
+            <a:pPr>
+              <a:buNone/>
+            </a:pPr>
+            <a:r>
+              <a:rPr lang="en-US" sz="1600"/>
+              <a:t>Brauzerin </a:t>
+            </a:r>
+            <a:r>
+              <a:rPr lang="en-US" sz="1600" b="1"/>
+              <a:t>Developer Tools </a:t>
+            </a:r>
+            <a:r>
+              <a:rPr lang="en-US" sz="1600"/>
+              <a:t>bölməsindən </a:t>
+            </a:r>
+            <a:r>
+              <a:rPr lang="en-US" sz="1600" b="1"/>
+              <a:t>HTTP</a:t>
+            </a:r>
+            <a:r>
+              <a:rPr lang="en-US" sz="1600"/>
+              <a:t> sorğularını görə bilərsən:</a:t>
+            </a:r>
+            <a:endParaRPr lang="az-Latn-AZ" sz="1600"/>
+          </a:p>
+          <a:p>
+            <a:pPr>
+              <a:buNone/>
+            </a:pPr>
             <a:endParaRPr lang="en-US" sz="1600"/>
           </a:p>
+          <a:p>
+            <a:pPr>
+              <a:buNone/>
+            </a:pPr>
+            <a:r>
+              <a:rPr lang="en-US" sz="1600" b="1"/>
+              <a:t>Bunu etmək üçün</a:t>
+            </a:r>
+            <a:r>
+              <a:rPr lang="en-US" sz="1600"/>
+              <a:t>:</a:t>
+            </a:r>
+          </a:p>
+          <a:p>
+            <a:pPr marL="342900" indent="-342900">
+              <a:buFont typeface="+mj-lt"/>
+              <a:buAutoNum type="arabicPeriod"/>
+            </a:pPr>
+            <a:r>
+              <a:rPr lang="en-US" sz="1600"/>
+              <a:t>Brauzerdə F12 düyməsinə bas.</a:t>
+            </a:r>
+          </a:p>
+          <a:p>
+            <a:pPr marL="342900" indent="-342900">
+              <a:buFont typeface="+mj-lt"/>
+              <a:buAutoNum type="arabicPeriod"/>
+            </a:pPr>
+            <a:r>
+              <a:rPr lang="en-US" sz="1600"/>
+              <a:t>"Network" (Şəbəkə) bölməsinə keç.</a:t>
+            </a:r>
+          </a:p>
+          <a:p>
+            <a:pPr marL="342900" indent="-342900">
+              <a:buFont typeface="+mj-lt"/>
+              <a:buAutoNum type="arabicPeriod"/>
+            </a:pPr>
+            <a:r>
+              <a:rPr lang="en-US" sz="1600"/>
+              <a:t>Bir veb səhifəyə daxil ol və sorğuların detallarına bax.</a:t>
+            </a:r>
+            <a:endParaRPr lang="az-Latn-AZ" sz="1600"/>
+          </a:p>
+          <a:p>
+            <a:pPr marL="342900" indent="-342900">
+              <a:buFont typeface="+mj-lt"/>
+              <a:buAutoNum type="arabicPeriod"/>
+            </a:pPr>
+            <a:endParaRPr lang="en-US" sz="1600"/>
+          </a:p>
+          <a:p>
+            <a:r>
+              <a:rPr lang="en-US" sz="1600"/>
+              <a:t>Burada hansı URL-lərə sorğu göndərildiyini, hansı cavabların qaytarıldığını və serverin başlıqlarını görə bilərsən.</a:t>
+            </a:r>
+          </a:p>
         </p:txBody>
       </p:sp>
+      <p:pic>
+        <p:nvPicPr>
+          <p:cNvPr id="4" name="Picture 3">
+            <a:extLst>
+              <a:ext uri="{FF2B5EF4-FFF2-40B4-BE49-F238E27FC236}">
+                <a16:creationId xmlns:a16="http://schemas.microsoft.com/office/drawing/2014/main" id="{3465182B-285B-42FF-6D0C-8DC013D3C924}"/>
+              </a:ext>
+            </a:extLst>
+          </p:cNvPr>
+          <p:cNvPicPr>
+            <a:picLocks noChangeAspect="1"/>
+          </p:cNvPicPr>
+          <p:nvPr/>
+        </p:nvPicPr>
+        <p:blipFill>
+          <a:blip r:embed="rId3">
+            <a:extLst>
+              <a:ext uri="{28A0092B-C50C-407E-A947-70E740481C1C}">
+                <a14:useLocalDpi xmlns:a14="http://schemas.microsoft.com/office/drawing/2010/main" val="0"/>
+              </a:ext>
+            </a:extLst>
+          </a:blip>
+          <a:stretch>
+            <a:fillRect/>
+          </a:stretch>
+        </p:blipFill>
+        <p:spPr>
+          <a:xfrm>
+            <a:off x="4677818" y="2609548"/>
+            <a:ext cx="7514182" cy="4248452"/>
+          </a:xfrm>
+          <a:prstGeom prst="rect">
+            <a:avLst/>
+          </a:prstGeom>
+        </p:spPr>
+      </p:pic>
     </p:spTree>
     <p:extLst>
       <p:ext uri="{BB962C8B-B14F-4D97-AF65-F5344CB8AC3E}">
         <p14:creationId xmlns:p14="http://schemas.microsoft.com/office/powerpoint/2010/main" val="1466780116"/>
-      </p:ext>
-    </p:extLst>
-  </p:cSld>
-  <p:clrMapOvr>
-    <a:masterClrMapping/>
-  </p:clrMapOvr>
-</p:sld>
-</file>
-
-<file path=ppt/slides/slide8.xml><?xml version="1.0" encoding="utf-8"?>
-<p:sld xmlns:a="http://schemas.openxmlformats.org/drawingml/2006/main" xmlns:r="http://schemas.openxmlformats.org/officeDocument/2006/relationships" xmlns:p="http://schemas.openxmlformats.org/presentationml/2006/main">
-  <p:cSld>
-    <p:spTree>
-      <p:nvGrpSpPr>
-        <p:cNvPr id="1" name="">
-          <a:extLst>
-            <a:ext uri="{FF2B5EF4-FFF2-40B4-BE49-F238E27FC236}">
-              <a16:creationId xmlns:a16="http://schemas.microsoft.com/office/drawing/2014/main" id="{1BE30C00-5B93-CAE4-AF71-2EF350FEBF2F}"/>
-            </a:ext>
-          </a:extLst>
-        </p:cNvPr>
-        <p:cNvGrpSpPr/>
-        <p:nvPr/>
-      </p:nvGrpSpPr>
-      <p:grpSpPr>
-        <a:xfrm>
-          <a:off x="0" y="0"/>
-          <a:ext cx="0" cy="0"/>
-          <a:chOff x="0" y="0"/>
-          <a:chExt cx="0" cy="0"/>
-        </a:xfrm>
-      </p:grpSpPr>
-      <p:sp>
-        <p:nvSpPr>
-          <p:cNvPr id="3" name="TextBox 2">
-            <a:extLst>
-              <a:ext uri="{FF2B5EF4-FFF2-40B4-BE49-F238E27FC236}">
-                <a16:creationId xmlns:a16="http://schemas.microsoft.com/office/drawing/2014/main" id="{2DE9E490-F950-2667-4A97-4AA9515ACF1F}"/>
-              </a:ext>
-            </a:extLst>
-          </p:cNvPr>
-          <p:cNvSpPr txBox="1"/>
-          <p:nvPr/>
-        </p:nvSpPr>
-        <p:spPr>
-          <a:xfrm>
-            <a:off x="107004" y="158874"/>
-            <a:ext cx="11984477" cy="584775"/>
-          </a:xfrm>
-          <a:prstGeom prst="rect">
-            <a:avLst/>
-          </a:prstGeom>
-          <a:noFill/>
-        </p:spPr>
-        <p:txBody>
-          <a:bodyPr wrap="square">
-            <a:spAutoFit/>
-          </a:bodyPr>
-          <a:lstStyle/>
-          <a:p>
-            <a:r>
-              <a:rPr lang="ru-RU" sz="1600"/>
-              <a:t>.</a:t>
-            </a:r>
-          </a:p>
-          <a:p>
-            <a:pPr>
-              <a:buNone/>
-            </a:pPr>
-            <a:endParaRPr lang="en-US" sz="1600"/>
-          </a:p>
-        </p:txBody>
-      </p:sp>
-    </p:spTree>
-    <p:extLst>
-      <p:ext uri="{BB962C8B-B14F-4D97-AF65-F5344CB8AC3E}">
-        <p14:creationId xmlns:p14="http://schemas.microsoft.com/office/powerpoint/2010/main" val="1287262930"/>
-      </p:ext>
-    </p:extLst>
-  </p:cSld>
-  <p:clrMapOvr>
-    <a:masterClrMapping/>
-  </p:clrMapOvr>
-</p:sld>
-</file>
-
-<file path=ppt/slides/slide9.xml><?xml version="1.0" encoding="utf-8"?>
-<p:sld xmlns:a="http://schemas.openxmlformats.org/drawingml/2006/main" xmlns:r="http://schemas.openxmlformats.org/officeDocument/2006/relationships" xmlns:p="http://schemas.openxmlformats.org/presentationml/2006/main">
-  <p:cSld>
-    <p:spTree>
-      <p:nvGrpSpPr>
-        <p:cNvPr id="1" name="">
-          <a:extLst>
-            <a:ext uri="{FF2B5EF4-FFF2-40B4-BE49-F238E27FC236}">
-              <a16:creationId xmlns:a16="http://schemas.microsoft.com/office/drawing/2014/main" id="{B6A386BC-643F-5469-DFCB-FCB4B18F2937}"/>
-            </a:ext>
-          </a:extLst>
-        </p:cNvPr>
-        <p:cNvGrpSpPr/>
-        <p:nvPr/>
-      </p:nvGrpSpPr>
-      <p:grpSpPr>
-        <a:xfrm>
-          <a:off x="0" y="0"/>
-          <a:ext cx="0" cy="0"/>
-          <a:chOff x="0" y="0"/>
-          <a:chExt cx="0" cy="0"/>
-        </a:xfrm>
-      </p:grpSpPr>
-      <p:sp>
-        <p:nvSpPr>
-          <p:cNvPr id="3" name="TextBox 2">
-            <a:extLst>
-              <a:ext uri="{FF2B5EF4-FFF2-40B4-BE49-F238E27FC236}">
-                <a16:creationId xmlns:a16="http://schemas.microsoft.com/office/drawing/2014/main" id="{AC94DC14-C3F7-C3F9-D238-336B5CC05256}"/>
-              </a:ext>
-            </a:extLst>
-          </p:cNvPr>
-          <p:cNvSpPr txBox="1"/>
-          <p:nvPr/>
-        </p:nvSpPr>
-        <p:spPr>
-          <a:xfrm>
-            <a:off x="107004" y="158874"/>
-            <a:ext cx="11984477" cy="584775"/>
-          </a:xfrm>
-          <a:prstGeom prst="rect">
-            <a:avLst/>
-          </a:prstGeom>
-          <a:noFill/>
-        </p:spPr>
-        <p:txBody>
-          <a:bodyPr wrap="square">
-            <a:spAutoFit/>
-          </a:bodyPr>
-          <a:lstStyle/>
-          <a:p>
-            <a:r>
-              <a:rPr lang="ru-RU" sz="1600"/>
-              <a:t>.</a:t>
-            </a:r>
-          </a:p>
-          <a:p>
-            <a:pPr>
-              <a:buNone/>
-            </a:pPr>
-            <a:endParaRPr lang="en-US" sz="1600"/>
-          </a:p>
-        </p:txBody>
-      </p:sp>
-    </p:spTree>
-    <p:extLst>
-      <p:ext uri="{BB962C8B-B14F-4D97-AF65-F5344CB8AC3E}">
-        <p14:creationId xmlns:p14="http://schemas.microsoft.com/office/powerpoint/2010/main" val="3441767625"/>
       </p:ext>
     </p:extLst>
   </p:cSld>
